--- a/TradeMinder F# - C#.pptx
+++ b/TradeMinder F# - C#.pptx
@@ -5,7 +5,7 @@
     <p:sldMasterId id="2147483696" r:id="rId1"/>
   </p:sldMasterIdLst>
   <p:notesMasterIdLst>
-    <p:notesMasterId r:id="rId24"/>
+    <p:notesMasterId r:id="rId30"/>
   </p:notesMasterIdLst>
   <p:sldIdLst>
     <p:sldId id="256" r:id="rId2"/>
@@ -29,7 +29,13 @@
     <p:sldId id="274" r:id="rId20"/>
     <p:sldId id="275" r:id="rId21"/>
     <p:sldId id="276" r:id="rId22"/>
-    <p:sldId id="277" r:id="rId23"/>
+    <p:sldId id="279" r:id="rId23"/>
+    <p:sldId id="277" r:id="rId24"/>
+    <p:sldId id="278" r:id="rId25"/>
+    <p:sldId id="280" r:id="rId26"/>
+    <p:sldId id="281" r:id="rId27"/>
+    <p:sldId id="282" r:id="rId28"/>
+    <p:sldId id="283" r:id="rId29"/>
   </p:sldIdLst>
   <p:sldSz cx="12192000" cy="6858000"/>
   <p:notesSz cx="6858000" cy="9144000"/>
@@ -128,6 +134,11 @@
       </a:defRPr>
     </a:lvl9pPr>
   </p:defaultTextStyle>
+  <p:extLst>
+    <p:ext uri="{EFAFB233-063F-42B5-8137-9DF3F51BA10A}">
+      <p15:sldGuideLst xmlns:p15="http://schemas.microsoft.com/office/powerpoint/2012/main"/>
+    </p:ext>
+  </p:extLst>
 </p:presentation>
 </file>
 
@@ -7201,7 +7212,7 @@
         </p:spPr>
         <p:txBody>
           <a:bodyPr>
-            <a:normAutofit lnSpcReduction="10000"/>
+            <a:normAutofit/>
           </a:bodyPr>
           <a:lstStyle/>
           <a:p>
@@ -9496,6 +9507,190 @@
           <p:cNvPr id="2" name="Title 1">
             <a:extLst>
               <a:ext uri="{FF2B5EF4-FFF2-40B4-BE49-F238E27FC236}">
+                <a16:creationId xmlns:a16="http://schemas.microsoft.com/office/drawing/2014/main" id="{169EB7D1-2F0C-4C33-9B68-39874BE6CDC2}"/>
+              </a:ext>
+            </a:extLst>
+          </p:cNvPr>
+          <p:cNvSpPr>
+            <a:spLocks noGrp="1"/>
+          </p:cNvSpPr>
+          <p:nvPr>
+            <p:ph type="title"/>
+          </p:nvPr>
+        </p:nvSpPr>
+        <p:spPr/>
+        <p:txBody>
+          <a:bodyPr/>
+          <a:lstStyle/>
+          <a:p>
+            <a:r>
+              <a:rPr lang="en-US" dirty="0"/>
+              <a:t>Refactoring: Partial to Full Testability</a:t>
+            </a:r>
+          </a:p>
+        </p:txBody>
+      </p:sp>
+      <p:sp>
+        <p:nvSpPr>
+          <p:cNvPr id="20" name="Text Placeholder 19">
+            <a:extLst>
+              <a:ext uri="{FF2B5EF4-FFF2-40B4-BE49-F238E27FC236}">
+                <a16:creationId xmlns:a16="http://schemas.microsoft.com/office/drawing/2014/main" id="{C845D57F-B65A-429F-93BA-B3A20359FC47}"/>
+              </a:ext>
+            </a:extLst>
+          </p:cNvPr>
+          <p:cNvSpPr>
+            <a:spLocks noGrp="1"/>
+          </p:cNvSpPr>
+          <p:nvPr>
+            <p:ph type="body" idx="1"/>
+          </p:nvPr>
+        </p:nvSpPr>
+        <p:spPr>
+          <a:xfrm>
+            <a:off x="0" y="1905000"/>
+            <a:ext cx="4396338" cy="576262"/>
+          </a:xfrm>
+        </p:spPr>
+        <p:txBody>
+          <a:bodyPr/>
+          <a:lstStyle/>
+          <a:p>
+            <a:r>
+              <a:rPr lang="en-US" dirty="0"/>
+              <a:t>Phase 2</a:t>
+            </a:r>
+          </a:p>
+        </p:txBody>
+      </p:sp>
+      <p:sp>
+        <p:nvSpPr>
+          <p:cNvPr id="22" name="Text Placeholder 21">
+            <a:extLst>
+              <a:ext uri="{FF2B5EF4-FFF2-40B4-BE49-F238E27FC236}">
+                <a16:creationId xmlns:a16="http://schemas.microsoft.com/office/drawing/2014/main" id="{C26965E4-4241-4831-8BF0-6C604CA4C2A1}"/>
+              </a:ext>
+            </a:extLst>
+          </p:cNvPr>
+          <p:cNvSpPr>
+            <a:spLocks noGrp="1"/>
+          </p:cNvSpPr>
+          <p:nvPr>
+            <p:ph type="body" sz="quarter" idx="3"/>
+          </p:nvPr>
+        </p:nvSpPr>
+        <p:spPr>
+          <a:xfrm>
+            <a:off x="6033854" y="1905000"/>
+            <a:ext cx="4396339" cy="576262"/>
+          </a:xfrm>
+        </p:spPr>
+        <p:txBody>
+          <a:bodyPr/>
+          <a:lstStyle/>
+          <a:p>
+            <a:r>
+              <a:rPr lang="en-US" dirty="0"/>
+              <a:t>Phase 3</a:t>
+            </a:r>
+          </a:p>
+        </p:txBody>
+      </p:sp>
+      <p:pic>
+        <p:nvPicPr>
+          <p:cNvPr id="26" name="Picture 25">
+            <a:extLst>
+              <a:ext uri="{FF2B5EF4-FFF2-40B4-BE49-F238E27FC236}">
+                <a16:creationId xmlns:a16="http://schemas.microsoft.com/office/drawing/2014/main" id="{8636F7D2-6B9C-4358-B6D7-B416316C0DC6}"/>
+              </a:ext>
+            </a:extLst>
+          </p:cNvPr>
+          <p:cNvPicPr>
+            <a:picLocks noChangeAspect="1"/>
+          </p:cNvPicPr>
+          <p:nvPr/>
+        </p:nvPicPr>
+        <p:blipFill>
+          <a:blip r:embed="rId2"/>
+          <a:stretch>
+            <a:fillRect/>
+          </a:stretch>
+        </p:blipFill>
+        <p:spPr>
+          <a:xfrm>
+            <a:off x="97006" y="2533014"/>
+            <a:ext cx="5963482" cy="2848373"/>
+          </a:xfrm>
+          <a:prstGeom prst="rect">
+            <a:avLst/>
+          </a:prstGeom>
+        </p:spPr>
+      </p:pic>
+      <p:pic>
+        <p:nvPicPr>
+          <p:cNvPr id="27" name="Picture 26">
+            <a:extLst>
+              <a:ext uri="{FF2B5EF4-FFF2-40B4-BE49-F238E27FC236}">
+                <a16:creationId xmlns:a16="http://schemas.microsoft.com/office/drawing/2014/main" id="{58E3662E-2D24-4AEF-A5FE-124A18702784}"/>
+              </a:ext>
+            </a:extLst>
+          </p:cNvPr>
+          <p:cNvPicPr>
+            <a:picLocks noChangeAspect="1"/>
+          </p:cNvPicPr>
+          <p:nvPr/>
+        </p:nvPicPr>
+        <p:blipFill>
+          <a:blip r:embed="rId3"/>
+          <a:stretch>
+            <a:fillRect/>
+          </a:stretch>
+        </p:blipFill>
+        <p:spPr>
+          <a:xfrm>
+            <a:off x="6111858" y="2533014"/>
+            <a:ext cx="5982535" cy="3962953"/>
+          </a:xfrm>
+          <a:prstGeom prst="rect">
+            <a:avLst/>
+          </a:prstGeom>
+        </p:spPr>
+      </p:pic>
+    </p:spTree>
+    <p:extLst>
+      <p:ext uri="{BB962C8B-B14F-4D97-AF65-F5344CB8AC3E}">
+        <p14:creationId xmlns:p14="http://schemas.microsoft.com/office/powerpoint/2010/main" val="3181213068"/>
+      </p:ext>
+    </p:extLst>
+  </p:cSld>
+  <p:clrMapOvr>
+    <a:masterClrMapping/>
+  </p:clrMapOvr>
+</p:sld>
+</file>
+
+<file path=ppt/slides/slide23.xml><?xml version="1.0" encoding="utf-8"?>
+<p:sld xmlns:a="http://schemas.openxmlformats.org/drawingml/2006/main" xmlns:r="http://schemas.openxmlformats.org/officeDocument/2006/relationships" xmlns:p="http://schemas.openxmlformats.org/presentationml/2006/main">
+  <p:cSld>
+    <p:spTree>
+      <p:nvGrpSpPr>
+        <p:cNvPr id="1" name=""/>
+        <p:cNvGrpSpPr/>
+        <p:nvPr/>
+      </p:nvGrpSpPr>
+      <p:grpSpPr>
+        <a:xfrm>
+          <a:off x="0" y="0"/>
+          <a:ext cx="0" cy="0"/>
+          <a:chOff x="0" y="0"/>
+          <a:chExt cx="0" cy="0"/>
+        </a:xfrm>
+      </p:grpSpPr>
+      <p:sp>
+        <p:nvSpPr>
+          <p:cNvPr id="2" name="Title 1">
+            <a:extLst>
+              <a:ext uri="{FF2B5EF4-FFF2-40B4-BE49-F238E27FC236}">
                 <a16:creationId xmlns:a16="http://schemas.microsoft.com/office/drawing/2014/main" id="{04330AE9-6454-4E85-99AC-30B789471F1E}"/>
               </a:ext>
             </a:extLst>
@@ -9643,6 +9838,938 @@
     <p:extLst>
       <p:ext uri="{BB962C8B-B14F-4D97-AF65-F5344CB8AC3E}">
         <p14:creationId xmlns:p14="http://schemas.microsoft.com/office/powerpoint/2010/main" val="229387714"/>
+      </p:ext>
+    </p:extLst>
+  </p:cSld>
+  <p:clrMapOvr>
+    <a:masterClrMapping/>
+  </p:clrMapOvr>
+</p:sld>
+</file>
+
+<file path=ppt/slides/slide24.xml><?xml version="1.0" encoding="utf-8"?>
+<p:sld xmlns:a="http://schemas.openxmlformats.org/drawingml/2006/main" xmlns:r="http://schemas.openxmlformats.org/officeDocument/2006/relationships" xmlns:p="http://schemas.openxmlformats.org/presentationml/2006/main">
+  <p:cSld>
+    <p:spTree>
+      <p:nvGrpSpPr>
+        <p:cNvPr id="1" name=""/>
+        <p:cNvGrpSpPr/>
+        <p:nvPr/>
+      </p:nvGrpSpPr>
+      <p:grpSpPr>
+        <a:xfrm>
+          <a:off x="0" y="0"/>
+          <a:ext cx="0" cy="0"/>
+          <a:chOff x="0" y="0"/>
+          <a:chExt cx="0" cy="0"/>
+        </a:xfrm>
+      </p:grpSpPr>
+      <p:sp>
+        <p:nvSpPr>
+          <p:cNvPr id="2" name="Title 1">
+            <a:extLst>
+              <a:ext uri="{FF2B5EF4-FFF2-40B4-BE49-F238E27FC236}">
+                <a16:creationId xmlns:a16="http://schemas.microsoft.com/office/drawing/2014/main" id="{FE1307B6-8205-4DBE-8AE8-3FDD4E40AE0D}"/>
+              </a:ext>
+            </a:extLst>
+          </p:cNvPr>
+          <p:cNvSpPr>
+            <a:spLocks noGrp="1"/>
+          </p:cNvSpPr>
+          <p:nvPr>
+            <p:ph type="title"/>
+          </p:nvPr>
+        </p:nvSpPr>
+        <p:spPr>
+          <a:xfrm>
+            <a:off x="646111" y="452718"/>
+            <a:ext cx="9404723" cy="1400530"/>
+          </a:xfrm>
+        </p:spPr>
+        <p:txBody>
+          <a:bodyPr/>
+          <a:lstStyle/>
+          <a:p>
+            <a:r>
+              <a:rPr lang="en-US" dirty="0"/>
+              <a:t>Side-by-side: Solution Layout</a:t>
+            </a:r>
+          </a:p>
+        </p:txBody>
+      </p:sp>
+      <p:sp>
+        <p:nvSpPr>
+          <p:cNvPr id="5" name="Text Placeholder 4">
+            <a:extLst>
+              <a:ext uri="{FF2B5EF4-FFF2-40B4-BE49-F238E27FC236}">
+                <a16:creationId xmlns:a16="http://schemas.microsoft.com/office/drawing/2014/main" id="{293B56AD-0C12-4060-8B01-B61E934F12DB}"/>
+              </a:ext>
+            </a:extLst>
+          </p:cNvPr>
+          <p:cNvSpPr>
+            <a:spLocks noGrp="1"/>
+          </p:cNvSpPr>
+          <p:nvPr>
+            <p:ph type="body" sz="quarter" idx="3"/>
+          </p:nvPr>
+        </p:nvSpPr>
+        <p:spPr>
+          <a:xfrm>
+            <a:off x="726860" y="1905000"/>
+            <a:ext cx="4396339" cy="576262"/>
+          </a:xfrm>
+        </p:spPr>
+        <p:txBody>
+          <a:bodyPr/>
+          <a:lstStyle/>
+          <a:p>
+            <a:r>
+              <a:rPr lang="en-US" dirty="0"/>
+              <a:t>C#</a:t>
+            </a:r>
+          </a:p>
+        </p:txBody>
+      </p:sp>
+      <p:sp>
+        <p:nvSpPr>
+          <p:cNvPr id="6" name="Content Placeholder 5">
+            <a:extLst>
+              <a:ext uri="{FF2B5EF4-FFF2-40B4-BE49-F238E27FC236}">
+                <a16:creationId xmlns:a16="http://schemas.microsoft.com/office/drawing/2014/main" id="{7D772B96-99A3-4578-AA39-BD1EBF82A7A9}"/>
+              </a:ext>
+            </a:extLst>
+          </p:cNvPr>
+          <p:cNvSpPr>
+            <a:spLocks noGrp="1"/>
+          </p:cNvSpPr>
+          <p:nvPr>
+            <p:ph sz="quarter" idx="4"/>
+          </p:nvPr>
+        </p:nvSpPr>
+        <p:spPr>
+          <a:xfrm>
+            <a:off x="726861" y="2514600"/>
+            <a:ext cx="2788168" cy="3741738"/>
+          </a:xfrm>
+        </p:spPr>
+        <p:txBody>
+          <a:bodyPr>
+            <a:normAutofit lnSpcReduction="10000"/>
+          </a:bodyPr>
+          <a:lstStyle/>
+          <a:p>
+            <a:r>
+              <a:rPr lang="en-US" dirty="0"/>
+              <a:t>Entities are often </a:t>
+            </a:r>
+            <a:br>
+              <a:rPr lang="en-US" dirty="0"/>
+            </a:br>
+            <a:r>
+              <a:rPr lang="en-US" dirty="0"/>
+              <a:t>1 file per class</a:t>
+            </a:r>
+          </a:p>
+          <a:p>
+            <a:endParaRPr lang="en-US" dirty="0"/>
+          </a:p>
+          <a:p>
+            <a:r>
+              <a:rPr lang="en-US" dirty="0"/>
+              <a:t>Interfaces are necessary for testability; and they are often used even if no tests are written to adhere to best practices (loose coupling).</a:t>
+            </a:r>
+          </a:p>
+          <a:p>
+            <a:r>
+              <a:rPr lang="en-US" dirty="0"/>
+              <a:t>Files listed in ABC order</a:t>
+            </a:r>
+          </a:p>
+        </p:txBody>
+      </p:sp>
+      <p:pic>
+        <p:nvPicPr>
+          <p:cNvPr id="10" name="Picture 9">
+            <a:extLst>
+              <a:ext uri="{FF2B5EF4-FFF2-40B4-BE49-F238E27FC236}">
+                <a16:creationId xmlns:a16="http://schemas.microsoft.com/office/drawing/2014/main" id="{64DC9CC8-69FC-4E1E-8091-9CDC9BA54535}"/>
+              </a:ext>
+            </a:extLst>
+          </p:cNvPr>
+          <p:cNvPicPr>
+            <a:picLocks noChangeAspect="1"/>
+          </p:cNvPicPr>
+          <p:nvPr/>
+        </p:nvPicPr>
+        <p:blipFill>
+          <a:blip r:embed="rId2"/>
+          <a:stretch>
+            <a:fillRect/>
+          </a:stretch>
+        </p:blipFill>
+        <p:spPr>
+          <a:xfrm>
+            <a:off x="3646058" y="2533014"/>
+            <a:ext cx="2343150" cy="3248025"/>
+          </a:xfrm>
+          <a:prstGeom prst="rect">
+            <a:avLst/>
+          </a:prstGeom>
+        </p:spPr>
+      </p:pic>
+      <p:sp>
+        <p:nvSpPr>
+          <p:cNvPr id="13" name="Text Placeholder 2">
+            <a:extLst>
+              <a:ext uri="{FF2B5EF4-FFF2-40B4-BE49-F238E27FC236}">
+                <a16:creationId xmlns:a16="http://schemas.microsoft.com/office/drawing/2014/main" id="{B8ED4B78-3338-49B5-85CD-F88DDB456EDF}"/>
+              </a:ext>
+            </a:extLst>
+          </p:cNvPr>
+          <p:cNvSpPr>
+            <a:spLocks noGrp="1"/>
+          </p:cNvSpPr>
+          <p:nvPr>
+            <p:ph type="body" idx="1"/>
+          </p:nvPr>
+        </p:nvSpPr>
+        <p:spPr>
+          <a:xfrm>
+            <a:off x="6660410" y="1905000"/>
+            <a:ext cx="4396338" cy="576262"/>
+          </a:xfrm>
+        </p:spPr>
+        <p:txBody>
+          <a:bodyPr/>
+          <a:lstStyle/>
+          <a:p>
+            <a:r>
+              <a:rPr lang="en-US" dirty="0"/>
+              <a:t>F#</a:t>
+            </a:r>
+          </a:p>
+        </p:txBody>
+      </p:sp>
+      <p:sp>
+        <p:nvSpPr>
+          <p:cNvPr id="14" name="Content Placeholder 3">
+            <a:extLst>
+              <a:ext uri="{FF2B5EF4-FFF2-40B4-BE49-F238E27FC236}">
+                <a16:creationId xmlns:a16="http://schemas.microsoft.com/office/drawing/2014/main" id="{96D479C2-1C64-445C-AE99-5B6A15381E3E}"/>
+              </a:ext>
+            </a:extLst>
+          </p:cNvPr>
+          <p:cNvSpPr>
+            <a:spLocks noGrp="1"/>
+          </p:cNvSpPr>
+          <p:nvPr>
+            <p:ph sz="half" idx="2"/>
+          </p:nvPr>
+        </p:nvSpPr>
+        <p:spPr>
+          <a:xfrm>
+            <a:off x="6600521" y="2514600"/>
+            <a:ext cx="2788168" cy="3741738"/>
+          </a:xfrm>
+        </p:spPr>
+        <p:txBody>
+          <a:bodyPr>
+            <a:normAutofit lnSpcReduction="10000"/>
+          </a:bodyPr>
+          <a:lstStyle/>
+          <a:p>
+            <a:r>
+              <a:rPr lang="en-US" dirty="0"/>
+              <a:t>Entities often live in modules alongside functions</a:t>
+            </a:r>
+          </a:p>
+          <a:p>
+            <a:r>
+              <a:rPr lang="en-US" dirty="0"/>
+              <a:t>Interfaces are never needed for testability or loose coupling.</a:t>
+            </a:r>
+          </a:p>
+          <a:p>
+            <a:endParaRPr lang="en-US" dirty="0"/>
+          </a:p>
+          <a:p>
+            <a:endParaRPr lang="en-US" dirty="0"/>
+          </a:p>
+          <a:p>
+            <a:endParaRPr lang="en-US" dirty="0"/>
+          </a:p>
+          <a:p>
+            <a:r>
+              <a:rPr lang="en-US" dirty="0"/>
+              <a:t>Files are order dependent</a:t>
+            </a:r>
+          </a:p>
+        </p:txBody>
+      </p:sp>
+      <p:pic>
+        <p:nvPicPr>
+          <p:cNvPr id="15" name="Picture 14">
+            <a:extLst>
+              <a:ext uri="{FF2B5EF4-FFF2-40B4-BE49-F238E27FC236}">
+                <a16:creationId xmlns:a16="http://schemas.microsoft.com/office/drawing/2014/main" id="{1624C5AE-FFA2-4D75-84AE-ABAB4E2783AC}"/>
+              </a:ext>
+            </a:extLst>
+          </p:cNvPr>
+          <p:cNvPicPr>
+            <a:picLocks noChangeAspect="1"/>
+          </p:cNvPicPr>
+          <p:nvPr/>
+        </p:nvPicPr>
+        <p:blipFill>
+          <a:blip r:embed="rId3"/>
+          <a:stretch>
+            <a:fillRect/>
+          </a:stretch>
+        </p:blipFill>
+        <p:spPr>
+          <a:xfrm>
+            <a:off x="9388689" y="2533014"/>
+            <a:ext cx="2076450" cy="1552575"/>
+          </a:xfrm>
+          <a:prstGeom prst="rect">
+            <a:avLst/>
+          </a:prstGeom>
+        </p:spPr>
+      </p:pic>
+    </p:spTree>
+    <p:extLst>
+      <p:ext uri="{BB962C8B-B14F-4D97-AF65-F5344CB8AC3E}">
+        <p14:creationId xmlns:p14="http://schemas.microsoft.com/office/powerpoint/2010/main" val="45220065"/>
+      </p:ext>
+    </p:extLst>
+  </p:cSld>
+  <p:clrMapOvr>
+    <a:masterClrMapping/>
+  </p:clrMapOvr>
+</p:sld>
+</file>
+
+<file path=ppt/slides/slide25.xml><?xml version="1.0" encoding="utf-8"?>
+<p:sld xmlns:a="http://schemas.openxmlformats.org/drawingml/2006/main" xmlns:r="http://schemas.openxmlformats.org/officeDocument/2006/relationships" xmlns:p="http://schemas.openxmlformats.org/presentationml/2006/main">
+  <p:cSld>
+    <p:spTree>
+      <p:nvGrpSpPr>
+        <p:cNvPr id="1" name=""/>
+        <p:cNvGrpSpPr/>
+        <p:nvPr/>
+      </p:nvGrpSpPr>
+      <p:grpSpPr>
+        <a:xfrm>
+          <a:off x="0" y="0"/>
+          <a:ext cx="0" cy="0"/>
+          <a:chOff x="0" y="0"/>
+          <a:chExt cx="0" cy="0"/>
+        </a:xfrm>
+      </p:grpSpPr>
+      <p:sp>
+        <p:nvSpPr>
+          <p:cNvPr id="2" name="Title 1">
+            <a:extLst>
+              <a:ext uri="{FF2B5EF4-FFF2-40B4-BE49-F238E27FC236}">
+                <a16:creationId xmlns:a16="http://schemas.microsoft.com/office/drawing/2014/main" id="{92FC65F2-A61F-4170-8ED9-19A12762CC2D}"/>
+              </a:ext>
+            </a:extLst>
+          </p:cNvPr>
+          <p:cNvSpPr>
+            <a:spLocks noGrp="1"/>
+          </p:cNvSpPr>
+          <p:nvPr>
+            <p:ph type="title"/>
+          </p:nvPr>
+        </p:nvSpPr>
+        <p:spPr/>
+        <p:txBody>
+          <a:bodyPr/>
+          <a:lstStyle/>
+          <a:p>
+            <a:r>
+              <a:rPr lang="en-US" dirty="0"/>
+              <a:t>Side-by-side: Database</a:t>
+            </a:r>
+          </a:p>
+        </p:txBody>
+      </p:sp>
+      <p:sp>
+        <p:nvSpPr>
+          <p:cNvPr id="3" name="Text Placeholder 2">
+            <a:extLst>
+              <a:ext uri="{FF2B5EF4-FFF2-40B4-BE49-F238E27FC236}">
+                <a16:creationId xmlns:a16="http://schemas.microsoft.com/office/drawing/2014/main" id="{10EA2A3A-A1E2-4520-943D-95094FFD30B2}"/>
+              </a:ext>
+            </a:extLst>
+          </p:cNvPr>
+          <p:cNvSpPr>
+            <a:spLocks noGrp="1"/>
+          </p:cNvSpPr>
+          <p:nvPr>
+            <p:ph type="body" idx="1"/>
+          </p:nvPr>
+        </p:nvSpPr>
+        <p:spPr>
+          <a:xfrm>
+            <a:off x="319597" y="997447"/>
+            <a:ext cx="4396338" cy="576262"/>
+          </a:xfrm>
+        </p:spPr>
+        <p:txBody>
+          <a:bodyPr/>
+          <a:lstStyle/>
+          <a:p>
+            <a:r>
+              <a:rPr lang="en-US" dirty="0"/>
+              <a:t>C# - </a:t>
+            </a:r>
+            <a:r>
+              <a:rPr lang="en-US" dirty="0" err="1"/>
+              <a:t>Database.cs</a:t>
+            </a:r>
+            <a:endParaRPr lang="en-US" dirty="0"/>
+          </a:p>
+        </p:txBody>
+      </p:sp>
+      <p:sp>
+        <p:nvSpPr>
+          <p:cNvPr id="5" name="Text Placeholder 4">
+            <a:extLst>
+              <a:ext uri="{FF2B5EF4-FFF2-40B4-BE49-F238E27FC236}">
+                <a16:creationId xmlns:a16="http://schemas.microsoft.com/office/drawing/2014/main" id="{05A6D049-CA1A-4163-884F-B24572F5FD12}"/>
+              </a:ext>
+            </a:extLst>
+          </p:cNvPr>
+          <p:cNvSpPr>
+            <a:spLocks noGrp="1"/>
+          </p:cNvSpPr>
+          <p:nvPr>
+            <p:ph type="body" sz="quarter" idx="3"/>
+          </p:nvPr>
+        </p:nvSpPr>
+        <p:spPr>
+          <a:xfrm>
+            <a:off x="6085063" y="997447"/>
+            <a:ext cx="4396339" cy="576262"/>
+          </a:xfrm>
+        </p:spPr>
+        <p:txBody>
+          <a:bodyPr/>
+          <a:lstStyle/>
+          <a:p>
+            <a:r>
+              <a:rPr lang="en-US" dirty="0"/>
+              <a:t>F# - </a:t>
+            </a:r>
+            <a:r>
+              <a:rPr lang="en-US" dirty="0" err="1"/>
+              <a:t>Database.fs</a:t>
+            </a:r>
+            <a:endParaRPr lang="en-US" dirty="0"/>
+          </a:p>
+        </p:txBody>
+      </p:sp>
+      <p:pic>
+        <p:nvPicPr>
+          <p:cNvPr id="7" name="Picture 6">
+            <a:extLst>
+              <a:ext uri="{FF2B5EF4-FFF2-40B4-BE49-F238E27FC236}">
+                <a16:creationId xmlns:a16="http://schemas.microsoft.com/office/drawing/2014/main" id="{0EC10273-42A0-448A-BA4D-D85A7518FB2B}"/>
+              </a:ext>
+            </a:extLst>
+          </p:cNvPr>
+          <p:cNvPicPr>
+            <a:picLocks noChangeAspect="1"/>
+          </p:cNvPicPr>
+          <p:nvPr/>
+        </p:nvPicPr>
+        <p:blipFill>
+          <a:blip r:embed="rId2"/>
+          <a:stretch>
+            <a:fillRect/>
+          </a:stretch>
+        </p:blipFill>
+        <p:spPr>
+          <a:xfrm>
+            <a:off x="319597" y="1604092"/>
+            <a:ext cx="5776403" cy="5182838"/>
+          </a:xfrm>
+          <a:prstGeom prst="rect">
+            <a:avLst/>
+          </a:prstGeom>
+        </p:spPr>
+      </p:pic>
+      <p:pic>
+        <p:nvPicPr>
+          <p:cNvPr id="9" name="Picture 8">
+            <a:extLst>
+              <a:ext uri="{FF2B5EF4-FFF2-40B4-BE49-F238E27FC236}">
+                <a16:creationId xmlns:a16="http://schemas.microsoft.com/office/drawing/2014/main" id="{61E13E98-2B92-4D4E-BD2E-103A82F028E9}"/>
+              </a:ext>
+            </a:extLst>
+          </p:cNvPr>
+          <p:cNvPicPr>
+            <a:picLocks noChangeAspect="1"/>
+          </p:cNvPicPr>
+          <p:nvPr/>
+        </p:nvPicPr>
+        <p:blipFill>
+          <a:blip r:embed="rId3"/>
+          <a:stretch>
+            <a:fillRect/>
+          </a:stretch>
+        </p:blipFill>
+        <p:spPr>
+          <a:xfrm>
+            <a:off x="6200728" y="1604092"/>
+            <a:ext cx="5791877" cy="3926696"/>
+          </a:xfrm>
+          <a:prstGeom prst="rect">
+            <a:avLst/>
+          </a:prstGeom>
+        </p:spPr>
+      </p:pic>
+    </p:spTree>
+    <p:extLst>
+      <p:ext uri="{BB962C8B-B14F-4D97-AF65-F5344CB8AC3E}">
+        <p14:creationId xmlns:p14="http://schemas.microsoft.com/office/powerpoint/2010/main" val="912934630"/>
+      </p:ext>
+    </p:extLst>
+  </p:cSld>
+  <p:clrMapOvr>
+    <a:masterClrMapping/>
+  </p:clrMapOvr>
+</p:sld>
+</file>
+
+<file path=ppt/slides/slide26.xml><?xml version="1.0" encoding="utf-8"?>
+<p:sld xmlns:a="http://schemas.openxmlformats.org/drawingml/2006/main" xmlns:r="http://schemas.openxmlformats.org/officeDocument/2006/relationships" xmlns:p="http://schemas.openxmlformats.org/presentationml/2006/main">
+  <p:cSld>
+    <p:spTree>
+      <p:nvGrpSpPr>
+        <p:cNvPr id="1" name=""/>
+        <p:cNvGrpSpPr/>
+        <p:nvPr/>
+      </p:nvGrpSpPr>
+      <p:grpSpPr>
+        <a:xfrm>
+          <a:off x="0" y="0"/>
+          <a:ext cx="0" cy="0"/>
+          <a:chOff x="0" y="0"/>
+          <a:chExt cx="0" cy="0"/>
+        </a:xfrm>
+      </p:grpSpPr>
+      <p:sp>
+        <p:nvSpPr>
+          <p:cNvPr id="2" name="Title 1">
+            <a:extLst>
+              <a:ext uri="{FF2B5EF4-FFF2-40B4-BE49-F238E27FC236}">
+                <a16:creationId xmlns:a16="http://schemas.microsoft.com/office/drawing/2014/main" id="{CD9999A5-805A-4B1A-85AA-B4D5D4FEA64C}"/>
+              </a:ext>
+            </a:extLst>
+          </p:cNvPr>
+          <p:cNvSpPr>
+            <a:spLocks noGrp="1"/>
+          </p:cNvSpPr>
+          <p:nvPr>
+            <p:ph type="title"/>
+          </p:nvPr>
+        </p:nvSpPr>
+        <p:spPr/>
+        <p:txBody>
+          <a:bodyPr/>
+          <a:lstStyle/>
+          <a:p>
+            <a:r>
+              <a:rPr lang="en-US" dirty="0"/>
+              <a:t>Side-by-side: </a:t>
+            </a:r>
+            <a:r>
+              <a:rPr lang="en-US" dirty="0" err="1"/>
+              <a:t>StockApi</a:t>
+            </a:r>
+            <a:endParaRPr lang="en-US" dirty="0"/>
+          </a:p>
+        </p:txBody>
+      </p:sp>
+      <p:sp>
+        <p:nvSpPr>
+          <p:cNvPr id="3" name="Text Placeholder 2">
+            <a:extLst>
+              <a:ext uri="{FF2B5EF4-FFF2-40B4-BE49-F238E27FC236}">
+                <a16:creationId xmlns:a16="http://schemas.microsoft.com/office/drawing/2014/main" id="{FFFE4E01-A40C-451F-B06D-97B01E5447E3}"/>
+              </a:ext>
+            </a:extLst>
+          </p:cNvPr>
+          <p:cNvSpPr>
+            <a:spLocks noGrp="1"/>
+          </p:cNvSpPr>
+          <p:nvPr>
+            <p:ph type="body" idx="1"/>
+          </p:nvPr>
+        </p:nvSpPr>
+        <p:spPr>
+          <a:xfrm>
+            <a:off x="75113" y="1905000"/>
+            <a:ext cx="4396338" cy="576262"/>
+          </a:xfrm>
+        </p:spPr>
+        <p:txBody>
+          <a:bodyPr/>
+          <a:lstStyle/>
+          <a:p>
+            <a:r>
+              <a:rPr lang="en-US" dirty="0"/>
+              <a:t>C#: </a:t>
+            </a:r>
+            <a:r>
+              <a:rPr lang="en-US" dirty="0" err="1"/>
+              <a:t>StockApi.cs</a:t>
+            </a:r>
+            <a:endParaRPr lang="en-US" dirty="0"/>
+          </a:p>
+        </p:txBody>
+      </p:sp>
+      <p:sp>
+        <p:nvSpPr>
+          <p:cNvPr id="5" name="Text Placeholder 4">
+            <a:extLst>
+              <a:ext uri="{FF2B5EF4-FFF2-40B4-BE49-F238E27FC236}">
+                <a16:creationId xmlns:a16="http://schemas.microsoft.com/office/drawing/2014/main" id="{06B0338F-E234-4316-8F81-E862FA31808E}"/>
+              </a:ext>
+            </a:extLst>
+          </p:cNvPr>
+          <p:cNvSpPr>
+            <a:spLocks noGrp="1"/>
+          </p:cNvSpPr>
+          <p:nvPr>
+            <p:ph type="body" sz="quarter" idx="3"/>
+          </p:nvPr>
+        </p:nvSpPr>
+        <p:spPr>
+          <a:xfrm>
+            <a:off x="7128187" y="1905000"/>
+            <a:ext cx="4396339" cy="576262"/>
+          </a:xfrm>
+        </p:spPr>
+        <p:txBody>
+          <a:bodyPr/>
+          <a:lstStyle/>
+          <a:p>
+            <a:r>
+              <a:rPr lang="en-US" dirty="0"/>
+              <a:t>F#: </a:t>
+            </a:r>
+            <a:r>
+              <a:rPr lang="en-US" dirty="0" err="1"/>
+              <a:t>StockApi.fs</a:t>
+            </a:r>
+            <a:endParaRPr lang="en-US" dirty="0"/>
+          </a:p>
+        </p:txBody>
+      </p:sp>
+      <p:pic>
+        <p:nvPicPr>
+          <p:cNvPr id="7" name="Picture 6">
+            <a:extLst>
+              <a:ext uri="{FF2B5EF4-FFF2-40B4-BE49-F238E27FC236}">
+                <a16:creationId xmlns:a16="http://schemas.microsoft.com/office/drawing/2014/main" id="{392AEB5C-7356-4665-9492-F61A0BBB727C}"/>
+              </a:ext>
+            </a:extLst>
+          </p:cNvPr>
+          <p:cNvPicPr>
+            <a:picLocks noChangeAspect="1"/>
+          </p:cNvPicPr>
+          <p:nvPr/>
+        </p:nvPicPr>
+        <p:blipFill>
+          <a:blip r:embed="rId2"/>
+          <a:stretch>
+            <a:fillRect/>
+          </a:stretch>
+        </p:blipFill>
+        <p:spPr>
+          <a:xfrm>
+            <a:off x="75113" y="2481262"/>
+            <a:ext cx="6963747" cy="4201111"/>
+          </a:xfrm>
+          <a:prstGeom prst="rect">
+            <a:avLst/>
+          </a:prstGeom>
+        </p:spPr>
+      </p:pic>
+      <p:pic>
+        <p:nvPicPr>
+          <p:cNvPr id="10" name="Picture 9">
+            <a:extLst>
+              <a:ext uri="{FF2B5EF4-FFF2-40B4-BE49-F238E27FC236}">
+                <a16:creationId xmlns:a16="http://schemas.microsoft.com/office/drawing/2014/main" id="{C77C6D71-77C1-48EA-AEC3-8D71A5F441AB}"/>
+              </a:ext>
+            </a:extLst>
+          </p:cNvPr>
+          <p:cNvPicPr>
+            <a:picLocks noChangeAspect="1"/>
+          </p:cNvPicPr>
+          <p:nvPr/>
+        </p:nvPicPr>
+        <p:blipFill>
+          <a:blip r:embed="rId3"/>
+          <a:stretch>
+            <a:fillRect/>
+          </a:stretch>
+        </p:blipFill>
+        <p:spPr>
+          <a:xfrm>
+            <a:off x="7190333" y="2481262"/>
+            <a:ext cx="4848902" cy="2905530"/>
+          </a:xfrm>
+          <a:prstGeom prst="rect">
+            <a:avLst/>
+          </a:prstGeom>
+        </p:spPr>
+      </p:pic>
+    </p:spTree>
+    <p:extLst>
+      <p:ext uri="{BB962C8B-B14F-4D97-AF65-F5344CB8AC3E}">
+        <p14:creationId xmlns:p14="http://schemas.microsoft.com/office/powerpoint/2010/main" val="1329166653"/>
+      </p:ext>
+    </p:extLst>
+  </p:cSld>
+  <p:clrMapOvr>
+    <a:masterClrMapping/>
+  </p:clrMapOvr>
+</p:sld>
+</file>
+
+<file path=ppt/slides/slide27.xml><?xml version="1.0" encoding="utf-8"?>
+<p:sld xmlns:a="http://schemas.openxmlformats.org/drawingml/2006/main" xmlns:r="http://schemas.openxmlformats.org/officeDocument/2006/relationships" xmlns:p="http://schemas.openxmlformats.org/presentationml/2006/main">
+  <p:cSld>
+    <p:spTree>
+      <p:nvGrpSpPr>
+        <p:cNvPr id="1" name=""/>
+        <p:cNvGrpSpPr/>
+        <p:nvPr/>
+      </p:nvGrpSpPr>
+      <p:grpSpPr>
+        <a:xfrm>
+          <a:off x="0" y="0"/>
+          <a:ext cx="0" cy="0"/>
+          <a:chOff x="0" y="0"/>
+          <a:chExt cx="0" cy="0"/>
+        </a:xfrm>
+      </p:grpSpPr>
+      <p:sp>
+        <p:nvSpPr>
+          <p:cNvPr id="2" name="Title 1">
+            <a:extLst>
+              <a:ext uri="{FF2B5EF4-FFF2-40B4-BE49-F238E27FC236}">
+                <a16:creationId xmlns:a16="http://schemas.microsoft.com/office/drawing/2014/main" id="{36C21FA3-B9ED-4185-9FB9-EC4E9832AF60}"/>
+              </a:ext>
+            </a:extLst>
+          </p:cNvPr>
+          <p:cNvSpPr>
+            <a:spLocks noGrp="1"/>
+          </p:cNvSpPr>
+          <p:nvPr>
+            <p:ph type="title"/>
+          </p:nvPr>
+        </p:nvSpPr>
+        <p:spPr/>
+        <p:txBody>
+          <a:bodyPr/>
+          <a:lstStyle/>
+          <a:p>
+            <a:r>
+              <a:rPr lang="en-US" dirty="0"/>
+              <a:t>BONUS: Domain Driven Design</a:t>
+            </a:r>
+          </a:p>
+        </p:txBody>
+      </p:sp>
+      <p:sp>
+        <p:nvSpPr>
+          <p:cNvPr id="3" name="Text Placeholder 2">
+            <a:extLst>
+              <a:ext uri="{FF2B5EF4-FFF2-40B4-BE49-F238E27FC236}">
+                <a16:creationId xmlns:a16="http://schemas.microsoft.com/office/drawing/2014/main" id="{AE90A1F2-E109-4FE6-BCB8-58E1EC25A393}"/>
+              </a:ext>
+            </a:extLst>
+          </p:cNvPr>
+          <p:cNvSpPr>
+            <a:spLocks noGrp="1"/>
+          </p:cNvSpPr>
+          <p:nvPr>
+            <p:ph type="body" idx="1"/>
+          </p:nvPr>
+        </p:nvSpPr>
+        <p:spPr>
+          <a:xfrm>
+            <a:off x="646112" y="1853248"/>
+            <a:ext cx="4396338" cy="576262"/>
+          </a:xfrm>
+        </p:spPr>
+        <p:txBody>
+          <a:bodyPr/>
+          <a:lstStyle/>
+          <a:p>
+            <a:r>
+              <a:rPr lang="en-US" dirty="0"/>
+              <a:t>Skip Straight to Phase 3!</a:t>
+            </a:r>
+          </a:p>
+        </p:txBody>
+      </p:sp>
+      <p:sp>
+        <p:nvSpPr>
+          <p:cNvPr id="4" name="Content Placeholder 3">
+            <a:extLst>
+              <a:ext uri="{FF2B5EF4-FFF2-40B4-BE49-F238E27FC236}">
+                <a16:creationId xmlns:a16="http://schemas.microsoft.com/office/drawing/2014/main" id="{C682850D-0EE4-4C1A-9AA7-802CE5591ADA}"/>
+              </a:ext>
+            </a:extLst>
+          </p:cNvPr>
+          <p:cNvSpPr>
+            <a:spLocks noGrp="1"/>
+          </p:cNvSpPr>
+          <p:nvPr>
+            <p:ph sz="half" idx="2"/>
+          </p:nvPr>
+        </p:nvSpPr>
+        <p:spPr>
+          <a:xfrm>
+            <a:off x="646111" y="2462848"/>
+            <a:ext cx="4396339" cy="3741738"/>
+          </a:xfrm>
+        </p:spPr>
+        <p:txBody>
+          <a:bodyPr/>
+          <a:lstStyle/>
+          <a:p>
+            <a:r>
+              <a:rPr lang="en-US" dirty="0"/>
+              <a:t>I personally don’t always write tests.</a:t>
+            </a:r>
+          </a:p>
+          <a:p>
+            <a:r>
+              <a:rPr lang="en-US" dirty="0"/>
+              <a:t>That’s why I like to “refactor to testability” only when needed.</a:t>
+            </a:r>
+          </a:p>
+          <a:p>
+            <a:r>
+              <a:rPr lang="en-US" dirty="0"/>
+              <a:t>But, this example shows that you can jump straight to “Phase 3” to write testable domain code </a:t>
+            </a:r>
+            <a:r>
+              <a:rPr lang="en-US" i="1" dirty="0"/>
+              <a:t>before</a:t>
+            </a:r>
+            <a:r>
+              <a:rPr lang="en-US" dirty="0"/>
+              <a:t> writing any implementation!</a:t>
+            </a:r>
+          </a:p>
+        </p:txBody>
+      </p:sp>
+      <p:pic>
+        <p:nvPicPr>
+          <p:cNvPr id="7" name="Picture 6">
+            <a:extLst>
+              <a:ext uri="{FF2B5EF4-FFF2-40B4-BE49-F238E27FC236}">
+                <a16:creationId xmlns:a16="http://schemas.microsoft.com/office/drawing/2014/main" id="{6171942B-B0AC-4293-AB7C-985745F63CCD}"/>
+              </a:ext>
+            </a:extLst>
+          </p:cNvPr>
+          <p:cNvPicPr>
+            <a:picLocks noChangeAspect="1"/>
+          </p:cNvPicPr>
+          <p:nvPr/>
+        </p:nvPicPr>
+        <p:blipFill>
+          <a:blip r:embed="rId2"/>
+          <a:stretch>
+            <a:fillRect/>
+          </a:stretch>
+        </p:blipFill>
+        <p:spPr>
+          <a:xfrm>
+            <a:off x="5707391" y="1248825"/>
+            <a:ext cx="5677692" cy="5496692"/>
+          </a:xfrm>
+          <a:prstGeom prst="rect">
+            <a:avLst/>
+          </a:prstGeom>
+        </p:spPr>
+      </p:pic>
+    </p:spTree>
+    <p:extLst>
+      <p:ext uri="{BB962C8B-B14F-4D97-AF65-F5344CB8AC3E}">
+        <p14:creationId xmlns:p14="http://schemas.microsoft.com/office/powerpoint/2010/main" val="3385578703"/>
+      </p:ext>
+    </p:extLst>
+  </p:cSld>
+  <p:clrMapOvr>
+    <a:masterClrMapping/>
+  </p:clrMapOvr>
+</p:sld>
+</file>
+
+<file path=ppt/slides/slide28.xml><?xml version="1.0" encoding="utf-8"?>
+<p:sld xmlns:a="http://schemas.openxmlformats.org/drawingml/2006/main" xmlns:r="http://schemas.openxmlformats.org/officeDocument/2006/relationships" xmlns:p="http://schemas.openxmlformats.org/presentationml/2006/main">
+  <p:cSld>
+    <p:spTree>
+      <p:nvGrpSpPr>
+        <p:cNvPr id="1" name=""/>
+        <p:cNvGrpSpPr/>
+        <p:nvPr/>
+      </p:nvGrpSpPr>
+      <p:grpSpPr>
+        <a:xfrm>
+          <a:off x="0" y="0"/>
+          <a:ext cx="0" cy="0"/>
+          <a:chOff x="0" y="0"/>
+          <a:chExt cx="0" cy="0"/>
+        </a:xfrm>
+      </p:grpSpPr>
+      <p:sp>
+        <p:nvSpPr>
+          <p:cNvPr id="2" name="Title 1">
+            <a:extLst>
+              <a:ext uri="{FF2B5EF4-FFF2-40B4-BE49-F238E27FC236}">
+                <a16:creationId xmlns:a16="http://schemas.microsoft.com/office/drawing/2014/main" id="{DE0F745F-FF52-458A-AE61-2C83A6720BAA}"/>
+              </a:ext>
+            </a:extLst>
+          </p:cNvPr>
+          <p:cNvSpPr>
+            <a:spLocks noGrp="1"/>
+          </p:cNvSpPr>
+          <p:nvPr>
+            <p:ph type="title"/>
+          </p:nvPr>
+        </p:nvSpPr>
+        <p:spPr>
+          <a:xfrm>
+            <a:off x="5166803" y="2922973"/>
+            <a:ext cx="1331651" cy="736846"/>
+          </a:xfrm>
+        </p:spPr>
+        <p:txBody>
+          <a:bodyPr/>
+          <a:lstStyle/>
+          <a:p>
+            <a:r>
+              <a:rPr lang="en-US" dirty="0"/>
+              <a:t>&lt;/&gt;</a:t>
+            </a:r>
+          </a:p>
+        </p:txBody>
+      </p:sp>
+    </p:spTree>
+    <p:extLst>
+      <p:ext uri="{BB962C8B-B14F-4D97-AF65-F5344CB8AC3E}">
+        <p14:creationId xmlns:p14="http://schemas.microsoft.com/office/powerpoint/2010/main" val="3915240009"/>
       </p:ext>
     </p:extLst>
   </p:cSld>

--- a/TradeMinder F# - C#.pptx
+++ b/TradeMinder F# - C#.pptx
@@ -28,8 +28,8 @@
     <p:sldId id="273" r:id="rId19"/>
     <p:sldId id="274" r:id="rId20"/>
     <p:sldId id="275" r:id="rId21"/>
-    <p:sldId id="276" r:id="rId22"/>
-    <p:sldId id="279" r:id="rId23"/>
+    <p:sldId id="279" r:id="rId22"/>
+    <p:sldId id="276" r:id="rId23"/>
     <p:sldId id="277" r:id="rId24"/>
     <p:sldId id="278" r:id="rId25"/>
     <p:sldId id="280" r:id="rId26"/>
@@ -6701,7 +6701,7 @@
         </p:spPr>
         <p:txBody>
           <a:bodyPr>
-            <a:normAutofit/>
+            <a:normAutofit lnSpcReduction="10000"/>
           </a:bodyPr>
           <a:lstStyle/>
           <a:p>
@@ -6719,19 +6719,42 @@
           <a:p>
             <a:r>
               <a:rPr lang="en-US" dirty="0"/>
-              <a:t>Setup asserts that a method is called</a:t>
-            </a:r>
-          </a:p>
-          <a:p>
-            <a:r>
-              <a:rPr lang="en-US" dirty="0"/>
-              <a:t>Returns specifies a value</a:t>
-            </a:r>
-          </a:p>
-          <a:p>
-            <a:r>
-              <a:rPr lang="en-US" dirty="0"/>
-              <a:t>The argument values can be verified only after the feature is tested via “Verify”.</a:t>
+              <a:t>“Setup” asserts that a method is called</a:t>
+            </a:r>
+          </a:p>
+          <a:p>
+            <a:r>
+              <a:rPr lang="en-US" dirty="0"/>
+              <a:t>“Returns” specifies a value</a:t>
+            </a:r>
+          </a:p>
+          <a:p>
+            <a:r>
+              <a:rPr lang="en-US" dirty="0"/>
+              <a:t>“Verify” asserts the value of an argument passed to the dependency interface.</a:t>
+            </a:r>
+          </a:p>
+          <a:p>
+            <a:pPr lvl="1"/>
+            <a:r>
+              <a:rPr lang="en-US" dirty="0"/>
+              <a:t>“Verify”</a:t>
+            </a:r>
+            <a:r>
+              <a:rPr lang="en-US" i="1" dirty="0"/>
+              <a:t> </a:t>
+            </a:r>
+            <a:r>
+              <a:rPr lang="en-US" dirty="0"/>
+              <a:t>must happen </a:t>
+            </a:r>
+            <a:r>
+              <a:rPr lang="en-US" i="1" dirty="0"/>
+              <a:t>after </a:t>
+            </a:r>
+            <a:r>
+              <a:rPr lang="en-US" dirty="0"/>
+              <a:t>the feature is tested or else it won’t work properly!</a:t>
             </a:r>
           </a:p>
         </p:txBody>
@@ -6889,13 +6912,13 @@
           <a:p>
             <a:r>
               <a:rPr lang="en-US" dirty="0"/>
-              <a:t>To show a repeatable “recipe” for refactoring an F# feature to be testable.</a:t>
-            </a:r>
-          </a:p>
-          <a:p>
-            <a:r>
-              <a:rPr lang="en-US" dirty="0"/>
-              <a:t>To show how to architect using only functions.</a:t>
+              <a:t>To show a repeatable “recipe” for refactoring an F# feature to be more testable.</a:t>
+            </a:r>
+          </a:p>
+          <a:p>
+            <a:r>
+              <a:rPr lang="en-US" dirty="0"/>
+              <a:t>To show how to architect using only functions vs. OOP class based design.</a:t>
             </a:r>
           </a:p>
           <a:p>
@@ -6959,7 +6982,7 @@
           <a:p>
             <a:r>
               <a:rPr lang="en-US" dirty="0"/>
-              <a:t>F# - Phases</a:t>
+              <a:t>F# - Progressive Testability</a:t>
             </a:r>
           </a:p>
         </p:txBody>
@@ -7021,7 +7044,7 @@
         </p:spPr>
         <p:txBody>
           <a:bodyPr>
-            <a:normAutofit fontScale="92500" lnSpcReduction="10000"/>
+            <a:normAutofit fontScale="85000" lnSpcReduction="20000"/>
           </a:bodyPr>
           <a:lstStyle/>
           <a:p>
@@ -7041,15 +7064,23 @@
             <a:pPr lvl="1"/>
             <a:r>
               <a:rPr lang="en-US" dirty="0"/>
-              <a:t>A.k.a. “Git ‘</a:t>
-            </a:r>
-            <a:r>
-              <a:rPr lang="en-US" dirty="0" err="1"/>
+              <a:t>A.k.a. “</a:t>
+            </a:r>
+            <a:r>
+              <a:rPr lang="en-US" i="1" dirty="0"/>
+              <a:t>Git ‘</a:t>
+            </a:r>
+            <a:r>
+              <a:rPr lang="en-US" i="1" dirty="0" err="1"/>
               <a:t>er</a:t>
             </a:r>
             <a:r>
-              <a:rPr lang="en-US" dirty="0"/>
-              <a:t> done”</a:t>
+              <a:rPr lang="en-US" i="1" dirty="0"/>
+              <a:t> done</a:t>
+            </a:r>
+            <a:r>
+              <a:rPr lang="en-US" dirty="0"/>
+              <a:t>”</a:t>
             </a:r>
           </a:p>
           <a:p>
@@ -7073,7 +7104,15 @@
             <a:pPr lvl="1"/>
             <a:r>
               <a:rPr lang="en-US" dirty="0"/>
-              <a:t>A.k.a. “Best bag for the buck”</a:t>
+              <a:t>A.k.a. “</a:t>
+            </a:r>
+            <a:r>
+              <a:rPr lang="en-US" i="1" dirty="0"/>
+              <a:t>Best bag for the buck</a:t>
+            </a:r>
+            <a:r>
+              <a:rPr lang="en-US" dirty="0"/>
+              <a:t>”</a:t>
             </a:r>
           </a:p>
           <a:p>
@@ -7099,6 +7138,25 @@
               <a:rPr lang="en-US" dirty="0"/>
               <a:t>Should be as testable as the C# implementation</a:t>
             </a:r>
+          </a:p>
+          <a:p>
+            <a:pPr lvl="1"/>
+            <a:r>
+              <a:rPr lang="en-US" dirty="0"/>
+              <a:t>A.k.a. “</a:t>
+            </a:r>
+            <a:r>
+              <a:rPr lang="en-US" i="1" dirty="0"/>
+              <a:t>Overkill</a:t>
+            </a:r>
+            <a:r>
+              <a:rPr lang="en-US" dirty="0"/>
+              <a:t>” :)</a:t>
+            </a:r>
+          </a:p>
+          <a:p>
+            <a:pPr lvl="1"/>
+            <a:endParaRPr lang="en-US" dirty="0"/>
           </a:p>
         </p:txBody>
       </p:sp>
@@ -7207,7 +7265,7 @@
         <p:spPr>
           <a:xfrm>
             <a:off x="1103312" y="2514599"/>
-            <a:ext cx="4396339" cy="3741739"/>
+            <a:ext cx="9052742" cy="3741739"/>
           </a:xfrm>
         </p:spPr>
         <p:txBody>
@@ -7239,7 +7297,7 @@
             </a:r>
             <a:r>
               <a:rPr lang="en-US" dirty="0"/>
-              <a:t> – A function that doesn’t make any IO calls</a:t>
+              <a:t> – A pure logic function that doesn’t make any IO calls</a:t>
             </a:r>
           </a:p>
           <a:p>
@@ -7253,7 +7311,7 @@
             <a:pPr lvl="1"/>
             <a:r>
               <a:rPr lang="en-US" dirty="0"/>
-              <a:t>Must always return the same output for a given set up input</a:t>
+              <a:t>Must always return the same output for a given input</a:t>
             </a:r>
           </a:p>
           <a:p>
@@ -7619,7 +7677,7 @@
         <p:spPr>
           <a:xfrm>
             <a:off x="1206782" y="2514600"/>
-            <a:ext cx="7049451" cy="3741738"/>
+            <a:ext cx="9091315" cy="3741738"/>
           </a:xfrm>
           <a:prstGeom prst="rect">
             <a:avLst/>
@@ -7879,7 +7937,7 @@
           <a:p>
             <a:r>
               <a:rPr lang="en-US" dirty="0"/>
-              <a:t>You should always start by identifying which operations are “IO” and which can be “pure” (pure = testable).  </a:t>
+              <a:t>You should always start by identifying which operations inf your feature are “IO” and which can be “pure”.  </a:t>
             </a:r>
           </a:p>
           <a:p>
@@ -8027,13 +8085,8 @@
           <a:p>
             <a:r>
               <a:rPr lang="en-US" dirty="0"/>
-              <a:t>Pattern match to get </a:t>
-            </a:r>
-            <a:r>
-              <a:rPr lang="en-US" dirty="0" err="1"/>
-              <a:t>args</a:t>
-            </a:r>
-            <a:endParaRPr lang="en-US" dirty="0"/>
+              <a:t>Pattern match to get args</a:t>
+            </a:r>
           </a:p>
           <a:p>
             <a:r>
@@ -8257,6 +8310,7 @@
             </a:r>
           </a:p>
           <a:p>
+            <a:pPr lvl="1"/>
             <a:r>
               <a:rPr lang="en-US" dirty="0"/>
               <a:t>let! (“let bang”) is like C# “await”</a:t>
@@ -8485,7 +8539,7 @@
             <a:pPr lvl="1"/>
             <a:r>
               <a:rPr lang="en-US" dirty="0"/>
-              <a:t>Computation Expressions use the “return” keyword</a:t>
+              <a:t>Unlike regular functions, Computation Expressions use the “return” keyword.</a:t>
             </a:r>
           </a:p>
           <a:p>
@@ -8636,7 +8690,7 @@
         <p:spPr/>
         <p:txBody>
           <a:bodyPr>
-            <a:normAutofit/>
+            <a:normAutofit fontScale="92500" lnSpcReduction="10000"/>
           </a:bodyPr>
           <a:lstStyle/>
           <a:p>
@@ -8656,7 +8710,28 @@
             </a:r>
             <a:r>
               <a:rPr lang="en-US" dirty="0"/>
-              <a:t> is just type “alias” for string – totally optional</a:t>
+              <a:t> is just type “alias” for string</a:t>
+            </a:r>
+          </a:p>
+          <a:p>
+            <a:r>
+              <a:rPr lang="en-US" dirty="0"/>
+              <a:t>“</a:t>
+            </a:r>
+            <a:r>
+              <a:rPr lang="en-US" dirty="0" err="1"/>
+              <a:t>connStr</a:t>
+            </a:r>
+            <a:r>
+              <a:rPr lang="en-US" dirty="0"/>
+              <a:t>” is a dependency this function needs.</a:t>
+            </a:r>
+          </a:p>
+          <a:p>
+            <a:pPr lvl="1"/>
+            <a:r>
+              <a:rPr lang="en-US" dirty="0"/>
+              <a:t>Dependency args should always be passed in first!  (you’ll see why later).</a:t>
             </a:r>
           </a:p>
           <a:p>
@@ -8682,7 +8757,7 @@
             <a:pPr lvl="1"/>
             <a:r>
               <a:rPr lang="en-US" dirty="0"/>
-              <a:t>This means that compiler will force user to “unwrap” value and handle both cases</a:t>
+              <a:t>This means that compiler will force caller to “unwrap” value and handle both cases</a:t>
             </a:r>
           </a:p>
         </p:txBody>
@@ -8793,8 +8868,8 @@
         </p:nvSpPr>
         <p:spPr>
           <a:xfrm>
-            <a:off x="446366" y="1905000"/>
-            <a:ext cx="4396338" cy="576262"/>
+            <a:off x="446366" y="1496627"/>
+            <a:ext cx="4306421" cy="576262"/>
           </a:xfrm>
         </p:spPr>
         <p:txBody>
@@ -8826,13 +8901,13 @@
         </p:nvSpPr>
         <p:spPr>
           <a:xfrm>
-            <a:off x="446365" y="2514600"/>
-            <a:ext cx="5119934" cy="3741738"/>
+            <a:off x="446365" y="2106226"/>
+            <a:ext cx="5102179" cy="4072631"/>
           </a:xfrm>
         </p:spPr>
         <p:txBody>
           <a:bodyPr>
-            <a:normAutofit fontScale="92500" lnSpcReduction="10000"/>
+            <a:normAutofit fontScale="92500" lnSpcReduction="20000"/>
           </a:bodyPr>
           <a:lstStyle/>
           <a:p>
@@ -8866,7 +8941,7 @@
             <a:pPr lvl="1"/>
             <a:r>
               <a:rPr lang="en-US" dirty="0"/>
-              <a:t>I say no, because there is no branching logic around the IO.  </a:t>
+              <a:t>I say no, because there is no branching logic around the IO (low “cyclomatic complexity”).</a:t>
             </a:r>
           </a:p>
           <a:p>
@@ -8894,6 +8969,13 @@
             <a:r>
               <a:rPr lang="en-US" dirty="0"/>
               <a:t>No interfaces or mocking required</a:t>
+            </a:r>
+          </a:p>
+          <a:p>
+            <a:pPr lvl="1"/>
+            <a:r>
+              <a:rPr lang="en-US" dirty="0"/>
+              <a:t>IO -&gt; pure -&gt; IO makes for easy testing of pure logic</a:t>
             </a:r>
           </a:p>
           <a:p>
@@ -9214,10 +9296,10 @@
       </p:sp>
       <p:pic>
         <p:nvPicPr>
-          <p:cNvPr id="8" name="Picture 7">
+          <p:cNvPr id="5" name="Picture 4">
             <a:extLst>
               <a:ext uri="{FF2B5EF4-FFF2-40B4-BE49-F238E27FC236}">
-                <a16:creationId xmlns:a16="http://schemas.microsoft.com/office/drawing/2014/main" id="{7BEF55B7-63C2-42AF-B3C7-7DA3F37954F2}"/>
+                <a16:creationId xmlns:a16="http://schemas.microsoft.com/office/drawing/2014/main" id="{EB823251-392A-4D82-BC12-ECBAEA991544}"/>
               </a:ext>
             </a:extLst>
           </p:cNvPr>
@@ -9234,8 +9316,8 @@
         </p:blipFill>
         <p:spPr>
           <a:xfrm>
-            <a:off x="5525249" y="1655121"/>
-            <a:ext cx="6020640" cy="4601217"/>
+            <a:off x="4476713" y="1905000"/>
+            <a:ext cx="7144747" cy="3162741"/>
           </a:xfrm>
           <a:prstGeom prst="rect">
             <a:avLst/>
@@ -9277,7 +9359,7 @@
           <p:cNvPr id="2" name="Title 1">
             <a:extLst>
               <a:ext uri="{FF2B5EF4-FFF2-40B4-BE49-F238E27FC236}">
-                <a16:creationId xmlns:a16="http://schemas.microsoft.com/office/drawing/2014/main" id="{986625FC-F365-4AD8-B964-3D1B1E3101D7}"/>
+                <a16:creationId xmlns:a16="http://schemas.microsoft.com/office/drawing/2014/main" id="{169EB7D1-2F0C-4C33-9B68-39874BE6CDC2}"/>
               </a:ext>
             </a:extLst>
           </p:cNvPr>
@@ -9288,24 +9370,29 @@
             <p:ph type="title"/>
           </p:nvPr>
         </p:nvSpPr>
-        <p:spPr/>
-        <p:txBody>
-          <a:bodyPr/>
-          <a:lstStyle/>
-          <a:p>
-            <a:r>
-              <a:rPr lang="en-US" dirty="0"/>
-              <a:t>F# - Phase 3</a:t>
-            </a:r>
-          </a:p>
-        </p:txBody>
-      </p:sp>
-      <p:sp>
-        <p:nvSpPr>
-          <p:cNvPr id="3" name="Text Placeholder 2">
+        <p:spPr>
+          <a:xfrm>
+            <a:off x="646111" y="452718"/>
+            <a:ext cx="9404723" cy="1023895"/>
+          </a:xfrm>
+        </p:spPr>
+        <p:txBody>
+          <a:bodyPr/>
+          <a:lstStyle/>
+          <a:p>
+            <a:r>
+              <a:rPr lang="en-US" dirty="0"/>
+              <a:t>F# - Phase 2 –&gt; Phase 3 Refactor</a:t>
+            </a:r>
+          </a:p>
+        </p:txBody>
+      </p:sp>
+      <p:sp>
+        <p:nvSpPr>
+          <p:cNvPr id="20" name="Text Placeholder 19">
             <a:extLst>
               <a:ext uri="{FF2B5EF4-FFF2-40B4-BE49-F238E27FC236}">
-                <a16:creationId xmlns:a16="http://schemas.microsoft.com/office/drawing/2014/main" id="{60D87FB1-C327-4CF9-A7DC-043CB8FAED22}"/>
+                <a16:creationId xmlns:a16="http://schemas.microsoft.com/office/drawing/2014/main" id="{C845D57F-B65A-429F-93BA-B3A20359FC47}"/>
               </a:ext>
             </a:extLst>
           </p:cNvPr>
@@ -9316,24 +9403,29 @@
             <p:ph type="body" idx="1"/>
           </p:nvPr>
         </p:nvSpPr>
-        <p:spPr/>
-        <p:txBody>
-          <a:bodyPr/>
-          <a:lstStyle/>
-          <a:p>
-            <a:r>
-              <a:rPr lang="en-US" dirty="0"/>
-              <a:t>Notes</a:t>
-            </a:r>
-          </a:p>
-        </p:txBody>
-      </p:sp>
-      <p:sp>
-        <p:nvSpPr>
-          <p:cNvPr id="4" name="Content Placeholder 3">
+        <p:spPr>
+          <a:xfrm>
+            <a:off x="0" y="2162462"/>
+            <a:ext cx="4396338" cy="576262"/>
+          </a:xfrm>
+        </p:spPr>
+        <p:txBody>
+          <a:bodyPr/>
+          <a:lstStyle/>
+          <a:p>
+            <a:r>
+              <a:rPr lang="en-US" dirty="0"/>
+              <a:t>Phase 2</a:t>
+            </a:r>
+          </a:p>
+        </p:txBody>
+      </p:sp>
+      <p:sp>
+        <p:nvSpPr>
+          <p:cNvPr id="22" name="Text Placeholder 21">
             <a:extLst>
               <a:ext uri="{FF2B5EF4-FFF2-40B4-BE49-F238E27FC236}">
-                <a16:creationId xmlns:a16="http://schemas.microsoft.com/office/drawing/2014/main" id="{F3218215-3139-4576-839D-4A3E1498B9D3}"/>
+                <a16:creationId xmlns:a16="http://schemas.microsoft.com/office/drawing/2014/main" id="{C26965E4-4241-4831-8BF0-6C604CA4C2A1}"/>
               </a:ext>
             </a:extLst>
           </p:cNvPr>
@@ -9341,113 +9433,32 @@
             <a:spLocks noGrp="1"/>
           </p:cNvSpPr>
           <p:nvPr>
-            <p:ph sz="half" idx="2"/>
-          </p:nvPr>
-        </p:nvSpPr>
-        <p:spPr/>
-        <p:txBody>
-          <a:bodyPr>
-            <a:normAutofit fontScale="85000" lnSpcReduction="20000"/>
-          </a:bodyPr>
-          <a:lstStyle/>
-          <a:p>
-            <a:r>
-              <a:rPr lang="en-US" dirty="0"/>
-              <a:t>Fully Testable! (equivalent to C#)</a:t>
-            </a:r>
-          </a:p>
-          <a:p>
-            <a:r>
-              <a:rPr lang="en-US" dirty="0"/>
-              <a:t>“</a:t>
-            </a:r>
-            <a:r>
-              <a:rPr lang="en-US" dirty="0" err="1"/>
-              <a:t>checkStock</a:t>
-            </a:r>
-            <a:r>
-              <a:rPr lang="en-US" dirty="0"/>
-              <a:t>” body is extracted into a “template” function.</a:t>
-            </a:r>
-          </a:p>
-          <a:p>
-            <a:pPr lvl="1"/>
-            <a:r>
-              <a:rPr lang="en-US" dirty="0"/>
-              <a:t>I call it a template because it’s like the old </a:t>
-            </a:r>
-            <a:r>
-              <a:rPr lang="en-US" dirty="0" err="1"/>
-              <a:t>GoF</a:t>
-            </a:r>
-            <a:r>
-              <a:rPr lang="en-US" dirty="0"/>
-              <a:t> “Template” pattern.</a:t>
-            </a:r>
-          </a:p>
-          <a:p>
-            <a:r>
-              <a:rPr lang="en-US" dirty="0"/>
-              <a:t>“</a:t>
-            </a:r>
-            <a:r>
-              <a:rPr lang="en-US" dirty="0" err="1"/>
-              <a:t>checkStockTemplate</a:t>
-            </a:r>
-            <a:r>
-              <a:rPr lang="en-US" dirty="0"/>
-              <a:t>” is a “higher order function” that use </a:t>
-            </a:r>
-            <a:r>
-              <a:rPr lang="en-US" i="1" dirty="0"/>
-              <a:t>type inference</a:t>
-            </a:r>
-            <a:r>
-              <a:rPr lang="en-US" dirty="0"/>
-              <a:t> to inject IO dependency functions.  </a:t>
-            </a:r>
-          </a:p>
-          <a:p>
-            <a:pPr lvl="1"/>
-            <a:r>
-              <a:rPr lang="en-US" i="1" dirty="0"/>
-              <a:t>Dependency arguments (i.e. things that would be c’tor injected in C#) should always be modeled first.</a:t>
-            </a:r>
-          </a:p>
-          <a:p>
-            <a:r>
-              <a:rPr lang="en-US" dirty="0"/>
-              <a:t>The new “</a:t>
-            </a:r>
-            <a:r>
-              <a:rPr lang="en-US" dirty="0" err="1"/>
-              <a:t>checkStock</a:t>
-            </a:r>
-            <a:r>
-              <a:rPr lang="en-US" dirty="0"/>
-              <a:t>” function is the template with the IO dependencies “partially applied”.</a:t>
-            </a:r>
-          </a:p>
-          <a:p>
-            <a:r>
-              <a:rPr lang="en-US" dirty="0"/>
-              <a:t>IO Dependencies in the template can be substituted in unit tests.</a:t>
-            </a:r>
-          </a:p>
-          <a:p>
-            <a:endParaRPr lang="en-US" i="1" dirty="0"/>
-          </a:p>
-          <a:p>
-            <a:endParaRPr lang="en-US" dirty="0"/>
+            <p:ph type="body" sz="quarter" idx="3"/>
+          </p:nvPr>
+        </p:nvSpPr>
+        <p:spPr>
+          <a:xfrm>
+            <a:off x="6033854" y="2162462"/>
+            <a:ext cx="5444973" cy="576262"/>
+          </a:xfrm>
+        </p:spPr>
+        <p:txBody>
+          <a:bodyPr/>
+          <a:lstStyle/>
+          <a:p>
+            <a:r>
+              <a:rPr lang="en-US" dirty="0"/>
+              <a:t>Phase 3 (Extract to Template)</a:t>
+            </a:r>
           </a:p>
         </p:txBody>
       </p:sp>
       <p:pic>
         <p:nvPicPr>
-          <p:cNvPr id="7" name="Picture 6">
+          <p:cNvPr id="26" name="Picture 25">
             <a:extLst>
               <a:ext uri="{FF2B5EF4-FFF2-40B4-BE49-F238E27FC236}">
-                <a16:creationId xmlns:a16="http://schemas.microsoft.com/office/drawing/2014/main" id="{5E70B00D-D464-4B9C-AE34-ADD2ED913986}"/>
+                <a16:creationId xmlns:a16="http://schemas.microsoft.com/office/drawing/2014/main" id="{8636F7D2-6B9C-4358-B6D7-B416316C0DC6}"/>
               </a:ext>
             </a:extLst>
           </p:cNvPr>
@@ -9464,18 +9475,89 @@
         </p:blipFill>
         <p:spPr>
           <a:xfrm>
-            <a:off x="5936060" y="880299"/>
-            <a:ext cx="6001588" cy="5630061"/>
+            <a:off x="97006" y="2790476"/>
+            <a:ext cx="5963482" cy="2848373"/>
           </a:xfrm>
           <a:prstGeom prst="rect">
             <a:avLst/>
           </a:prstGeom>
         </p:spPr>
       </p:pic>
+      <p:pic>
+        <p:nvPicPr>
+          <p:cNvPr id="27" name="Picture 26">
+            <a:extLst>
+              <a:ext uri="{FF2B5EF4-FFF2-40B4-BE49-F238E27FC236}">
+                <a16:creationId xmlns:a16="http://schemas.microsoft.com/office/drawing/2014/main" id="{58E3662E-2D24-4AEF-A5FE-124A18702784}"/>
+              </a:ext>
+            </a:extLst>
+          </p:cNvPr>
+          <p:cNvPicPr>
+            <a:picLocks noChangeAspect="1"/>
+          </p:cNvPicPr>
+          <p:nvPr/>
+        </p:nvPicPr>
+        <p:blipFill>
+          <a:blip r:embed="rId3"/>
+          <a:stretch>
+            <a:fillRect/>
+          </a:stretch>
+        </p:blipFill>
+        <p:spPr>
+          <a:xfrm>
+            <a:off x="6111858" y="2790476"/>
+            <a:ext cx="5982535" cy="3962953"/>
+          </a:xfrm>
+          <a:prstGeom prst="rect">
+            <a:avLst/>
+          </a:prstGeom>
+        </p:spPr>
+      </p:pic>
+      <p:sp>
+        <p:nvSpPr>
+          <p:cNvPr id="8" name="Content Placeholder 3">
+            <a:extLst>
+              <a:ext uri="{FF2B5EF4-FFF2-40B4-BE49-F238E27FC236}">
+                <a16:creationId xmlns:a16="http://schemas.microsoft.com/office/drawing/2014/main" id="{D6706BA8-9841-4A62-80AC-E45AACEFB50C}"/>
+              </a:ext>
+            </a:extLst>
+          </p:cNvPr>
+          <p:cNvSpPr>
+            <a:spLocks noGrp="1"/>
+          </p:cNvSpPr>
+          <p:nvPr>
+            <p:ph sz="half" idx="2"/>
+          </p:nvPr>
+        </p:nvSpPr>
+        <p:spPr>
+          <a:xfrm>
+            <a:off x="1280867" y="1280944"/>
+            <a:ext cx="9061617" cy="850041"/>
+          </a:xfrm>
+        </p:spPr>
+        <p:txBody>
+          <a:bodyPr>
+            <a:normAutofit/>
+          </a:bodyPr>
+          <a:lstStyle/>
+          <a:p>
+            <a:r>
+              <a:rPr lang="en-US" dirty="0"/>
+              <a:t>1) Create “Template” function</a:t>
+            </a:r>
+          </a:p>
+          <a:p>
+            <a:r>
+              <a:rPr lang="en-US" dirty="0"/>
+              <a:t>2) Pass in IO functions as dependencies (using F# Type Inference)</a:t>
+            </a:r>
+          </a:p>
+        </p:txBody>
+      </p:sp>
     </p:spTree>
     <p:extLst>
       <p:ext uri="{BB962C8B-B14F-4D97-AF65-F5344CB8AC3E}">
-        <p14:creationId xmlns:p14="http://schemas.microsoft.com/office/powerpoint/2010/main" val="3569841036"/>
+        <p14:creationId xmlns:p14="http://schemas.microsoft.com/office/powerpoint/2010/main" val="3181213068"/>
       </p:ext>
     </p:extLst>
   </p:cSld>
@@ -9507,7 +9589,7 @@
           <p:cNvPr id="2" name="Title 1">
             <a:extLst>
               <a:ext uri="{FF2B5EF4-FFF2-40B4-BE49-F238E27FC236}">
-                <a16:creationId xmlns:a16="http://schemas.microsoft.com/office/drawing/2014/main" id="{169EB7D1-2F0C-4C33-9B68-39874BE6CDC2}"/>
+                <a16:creationId xmlns:a16="http://schemas.microsoft.com/office/drawing/2014/main" id="{986625FC-F365-4AD8-B964-3D1B1E3101D7}"/>
               </a:ext>
             </a:extLst>
           </p:cNvPr>
@@ -9525,17 +9607,17 @@
           <a:p>
             <a:r>
               <a:rPr lang="en-US" dirty="0"/>
-              <a:t>Refactoring: Partial to Full Testability</a:t>
-            </a:r>
-          </a:p>
-        </p:txBody>
-      </p:sp>
-      <p:sp>
-        <p:nvSpPr>
-          <p:cNvPr id="20" name="Text Placeholder 19">
+              <a:t>F# - Phase 3</a:t>
+            </a:r>
+          </a:p>
+        </p:txBody>
+      </p:sp>
+      <p:sp>
+        <p:nvSpPr>
+          <p:cNvPr id="3" name="Text Placeholder 2">
             <a:extLst>
               <a:ext uri="{FF2B5EF4-FFF2-40B4-BE49-F238E27FC236}">
-                <a16:creationId xmlns:a16="http://schemas.microsoft.com/office/drawing/2014/main" id="{C845D57F-B65A-429F-93BA-B3A20359FC47}"/>
+                <a16:creationId xmlns:a16="http://schemas.microsoft.com/office/drawing/2014/main" id="{60D87FB1-C327-4CF9-A7DC-043CB8FAED22}"/>
               </a:ext>
             </a:extLst>
           </p:cNvPr>
@@ -9548,27 +9630,27 @@
         </p:nvSpPr>
         <p:spPr>
           <a:xfrm>
-            <a:off x="0" y="1905000"/>
-            <a:ext cx="4396338" cy="576262"/>
-          </a:xfrm>
-        </p:spPr>
-        <p:txBody>
-          <a:bodyPr/>
-          <a:lstStyle/>
-          <a:p>
-            <a:r>
-              <a:rPr lang="en-US" dirty="0"/>
-              <a:t>Phase 2</a:t>
-            </a:r>
-          </a:p>
-        </p:txBody>
-      </p:sp>
-      <p:sp>
-        <p:nvSpPr>
-          <p:cNvPr id="22" name="Text Placeholder 21">
+            <a:off x="739327" y="1514378"/>
+            <a:ext cx="4933503" cy="576262"/>
+          </a:xfrm>
+        </p:spPr>
+        <p:txBody>
+          <a:bodyPr/>
+          <a:lstStyle/>
+          <a:p>
+            <a:r>
+              <a:rPr lang="en-US" dirty="0"/>
+              <a:t>Notes</a:t>
+            </a:r>
+          </a:p>
+        </p:txBody>
+      </p:sp>
+      <p:sp>
+        <p:nvSpPr>
+          <p:cNvPr id="4" name="Content Placeholder 3">
             <a:extLst>
               <a:ext uri="{FF2B5EF4-FFF2-40B4-BE49-F238E27FC236}">
-                <a16:creationId xmlns:a16="http://schemas.microsoft.com/office/drawing/2014/main" id="{C26965E4-4241-4831-8BF0-6C604CA4C2A1}"/>
+                <a16:creationId xmlns:a16="http://schemas.microsoft.com/office/drawing/2014/main" id="{F3218215-3139-4576-839D-4A3E1498B9D3}"/>
               </a:ext>
             </a:extLst>
           </p:cNvPr>
@@ -9576,32 +9658,120 @@
             <a:spLocks noGrp="1"/>
           </p:cNvSpPr>
           <p:nvPr>
-            <p:ph type="body" sz="quarter" idx="3"/>
-          </p:nvPr>
-        </p:nvSpPr>
-        <p:spPr>
-          <a:xfrm>
-            <a:off x="6033854" y="1905000"/>
-            <a:ext cx="4396339" cy="576262"/>
-          </a:xfrm>
-        </p:spPr>
-        <p:txBody>
-          <a:bodyPr/>
-          <a:lstStyle/>
-          <a:p>
-            <a:r>
-              <a:rPr lang="en-US" dirty="0"/>
-              <a:t>Phase 3</a:t>
-            </a:r>
+            <p:ph sz="half" idx="2"/>
+          </p:nvPr>
+        </p:nvSpPr>
+        <p:spPr>
+          <a:xfrm>
+            <a:off x="739327" y="2123978"/>
+            <a:ext cx="4933504" cy="4125902"/>
+          </a:xfrm>
+        </p:spPr>
+        <p:txBody>
+          <a:bodyPr>
+            <a:normAutofit fontScale="85000" lnSpcReduction="20000"/>
+          </a:bodyPr>
+          <a:lstStyle/>
+          <a:p>
+            <a:r>
+              <a:rPr lang="en-US" dirty="0"/>
+              <a:t>I call it a template because it’s like the old </a:t>
+            </a:r>
+            <a:r>
+              <a:rPr lang="en-US" dirty="0" err="1"/>
+              <a:t>GoF</a:t>
+            </a:r>
+            <a:r>
+              <a:rPr lang="en-US" dirty="0"/>
+              <a:t> “Template” pattern.</a:t>
+            </a:r>
+          </a:p>
+          <a:p>
+            <a:pPr lvl="1"/>
+            <a:r>
+              <a:rPr lang="en-US" dirty="0"/>
+              <a:t>Abstract class with a series of steps as abstract methods that are chained together in an implementation method.</a:t>
+            </a:r>
+          </a:p>
+          <a:p>
+            <a:pPr lvl="1"/>
+            <a:r>
+              <a:rPr lang="en-US" dirty="0"/>
+              <a:t>Concrete classes simply implement the steps.</a:t>
+            </a:r>
+          </a:p>
+          <a:p>
+            <a:r>
+              <a:rPr lang="en-US" dirty="0"/>
+              <a:t>“</a:t>
+            </a:r>
+            <a:r>
+              <a:rPr lang="en-US" dirty="0" err="1"/>
+              <a:t>checkStockTemplate</a:t>
+            </a:r>
+            <a:r>
+              <a:rPr lang="en-US" dirty="0"/>
+              <a:t>” is a “higher order function” that use </a:t>
+            </a:r>
+            <a:r>
+              <a:rPr lang="en-US" i="1" dirty="0"/>
+              <a:t>type inference</a:t>
+            </a:r>
+            <a:r>
+              <a:rPr lang="en-US" dirty="0"/>
+              <a:t> to inject IO dependency functions.  </a:t>
+            </a:r>
+          </a:p>
+          <a:p>
+            <a:pPr lvl="1"/>
+            <a:r>
+              <a:rPr lang="en-US" i="1" dirty="0"/>
+              <a:t>Dependency arguments (i.e. things that would be c’tor injected in C#) should always be modeled first.</a:t>
+            </a:r>
+          </a:p>
+          <a:p>
+            <a:r>
+              <a:rPr lang="en-US" dirty="0"/>
+              <a:t>The new “</a:t>
+            </a:r>
+            <a:r>
+              <a:rPr lang="en-US" dirty="0" err="1"/>
+              <a:t>checkStock</a:t>
+            </a:r>
+            <a:r>
+              <a:rPr lang="en-US" dirty="0"/>
+              <a:t>” function is the template with the IO dependencies “partially applied”.</a:t>
+            </a:r>
+          </a:p>
+          <a:p>
+            <a:r>
+              <a:rPr lang="en-US" dirty="0"/>
+              <a:t>IO Dependencies in the template can be substituted in unit tests.</a:t>
+            </a:r>
+          </a:p>
+          <a:p>
+            <a:r>
+              <a:rPr lang="en-US" dirty="0"/>
+              <a:t>Fully Testable! (equivalent to C# sample)</a:t>
+            </a:r>
+          </a:p>
+          <a:p>
+            <a:endParaRPr lang="en-US" dirty="0"/>
+          </a:p>
+          <a:p>
+            <a:endParaRPr lang="en-US" i="1" dirty="0"/>
+          </a:p>
+          <a:p>
+            <a:endParaRPr lang="en-US" dirty="0"/>
           </a:p>
         </p:txBody>
       </p:sp>
       <p:pic>
         <p:nvPicPr>
-          <p:cNvPr id="26" name="Picture 25">
+          <p:cNvPr id="7" name="Picture 6">
             <a:extLst>
               <a:ext uri="{FF2B5EF4-FFF2-40B4-BE49-F238E27FC236}">
-                <a16:creationId xmlns:a16="http://schemas.microsoft.com/office/drawing/2014/main" id="{8636F7D2-6B9C-4358-B6D7-B416316C0DC6}"/>
+                <a16:creationId xmlns:a16="http://schemas.microsoft.com/office/drawing/2014/main" id="{5E70B00D-D464-4B9C-AE34-ADD2ED913986}"/>
               </a:ext>
             </a:extLst>
           </p:cNvPr>
@@ -9618,38 +9788,8 @@
         </p:blipFill>
         <p:spPr>
           <a:xfrm>
-            <a:off x="97006" y="2533014"/>
-            <a:ext cx="5963482" cy="2848373"/>
-          </a:xfrm>
-          <a:prstGeom prst="rect">
-            <a:avLst/>
-          </a:prstGeom>
-        </p:spPr>
-      </p:pic>
-      <p:pic>
-        <p:nvPicPr>
-          <p:cNvPr id="27" name="Picture 26">
-            <a:extLst>
-              <a:ext uri="{FF2B5EF4-FFF2-40B4-BE49-F238E27FC236}">
-                <a16:creationId xmlns:a16="http://schemas.microsoft.com/office/drawing/2014/main" id="{58E3662E-2D24-4AEF-A5FE-124A18702784}"/>
-              </a:ext>
-            </a:extLst>
-          </p:cNvPr>
-          <p:cNvPicPr>
-            <a:picLocks noChangeAspect="1"/>
-          </p:cNvPicPr>
-          <p:nvPr/>
-        </p:nvPicPr>
-        <p:blipFill>
-          <a:blip r:embed="rId3"/>
-          <a:stretch>
-            <a:fillRect/>
-          </a:stretch>
-        </p:blipFill>
-        <p:spPr>
-          <a:xfrm>
-            <a:off x="6111858" y="2533014"/>
-            <a:ext cx="5982535" cy="3962953"/>
+            <a:off x="5936060" y="880299"/>
+            <a:ext cx="6001588" cy="5630061"/>
           </a:xfrm>
           <a:prstGeom prst="rect">
             <a:avLst/>
@@ -9659,7 +9799,7 @@
     </p:spTree>
     <p:extLst>
       <p:ext uri="{BB962C8B-B14F-4D97-AF65-F5344CB8AC3E}">
-        <p14:creationId xmlns:p14="http://schemas.microsoft.com/office/powerpoint/2010/main" val="3181213068"/>
+        <p14:creationId xmlns:p14="http://schemas.microsoft.com/office/powerpoint/2010/main" val="3569841036"/>
       </p:ext>
     </p:extLst>
   </p:cSld>
@@ -9788,15 +9928,7 @@
           <a:p>
             <a:r>
               <a:rPr lang="en-US" dirty="0"/>
-              <a:t>Testing the input </a:t>
-            </a:r>
-            <a:r>
-              <a:rPr lang="en-US" dirty="0" err="1"/>
-              <a:t>args</a:t>
-            </a:r>
-            <a:r>
-              <a:rPr lang="en-US" dirty="0"/>
-              <a:t> of dependencies is also very straight forward</a:t>
+              <a:t>Testing the input args of dependencies is also very straight forward</a:t>
             </a:r>
           </a:p>
           <a:p>
@@ -9967,7 +10099,7 @@
             </a:br>
             <a:r>
               <a:rPr lang="en-US" dirty="0"/>
-              <a:t>1 file per class</a:t>
+              <a:t>1-file-per-class</a:t>
             </a:r>
           </a:p>
           <a:p>
@@ -10643,7 +10775,9 @@
           </a:xfrm>
         </p:spPr>
         <p:txBody>
-          <a:bodyPr/>
+          <a:bodyPr>
+            <a:normAutofit fontScale="92500" lnSpcReduction="20000"/>
+          </a:bodyPr>
           <a:lstStyle/>
           <a:p>
             <a:r>
@@ -10670,6 +10804,31 @@
               <a:rPr lang="en-US" dirty="0"/>
               <a:t> writing any implementation!</a:t>
             </a:r>
+          </a:p>
+          <a:p>
+            <a:r>
+              <a:rPr lang="en-US" dirty="0"/>
+              <a:t>I like to annotate simple args (items and </a:t>
+            </a:r>
+            <a:r>
+              <a:rPr lang="en-US" dirty="0" err="1"/>
+              <a:t>couponCode</a:t>
+            </a:r>
+            <a:r>
+              <a:rPr lang="en-US" dirty="0"/>
+              <a:t>), and only use type inference for function signatures.  </a:t>
+            </a:r>
+          </a:p>
+          <a:p>
+            <a:r>
+              <a:rPr lang="en-US" dirty="0"/>
+              <a:t>Type inferred args are kind of like “putty” in that they conform to whatever is pressed </a:t>
+            </a:r>
+            <a:r>
+              <a:rPr lang="en-US"/>
+              <a:t>up against them!</a:t>
+            </a:r>
+            <a:endParaRPr lang="en-US" dirty="0"/>
           </a:p>
         </p:txBody>
       </p:sp>
@@ -10853,29 +11012,13 @@
           <a:p>
             <a:r>
               <a:rPr lang="en-US" dirty="0"/>
-              <a:t>User defined thresholds are stored in a local </a:t>
-            </a:r>
-            <a:r>
-              <a:rPr lang="en-US" dirty="0" err="1"/>
-              <a:t>Sqlite</a:t>
-            </a:r>
-            <a:r>
-              <a:rPr lang="en-US" dirty="0"/>
-              <a:t> database (management of stock thresholds not covered).</a:t>
-            </a:r>
-          </a:p>
-          <a:p>
-            <a:r>
-              <a:rPr lang="en-US" dirty="0"/>
-              <a:t>Stock prices will be checked via a free web </a:t>
-            </a:r>
-            <a:r>
-              <a:rPr lang="en-US" dirty="0" err="1"/>
-              <a:t>api</a:t>
-            </a:r>
-            <a:r>
-              <a:rPr lang="en-US" dirty="0"/>
-              <a:t>.</a:t>
+              <a:t>User defined thresholds are stored in a local Sqlite database (management of stock thresholds not covered).</a:t>
+            </a:r>
+          </a:p>
+          <a:p>
+            <a:r>
+              <a:rPr lang="en-US" dirty="0"/>
+              <a:t>Stock prices will be checked via a web API.</a:t>
             </a:r>
           </a:p>
           <a:p>
@@ -11379,25 +11522,46 @@
           <a:p>
             <a:r>
               <a:rPr lang="en-US" dirty="0"/>
-              <a:t>Dependencies are c’tor injected</a:t>
-            </a:r>
-          </a:p>
-          <a:p>
+              <a:t>Dependencies are </a:t>
+            </a:r>
+            <a:r>
+              <a:rPr lang="en-US" dirty="0" err="1"/>
+              <a:t>c’tor</a:t>
+            </a:r>
+            <a:r>
+              <a:rPr lang="en-US" dirty="0"/>
+              <a:t> injected</a:t>
+            </a:r>
+          </a:p>
+          <a:p>
+            <a:r>
+              <a:rPr lang="en-US" dirty="0" err="1"/>
+              <a:t>CheckStock</a:t>
+            </a:r>
+            <a:r>
+              <a:rPr lang="en-US" dirty="0"/>
+              <a:t> “feature” method:</a:t>
+            </a:r>
+          </a:p>
+          <a:p>
+            <a:pPr lvl="1"/>
             <a:r>
               <a:rPr lang="en-US" dirty="0"/>
               <a:t>1) IO – gets input data</a:t>
             </a:r>
           </a:p>
           <a:p>
+            <a:pPr lvl="1"/>
             <a:r>
               <a:rPr lang="en-US" dirty="0"/>
               <a:t>2) Applies thresholds (business rules)</a:t>
             </a:r>
           </a:p>
           <a:p>
-            <a:r>
-              <a:rPr lang="en-US" dirty="0"/>
-              <a:t>2) IO – sends messages</a:t>
+            <a:pPr lvl="1"/>
+            <a:r>
+              <a:rPr lang="en-US" dirty="0"/>
+              <a:t>3) IO – sends messages</a:t>
             </a:r>
           </a:p>
           <a:p>
@@ -11581,13 +11745,8 @@
             </a:r>
             <a:r>
               <a:rPr lang="en-US" dirty="0"/>
-              <a:t> – user defined thresholds that are stored in </a:t>
-            </a:r>
-            <a:r>
-              <a:rPr lang="en-US" dirty="0" err="1"/>
-              <a:t>Sqlite</a:t>
-            </a:r>
-            <a:endParaRPr lang="en-US" dirty="0"/>
+              <a:t> – user defined thresholds that are stored in Sqlite</a:t>
+            </a:r>
           </a:p>
           <a:p>
             <a:r>
@@ -11841,9 +12000,10 @@
             </a:r>
           </a:p>
           <a:p>
-            <a:r>
-              <a:rPr lang="en-US" dirty="0"/>
-              <a:t>Well honed dev instincts know to check for nulls</a:t>
+            <a:pPr lvl="1"/>
+            <a:r>
+              <a:rPr lang="en-US" dirty="0"/>
+              <a:t>(The seasoned dev should know to check for nulls!)</a:t>
             </a:r>
           </a:p>
         </p:txBody>

--- a/TradeMinder F# - C#.pptx
+++ b/TradeMinder F# - C#.pptx
@@ -224,7 +224,7 @@
           <a:p>
             <a:fld id="{D637EA8C-3B81-4F0E-8871-03560EB1F0C2}" type="datetimeFigureOut">
               <a:rPr lang="en-US" smtClean="0"/>
-              <a:t>5/6/2020</a:t>
+              <a:t>5/7/2020</a:t>
             </a:fld>
             <a:endParaRPr lang="en-US"/>
           </a:p>
@@ -770,7 +770,7 @@
           <a:p>
             <a:fld id="{19FF90F1-C354-4482-AEE3-BA511282A942}" type="datetimeFigureOut">
               <a:rPr lang="en-US" smtClean="0"/>
-              <a:t>5/6/2020</a:t>
+              <a:t>5/7/2020</a:t>
             </a:fld>
             <a:endParaRPr lang="en-US"/>
           </a:p>
@@ -1045,7 +1045,7 @@
           <a:p>
             <a:fld id="{19FF90F1-C354-4482-AEE3-BA511282A942}" type="datetimeFigureOut">
               <a:rPr lang="en-US" smtClean="0"/>
-              <a:t>5/6/2020</a:t>
+              <a:t>5/7/2020</a:t>
             </a:fld>
             <a:endParaRPr lang="en-US"/>
           </a:p>
@@ -1239,7 +1239,7 @@
           <a:p>
             <a:fld id="{19FF90F1-C354-4482-AEE3-BA511282A942}" type="datetimeFigureOut">
               <a:rPr lang="en-US" smtClean="0"/>
-              <a:t>5/6/2020</a:t>
+              <a:t>5/7/2020</a:t>
             </a:fld>
             <a:endParaRPr lang="en-US"/>
           </a:p>
@@ -1510,7 +1510,7 @@
           <a:p>
             <a:fld id="{19FF90F1-C354-4482-AEE3-BA511282A942}" type="datetimeFigureOut">
               <a:rPr lang="en-US" smtClean="0"/>
-              <a:t>5/6/2020</a:t>
+              <a:t>5/7/2020</a:t>
             </a:fld>
             <a:endParaRPr lang="en-US"/>
           </a:p>
@@ -1837,7 +1837,7 @@
           <a:p>
             <a:fld id="{19FF90F1-C354-4482-AEE3-BA511282A942}" type="datetimeFigureOut">
               <a:rPr lang="en-US" smtClean="0"/>
-              <a:t>5/6/2020</a:t>
+              <a:t>5/7/2020</a:t>
             </a:fld>
             <a:endParaRPr lang="en-US"/>
           </a:p>
@@ -2456,7 +2456,7 @@
           <a:p>
             <a:fld id="{19FF90F1-C354-4482-AEE3-BA511282A942}" type="datetimeFigureOut">
               <a:rPr lang="en-US" smtClean="0"/>
-              <a:t>5/6/2020</a:t>
+              <a:t>5/7/2020</a:t>
             </a:fld>
             <a:endParaRPr lang="en-US"/>
           </a:p>
@@ -3303,7 +3303,7 @@
           <a:p>
             <a:fld id="{19FF90F1-C354-4482-AEE3-BA511282A942}" type="datetimeFigureOut">
               <a:rPr lang="en-US" smtClean="0"/>
-              <a:t>5/6/2020</a:t>
+              <a:t>5/7/2020</a:t>
             </a:fld>
             <a:endParaRPr lang="en-US"/>
           </a:p>
@@ -3473,7 +3473,7 @@
           <a:p>
             <a:fld id="{19FF90F1-C354-4482-AEE3-BA511282A942}" type="datetimeFigureOut">
               <a:rPr lang="en-US" smtClean="0"/>
-              <a:t>5/6/2020</a:t>
+              <a:t>5/7/2020</a:t>
             </a:fld>
             <a:endParaRPr lang="en-US"/>
           </a:p>
@@ -3653,7 +3653,7 @@
           <a:p>
             <a:fld id="{19FF90F1-C354-4482-AEE3-BA511282A942}" type="datetimeFigureOut">
               <a:rPr lang="en-US" smtClean="0"/>
-              <a:t>5/6/2020</a:t>
+              <a:t>5/7/2020</a:t>
             </a:fld>
             <a:endParaRPr lang="en-US"/>
           </a:p>
@@ -3823,7 +3823,7 @@
           <a:p>
             <a:fld id="{19FF90F1-C354-4482-AEE3-BA511282A942}" type="datetimeFigureOut">
               <a:rPr lang="en-US" smtClean="0"/>
-              <a:t>5/6/2020</a:t>
+              <a:t>5/7/2020</a:t>
             </a:fld>
             <a:endParaRPr lang="en-US"/>
           </a:p>
@@ -4070,7 +4070,7 @@
           <a:p>
             <a:fld id="{19FF90F1-C354-4482-AEE3-BA511282A942}" type="datetimeFigureOut">
               <a:rPr lang="en-US" smtClean="0"/>
-              <a:t>5/6/2020</a:t>
+              <a:t>5/7/2020</a:t>
             </a:fld>
             <a:endParaRPr lang="en-US"/>
           </a:p>
@@ -4362,7 +4362,7 @@
           <a:p>
             <a:fld id="{19FF90F1-C354-4482-AEE3-BA511282A942}" type="datetimeFigureOut">
               <a:rPr lang="en-US" smtClean="0"/>
-              <a:t>5/6/2020</a:t>
+              <a:t>5/7/2020</a:t>
             </a:fld>
             <a:endParaRPr lang="en-US"/>
           </a:p>
@@ -4806,7 +4806,7 @@
           <a:p>
             <a:fld id="{19FF90F1-C354-4482-AEE3-BA511282A942}" type="datetimeFigureOut">
               <a:rPr lang="en-US" smtClean="0"/>
-              <a:t>5/6/2020</a:t>
+              <a:t>5/7/2020</a:t>
             </a:fld>
             <a:endParaRPr lang="en-US"/>
           </a:p>
@@ -4924,7 +4924,7 @@
           <a:p>
             <a:fld id="{19FF90F1-C354-4482-AEE3-BA511282A942}" type="datetimeFigureOut">
               <a:rPr lang="en-US" smtClean="0"/>
-              <a:t>5/6/2020</a:t>
+              <a:t>5/7/2020</a:t>
             </a:fld>
             <a:endParaRPr lang="en-US"/>
           </a:p>
@@ -5019,7 +5019,7 @@
           <a:p>
             <a:fld id="{19FF90F1-C354-4482-AEE3-BA511282A942}" type="datetimeFigureOut">
               <a:rPr lang="en-US" smtClean="0"/>
-              <a:t>5/6/2020</a:t>
+              <a:t>5/7/2020</a:t>
             </a:fld>
             <a:endParaRPr lang="en-US"/>
           </a:p>
@@ -5298,7 +5298,7 @@
           <a:p>
             <a:fld id="{19FF90F1-C354-4482-AEE3-BA511282A942}" type="datetimeFigureOut">
               <a:rPr lang="en-US" smtClean="0"/>
-              <a:t>5/6/2020</a:t>
+              <a:t>5/7/2020</a:t>
             </a:fld>
             <a:endParaRPr lang="en-US"/>
           </a:p>
@@ -5573,7 +5573,7 @@
           <a:p>
             <a:fld id="{19FF90F1-C354-4482-AEE3-BA511282A942}" type="datetimeFigureOut">
               <a:rPr lang="en-US" smtClean="0"/>
-              <a:t>5/6/2020</a:t>
+              <a:t>5/7/2020</a:t>
             </a:fld>
             <a:endParaRPr lang="en-US"/>
           </a:p>
@@ -5996,7 +5996,7 @@
           <a:p>
             <a:fld id="{19FF90F1-C354-4482-AEE3-BA511282A942}" type="datetimeFigureOut">
               <a:rPr lang="en-US" smtClean="0"/>
-              <a:t>5/6/2020</a:t>
+              <a:t>5/7/2020</a:t>
             </a:fld>
             <a:endParaRPr lang="en-US"/>
           </a:p>
@@ -6540,14 +6540,19 @@
             <p:ph type="ctrTitle"/>
           </p:nvPr>
         </p:nvSpPr>
-        <p:spPr/>
+        <p:spPr>
+          <a:xfrm>
+            <a:off x="1154954" y="1447800"/>
+            <a:ext cx="10235096" cy="3329581"/>
+          </a:xfrm>
+        </p:spPr>
         <p:txBody>
           <a:bodyPr/>
           <a:lstStyle/>
           <a:p>
             <a:r>
-              <a:rPr lang="en-US" dirty="0"/>
-              <a:t>TradeMinder F#</a:t>
+              <a:rPr lang="en-US" sz="4400" dirty="0"/>
+              <a:t>Refactoring to Testability in C# / F#</a:t>
             </a:r>
           </a:p>
         </p:txBody>
@@ -6575,13 +6580,7 @@
           <a:p>
             <a:r>
               <a:rPr lang="en-US" dirty="0"/>
-              <a:t>F# - Refactoring to Testability</a:t>
-            </a:r>
-          </a:p>
-          <a:p>
-            <a:r>
-              <a:rPr lang="en-US" dirty="0"/>
-              <a:t>C# - side-by-side Examples</a:t>
+              <a:t>implementing a progressively testable feature</a:t>
             </a:r>
           </a:p>
         </p:txBody>
@@ -6754,8 +6753,15 @@
             </a:r>
             <a:r>
               <a:rPr lang="en-US" dirty="0"/>
-              <a:t>the feature is tested or else it won’t work properly!</a:t>
-            </a:r>
+              <a:t>the feature is tested or else it won’t work properly!  </a:t>
+            </a:r>
+            <a:r>
+              <a:rPr lang="en-US" dirty="0">
+                <a:sym typeface="Wingdings" panose="05000000000000000000" pitchFamily="2" charset="2"/>
+              </a:rPr>
+              <a:t></a:t>
+            </a:r>
+            <a:endParaRPr lang="en-US" dirty="0"/>
           </a:p>
         </p:txBody>
       </p:sp>
@@ -6893,7 +6899,9 @@
         </p:nvSpPr>
         <p:spPr/>
         <p:txBody>
-          <a:bodyPr/>
+          <a:bodyPr>
+            <a:normAutofit/>
+          </a:bodyPr>
           <a:lstStyle/>
           <a:p>
             <a:r>
@@ -6912,13 +6920,19 @@
           <a:p>
             <a:r>
               <a:rPr lang="en-US" dirty="0"/>
-              <a:t>To show a repeatable “recipe” for refactoring an F# feature to be more testable.</a:t>
-            </a:r>
-          </a:p>
-          <a:p>
-            <a:r>
-              <a:rPr lang="en-US" dirty="0"/>
-              <a:t>To show how to architect using only functions vs. OOP class based design.</a:t>
+              <a:t>To show a repeatable “recipe” for refactoring an F# feature to be more testable</a:t>
+            </a:r>
+          </a:p>
+          <a:p>
+            <a:r>
+              <a:rPr lang="en-US" dirty="0"/>
+              <a:t>To demonstrate how to architect in F# using functions vs. OOP class based design</a:t>
+            </a:r>
+          </a:p>
+          <a:p>
+            <a:r>
+              <a:rPr lang="en-US" dirty="0"/>
+              <a:t>To show how easy and flexible it is to develop a general purpose app “line-of-business” feature in F#</a:t>
             </a:r>
           </a:p>
           <a:p>
@@ -6982,7 +6996,7 @@
           <a:p>
             <a:r>
               <a:rPr lang="en-US" dirty="0"/>
-              <a:t>F# - Progressive Testability</a:t>
+              <a:t>F# - Progressively Testable Design</a:t>
             </a:r>
           </a:p>
         </p:txBody>
@@ -7151,7 +7165,7 @@
             </a:r>
             <a:r>
               <a:rPr lang="en-US" dirty="0"/>
-              <a:t>” :)</a:t>
+              <a:t>” ;)</a:t>
             </a:r>
           </a:p>
           <a:p>
@@ -7937,25 +7951,25 @@
           <a:p>
             <a:r>
               <a:rPr lang="en-US" dirty="0"/>
-              <a:t>You should always start by identifying which operations inf your feature are “IO” and which can be “pure”.  </a:t>
-            </a:r>
-          </a:p>
-          <a:p>
-            <a:r>
-              <a:rPr lang="en-US" dirty="0"/>
-              <a:t>1) Get the IO data required</a:t>
-            </a:r>
-          </a:p>
-          <a:p>
-            <a:r>
-              <a:rPr lang="en-US" dirty="0"/>
-              <a:t>2) Pass it into the pure functions</a:t>
-            </a:r>
-          </a:p>
-          <a:p>
-            <a:r>
-              <a:rPr lang="en-US" dirty="0"/>
-              <a:t>3) Do any final IO (saving to database, file system, messaging, </a:t>
+              <a:t>You should always start by identifying which operations in your feature are “IO” and which can be “pure” (calculations / transformations on data).  </a:t>
+            </a:r>
+          </a:p>
+          <a:p>
+            <a:r>
+              <a:rPr lang="en-US" dirty="0"/>
+              <a:t>Step 1) Get the IO data required</a:t>
+            </a:r>
+          </a:p>
+          <a:p>
+            <a:r>
+              <a:rPr lang="en-US" dirty="0"/>
+              <a:t>Step 2) Pass it into the pure functions</a:t>
+            </a:r>
+          </a:p>
+          <a:p>
+            <a:r>
+              <a:rPr lang="en-US" dirty="0"/>
+              <a:t>Step 3) Do any final IO (saving to database, file system, messaging, </a:t>
             </a:r>
             <a:r>
               <a:rPr lang="en-US" dirty="0" err="1"/>
@@ -8050,7 +8064,12 @@
             <p:ph type="body" idx="1"/>
           </p:nvPr>
         </p:nvSpPr>
-        <p:spPr/>
+        <p:spPr>
+          <a:xfrm>
+            <a:off x="659432" y="1905000"/>
+            <a:ext cx="4396338" cy="576262"/>
+          </a:xfrm>
+        </p:spPr>
         <p:txBody>
           <a:bodyPr/>
           <a:lstStyle/>
@@ -8078,24 +8097,33 @@
             <p:ph sz="half" idx="2"/>
           </p:nvPr>
         </p:nvSpPr>
-        <p:spPr/>
+        <p:spPr>
+          <a:xfrm>
+            <a:off x="646112" y="2514600"/>
+            <a:ext cx="5088864" cy="3741738"/>
+          </a:xfrm>
+        </p:spPr>
         <p:txBody>
           <a:bodyPr/>
           <a:lstStyle/>
           <a:p>
             <a:r>
               <a:rPr lang="en-US" dirty="0"/>
-              <a:t>Pattern match to get args</a:t>
-            </a:r>
-          </a:p>
-          <a:p>
+              <a:t>Pattern match to destructure </a:t>
+            </a:r>
             <a:r>
               <a:rPr lang="en-US" dirty="0" err="1"/>
-              <a:t>Async.RunSynchronously</a:t>
-            </a:r>
-            <a:r>
-              <a:rPr lang="en-US" dirty="0"/>
-              <a:t> is like C# Task “.Wait()”</a:t>
+              <a:t>args</a:t>
+            </a:r>
+            <a:r>
+              <a:rPr lang="en-US" dirty="0"/>
+              <a:t> array</a:t>
+            </a:r>
+          </a:p>
+          <a:p>
+            <a:r>
+              <a:rPr lang="en-US" dirty="0"/>
+              <a:t>Async.RunSynchronously is like C# Task “.Wait()”</a:t>
             </a:r>
           </a:p>
           <a:p>
@@ -8319,7 +8347,7 @@
           <a:p>
             <a:r>
               <a:rPr lang="en-US" dirty="0"/>
-              <a:t>Still factored into </a:t>
+              <a:t>Note: Code is factored into </a:t>
             </a:r>
             <a:br>
               <a:rPr lang="en-US" dirty="0"/>
@@ -8543,6 +8571,24 @@
             </a:r>
           </a:p>
           <a:p>
+            <a:pPr lvl="1"/>
+            <a:r>
+              <a:rPr lang="en-US" dirty="0" err="1"/>
+              <a:t>Async.await</a:t>
+            </a:r>
+            <a:r>
+              <a:rPr lang="en-US" dirty="0"/>
+              <a:t> converts TPL Task to F# Async</a:t>
+            </a:r>
+          </a:p>
+          <a:p>
+            <a:pPr lvl="1"/>
+            <a:r>
+              <a:rPr lang="en-US" i="1" dirty="0"/>
+              <a:t>There is also a “task” C.E.</a:t>
+            </a:r>
+          </a:p>
+          <a:p>
             <a:pPr marL="457200" lvl="1" indent="0">
               <a:buNone/>
             </a:pPr>
@@ -8700,7 +8746,15 @@
             </a:r>
             <a:r>
               <a:rPr lang="en-US" dirty="0"/>
-              <a:t> entity declared in module alongside “get” function</a:t>
+              <a:t> entity declared in module alongside “</a:t>
+            </a:r>
+            <a:r>
+              <a:rPr lang="en-US" dirty="0" err="1"/>
+              <a:t>getThresholds</a:t>
+            </a:r>
+            <a:r>
+              <a:rPr lang="en-US" dirty="0"/>
+              <a:t>” function</a:t>
             </a:r>
           </a:p>
           <a:p>
@@ -8731,7 +8785,7 @@
             <a:pPr lvl="1"/>
             <a:r>
               <a:rPr lang="en-US" dirty="0"/>
-              <a:t>Dependency args should always be passed in first!  (you’ll see why later).</a:t>
+              <a:t>Dependency args should always be passed in first!  (you’ll see why later).	</a:t>
             </a:r>
           </a:p>
           <a:p>
@@ -8741,7 +8795,7 @@
             </a:r>
             <a:r>
               <a:rPr lang="en-US" b="1" dirty="0"/>
-              <a:t>Some</a:t>
+              <a:t>Some Thresholds</a:t>
             </a:r>
             <a:r>
               <a:rPr lang="en-US" dirty="0"/>
@@ -8757,7 +8811,7 @@
             <a:pPr lvl="1"/>
             <a:r>
               <a:rPr lang="en-US" dirty="0"/>
-              <a:t>This means that compiler will force caller to “unwrap” value and handle both cases</a:t>
+              <a:t>This means that compiler will force caller to “unwrap” optional value and handle both cases</a:t>
             </a:r>
           </a:p>
         </p:txBody>
@@ -8941,7 +8995,15 @@
             <a:pPr lvl="1"/>
             <a:r>
               <a:rPr lang="en-US" dirty="0"/>
-              <a:t>I say no, because there is no branching logic around the IO (low “cyclomatic complexity”).</a:t>
+              <a:t>I say </a:t>
+            </a:r>
+            <a:r>
+              <a:rPr lang="en-US" b="1" dirty="0"/>
+              <a:t>no</a:t>
+            </a:r>
+            <a:r>
+              <a:rPr lang="en-US" dirty="0"/>
+              <a:t>, because there is no branching logic around the IO (low “cyclomatic complexity”).</a:t>
             </a:r>
           </a:p>
           <a:p>
@@ -8967,7 +9029,7 @@
           <a:p>
             <a:pPr lvl="1"/>
             <a:r>
-              <a:rPr lang="en-US" dirty="0"/>
+              <a:rPr lang="en-US" i="1" dirty="0"/>
               <a:t>No interfaces or mocking required</a:t>
             </a:r>
           </a:p>
@@ -9093,12 +9155,14 @@
         </p:nvSpPr>
         <p:spPr/>
         <p:txBody>
-          <a:bodyPr/>
-          <a:lstStyle/>
-          <a:p>
-            <a:r>
-              <a:rPr lang="en-US" dirty="0"/>
-              <a:t>To demonstrate how to create a “real-life” application feature</a:t>
+          <a:bodyPr>
+            <a:normAutofit/>
+          </a:bodyPr>
+          <a:lstStyle/>
+          <a:p>
+            <a:r>
+              <a:rPr lang="en-US" dirty="0"/>
+              <a:t>To demonstrate how to create a “real-life” application feature in F#</a:t>
             </a:r>
           </a:p>
           <a:p>
@@ -9125,36 +9189,44 @@
             <a:pPr lvl="1"/>
             <a:r>
               <a:rPr lang="en-US" dirty="0"/>
-              <a:t>Some business rules that make decisions on the external data</a:t>
+              <a:t>Business logic that make decisions on the external data</a:t>
             </a:r>
           </a:p>
           <a:p>
             <a:pPr lvl="1"/>
             <a:r>
               <a:rPr lang="en-US" dirty="0"/>
-              <a:t>Deals with “async” calls</a:t>
-            </a:r>
-          </a:p>
-          <a:p>
-            <a:pPr lvl="1"/>
-            <a:r>
-              <a:rPr lang="en-US" dirty="0"/>
-              <a:t>Is testable (or </a:t>
-            </a:r>
-            <a:r>
-              <a:rPr lang="en-US" i="1" dirty="0"/>
-              <a:t>can be</a:t>
-            </a:r>
-            <a:r>
-              <a:rPr lang="en-US" dirty="0"/>
-              <a:t> testable when you need it)</a:t>
-            </a:r>
-          </a:p>
-          <a:p>
-            <a:r>
-              <a:rPr lang="en-US" dirty="0"/>
-              <a:t>To show a comparable C# implementation side-by-side for comparison</a:t>
-            </a:r>
+              <a:t>Works with “async” calls</a:t>
+            </a:r>
+          </a:p>
+          <a:p>
+            <a:r>
+              <a:rPr lang="en-US" dirty="0"/>
+              <a:t>To show how to develop a “progressively testable” feature in F#</a:t>
+            </a:r>
+          </a:p>
+          <a:p>
+            <a:pPr marL="457200" lvl="1" indent="0">
+              <a:buNone/>
+            </a:pPr>
+            <a:r>
+              <a:rPr lang="en-US" sz="2000" b="1" dirty="0"/>
+              <a:t>Progressively testable</a:t>
+            </a:r>
+            <a:r>
+              <a:rPr lang="en-US" sz="2000" dirty="0"/>
+              <a:t> - Can be easily refactored to be testable if/when needed</a:t>
+            </a:r>
+            <a:endParaRPr lang="en-US" sz="2000" b="1" dirty="0"/>
+          </a:p>
+          <a:p>
+            <a:r>
+              <a:rPr lang="en-US" dirty="0"/>
+              <a:t>To show comparable fully testable C# and F# implementations side-by-side</a:t>
+            </a:r>
+          </a:p>
+          <a:p>
+            <a:endParaRPr lang="en-US" dirty="0"/>
           </a:p>
         </p:txBody>
       </p:sp>
@@ -9204,14 +9276,19 @@
             <p:ph type="title"/>
           </p:nvPr>
         </p:nvSpPr>
-        <p:spPr/>
+        <p:spPr>
+          <a:xfrm>
+            <a:off x="646111" y="452718"/>
+            <a:ext cx="9678619" cy="1400530"/>
+          </a:xfrm>
+        </p:spPr>
         <p:txBody>
           <a:bodyPr/>
           <a:lstStyle/>
           <a:p>
             <a:r>
               <a:rPr lang="en-US" dirty="0"/>
-              <a:t>F# - Phase 2: Testing Pure Function</a:t>
+              <a:t>F# - Phase 2: Testing a Pure Function</a:t>
             </a:r>
           </a:p>
         </p:txBody>
@@ -9372,7 +9449,7 @@
         </p:nvSpPr>
         <p:spPr>
           <a:xfrm>
-            <a:off x="646111" y="452718"/>
+            <a:off x="646111" y="124236"/>
             <a:ext cx="9404723" cy="1023895"/>
           </a:xfrm>
         </p:spPr>
@@ -9531,25 +9608,69 @@
         </p:nvSpPr>
         <p:spPr>
           <a:xfrm>
-            <a:off x="1280867" y="1280944"/>
-            <a:ext cx="9061617" cy="850041"/>
+            <a:off x="1280867" y="949912"/>
+            <a:ext cx="9061617" cy="1358282"/>
           </a:xfrm>
         </p:spPr>
         <p:txBody>
           <a:bodyPr>
-            <a:normAutofit/>
+            <a:normAutofit fontScale="92500" lnSpcReduction="20000"/>
           </a:bodyPr>
           <a:lstStyle/>
           <a:p>
             <a:r>
               <a:rPr lang="en-US" dirty="0"/>
-              <a:t>1) Create “Template” function</a:t>
+              <a:t>1) Create a </a:t>
+            </a:r>
+            <a:r>
+              <a:rPr lang="en-US" i="1" dirty="0"/>
+              <a:t>Template</a:t>
+            </a:r>
+            <a:r>
+              <a:rPr lang="en-US" dirty="0"/>
+              <a:t> “higher order function”</a:t>
             </a:r>
           </a:p>
           <a:p>
             <a:r>
               <a:rPr lang="en-US" dirty="0"/>
               <a:t>2) Pass in IO functions as dependencies (using F# Type Inference)</a:t>
+            </a:r>
+          </a:p>
+          <a:p>
+            <a:r>
+              <a:rPr lang="en-US" dirty="0"/>
+              <a:t>3) Replace </a:t>
+            </a:r>
+            <a:r>
+              <a:rPr lang="en-US" i="1" dirty="0"/>
+              <a:t>tightly coupled</a:t>
+            </a:r>
+            <a:r>
+              <a:rPr lang="en-US" dirty="0"/>
+              <a:t> IO calls with </a:t>
+            </a:r>
+            <a:r>
+              <a:rPr lang="en-US" i="1" dirty="0"/>
+              <a:t>loosely coupled</a:t>
+            </a:r>
+            <a:r>
+              <a:rPr lang="en-US" dirty="0"/>
+              <a:t> injected functions</a:t>
+            </a:r>
+          </a:p>
+          <a:p>
+            <a:r>
+              <a:rPr lang="en-US" dirty="0"/>
+              <a:t>4) Recreate the feature function as a </a:t>
+            </a:r>
+            <a:r>
+              <a:rPr lang="en-US" b="1" dirty="0"/>
+              <a:t>partially applied</a:t>
+            </a:r>
+            <a:r>
+              <a:rPr lang="en-US" dirty="0"/>
+              <a:t> version of the template</a:t>
             </a:r>
           </a:p>
         </p:txBody>
@@ -9669,13 +9790,13 @@
         </p:spPr>
         <p:txBody>
           <a:bodyPr>
-            <a:normAutofit fontScale="85000" lnSpcReduction="20000"/>
+            <a:normAutofit fontScale="77500" lnSpcReduction="20000"/>
           </a:bodyPr>
           <a:lstStyle/>
           <a:p>
             <a:r>
               <a:rPr lang="en-US" dirty="0"/>
-              <a:t>I call it a template because it’s like the old </a:t>
+              <a:t>I call it a template because it’s like the </a:t>
             </a:r>
             <a:r>
               <a:rPr lang="en-US" dirty="0" err="1"/>
@@ -9702,24 +9823,28 @@
           </a:p>
           <a:p>
             <a:r>
-              <a:rPr lang="en-US" dirty="0"/>
-              <a:t>“</a:t>
+              <a:rPr lang="en-US" b="1" dirty="0" err="1"/>
+              <a:t>checkStockTemplate</a:t>
+            </a:r>
+            <a:r>
+              <a:rPr lang="en-US" dirty="0"/>
+              <a:t> is a “higher order function” that takes IO dependency functions as </a:t>
             </a:r>
             <a:r>
               <a:rPr lang="en-US" dirty="0" err="1"/>
-              <a:t>checkStockTemplate</a:t>
-            </a:r>
-            <a:r>
-              <a:rPr lang="en-US" dirty="0"/>
-              <a:t>” is a “higher order function” that use </a:t>
-            </a:r>
-            <a:r>
-              <a:rPr lang="en-US" i="1" dirty="0"/>
-              <a:t>type inference</a:t>
-            </a:r>
-            <a:r>
-              <a:rPr lang="en-US" dirty="0"/>
-              <a:t> to inject IO dependency functions.  </a:t>
+              <a:t>args</a:t>
+            </a:r>
+            <a:r>
+              <a:rPr lang="en-US" dirty="0"/>
+              <a:t> (along with the original </a:t>
+            </a:r>
+            <a:r>
+              <a:rPr lang="en-US" dirty="0" err="1"/>
+              <a:t>args</a:t>
+            </a:r>
+            <a:r>
+              <a:rPr lang="en-US" dirty="0"/>
+              <a:t>).  </a:t>
             </a:r>
           </a:p>
           <a:p>
@@ -9732,15 +9857,23 @@
           <a:p>
             <a:r>
               <a:rPr lang="en-US" dirty="0"/>
-              <a:t>The new “</a:t>
-            </a:r>
-            <a:r>
-              <a:rPr lang="en-US" dirty="0" err="1"/>
+              <a:t>The new </a:t>
+            </a:r>
+            <a:r>
+              <a:rPr lang="en-US" b="1" dirty="0" err="1"/>
               <a:t>checkStock</a:t>
             </a:r>
             <a:r>
               <a:rPr lang="en-US" dirty="0"/>
-              <a:t>” function is the template with the IO dependencies “partially applied”.</a:t>
+              <a:t> function “builds up” the template function by </a:t>
+            </a:r>
+            <a:r>
+              <a:rPr lang="en-US" i="1" dirty="0"/>
+              <a:t>partially </a:t>
+            </a:r>
+            <a:r>
+              <a:rPr lang="en-US" dirty="0"/>
+              <a:t>applying the IO dependencies.</a:t>
             </a:r>
           </a:p>
           <a:p>
@@ -10543,7 +10676,7 @@
         </p:nvSpPr>
         <p:spPr>
           <a:xfrm>
-            <a:off x="75113" y="1905000"/>
+            <a:off x="75113" y="1541015"/>
             <a:ext cx="4396338" cy="576262"/>
           </a:xfrm>
         </p:spPr>
@@ -10581,7 +10714,7 @@
         </p:nvSpPr>
         <p:spPr>
           <a:xfrm>
-            <a:off x="7128187" y="1905000"/>
+            <a:off x="7128187" y="1541015"/>
             <a:ext cx="4396339" cy="576262"/>
           </a:xfrm>
         </p:spPr>
@@ -10623,7 +10756,7 @@
         </p:blipFill>
         <p:spPr>
           <a:xfrm>
-            <a:off x="75113" y="2481262"/>
+            <a:off x="75113" y="2117277"/>
             <a:ext cx="6963747" cy="4201111"/>
           </a:xfrm>
           <a:prstGeom prst="rect">
@@ -10653,7 +10786,7 @@
         </p:blipFill>
         <p:spPr>
           <a:xfrm>
-            <a:off x="7190333" y="2481262"/>
+            <a:off x="7190333" y="2117277"/>
             <a:ext cx="4848902" cy="2905530"/>
           </a:xfrm>
           <a:prstGeom prst="rect">
@@ -10737,7 +10870,7 @@
         </p:nvSpPr>
         <p:spPr>
           <a:xfrm>
-            <a:off x="646112" y="1853248"/>
+            <a:off x="646112" y="1309225"/>
             <a:ext cx="4396338" cy="576262"/>
           </a:xfrm>
         </p:spPr>
@@ -10747,7 +10880,7 @@
           <a:p>
             <a:r>
               <a:rPr lang="en-US" dirty="0"/>
-              <a:t>Skip Straight to Phase 3!</a:t>
+              <a:t>Skip to Phase 3 (a.k.a. DDD)</a:t>
             </a:r>
           </a:p>
         </p:txBody>
@@ -10770,65 +10903,59 @@
         </p:nvSpPr>
         <p:spPr>
           <a:xfrm>
-            <a:off x="646111" y="2462848"/>
-            <a:ext cx="4396339" cy="3741738"/>
+            <a:off x="646111" y="1853248"/>
+            <a:ext cx="4396339" cy="4760616"/>
           </a:xfrm>
         </p:spPr>
         <p:txBody>
           <a:bodyPr>
-            <a:normAutofit fontScale="92500" lnSpcReduction="20000"/>
+            <a:normAutofit fontScale="85000" lnSpcReduction="10000"/>
           </a:bodyPr>
           <a:lstStyle/>
           <a:p>
             <a:r>
               <a:rPr lang="en-US" dirty="0"/>
-              <a:t>I personally don’t always write tests.</a:t>
-            </a:r>
-          </a:p>
-          <a:p>
-            <a:r>
-              <a:rPr lang="en-US" dirty="0"/>
-              <a:t>That’s why I like to “refactor to testability” only when needed.</a:t>
-            </a:r>
-          </a:p>
-          <a:p>
-            <a:r>
-              <a:rPr lang="en-US" dirty="0"/>
-              <a:t>But, this example shows that you can jump straight to “Phase 3” to write testable domain code </a:t>
-            </a:r>
-            <a:r>
-              <a:rPr lang="en-US" i="1" dirty="0"/>
-              <a:t>before</a:t>
-            </a:r>
-            <a:r>
-              <a:rPr lang="en-US" dirty="0"/>
-              <a:t> writing any implementation!</a:t>
-            </a:r>
-          </a:p>
-          <a:p>
-            <a:r>
-              <a:rPr lang="en-US" dirty="0"/>
-              <a:t>I like to annotate simple args (items and </a:t>
+              <a:t>Domain Driven Design / TDD</a:t>
+            </a:r>
+          </a:p>
+          <a:p>
+            <a:pPr lvl="1"/>
+            <a:r>
+              <a:rPr lang="en-US" dirty="0"/>
+              <a:t>Develop domain entities and business logic first without worrying about implementation details</a:t>
+            </a:r>
+          </a:p>
+          <a:p>
+            <a:r>
+              <a:rPr lang="en-US" dirty="0"/>
+              <a:t>“Exploratory Coding” – Great for when you just got off a call discussing a new project, and you want to flesh out the core logic.</a:t>
+            </a:r>
+          </a:p>
+          <a:p>
+            <a:r>
+              <a:rPr lang="en-US" dirty="0"/>
+              <a:t>I like to annotate simple args (items and couponCode), and only use type inference for function signatures.  </a:t>
+            </a:r>
+          </a:p>
+          <a:p>
+            <a:r>
+              <a:rPr lang="en-US" dirty="0"/>
+              <a:t>Type inferred args are kind of like “putty” in that they conform to whatever is pressed up against them on either side!</a:t>
+            </a:r>
+          </a:p>
+          <a:p>
+            <a:r>
+              <a:rPr lang="en-US" dirty="0"/>
+              <a:t>When IO is implemented, you can create a “checkout” function that builds up the “</a:t>
             </a:r>
             <a:r>
               <a:rPr lang="en-US" dirty="0" err="1"/>
-              <a:t>couponCode</a:t>
-            </a:r>
-            <a:r>
-              <a:rPr lang="en-US" dirty="0"/>
-              <a:t>), and only use type inference for function signatures.  </a:t>
-            </a:r>
-          </a:p>
-          <a:p>
-            <a:r>
-              <a:rPr lang="en-US" dirty="0"/>
-              <a:t>Type inferred args are kind of like “putty” in that they conform to whatever is pressed </a:t>
-            </a:r>
-            <a:r>
-              <a:rPr lang="en-US"/>
-              <a:t>up against them!</a:t>
-            </a:r>
-            <a:endParaRPr lang="en-US" dirty="0"/>
+              <a:t>checkoutTemplate</a:t>
+            </a:r>
+            <a:r>
+              <a:rPr lang="en-US" dirty="0"/>
+              <a:t>” using partial application.</a:t>
+            </a:r>
           </a:p>
         </p:txBody>
       </p:sp>
@@ -11010,25 +11137,25 @@
             </a:r>
           </a:p>
           <a:p>
+            <a:pPr lvl="1"/>
             <a:r>
               <a:rPr lang="en-US" dirty="0"/>
               <a:t>User defined thresholds are stored in a local Sqlite database (management of stock thresholds not covered).</a:t>
             </a:r>
           </a:p>
           <a:p>
+            <a:pPr lvl="1"/>
             <a:r>
               <a:rPr lang="en-US" dirty="0"/>
               <a:t>Stock prices will be checked via a web API.</a:t>
             </a:r>
           </a:p>
           <a:p>
+            <a:pPr lvl="1"/>
             <a:r>
               <a:rPr lang="en-US" dirty="0"/>
               <a:t>Messaging is stubbed out to only write to console.</a:t>
             </a:r>
-          </a:p>
-          <a:p>
-            <a:endParaRPr lang="en-US" dirty="0"/>
           </a:p>
         </p:txBody>
       </p:sp>
@@ -11148,11 +11275,11 @@
           <a:p>
             <a:r>
               <a:rPr lang="en-US" b="1" dirty="0" err="1"/>
-              <a:t>StockThresholdNotifier</a:t>
-            </a:r>
-            <a:r>
-              <a:rPr lang="en-US" dirty="0"/>
-              <a:t> contains the feature logic.</a:t>
+              <a:t>StockThresholdNotifier.cs</a:t>
+            </a:r>
+            <a:r>
+              <a:rPr lang="en-US" dirty="0"/>
+              <a:t> contains the feature workflow.</a:t>
             </a:r>
           </a:p>
           <a:p>
@@ -11191,7 +11318,15 @@
           <a:p>
             <a:r>
               <a:rPr lang="en-US" dirty="0"/>
-              <a:t>This is a fairly common architecture that has been used successfully in many projects</a:t>
+              <a:t>This is a fairly common architecture that has been used successfully in </a:t>
+            </a:r>
+            <a:r>
+              <a:rPr lang="en-US" i="1" dirty="0"/>
+              <a:t>many</a:t>
+            </a:r>
+            <a:r>
+              <a:rPr lang="en-US" dirty="0"/>
+              <a:t> projects</a:t>
             </a:r>
           </a:p>
           <a:p>
@@ -11364,7 +11499,29 @@
           <a:p>
             <a:r>
               <a:rPr lang="en-US" dirty="0"/>
-              <a:t>Dependencies are injected into the feature class.</a:t>
+              <a:t>Dependencies are instantiated and then injected into the feature class.</a:t>
+            </a:r>
+          </a:p>
+          <a:p>
+            <a:pPr lvl="1"/>
+            <a:r>
+              <a:rPr lang="en-US" i="1" dirty="0"/>
+              <a:t>Some apps use a DI container instead, </a:t>
+            </a:r>
+            <a:br>
+              <a:rPr lang="en-US" i="1" dirty="0"/>
+            </a:br>
+            <a:r>
+              <a:rPr lang="en-US" i="1" dirty="0"/>
+              <a:t>like </a:t>
+            </a:r>
+            <a:r>
+              <a:rPr lang="en-US" i="1" dirty="0" err="1"/>
+              <a:t>Ninject</a:t>
+            </a:r>
+            <a:r>
+              <a:rPr lang="en-US" i="1" dirty="0"/>
+              <a:t>.</a:t>
             </a:r>
           </a:p>
         </p:txBody>
@@ -11547,7 +11704,7 @@
             <a:pPr lvl="1"/>
             <a:r>
               <a:rPr lang="en-US" dirty="0"/>
-              <a:t>1) IO – gets input data</a:t>
+              <a:t>1) Gets input data</a:t>
             </a:r>
           </a:p>
           <a:p>
@@ -11561,13 +11718,13 @@
             <a:pPr lvl="1"/>
             <a:r>
               <a:rPr lang="en-US" dirty="0"/>
-              <a:t>3) IO – sends messages</a:t>
-            </a:r>
-          </a:p>
-          <a:p>
-            <a:r>
-              <a:rPr lang="en-US" dirty="0"/>
-              <a:t>This code is fully testable, and can be written and tested before the IO dependencies are implemented.</a:t>
+              <a:t>3) Sends message (maybe)</a:t>
+            </a:r>
+          </a:p>
+          <a:p>
+            <a:r>
+              <a:rPr lang="en-US" dirty="0"/>
+              <a:t>This code is fully testable, and can be written and tested before the injected IO dependencies are implemented.</a:t>
             </a:r>
           </a:p>
         </p:txBody>
@@ -11741,31 +11898,44 @@
           <a:p>
             <a:r>
               <a:rPr lang="en-US" b="1" dirty="0" err="1"/>
-              <a:t>NotificationThresholds</a:t>
-            </a:r>
-            <a:r>
-              <a:rPr lang="en-US" dirty="0"/>
-              <a:t> – user defined thresholds that are stored in Sqlite</a:t>
+              <a:t>NotificationThresholds.cs</a:t>
+            </a:r>
+            <a:r>
+              <a:rPr lang="en-US" dirty="0"/>
+              <a:t> </a:t>
+            </a:r>
+            <a:br>
+              <a:rPr lang="en-US" dirty="0"/>
+            </a:br>
+            <a:r>
+              <a:rPr lang="en-US" dirty="0"/>
+              <a:t>User defined thresholds that are stored in Sqlite</a:t>
             </a:r>
           </a:p>
           <a:p>
             <a:r>
               <a:rPr lang="en-US" b="1" dirty="0" err="1"/>
-              <a:t>StockInfo</a:t>
-            </a:r>
-            <a:r>
-              <a:rPr lang="en-US" dirty="0"/>
-              <a:t> – Represents stock price</a:t>
-            </a:r>
-          </a:p>
-          <a:p>
-            <a:r>
+              <a:t>StockInfo.cs</a:t>
+            </a:r>
+            <a:br>
               <a:rPr lang="en-US" b="1" dirty="0"/>
-              <a:t>Message</a:t>
-            </a:r>
-            <a:r>
-              <a:rPr lang="en-US" dirty="0"/>
-              <a:t> – A message is generated only if a stock value is higher the </a:t>
+            </a:br>
+            <a:r>
+              <a:rPr lang="en-US" dirty="0"/>
+              <a:t>Represents stock price</a:t>
+            </a:r>
+          </a:p>
+          <a:p>
+            <a:r>
+              <a:rPr lang="en-US" b="1" dirty="0" err="1"/>
+              <a:t>Message.cs</a:t>
+            </a:r>
+            <a:br>
+              <a:rPr lang="en-US" b="1" dirty="0"/>
+            </a:br>
+            <a:r>
+              <a:rPr lang="en-US" dirty="0"/>
+              <a:t>A message is generated only if a stock value is higher the </a:t>
             </a:r>
             <a:r>
               <a:rPr lang="en-US" dirty="0" err="1"/>
@@ -11972,7 +12142,7 @@
           <a:p>
             <a:r>
               <a:rPr lang="en-US" dirty="0"/>
-              <a:t>Connection string info is c’tor injected</a:t>
+              <a:t>Connection string info is constructor injected</a:t>
             </a:r>
           </a:p>
           <a:p>

--- a/TradeMinder F# - C#.pptx
+++ b/TradeMinder F# - C#.pptx
@@ -5,7 +5,7 @@
     <p:sldMasterId id="2147483696" r:id="rId1"/>
   </p:sldMasterIdLst>
   <p:notesMasterIdLst>
-    <p:notesMasterId r:id="rId30"/>
+    <p:notesMasterId r:id="rId33"/>
   </p:notesMasterIdLst>
   <p:sldIdLst>
     <p:sldId id="256" r:id="rId2"/>
@@ -15,27 +15,30 @@
     <p:sldId id="260" r:id="rId6"/>
     <p:sldId id="261" r:id="rId7"/>
     <p:sldId id="262" r:id="rId8"/>
-    <p:sldId id="263" r:id="rId9"/>
-    <p:sldId id="264" r:id="rId10"/>
-    <p:sldId id="265" r:id="rId11"/>
-    <p:sldId id="266" r:id="rId12"/>
-    <p:sldId id="267" r:id="rId13"/>
-    <p:sldId id="268" r:id="rId14"/>
-    <p:sldId id="269" r:id="rId15"/>
-    <p:sldId id="270" r:id="rId16"/>
-    <p:sldId id="271" r:id="rId17"/>
-    <p:sldId id="272" r:id="rId18"/>
-    <p:sldId id="273" r:id="rId19"/>
-    <p:sldId id="274" r:id="rId20"/>
-    <p:sldId id="275" r:id="rId21"/>
-    <p:sldId id="279" r:id="rId22"/>
-    <p:sldId id="276" r:id="rId23"/>
-    <p:sldId id="277" r:id="rId24"/>
-    <p:sldId id="278" r:id="rId25"/>
-    <p:sldId id="280" r:id="rId26"/>
-    <p:sldId id="281" r:id="rId27"/>
-    <p:sldId id="282" r:id="rId28"/>
-    <p:sldId id="283" r:id="rId29"/>
+    <p:sldId id="284" r:id="rId9"/>
+    <p:sldId id="263" r:id="rId10"/>
+    <p:sldId id="264" r:id="rId11"/>
+    <p:sldId id="265" r:id="rId12"/>
+    <p:sldId id="266" r:id="rId13"/>
+    <p:sldId id="267" r:id="rId14"/>
+    <p:sldId id="268" r:id="rId15"/>
+    <p:sldId id="269" r:id="rId16"/>
+    <p:sldId id="286" r:id="rId17"/>
+    <p:sldId id="270" r:id="rId18"/>
+    <p:sldId id="271" r:id="rId19"/>
+    <p:sldId id="272" r:id="rId20"/>
+    <p:sldId id="273" r:id="rId21"/>
+    <p:sldId id="274" r:id="rId22"/>
+    <p:sldId id="275" r:id="rId23"/>
+    <p:sldId id="285" r:id="rId24"/>
+    <p:sldId id="279" r:id="rId25"/>
+    <p:sldId id="276" r:id="rId26"/>
+    <p:sldId id="277" r:id="rId27"/>
+    <p:sldId id="278" r:id="rId28"/>
+    <p:sldId id="280" r:id="rId29"/>
+    <p:sldId id="281" r:id="rId30"/>
+    <p:sldId id="282" r:id="rId31"/>
+    <p:sldId id="283" r:id="rId32"/>
   </p:sldIdLst>
   <p:sldSz cx="12192000" cy="6858000"/>
   <p:notesSz cx="6858000" cy="9144000"/>
@@ -142,6 +145,486 @@
 </p:presentation>
 </file>
 
+<file path=ppt/revisionInfo.xml><?xml version="1.0" encoding="utf-8"?>
+<p1510:revInfo xmlns:a="http://schemas.openxmlformats.org/drawingml/2006/main" xmlns:r="http://schemas.openxmlformats.org/officeDocument/2006/relationships" xmlns:p1510="http://schemas.microsoft.com/office/powerpoint/2015/10/main">
+  <p1510:revLst>
+    <p1510:client id="{27AE53FE-0D52-D67B-5E9D-21BE2FCB8F2B}" v="22" dt="2020-05-11T06:53:57.884"/>
+    <p1510:client id="{A30F54A1-DAA1-CDC9-D847-77D161F56088}" v="1836" dt="2020-05-13T13:13:58.543"/>
+    <p1510:client id="{DC40BB4F-B25A-74CB-D39F-63FA9686432C}" v="91" dt="2020-05-11T15:18:09.301"/>
+  </p1510:revLst>
+</p1510:revInfo>
+</file>
+
+<file path=ppt/changesInfos/changesInfo1.xml><?xml version="1.0" encoding="utf-8"?>
+<pc:chgInfo xmlns:a="http://schemas.openxmlformats.org/drawingml/2006/main" xmlns:r="http://schemas.openxmlformats.org/officeDocument/2006/relationships" xmlns:ac="http://schemas.microsoft.com/office/drawing/2013/main/command" xmlns:pc="http://schemas.microsoft.com/office/powerpoint/2013/main/command">
+  <pc:docChgLst>
+    <pc:chgData name="Jordan Marr" userId="S::jmarr@microdesk.com::db1b5729-98c9-4e96-a652-defcc7028849" providerId="AD" clId="Web-{27AE53FE-0D52-D67B-5E9D-21BE2FCB8F2B}"/>
+    <pc:docChg chg="modSld">
+      <pc:chgData name="Jordan Marr" userId="S::jmarr@microdesk.com::db1b5729-98c9-4e96-a652-defcc7028849" providerId="AD" clId="Web-{27AE53FE-0D52-D67B-5E9D-21BE2FCB8F2B}" dt="2020-05-11T06:53:57.884" v="19" actId="20577"/>
+      <pc:docMkLst>
+        <pc:docMk/>
+      </pc:docMkLst>
+      <pc:sldChg chg="modSp">
+        <pc:chgData name="Jordan Marr" userId="S::jmarr@microdesk.com::db1b5729-98c9-4e96-a652-defcc7028849" providerId="AD" clId="Web-{27AE53FE-0D52-D67B-5E9D-21BE2FCB8F2B}" dt="2020-05-10T21:06:40.126" v="15" actId="20577"/>
+        <pc:sldMkLst>
+          <pc:docMk/>
+          <pc:sldMk cId="3522217434" sldId="256"/>
+        </pc:sldMkLst>
+        <pc:spChg chg="mod">
+          <ac:chgData name="Jordan Marr" userId="S::jmarr@microdesk.com::db1b5729-98c9-4e96-a652-defcc7028849" providerId="AD" clId="Web-{27AE53FE-0D52-D67B-5E9D-21BE2FCB8F2B}" dt="2020-05-10T21:06:40.126" v="15" actId="20577"/>
+          <ac:spMkLst>
+            <pc:docMk/>
+            <pc:sldMk cId="3522217434" sldId="256"/>
+            <ac:spMk id="2" creationId="{472ED2B7-7F24-4C73-8045-C6D4ABD78A18}"/>
+          </ac:spMkLst>
+        </pc:spChg>
+      </pc:sldChg>
+      <pc:sldChg chg="modSp">
+        <pc:chgData name="Jordan Marr" userId="S::jmarr@microdesk.com::db1b5729-98c9-4e96-a652-defcc7028849" providerId="AD" clId="Web-{27AE53FE-0D52-D67B-5E9D-21BE2FCB8F2B}" dt="2020-05-10T21:06:15.640" v="13" actId="14100"/>
+        <pc:sldMkLst>
+          <pc:docMk/>
+          <pc:sldMk cId="3126328436" sldId="260"/>
+        </pc:sldMkLst>
+        <pc:spChg chg="mod">
+          <ac:chgData name="Jordan Marr" userId="S::jmarr@microdesk.com::db1b5729-98c9-4e96-a652-defcc7028849" providerId="AD" clId="Web-{27AE53FE-0D52-D67B-5E9D-21BE2FCB8F2B}" dt="2020-05-10T21:06:15.640" v="13" actId="14100"/>
+          <ac:spMkLst>
+            <pc:docMk/>
+            <pc:sldMk cId="3126328436" sldId="260"/>
+            <ac:spMk id="4" creationId="{6C013A4A-CA01-4BE9-8D55-DFFDC0CAB3F2}"/>
+          </ac:spMkLst>
+        </pc:spChg>
+      </pc:sldChg>
+      <pc:sldChg chg="modSp">
+        <pc:chgData name="Jordan Marr" userId="S::jmarr@microdesk.com::db1b5729-98c9-4e96-a652-defcc7028849" providerId="AD" clId="Web-{27AE53FE-0D52-D67B-5E9D-21BE2FCB8F2B}" dt="2020-05-11T06:53:57.884" v="18" actId="20577"/>
+        <pc:sldMkLst>
+          <pc:docMk/>
+          <pc:sldMk cId="3023520005" sldId="267"/>
+        </pc:sldMkLst>
+        <pc:spChg chg="mod">
+          <ac:chgData name="Jordan Marr" userId="S::jmarr@microdesk.com::db1b5729-98c9-4e96-a652-defcc7028849" providerId="AD" clId="Web-{27AE53FE-0D52-D67B-5E9D-21BE2FCB8F2B}" dt="2020-05-11T06:53:57.884" v="18" actId="20577"/>
+          <ac:spMkLst>
+            <pc:docMk/>
+            <pc:sldMk cId="3023520005" sldId="267"/>
+            <ac:spMk id="8" creationId="{2A771907-9820-4A00-92AD-4C7554594CFE}"/>
+          </ac:spMkLst>
+        </pc:spChg>
+      </pc:sldChg>
+    </pc:docChg>
+  </pc:docChgLst>
+  <pc:docChgLst>
+    <pc:chgData name="Jordan Marr" userId="S::jmarr@microdesk.com::db1b5729-98c9-4e96-a652-defcc7028849" providerId="AD" clId="Web-{DC40BB4F-B25A-74CB-D39F-63FA9686432C}"/>
+    <pc:docChg chg="modSld">
+      <pc:chgData name="Jordan Marr" userId="S::jmarr@microdesk.com::db1b5729-98c9-4e96-a652-defcc7028849" providerId="AD" clId="Web-{DC40BB4F-B25A-74CB-D39F-63FA9686432C}" dt="2020-05-11T15:18:09.301" v="78" actId="1076"/>
+      <pc:docMkLst>
+        <pc:docMk/>
+      </pc:docMkLst>
+      <pc:sldChg chg="addSp delSp modSp modTransition addAnim delAnim modAnim">
+        <pc:chgData name="Jordan Marr" userId="S::jmarr@microdesk.com::db1b5729-98c9-4e96-a652-defcc7028849" providerId="AD" clId="Web-{DC40BB4F-B25A-74CB-D39F-63FA9686432C}" dt="2020-05-11T15:18:09.301" v="78" actId="1076"/>
+        <pc:sldMkLst>
+          <pc:docMk/>
+          <pc:sldMk cId="3181213068" sldId="279"/>
+        </pc:sldMkLst>
+        <pc:picChg chg="add del mod">
+          <ac:chgData name="Jordan Marr" userId="S::jmarr@microdesk.com::db1b5729-98c9-4e96-a652-defcc7028849" providerId="AD" clId="Web-{DC40BB4F-B25A-74CB-D39F-63FA9686432C}" dt="2020-05-11T15:05:39.673" v="26"/>
+          <ac:picMkLst>
+            <pc:docMk/>
+            <pc:sldMk cId="3181213068" sldId="279"/>
+            <ac:picMk id="3" creationId="{7AED6105-14EB-440E-B1E8-B3EB9BBB439C}"/>
+          </ac:picMkLst>
+        </pc:picChg>
+        <pc:picChg chg="add del mod">
+          <ac:chgData name="Jordan Marr" userId="S::jmarr@microdesk.com::db1b5729-98c9-4e96-a652-defcc7028849" providerId="AD" clId="Web-{DC40BB4F-B25A-74CB-D39F-63FA9686432C}" dt="2020-05-11T14:59:03.782" v="12"/>
+          <ac:picMkLst>
+            <pc:docMk/>
+            <pc:sldMk cId="3181213068" sldId="279"/>
+            <ac:picMk id="5" creationId="{5179CBD1-6DB5-42F7-ACAE-9073615E9CCD}"/>
+          </ac:picMkLst>
+        </pc:picChg>
+        <pc:picChg chg="add del mod">
+          <ac:chgData name="Jordan Marr" userId="S::jmarr@microdesk.com::db1b5729-98c9-4e96-a652-defcc7028849" providerId="AD" clId="Web-{DC40BB4F-B25A-74CB-D39F-63FA9686432C}" dt="2020-05-11T14:59:32.157" v="15"/>
+          <ac:picMkLst>
+            <pc:docMk/>
+            <pc:sldMk cId="3181213068" sldId="279"/>
+            <ac:picMk id="7" creationId="{2AEE7584-3B9F-4427-B183-744F463DCF59}"/>
+          </ac:picMkLst>
+        </pc:picChg>
+        <pc:picChg chg="add del mod">
+          <ac:chgData name="Jordan Marr" userId="S::jmarr@microdesk.com::db1b5729-98c9-4e96-a652-defcc7028849" providerId="AD" clId="Web-{DC40BB4F-B25A-74CB-D39F-63FA9686432C}" dt="2020-05-11T15:00:13.454" v="19"/>
+          <ac:picMkLst>
+            <pc:docMk/>
+            <pc:sldMk cId="3181213068" sldId="279"/>
+            <ac:picMk id="10" creationId="{29B1F664-B0C9-439C-B36F-E656EFA12869}"/>
+          </ac:picMkLst>
+        </pc:picChg>
+        <pc:picChg chg="add del mod">
+          <ac:chgData name="Jordan Marr" userId="S::jmarr@microdesk.com::db1b5729-98c9-4e96-a652-defcc7028849" providerId="AD" clId="Web-{DC40BB4F-B25A-74CB-D39F-63FA9686432C}" dt="2020-05-11T15:05:40.627" v="27"/>
+          <ac:picMkLst>
+            <pc:docMk/>
+            <pc:sldMk cId="3181213068" sldId="279"/>
+            <ac:picMk id="12" creationId="{5BB65A9E-338F-477F-A87D-049148FDA02B}"/>
+          </ac:picMkLst>
+        </pc:picChg>
+        <pc:picChg chg="add del mod">
+          <ac:chgData name="Jordan Marr" userId="S::jmarr@microdesk.com::db1b5729-98c9-4e96-a652-defcc7028849" providerId="AD" clId="Web-{DC40BB4F-B25A-74CB-D39F-63FA9686432C}" dt="2020-05-11T15:07:18.299" v="34"/>
+          <ac:picMkLst>
+            <pc:docMk/>
+            <pc:sldMk cId="3181213068" sldId="279"/>
+            <ac:picMk id="14" creationId="{7117A3B2-BE24-470A-9B8A-6C454DA1062C}"/>
+          </ac:picMkLst>
+        </pc:picChg>
+        <pc:picChg chg="add del mod">
+          <ac:chgData name="Jordan Marr" userId="S::jmarr@microdesk.com::db1b5729-98c9-4e96-a652-defcc7028849" providerId="AD" clId="Web-{DC40BB4F-B25A-74CB-D39F-63FA9686432C}" dt="2020-05-11T15:07:19.221" v="35"/>
+          <ac:picMkLst>
+            <pc:docMk/>
+            <pc:sldMk cId="3181213068" sldId="279"/>
+            <ac:picMk id="16" creationId="{15A97E53-E457-4C3D-8B6A-68D11CC907BC}"/>
+          </ac:picMkLst>
+        </pc:picChg>
+        <pc:picChg chg="add del mod">
+          <ac:chgData name="Jordan Marr" userId="S::jmarr@microdesk.com::db1b5729-98c9-4e96-a652-defcc7028849" providerId="AD" clId="Web-{DC40BB4F-B25A-74CB-D39F-63FA9686432C}" dt="2020-05-11T15:14:26.425" v="61"/>
+          <ac:picMkLst>
+            <pc:docMk/>
+            <pc:sldMk cId="3181213068" sldId="279"/>
+            <ac:picMk id="18" creationId="{60F19196-F80B-48A8-94C1-5E3D6E395133}"/>
+          </ac:picMkLst>
+        </pc:picChg>
+        <pc:picChg chg="add del mod">
+          <ac:chgData name="Jordan Marr" userId="S::jmarr@microdesk.com::db1b5729-98c9-4e96-a652-defcc7028849" providerId="AD" clId="Web-{DC40BB4F-B25A-74CB-D39F-63FA9686432C}" dt="2020-05-11T15:14:27.050" v="62"/>
+          <ac:picMkLst>
+            <pc:docMk/>
+            <pc:sldMk cId="3181213068" sldId="279"/>
+            <ac:picMk id="21" creationId="{51800954-A3EB-49F3-89CF-C6E4FB23BBB5}"/>
+          </ac:picMkLst>
+        </pc:picChg>
+        <pc:picChg chg="add mod">
+          <ac:chgData name="Jordan Marr" userId="S::jmarr@microdesk.com::db1b5729-98c9-4e96-a652-defcc7028849" providerId="AD" clId="Web-{DC40BB4F-B25A-74CB-D39F-63FA9686432C}" dt="2020-05-11T15:12:06.909" v="60" actId="1076"/>
+          <ac:picMkLst>
+            <pc:docMk/>
+            <pc:sldMk cId="3181213068" sldId="279"/>
+            <ac:picMk id="24" creationId="{EE1F86E9-AACB-41D8-975F-2DA1A812F914}"/>
+          </ac:picMkLst>
+        </pc:picChg>
+        <pc:picChg chg="del mod">
+          <ac:chgData name="Jordan Marr" userId="S::jmarr@microdesk.com::db1b5729-98c9-4e96-a652-defcc7028849" providerId="AD" clId="Web-{DC40BB4F-B25A-74CB-D39F-63FA9686432C}" dt="2020-05-11T15:11:43.096" v="54"/>
+          <ac:picMkLst>
+            <pc:docMk/>
+            <pc:sldMk cId="3181213068" sldId="279"/>
+            <ac:picMk id="26" creationId="{8636F7D2-6B9C-4358-B6D7-B416316C0DC6}"/>
+          </ac:picMkLst>
+        </pc:picChg>
+        <pc:picChg chg="del">
+          <ac:chgData name="Jordan Marr" userId="S::jmarr@microdesk.com::db1b5729-98c9-4e96-a652-defcc7028849" providerId="AD" clId="Web-{DC40BB4F-B25A-74CB-D39F-63FA9686432C}" dt="2020-05-11T14:57:31" v="0"/>
+          <ac:picMkLst>
+            <pc:docMk/>
+            <pc:sldMk cId="3181213068" sldId="279"/>
+            <ac:picMk id="27" creationId="{58E3662E-2D24-4AEF-A5FE-124A18702784}"/>
+          </ac:picMkLst>
+        </pc:picChg>
+        <pc:picChg chg="add mod">
+          <ac:chgData name="Jordan Marr" userId="S::jmarr@microdesk.com::db1b5729-98c9-4e96-a652-defcc7028849" providerId="AD" clId="Web-{DC40BB4F-B25A-74CB-D39F-63FA9686432C}" dt="2020-05-11T15:14:37.050" v="65" actId="14100"/>
+          <ac:picMkLst>
+            <pc:docMk/>
+            <pc:sldMk cId="3181213068" sldId="279"/>
+            <ac:picMk id="28" creationId="{3AA3DC1C-CA9F-45CA-8110-379204D108F6}"/>
+          </ac:picMkLst>
+        </pc:picChg>
+        <pc:picChg chg="add mod">
+          <ac:chgData name="Jordan Marr" userId="S::jmarr@microdesk.com::db1b5729-98c9-4e96-a652-defcc7028849" providerId="AD" clId="Web-{DC40BB4F-B25A-74CB-D39F-63FA9686432C}" dt="2020-05-11T15:18:09.301" v="78" actId="1076"/>
+          <ac:picMkLst>
+            <pc:docMk/>
+            <pc:sldMk cId="3181213068" sldId="279"/>
+            <ac:picMk id="30" creationId="{DD4FA5E7-840C-43DB-A9A8-D8660CB69971}"/>
+          </ac:picMkLst>
+        </pc:picChg>
+      </pc:sldChg>
+    </pc:docChg>
+  </pc:docChgLst>
+  <pc:docChgLst>
+    <pc:chgData name="Jordan Marr" userId="S::jmarr@microdesk.com::db1b5729-98c9-4e96-a652-defcc7028849" providerId="AD" clId="Web-{A30F54A1-DAA1-CDC9-D847-77D161F56088}"/>
+    <pc:docChg chg="addSld modSld">
+      <pc:chgData name="Jordan Marr" userId="S::jmarr@microdesk.com::db1b5729-98c9-4e96-a652-defcc7028849" providerId="AD" clId="Web-{A30F54A1-DAA1-CDC9-D847-77D161F56088}" dt="2020-05-13T13:13:58.543" v="1818" actId="20577"/>
+      <pc:docMkLst>
+        <pc:docMk/>
+      </pc:docMkLst>
+      <pc:sldChg chg="modSp">
+        <pc:chgData name="Jordan Marr" userId="S::jmarr@microdesk.com::db1b5729-98c9-4e96-a652-defcc7028849" providerId="AD" clId="Web-{A30F54A1-DAA1-CDC9-D847-77D161F56088}" dt="2020-05-13T03:06:42.036" v="872" actId="20577"/>
+        <pc:sldMkLst>
+          <pc:docMk/>
+          <pc:sldMk cId="270900628" sldId="268"/>
+        </pc:sldMkLst>
+        <pc:spChg chg="mod">
+          <ac:chgData name="Jordan Marr" userId="S::jmarr@microdesk.com::db1b5729-98c9-4e96-a652-defcc7028849" providerId="AD" clId="Web-{A30F54A1-DAA1-CDC9-D847-77D161F56088}" dt="2020-05-13T03:06:42.036" v="872" actId="20577"/>
+          <ac:spMkLst>
+            <pc:docMk/>
+            <pc:sldMk cId="270900628" sldId="268"/>
+            <ac:spMk id="4" creationId="{E54D5135-3995-4AFC-B4EA-8EAF6DB354C7}"/>
+          </ac:spMkLst>
+        </pc:spChg>
+      </pc:sldChg>
+      <pc:sldChg chg="modSp">
+        <pc:chgData name="Jordan Marr" userId="S::jmarr@microdesk.com::db1b5729-98c9-4e96-a652-defcc7028849" providerId="AD" clId="Web-{A30F54A1-DAA1-CDC9-D847-77D161F56088}" dt="2020-05-13T13:03:25.164" v="918" actId="20577"/>
+        <pc:sldMkLst>
+          <pc:docMk/>
+          <pc:sldMk cId="4058444120" sldId="269"/>
+        </pc:sldMkLst>
+        <pc:spChg chg="mod">
+          <ac:chgData name="Jordan Marr" userId="S::jmarr@microdesk.com::db1b5729-98c9-4e96-a652-defcc7028849" providerId="AD" clId="Web-{A30F54A1-DAA1-CDC9-D847-77D161F56088}" dt="2020-05-13T13:03:25.164" v="918" actId="20577"/>
+          <ac:spMkLst>
+            <pc:docMk/>
+            <pc:sldMk cId="4058444120" sldId="269"/>
+            <ac:spMk id="8" creationId="{1ECD20CA-5F0B-4927-A199-22323598920E}"/>
+          </ac:spMkLst>
+        </pc:spChg>
+      </pc:sldChg>
+      <pc:sldChg chg="addSp delSp modSp">
+        <pc:chgData name="Jordan Marr" userId="S::jmarr@microdesk.com::db1b5729-98c9-4e96-a652-defcc7028849" providerId="AD" clId="Web-{A30F54A1-DAA1-CDC9-D847-77D161F56088}" dt="2020-05-13T03:36:34.157" v="890" actId="20577"/>
+        <pc:sldMkLst>
+          <pc:docMk/>
+          <pc:sldMk cId="3385578703" sldId="282"/>
+        </pc:sldMkLst>
+        <pc:spChg chg="mod">
+          <ac:chgData name="Jordan Marr" userId="S::jmarr@microdesk.com::db1b5729-98c9-4e96-a652-defcc7028849" providerId="AD" clId="Web-{A30F54A1-DAA1-CDC9-D847-77D161F56088}" dt="2020-05-13T03:36:34.157" v="890" actId="20577"/>
+          <ac:spMkLst>
+            <pc:docMk/>
+            <pc:sldMk cId="3385578703" sldId="282"/>
+            <ac:spMk id="4" creationId="{C682850D-0EE4-4C1A-9AA7-802CE5591ADA}"/>
+          </ac:spMkLst>
+        </pc:spChg>
+        <pc:picChg chg="add del mod">
+          <ac:chgData name="Jordan Marr" userId="S::jmarr@microdesk.com::db1b5729-98c9-4e96-a652-defcc7028849" providerId="AD" clId="Web-{A30F54A1-DAA1-CDC9-D847-77D161F56088}" dt="2020-05-13T03:34:24.682" v="882"/>
+          <ac:picMkLst>
+            <pc:docMk/>
+            <pc:sldMk cId="3385578703" sldId="282"/>
+            <ac:picMk id="5" creationId="{9407AED0-8332-46B4-9834-823F4EA2FD93}"/>
+          </ac:picMkLst>
+        </pc:picChg>
+        <pc:picChg chg="add mod">
+          <ac:chgData name="Jordan Marr" userId="S::jmarr@microdesk.com::db1b5729-98c9-4e96-a652-defcc7028849" providerId="AD" clId="Web-{A30F54A1-DAA1-CDC9-D847-77D161F56088}" dt="2020-05-13T03:34:37.963" v="887" actId="1076"/>
+          <ac:picMkLst>
+            <pc:docMk/>
+            <pc:sldMk cId="3385578703" sldId="282"/>
+            <ac:picMk id="6" creationId="{4FD77B5F-50B6-4510-A0F9-A7E02AA7B08C}"/>
+          </ac:picMkLst>
+        </pc:picChg>
+        <pc:picChg chg="del">
+          <ac:chgData name="Jordan Marr" userId="S::jmarr@microdesk.com::db1b5729-98c9-4e96-a652-defcc7028849" providerId="AD" clId="Web-{A30F54A1-DAA1-CDC9-D847-77D161F56088}" dt="2020-05-13T03:30:27.295" v="875"/>
+          <ac:picMkLst>
+            <pc:docMk/>
+            <pc:sldMk cId="3385578703" sldId="282"/>
+            <ac:picMk id="7" creationId="{6171942B-B0AC-4293-AB7C-985745F63CCD}"/>
+          </ac:picMkLst>
+        </pc:picChg>
+      </pc:sldChg>
+      <pc:sldChg chg="addSp delSp modSp new">
+        <pc:chgData name="Jordan Marr" userId="S::jmarr@microdesk.com::db1b5729-98c9-4e96-a652-defcc7028849" providerId="AD" clId="Web-{A30F54A1-DAA1-CDC9-D847-77D161F56088}" dt="2020-05-13T02:27:42.435" v="137" actId="1076"/>
+        <pc:sldMkLst>
+          <pc:docMk/>
+          <pc:sldMk cId="4062489197" sldId="284"/>
+        </pc:sldMkLst>
+        <pc:spChg chg="mod">
+          <ac:chgData name="Jordan Marr" userId="S::jmarr@microdesk.com::db1b5729-98c9-4e96-a652-defcc7028849" providerId="AD" clId="Web-{A30F54A1-DAA1-CDC9-D847-77D161F56088}" dt="2020-05-13T02:24:05.222" v="5" actId="20577"/>
+          <ac:spMkLst>
+            <pc:docMk/>
+            <pc:sldMk cId="4062489197" sldId="284"/>
+            <ac:spMk id="2" creationId="{007663B0-E33A-4165-A28E-8ADFDDAE1D8A}"/>
+          </ac:spMkLst>
+        </pc:spChg>
+        <pc:spChg chg="mod">
+          <ac:chgData name="Jordan Marr" userId="S::jmarr@microdesk.com::db1b5729-98c9-4e96-a652-defcc7028849" providerId="AD" clId="Web-{A30F54A1-DAA1-CDC9-D847-77D161F56088}" dt="2020-05-13T02:24:38.583" v="18" actId="20577"/>
+          <ac:spMkLst>
+            <pc:docMk/>
+            <pc:sldMk cId="4062489197" sldId="284"/>
+            <ac:spMk id="3" creationId="{802E11CB-9EAC-4177-83E9-4681F2238FBA}"/>
+          </ac:spMkLst>
+        </pc:spChg>
+        <pc:spChg chg="add del mod">
+          <ac:chgData name="Jordan Marr" userId="S::jmarr@microdesk.com::db1b5729-98c9-4e96-a652-defcc7028849" providerId="AD" clId="Web-{A30F54A1-DAA1-CDC9-D847-77D161F56088}" dt="2020-05-13T02:26:21.338" v="115" actId="20577"/>
+          <ac:spMkLst>
+            <pc:docMk/>
+            <pc:sldMk cId="4062489197" sldId="284"/>
+            <ac:spMk id="4" creationId="{539DEA77-1DF4-4AD7-BEA5-798981574571}"/>
+          </ac:spMkLst>
+        </pc:spChg>
+        <pc:spChg chg="del">
+          <ac:chgData name="Jordan Marr" userId="S::jmarr@microdesk.com::db1b5729-98c9-4e96-a652-defcc7028849" providerId="AD" clId="Web-{A30F54A1-DAA1-CDC9-D847-77D161F56088}" dt="2020-05-13T02:24:06.737" v="7"/>
+          <ac:spMkLst>
+            <pc:docMk/>
+            <pc:sldMk cId="4062489197" sldId="284"/>
+            <ac:spMk id="5" creationId="{8B47F03D-D6AD-4FCB-B30C-6588B5FD3F3B}"/>
+          </ac:spMkLst>
+        </pc:spChg>
+        <pc:spChg chg="del">
+          <ac:chgData name="Jordan Marr" userId="S::jmarr@microdesk.com::db1b5729-98c9-4e96-a652-defcc7028849" providerId="AD" clId="Web-{A30F54A1-DAA1-CDC9-D847-77D161F56088}" dt="2020-05-13T02:24:05.581" v="6"/>
+          <ac:spMkLst>
+            <pc:docMk/>
+            <pc:sldMk cId="4062489197" sldId="284"/>
+            <ac:spMk id="6" creationId="{947474D3-1DDD-48B2-83F1-34FA9CE4558D}"/>
+          </ac:spMkLst>
+        </pc:spChg>
+        <pc:picChg chg="add del mod ord">
+          <ac:chgData name="Jordan Marr" userId="S::jmarr@microdesk.com::db1b5729-98c9-4e96-a652-defcc7028849" providerId="AD" clId="Web-{A30F54A1-DAA1-CDC9-D847-77D161F56088}" dt="2020-05-13T02:24:15.379" v="9"/>
+          <ac:picMkLst>
+            <pc:docMk/>
+            <pc:sldMk cId="4062489197" sldId="284"/>
+            <ac:picMk id="7" creationId="{F5599CED-88DD-4391-98F4-03AEE5371E38}"/>
+          </ac:picMkLst>
+        </pc:picChg>
+        <pc:picChg chg="add del mod ord">
+          <ac:chgData name="Jordan Marr" userId="S::jmarr@microdesk.com::db1b5729-98c9-4e96-a652-defcc7028849" providerId="AD" clId="Web-{A30F54A1-DAA1-CDC9-D847-77D161F56088}" dt="2020-05-13T02:24:19.863" v="11"/>
+          <ac:picMkLst>
+            <pc:docMk/>
+            <pc:sldMk cId="4062489197" sldId="284"/>
+            <ac:picMk id="8" creationId="{CF1F2DA9-3F27-4F97-BCA2-04AFB5ED3295}"/>
+          </ac:picMkLst>
+        </pc:picChg>
+        <pc:picChg chg="add del mod ord">
+          <ac:chgData name="Jordan Marr" userId="S::jmarr@microdesk.com::db1b5729-98c9-4e96-a652-defcc7028849" providerId="AD" clId="Web-{A30F54A1-DAA1-CDC9-D847-77D161F56088}" dt="2020-05-13T02:24:32.786" v="15"/>
+          <ac:picMkLst>
+            <pc:docMk/>
+            <pc:sldMk cId="4062489197" sldId="284"/>
+            <ac:picMk id="9" creationId="{59FAAC4E-42FF-4812-97C7-8AEB89EFC05E}"/>
+          </ac:picMkLst>
+        </pc:picChg>
+        <pc:picChg chg="add mod">
+          <ac:chgData name="Jordan Marr" userId="S::jmarr@microdesk.com::db1b5729-98c9-4e96-a652-defcc7028849" providerId="AD" clId="Web-{A30F54A1-DAA1-CDC9-D847-77D161F56088}" dt="2020-05-13T02:27:40.545" v="136" actId="1076"/>
+          <ac:picMkLst>
+            <pc:docMk/>
+            <pc:sldMk cId="4062489197" sldId="284"/>
+            <ac:picMk id="10" creationId="{A2387499-477E-4782-8CD9-EC34769E23DA}"/>
+          </ac:picMkLst>
+        </pc:picChg>
+        <pc:picChg chg="add mod">
+          <ac:chgData name="Jordan Marr" userId="S::jmarr@microdesk.com::db1b5729-98c9-4e96-a652-defcc7028849" providerId="AD" clId="Web-{A30F54A1-DAA1-CDC9-D847-77D161F56088}" dt="2020-05-13T02:27:42.435" v="137" actId="1076"/>
+          <ac:picMkLst>
+            <pc:docMk/>
+            <pc:sldMk cId="4062489197" sldId="284"/>
+            <ac:picMk id="11" creationId="{4BCCF35E-A2D7-4383-9BFA-288C69455A6D}"/>
+          </ac:picMkLst>
+        </pc:picChg>
+        <pc:picChg chg="add mod">
+          <ac:chgData name="Jordan Marr" userId="S::jmarr@microdesk.com::db1b5729-98c9-4e96-a652-defcc7028849" providerId="AD" clId="Web-{A30F54A1-DAA1-CDC9-D847-77D161F56088}" dt="2020-05-13T02:27:38.654" v="135" actId="1076"/>
+          <ac:picMkLst>
+            <pc:docMk/>
+            <pc:sldMk cId="4062489197" sldId="284"/>
+            <ac:picMk id="12" creationId="{F1425342-6880-41E6-8930-FC0648ABCE57}"/>
+          </ac:picMkLst>
+        </pc:picChg>
+        <pc:picChg chg="add mod">
+          <ac:chgData name="Jordan Marr" userId="S::jmarr@microdesk.com::db1b5729-98c9-4e96-a652-defcc7028849" providerId="AD" clId="Web-{A30F54A1-DAA1-CDC9-D847-77D161F56088}" dt="2020-05-13T02:27:36.279" v="134" actId="1076"/>
+          <ac:picMkLst>
+            <pc:docMk/>
+            <pc:sldMk cId="4062489197" sldId="284"/>
+            <ac:picMk id="13" creationId="{BEF4F3F1-072D-4ADE-8832-F6992B22D485}"/>
+          </ac:picMkLst>
+        </pc:picChg>
+      </pc:sldChg>
+      <pc:sldChg chg="delSp modSp new">
+        <pc:chgData name="Jordan Marr" userId="S::jmarr@microdesk.com::db1b5729-98c9-4e96-a652-defcc7028849" providerId="AD" clId="Web-{A30F54A1-DAA1-CDC9-D847-77D161F56088}" dt="2020-05-13T03:01:52.631" v="742" actId="20577"/>
+        <pc:sldMkLst>
+          <pc:docMk/>
+          <pc:sldMk cId="1276997424" sldId="285"/>
+        </pc:sldMkLst>
+        <pc:spChg chg="mod">
+          <ac:chgData name="Jordan Marr" userId="S::jmarr@microdesk.com::db1b5729-98c9-4e96-a652-defcc7028849" providerId="AD" clId="Web-{A30F54A1-DAA1-CDC9-D847-77D161F56088}" dt="2020-05-13T02:58:01.995" v="145" actId="20577"/>
+          <ac:spMkLst>
+            <pc:docMk/>
+            <pc:sldMk cId="1276997424" sldId="285"/>
+            <ac:spMk id="2" creationId="{1341C0BC-6303-44FB-B827-F5398384D143}"/>
+          </ac:spMkLst>
+        </pc:spChg>
+        <pc:spChg chg="mod">
+          <ac:chgData name="Jordan Marr" userId="S::jmarr@microdesk.com::db1b5729-98c9-4e96-a652-defcc7028849" providerId="AD" clId="Web-{A30F54A1-DAA1-CDC9-D847-77D161F56088}" dt="2020-05-13T02:58:16.574" v="152" actId="20577"/>
+          <ac:spMkLst>
+            <pc:docMk/>
+            <pc:sldMk cId="1276997424" sldId="285"/>
+            <ac:spMk id="3" creationId="{EC2095B8-07ED-498E-9C7D-7EB3DB8DA399}"/>
+          </ac:spMkLst>
+        </pc:spChg>
+        <pc:spChg chg="mod">
+          <ac:chgData name="Jordan Marr" userId="S::jmarr@microdesk.com::db1b5729-98c9-4e96-a652-defcc7028849" providerId="AD" clId="Web-{A30F54A1-DAA1-CDC9-D847-77D161F56088}" dt="2020-05-13T03:01:52.631" v="742" actId="20577"/>
+          <ac:spMkLst>
+            <pc:docMk/>
+            <pc:sldMk cId="1276997424" sldId="285"/>
+            <ac:spMk id="4" creationId="{BADB988E-89EC-48D1-B38F-840C95B29FA4}"/>
+          </ac:spMkLst>
+        </pc:spChg>
+        <pc:spChg chg="del">
+          <ac:chgData name="Jordan Marr" userId="S::jmarr@microdesk.com::db1b5729-98c9-4e96-a652-defcc7028849" providerId="AD" clId="Web-{A30F54A1-DAA1-CDC9-D847-77D161F56088}" dt="2020-05-13T02:58:06.292" v="147"/>
+          <ac:spMkLst>
+            <pc:docMk/>
+            <pc:sldMk cId="1276997424" sldId="285"/>
+            <ac:spMk id="5" creationId="{740D08E3-CA68-4677-A1E9-0CD4786C440D}"/>
+          </ac:spMkLst>
+        </pc:spChg>
+        <pc:spChg chg="del">
+          <ac:chgData name="Jordan Marr" userId="S::jmarr@microdesk.com::db1b5729-98c9-4e96-a652-defcc7028849" providerId="AD" clId="Web-{A30F54A1-DAA1-CDC9-D847-77D161F56088}" dt="2020-05-13T02:58:05.245" v="146"/>
+          <ac:spMkLst>
+            <pc:docMk/>
+            <pc:sldMk cId="1276997424" sldId="285"/>
+            <ac:spMk id="6" creationId="{D29CA71F-8C8D-4263-9436-483BA9BFDC2C}"/>
+          </ac:spMkLst>
+        </pc:spChg>
+      </pc:sldChg>
+      <pc:sldChg chg="addSp delSp modSp new">
+        <pc:chgData name="Jordan Marr" userId="S::jmarr@microdesk.com::db1b5729-98c9-4e96-a652-defcc7028849" providerId="AD" clId="Web-{A30F54A1-DAA1-CDC9-D847-77D161F56088}" dt="2020-05-13T13:13:58.543" v="1817" actId="20577"/>
+        <pc:sldMkLst>
+          <pc:docMk/>
+          <pc:sldMk cId="1367584228" sldId="286"/>
+        </pc:sldMkLst>
+        <pc:spChg chg="mod">
+          <ac:chgData name="Jordan Marr" userId="S::jmarr@microdesk.com::db1b5729-98c9-4e96-a652-defcc7028849" providerId="AD" clId="Web-{A30F54A1-DAA1-CDC9-D847-77D161F56088}" dt="2020-05-13T13:05:03.805" v="937" actId="20577"/>
+          <ac:spMkLst>
+            <pc:docMk/>
+            <pc:sldMk cId="1367584228" sldId="286"/>
+            <ac:spMk id="2" creationId="{7EA0DFB0-B2CE-4F77-8EA4-8B016034E479}"/>
+          </ac:spMkLst>
+        </pc:spChg>
+        <pc:spChg chg="mod">
+          <ac:chgData name="Jordan Marr" userId="S::jmarr@microdesk.com::db1b5729-98c9-4e96-a652-defcc7028849" providerId="AD" clId="Web-{A30F54A1-DAA1-CDC9-D847-77D161F56088}" dt="2020-05-13T13:05:23.383" v="939" actId="20577"/>
+          <ac:spMkLst>
+            <pc:docMk/>
+            <pc:sldMk cId="1367584228" sldId="286"/>
+            <ac:spMk id="3" creationId="{05E91F4C-05BF-4D93-A057-AF0D517D7137}"/>
+          </ac:spMkLst>
+        </pc:spChg>
+        <pc:spChg chg="mod">
+          <ac:chgData name="Jordan Marr" userId="S::jmarr@microdesk.com::db1b5729-98c9-4e96-a652-defcc7028849" providerId="AD" clId="Web-{A30F54A1-DAA1-CDC9-D847-77D161F56088}" dt="2020-05-13T13:13:58.543" v="1817" actId="20577"/>
+          <ac:spMkLst>
+            <pc:docMk/>
+            <pc:sldMk cId="1367584228" sldId="286"/>
+            <ac:spMk id="4" creationId="{5E7F1E5A-588F-44F7-93EB-CDDFE1716066}"/>
+          </ac:spMkLst>
+        </pc:spChg>
+        <pc:spChg chg="del">
+          <ac:chgData name="Jordan Marr" userId="S::jmarr@microdesk.com::db1b5729-98c9-4e96-a652-defcc7028849" providerId="AD" clId="Web-{A30F54A1-DAA1-CDC9-D847-77D161F56088}" dt="2020-05-13T13:04:10.570" v="934"/>
+          <ac:spMkLst>
+            <pc:docMk/>
+            <pc:sldMk cId="1367584228" sldId="286"/>
+            <ac:spMk id="5" creationId="{854C004D-EB62-487D-90F1-741979C534F3}"/>
+          </ac:spMkLst>
+        </pc:spChg>
+        <pc:spChg chg="del">
+          <ac:chgData name="Jordan Marr" userId="S::jmarr@microdesk.com::db1b5729-98c9-4e96-a652-defcc7028849" providerId="AD" clId="Web-{A30F54A1-DAA1-CDC9-D847-77D161F56088}" dt="2020-05-13T13:04:04.086" v="931"/>
+          <ac:spMkLst>
+            <pc:docMk/>
+            <pc:sldMk cId="1367584228" sldId="286"/>
+            <ac:spMk id="6" creationId="{63E20EBF-0D63-48B6-8C41-9594C2B2154E}"/>
+          </ac:spMkLst>
+        </pc:spChg>
+        <pc:picChg chg="add mod">
+          <ac:chgData name="Jordan Marr" userId="S::jmarr@microdesk.com::db1b5729-98c9-4e96-a652-defcc7028849" providerId="AD" clId="Web-{A30F54A1-DAA1-CDC9-D847-77D161F56088}" dt="2020-05-13T13:09:50.666" v="1504" actId="1076"/>
+          <ac:picMkLst>
+            <pc:docMk/>
+            <pc:sldMk cId="1367584228" sldId="286"/>
+            <ac:picMk id="8" creationId="{4E313DB1-C7DF-423C-AE54-96E5DBB38BD8}"/>
+          </ac:picMkLst>
+        </pc:picChg>
+      </pc:sldChg>
+    </pc:docChg>
+  </pc:docChgLst>
+</pc:chgInfo>
+</file>
+
 <file path=ppt/notesMasters/notesMaster1.xml><?xml version="1.0" encoding="utf-8"?>
 <p:notesMaster xmlns:a="http://schemas.openxmlformats.org/drawingml/2006/main" xmlns:r="http://schemas.openxmlformats.org/officeDocument/2006/relationships" xmlns:p="http://schemas.openxmlformats.org/presentationml/2006/main">
   <p:cSld>
@@ -224,7 +707,7 @@
           <a:p>
             <a:fld id="{D637EA8C-3B81-4F0E-8871-03560EB1F0C2}" type="datetimeFigureOut">
               <a:rPr lang="en-US" smtClean="0"/>
-              <a:t>5/7/2020</a:t>
+              <a:t>5/13/2020</a:t>
             </a:fld>
             <a:endParaRPr lang="en-US"/>
           </a:p>
@@ -770,7 +1253,7 @@
           <a:p>
             <a:fld id="{19FF90F1-C354-4482-AEE3-BA511282A942}" type="datetimeFigureOut">
               <a:rPr lang="en-US" smtClean="0"/>
-              <a:t>5/7/2020</a:t>
+              <a:t>5/13/2020</a:t>
             </a:fld>
             <a:endParaRPr lang="en-US"/>
           </a:p>
@@ -1045,7 +1528,7 @@
           <a:p>
             <a:fld id="{19FF90F1-C354-4482-AEE3-BA511282A942}" type="datetimeFigureOut">
               <a:rPr lang="en-US" smtClean="0"/>
-              <a:t>5/7/2020</a:t>
+              <a:t>5/13/2020</a:t>
             </a:fld>
             <a:endParaRPr lang="en-US"/>
           </a:p>
@@ -1239,7 +1722,7 @@
           <a:p>
             <a:fld id="{19FF90F1-C354-4482-AEE3-BA511282A942}" type="datetimeFigureOut">
               <a:rPr lang="en-US" smtClean="0"/>
-              <a:t>5/7/2020</a:t>
+              <a:t>5/13/2020</a:t>
             </a:fld>
             <a:endParaRPr lang="en-US"/>
           </a:p>
@@ -1510,7 +1993,7 @@
           <a:p>
             <a:fld id="{19FF90F1-C354-4482-AEE3-BA511282A942}" type="datetimeFigureOut">
               <a:rPr lang="en-US" smtClean="0"/>
-              <a:t>5/7/2020</a:t>
+              <a:t>5/13/2020</a:t>
             </a:fld>
             <a:endParaRPr lang="en-US"/>
           </a:p>
@@ -1837,7 +2320,7 @@
           <a:p>
             <a:fld id="{19FF90F1-C354-4482-AEE3-BA511282A942}" type="datetimeFigureOut">
               <a:rPr lang="en-US" smtClean="0"/>
-              <a:t>5/7/2020</a:t>
+              <a:t>5/13/2020</a:t>
             </a:fld>
             <a:endParaRPr lang="en-US"/>
           </a:p>
@@ -2456,7 +2939,7 @@
           <a:p>
             <a:fld id="{19FF90F1-C354-4482-AEE3-BA511282A942}" type="datetimeFigureOut">
               <a:rPr lang="en-US" smtClean="0"/>
-              <a:t>5/7/2020</a:t>
+              <a:t>5/13/2020</a:t>
             </a:fld>
             <a:endParaRPr lang="en-US"/>
           </a:p>
@@ -3303,7 +3786,7 @@
           <a:p>
             <a:fld id="{19FF90F1-C354-4482-AEE3-BA511282A942}" type="datetimeFigureOut">
               <a:rPr lang="en-US" smtClean="0"/>
-              <a:t>5/7/2020</a:t>
+              <a:t>5/13/2020</a:t>
             </a:fld>
             <a:endParaRPr lang="en-US"/>
           </a:p>
@@ -3473,7 +3956,7 @@
           <a:p>
             <a:fld id="{19FF90F1-C354-4482-AEE3-BA511282A942}" type="datetimeFigureOut">
               <a:rPr lang="en-US" smtClean="0"/>
-              <a:t>5/7/2020</a:t>
+              <a:t>5/13/2020</a:t>
             </a:fld>
             <a:endParaRPr lang="en-US"/>
           </a:p>
@@ -3653,7 +4136,7 @@
           <a:p>
             <a:fld id="{19FF90F1-C354-4482-AEE3-BA511282A942}" type="datetimeFigureOut">
               <a:rPr lang="en-US" smtClean="0"/>
-              <a:t>5/7/2020</a:t>
+              <a:t>5/13/2020</a:t>
             </a:fld>
             <a:endParaRPr lang="en-US"/>
           </a:p>
@@ -3823,7 +4306,7 @@
           <a:p>
             <a:fld id="{19FF90F1-C354-4482-AEE3-BA511282A942}" type="datetimeFigureOut">
               <a:rPr lang="en-US" smtClean="0"/>
-              <a:t>5/7/2020</a:t>
+              <a:t>5/13/2020</a:t>
             </a:fld>
             <a:endParaRPr lang="en-US"/>
           </a:p>
@@ -4070,7 +4553,7 @@
           <a:p>
             <a:fld id="{19FF90F1-C354-4482-AEE3-BA511282A942}" type="datetimeFigureOut">
               <a:rPr lang="en-US" smtClean="0"/>
-              <a:t>5/7/2020</a:t>
+              <a:t>5/13/2020</a:t>
             </a:fld>
             <a:endParaRPr lang="en-US"/>
           </a:p>
@@ -4362,7 +4845,7 @@
           <a:p>
             <a:fld id="{19FF90F1-C354-4482-AEE3-BA511282A942}" type="datetimeFigureOut">
               <a:rPr lang="en-US" smtClean="0"/>
-              <a:t>5/7/2020</a:t>
+              <a:t>5/13/2020</a:t>
             </a:fld>
             <a:endParaRPr lang="en-US"/>
           </a:p>
@@ -4806,7 +5289,7 @@
           <a:p>
             <a:fld id="{19FF90F1-C354-4482-AEE3-BA511282A942}" type="datetimeFigureOut">
               <a:rPr lang="en-US" smtClean="0"/>
-              <a:t>5/7/2020</a:t>
+              <a:t>5/13/2020</a:t>
             </a:fld>
             <a:endParaRPr lang="en-US"/>
           </a:p>
@@ -4924,7 +5407,7 @@
           <a:p>
             <a:fld id="{19FF90F1-C354-4482-AEE3-BA511282A942}" type="datetimeFigureOut">
               <a:rPr lang="en-US" smtClean="0"/>
-              <a:t>5/7/2020</a:t>
+              <a:t>5/13/2020</a:t>
             </a:fld>
             <a:endParaRPr lang="en-US"/>
           </a:p>
@@ -5019,7 +5502,7 @@
           <a:p>
             <a:fld id="{19FF90F1-C354-4482-AEE3-BA511282A942}" type="datetimeFigureOut">
               <a:rPr lang="en-US" smtClean="0"/>
-              <a:t>5/7/2020</a:t>
+              <a:t>5/13/2020</a:t>
             </a:fld>
             <a:endParaRPr lang="en-US"/>
           </a:p>
@@ -5298,7 +5781,7 @@
           <a:p>
             <a:fld id="{19FF90F1-C354-4482-AEE3-BA511282A942}" type="datetimeFigureOut">
               <a:rPr lang="en-US" smtClean="0"/>
-              <a:t>5/7/2020</a:t>
+              <a:t>5/13/2020</a:t>
             </a:fld>
             <a:endParaRPr lang="en-US"/>
           </a:p>
@@ -5573,7 +6056,7 @@
           <a:p>
             <a:fld id="{19FF90F1-C354-4482-AEE3-BA511282A942}" type="datetimeFigureOut">
               <a:rPr lang="en-US" smtClean="0"/>
-              <a:t>5/7/2020</a:t>
+              <a:t>5/13/2020</a:t>
             </a:fld>
             <a:endParaRPr lang="en-US"/>
           </a:p>
@@ -5996,7 +6479,7 @@
           <a:p>
             <a:fld id="{19FF90F1-C354-4482-AEE3-BA511282A942}" type="datetimeFigureOut">
               <a:rPr lang="en-US" smtClean="0"/>
-              <a:t>5/7/2020</a:t>
+              <a:t>5/13/2020</a:t>
             </a:fld>
             <a:endParaRPr lang="en-US"/>
           </a:p>
@@ -6552,7 +7035,7 @@
           <a:p>
             <a:r>
               <a:rPr lang="en-US" sz="4400" dirty="0"/>
-              <a:t>Refactoring to Testability in C# / F#</a:t>
+              <a:t>Refactoring to Testable Code in F#</a:t>
             </a:r>
           </a:p>
         </p:txBody>
@@ -6620,7 +7103,7 @@
           <p:cNvPr id="2" name="Title 1">
             <a:extLst>
               <a:ext uri="{FF2B5EF4-FFF2-40B4-BE49-F238E27FC236}">
-                <a16:creationId xmlns:a16="http://schemas.microsoft.com/office/drawing/2014/main" id="{044A10B4-084A-4A41-AEAE-9820F16667E7}"/>
+                <a16:creationId xmlns:a16="http://schemas.microsoft.com/office/drawing/2014/main" id="{0F0822A7-11E3-4794-B7A3-CCDCC40137F5}"/>
               </a:ext>
             </a:extLst>
           </p:cNvPr>
@@ -6638,8 +7121,13 @@
           <a:p>
             <a:r>
               <a:rPr lang="en-US" dirty="0"/>
-              <a:t>C# - Unit Tests</a:t>
-            </a:r>
+              <a:t>C# - </a:t>
+            </a:r>
+            <a:r>
+              <a:rPr lang="en-US" dirty="0" err="1"/>
+              <a:t>StockApi</a:t>
+            </a:r>
+            <a:endParaRPr lang="en-US" dirty="0"/>
           </a:p>
         </p:txBody>
       </p:sp>
@@ -6648,7 +7136,7 @@
           <p:cNvPr id="3" name="Text Placeholder 2">
             <a:extLst>
               <a:ext uri="{FF2B5EF4-FFF2-40B4-BE49-F238E27FC236}">
-                <a16:creationId xmlns:a16="http://schemas.microsoft.com/office/drawing/2014/main" id="{A545BCAF-3D24-4528-8AB3-1E0410A3A2AD}"/>
+                <a16:creationId xmlns:a16="http://schemas.microsoft.com/office/drawing/2014/main" id="{A2BE40B2-F449-4F82-945B-F4F92DAA20BA}"/>
               </a:ext>
             </a:extLst>
           </p:cNvPr>
@@ -6659,12 +7147,7 @@
             <p:ph type="body" idx="1"/>
           </p:nvPr>
         </p:nvSpPr>
-        <p:spPr>
-          <a:xfrm>
-            <a:off x="468704" y="1895793"/>
-            <a:ext cx="4396338" cy="576262"/>
-          </a:xfrm>
-        </p:spPr>
+        <p:spPr/>
         <p:txBody>
           <a:bodyPr/>
           <a:lstStyle/>
@@ -6681,7 +7164,7 @@
           <p:cNvPr id="4" name="Content Placeholder 3">
             <a:extLst>
               <a:ext uri="{FF2B5EF4-FFF2-40B4-BE49-F238E27FC236}">
-                <a16:creationId xmlns:a16="http://schemas.microsoft.com/office/drawing/2014/main" id="{B044864E-484A-4CDA-A9C8-D0444E539D6F}"/>
+                <a16:creationId xmlns:a16="http://schemas.microsoft.com/office/drawing/2014/main" id="{2C94510A-3776-40B7-BC92-1CF95BC8CBBC}"/>
               </a:ext>
             </a:extLst>
           </p:cNvPr>
@@ -6694,74 +7177,53 @@
         </p:nvSpPr>
         <p:spPr>
           <a:xfrm>
-            <a:off x="488939" y="2514600"/>
-            <a:ext cx="4136327" cy="3741738"/>
-          </a:xfrm>
-        </p:spPr>
-        <p:txBody>
-          <a:bodyPr>
-            <a:normAutofit lnSpcReduction="10000"/>
-          </a:bodyPr>
-          <a:lstStyle/>
-          <a:p>
-            <a:r>
-              <a:rPr lang="en-US" dirty="0"/>
-              <a:t>Expected IO data is prepared</a:t>
-            </a:r>
-          </a:p>
-          <a:p>
-            <a:r>
-              <a:rPr lang="en-US" dirty="0"/>
-              <a:t>IO dependencies are mocked using “Moq”.</a:t>
-            </a:r>
-          </a:p>
-          <a:p>
-            <a:r>
-              <a:rPr lang="en-US" dirty="0"/>
-              <a:t>“Setup” asserts that a method is called</a:t>
-            </a:r>
-          </a:p>
-          <a:p>
-            <a:r>
-              <a:rPr lang="en-US" dirty="0"/>
-              <a:t>“Returns” specifies a value</a:t>
-            </a:r>
-          </a:p>
-          <a:p>
-            <a:r>
-              <a:rPr lang="en-US" dirty="0"/>
-              <a:t>“Verify” asserts the value of an argument passed to the dependency interface.</a:t>
-            </a:r>
-          </a:p>
-          <a:p>
-            <a:pPr lvl="1"/>
-            <a:r>
-              <a:rPr lang="en-US" dirty="0"/>
-              <a:t>“Verify”</a:t>
-            </a:r>
-            <a:r>
-              <a:rPr lang="en-US" i="1" dirty="0"/>
-              <a:t> </a:t>
-            </a:r>
-            <a:r>
-              <a:rPr lang="en-US" dirty="0"/>
-              <a:t>must happen </a:t>
-            </a:r>
-            <a:r>
-              <a:rPr lang="en-US" i="1" dirty="0"/>
-              <a:t>after </a:t>
-            </a:r>
-            <a:r>
-              <a:rPr lang="en-US" dirty="0"/>
-              <a:t>the feature is tested or else it won’t work properly!  </a:t>
-            </a:r>
-            <a:r>
-              <a:rPr lang="en-US" dirty="0">
-                <a:sym typeface="Wingdings" panose="05000000000000000000" pitchFamily="2" charset="2"/>
-              </a:rPr>
-              <a:t></a:t>
-            </a:r>
-            <a:endParaRPr lang="en-US" dirty="0"/>
+            <a:off x="1103312" y="2514600"/>
+            <a:ext cx="3504199" cy="3741738"/>
+          </a:xfrm>
+        </p:spPr>
+        <p:txBody>
+          <a:bodyPr/>
+          <a:lstStyle/>
+          <a:p>
+            <a:r>
+              <a:rPr lang="en-US" dirty="0"/>
+              <a:t>Uses </a:t>
+            </a:r>
+            <a:r>
+              <a:rPr lang="en-US" dirty="0" err="1"/>
+              <a:t>YahooFinanceApi</a:t>
+            </a:r>
+            <a:r>
+              <a:rPr lang="en-US" dirty="0"/>
+              <a:t> to check stock price</a:t>
+            </a:r>
+          </a:p>
+          <a:p>
+            <a:r>
+              <a:rPr lang="en-US" dirty="0"/>
+              <a:t>Returns </a:t>
+            </a:r>
+            <a:r>
+              <a:rPr lang="en-US" b="1" dirty="0" err="1"/>
+              <a:t>StockInfo</a:t>
+            </a:r>
+            <a:r>
+              <a:rPr lang="en-US" dirty="0"/>
+              <a:t> or </a:t>
+            </a:r>
+            <a:r>
+              <a:rPr lang="en-US" b="1" dirty="0"/>
+              <a:t>null</a:t>
+            </a:r>
+          </a:p>
+          <a:p>
+            <a:endParaRPr lang="en-US" b="1" dirty="0"/>
+          </a:p>
+          <a:p>
+            <a:pPr marL="0" indent="0">
+              <a:buNone/>
+            </a:pPr>
+            <a:endParaRPr lang="en-US" b="1" dirty="0"/>
           </a:p>
         </p:txBody>
       </p:sp>
@@ -6770,7 +7232,7 @@
           <p:cNvPr id="7" name="Picture 6">
             <a:extLst>
               <a:ext uri="{FF2B5EF4-FFF2-40B4-BE49-F238E27FC236}">
-                <a16:creationId xmlns:a16="http://schemas.microsoft.com/office/drawing/2014/main" id="{1DFB11F4-95CC-4161-B1DD-3B02B65BE851}"/>
+                <a16:creationId xmlns:a16="http://schemas.microsoft.com/office/drawing/2014/main" id="{9DC2E760-64FF-4FD2-BF61-37F31F63E908}"/>
               </a:ext>
             </a:extLst>
           </p:cNvPr>
@@ -6787,8 +7249,8 @@
         </p:blipFill>
         <p:spPr>
           <a:xfrm>
-            <a:off x="4687634" y="23337"/>
-            <a:ext cx="7468642" cy="6811326"/>
+            <a:off x="4858230" y="1532631"/>
+            <a:ext cx="7020905" cy="4201111"/>
           </a:xfrm>
           <a:prstGeom prst="rect">
             <a:avLst/>
@@ -6798,7 +7260,7 @@
     </p:spTree>
     <p:extLst>
       <p:ext uri="{BB962C8B-B14F-4D97-AF65-F5344CB8AC3E}">
-        <p14:creationId xmlns:p14="http://schemas.microsoft.com/office/powerpoint/2010/main" val="2785784821"/>
+        <p14:creationId xmlns:p14="http://schemas.microsoft.com/office/powerpoint/2010/main" val="1711907776"/>
       </p:ext>
     </p:extLst>
   </p:cSld>
@@ -6830,7 +7292,7 @@
           <p:cNvPr id="2" name="Title 1">
             <a:extLst>
               <a:ext uri="{FF2B5EF4-FFF2-40B4-BE49-F238E27FC236}">
-                <a16:creationId xmlns:a16="http://schemas.microsoft.com/office/drawing/2014/main" id="{C835D887-4C50-4351-B7F7-9A167A7A0400}"/>
+                <a16:creationId xmlns:a16="http://schemas.microsoft.com/office/drawing/2014/main" id="{044A10B4-084A-4A41-AEAE-9820F16667E7}"/>
               </a:ext>
             </a:extLst>
           </p:cNvPr>
@@ -6848,7 +7310,7 @@
           <a:p>
             <a:r>
               <a:rPr lang="en-US" dirty="0"/>
-              <a:t>F# - “Refactor to Testability”</a:t>
+              <a:t>C# - Unit Tests</a:t>
             </a:r>
           </a:p>
         </p:txBody>
@@ -6858,7 +7320,7 @@
           <p:cNvPr id="3" name="Text Placeholder 2">
             <a:extLst>
               <a:ext uri="{FF2B5EF4-FFF2-40B4-BE49-F238E27FC236}">
-                <a16:creationId xmlns:a16="http://schemas.microsoft.com/office/drawing/2014/main" id="{DBA74DDE-4153-4148-955A-4AA720EBFB57}"/>
+                <a16:creationId xmlns:a16="http://schemas.microsoft.com/office/drawing/2014/main" id="{A545BCAF-3D24-4528-8AB3-1E0410A3A2AD}"/>
               </a:ext>
             </a:extLst>
           </p:cNvPr>
@@ -6869,14 +7331,19 @@
             <p:ph type="body" idx="1"/>
           </p:nvPr>
         </p:nvSpPr>
-        <p:spPr/>
+        <p:spPr>
+          <a:xfrm>
+            <a:off x="468704" y="1895793"/>
+            <a:ext cx="4396338" cy="576262"/>
+          </a:xfrm>
+        </p:spPr>
         <p:txBody>
           <a:bodyPr/>
           <a:lstStyle/>
           <a:p>
             <a:r>
               <a:rPr lang="en-US" dirty="0"/>
-              <a:t>Goals</a:t>
+              <a:t>Notes</a:t>
             </a:r>
           </a:p>
         </p:txBody>
@@ -6886,7 +7353,7 @@
           <p:cNvPr id="4" name="Content Placeholder 3">
             <a:extLst>
               <a:ext uri="{FF2B5EF4-FFF2-40B4-BE49-F238E27FC236}">
-                <a16:creationId xmlns:a16="http://schemas.microsoft.com/office/drawing/2014/main" id="{2816B1BC-86C2-4A63-8D86-9266FED37BA5}"/>
+                <a16:creationId xmlns:a16="http://schemas.microsoft.com/office/drawing/2014/main" id="{B044864E-484A-4CDA-A9C8-D0444E539D6F}"/>
               </a:ext>
             </a:extLst>
           </p:cNvPr>
@@ -6897,56 +7364,113 @@
             <p:ph sz="half" idx="2"/>
           </p:nvPr>
         </p:nvSpPr>
-        <p:spPr/>
+        <p:spPr>
+          <a:xfrm>
+            <a:off x="488939" y="2514600"/>
+            <a:ext cx="4136327" cy="3741738"/>
+          </a:xfrm>
+        </p:spPr>
         <p:txBody>
           <a:bodyPr>
-            <a:normAutofit/>
+            <a:normAutofit lnSpcReduction="10000"/>
           </a:bodyPr>
           <a:lstStyle/>
           <a:p>
             <a:r>
               <a:rPr lang="en-US" dirty="0"/>
-              <a:t>To demonstrate </a:t>
+              <a:t>Expected IO data is prepared</a:t>
+            </a:r>
+          </a:p>
+          <a:p>
+            <a:r>
+              <a:rPr lang="en-US" dirty="0"/>
+              <a:t>IO dependencies are mocked using “Moq”.</a:t>
+            </a:r>
+          </a:p>
+          <a:p>
+            <a:r>
+              <a:rPr lang="en-US" dirty="0"/>
+              <a:t>“Setup” asserts that a method is called</a:t>
+            </a:r>
+          </a:p>
+          <a:p>
+            <a:r>
+              <a:rPr lang="en-US" dirty="0"/>
+              <a:t>“Returns” specifies a value</a:t>
+            </a:r>
+          </a:p>
+          <a:p>
+            <a:r>
+              <a:rPr lang="en-US" dirty="0"/>
+              <a:t>“Verify” asserts the value of an argument passed to the dependency interface.</a:t>
+            </a:r>
+          </a:p>
+          <a:p>
+            <a:pPr lvl="1"/>
+            <a:r>
+              <a:rPr lang="en-US" dirty="0"/>
+              <a:t>“Verify”</a:t>
             </a:r>
             <a:r>
               <a:rPr lang="en-US" i="1" dirty="0"/>
-              <a:t>how</a:t>
-            </a:r>
-            <a:r>
-              <a:rPr lang="en-US" dirty="0"/>
-              <a:t> to design the same feature in F#</a:t>
-            </a:r>
-          </a:p>
-          <a:p>
-            <a:r>
-              <a:rPr lang="en-US" dirty="0"/>
-              <a:t>To show a repeatable “recipe” for refactoring an F# feature to be more testable</a:t>
-            </a:r>
-          </a:p>
-          <a:p>
-            <a:r>
-              <a:rPr lang="en-US" dirty="0"/>
-              <a:t>To demonstrate how to architect in F# using functions vs. OOP class based design</a:t>
-            </a:r>
-          </a:p>
-          <a:p>
-            <a:r>
-              <a:rPr lang="en-US" dirty="0"/>
-              <a:t>To show how easy and flexible it is to develop a general purpose app “line-of-business” feature in F#</a:t>
-            </a:r>
-          </a:p>
-          <a:p>
-            <a:pPr marL="0" indent="0">
-              <a:buNone/>
-            </a:pPr>
+              <a:t> </a:t>
+            </a:r>
+            <a:r>
+              <a:rPr lang="en-US" dirty="0"/>
+              <a:t>must happen </a:t>
+            </a:r>
+            <a:r>
+              <a:rPr lang="en-US" i="1" dirty="0"/>
+              <a:t>after </a:t>
+            </a:r>
+            <a:r>
+              <a:rPr lang="en-US" dirty="0"/>
+              <a:t>the feature is tested or else it won’t work properly!  </a:t>
+            </a:r>
+            <a:r>
+              <a:rPr lang="en-US" dirty="0">
+                <a:sym typeface="Wingdings" panose="05000000000000000000" pitchFamily="2" charset="2"/>
+              </a:rPr>
+              <a:t></a:t>
+            </a:r>
             <a:endParaRPr lang="en-US" dirty="0"/>
           </a:p>
         </p:txBody>
       </p:sp>
+      <p:pic>
+        <p:nvPicPr>
+          <p:cNvPr id="7" name="Picture 6">
+            <a:extLst>
+              <a:ext uri="{FF2B5EF4-FFF2-40B4-BE49-F238E27FC236}">
+                <a16:creationId xmlns:a16="http://schemas.microsoft.com/office/drawing/2014/main" id="{1DFB11F4-95CC-4161-B1DD-3B02B65BE851}"/>
+              </a:ext>
+            </a:extLst>
+          </p:cNvPr>
+          <p:cNvPicPr>
+            <a:picLocks noChangeAspect="1"/>
+          </p:cNvPicPr>
+          <p:nvPr/>
+        </p:nvPicPr>
+        <p:blipFill>
+          <a:blip r:embed="rId2"/>
+          <a:stretch>
+            <a:fillRect/>
+          </a:stretch>
+        </p:blipFill>
+        <p:spPr>
+          <a:xfrm>
+            <a:off x="4687634" y="23337"/>
+            <a:ext cx="7468642" cy="6811326"/>
+          </a:xfrm>
+          <a:prstGeom prst="rect">
+            <a:avLst/>
+          </a:prstGeom>
+        </p:spPr>
+      </p:pic>
     </p:spTree>
     <p:extLst>
       <p:ext uri="{BB962C8B-B14F-4D97-AF65-F5344CB8AC3E}">
-        <p14:creationId xmlns:p14="http://schemas.microsoft.com/office/powerpoint/2010/main" val="796003201"/>
+        <p14:creationId xmlns:p14="http://schemas.microsoft.com/office/powerpoint/2010/main" val="2785784821"/>
       </p:ext>
     </p:extLst>
   </p:cSld>
@@ -6978,7 +7502,7 @@
           <p:cNvPr id="2" name="Title 1">
             <a:extLst>
               <a:ext uri="{FF2B5EF4-FFF2-40B4-BE49-F238E27FC236}">
-                <a16:creationId xmlns:a16="http://schemas.microsoft.com/office/drawing/2014/main" id="{40F38B0C-C735-4602-975D-E475130AC818}"/>
+                <a16:creationId xmlns:a16="http://schemas.microsoft.com/office/drawing/2014/main" id="{C835D887-4C50-4351-B7F7-9A167A7A0400}"/>
               </a:ext>
             </a:extLst>
           </p:cNvPr>
@@ -6996,17 +7520,17 @@
           <a:p>
             <a:r>
               <a:rPr lang="en-US" dirty="0"/>
-              <a:t>F# - Progressively Testable Design</a:t>
-            </a:r>
-          </a:p>
-        </p:txBody>
-      </p:sp>
-      <p:sp>
-        <p:nvSpPr>
-          <p:cNvPr id="7" name="Text Placeholder 4">
+              <a:t>F# - “Refactor to Testability”</a:t>
+            </a:r>
+          </a:p>
+        </p:txBody>
+      </p:sp>
+      <p:sp>
+        <p:nvSpPr>
+          <p:cNvPr id="3" name="Text Placeholder 2">
             <a:extLst>
               <a:ext uri="{FF2B5EF4-FFF2-40B4-BE49-F238E27FC236}">
-                <a16:creationId xmlns:a16="http://schemas.microsoft.com/office/drawing/2014/main" id="{57EE15B5-ACB8-4535-BD56-48A7E992624B}"/>
+                <a16:creationId xmlns:a16="http://schemas.microsoft.com/office/drawing/2014/main" id="{DBA74DDE-4153-4148-955A-4AA720EBFB57}"/>
               </a:ext>
             </a:extLst>
           </p:cNvPr>
@@ -7014,32 +7538,27 @@
             <a:spLocks noGrp="1"/>
           </p:cNvSpPr>
           <p:nvPr>
-            <p:ph type="body" sz="quarter" idx="3"/>
-          </p:nvPr>
-        </p:nvSpPr>
-        <p:spPr>
-          <a:xfrm>
-            <a:off x="789532" y="1905000"/>
-            <a:ext cx="4396339" cy="576262"/>
-          </a:xfrm>
-        </p:spPr>
+            <p:ph type="body" idx="1"/>
+          </p:nvPr>
+        </p:nvSpPr>
+        <p:spPr/>
         <p:txBody>
           <a:bodyPr/>
           <a:lstStyle/>
           <a:p>
             <a:r>
               <a:rPr lang="en-US" dirty="0"/>
-              <a:t>Phases</a:t>
-            </a:r>
-          </a:p>
-        </p:txBody>
-      </p:sp>
-      <p:sp>
-        <p:nvSpPr>
-          <p:cNvPr id="8" name="Content Placeholder 5">
+              <a:t>Goals</a:t>
+            </a:r>
+          </a:p>
+        </p:txBody>
+      </p:sp>
+      <p:sp>
+        <p:nvSpPr>
+          <p:cNvPr id="4" name="Content Placeholder 3">
             <a:extLst>
               <a:ext uri="{FF2B5EF4-FFF2-40B4-BE49-F238E27FC236}">
-                <a16:creationId xmlns:a16="http://schemas.microsoft.com/office/drawing/2014/main" id="{2A771907-9820-4A00-92AD-4C7554594CFE}"/>
+                <a16:creationId xmlns:a16="http://schemas.microsoft.com/office/drawing/2014/main" id="{2816B1BC-86C2-4A63-8D86-9266FED37BA5}"/>
               </a:ext>
             </a:extLst>
           </p:cNvPr>
@@ -7047,129 +7566,51 @@
             <a:spLocks noGrp="1"/>
           </p:cNvSpPr>
           <p:nvPr>
-            <p:ph sz="quarter" idx="4"/>
-          </p:nvPr>
-        </p:nvSpPr>
-        <p:spPr>
-          <a:xfrm>
-            <a:off x="789532" y="2514600"/>
-            <a:ext cx="9153458" cy="3741738"/>
-          </a:xfrm>
-        </p:spPr>
+            <p:ph sz="half" idx="2"/>
+          </p:nvPr>
+        </p:nvSpPr>
+        <p:spPr/>
         <p:txBody>
           <a:bodyPr>
-            <a:normAutofit fontScale="85000" lnSpcReduction="20000"/>
+            <a:normAutofit/>
           </a:bodyPr>
           <a:lstStyle/>
           <a:p>
             <a:r>
               <a:rPr lang="en-US" dirty="0"/>
-              <a:t>Phase 1: Untestable</a:t>
-            </a:r>
-          </a:p>
-          <a:p>
-            <a:pPr lvl="1"/>
-            <a:r>
-              <a:rPr lang="en-US" dirty="0"/>
-              <a:t>IO Dependencies will be called directly from feature (tightly coupled)</a:t>
-            </a:r>
-          </a:p>
-          <a:p>
-            <a:pPr lvl="1"/>
-            <a:r>
-              <a:rPr lang="en-US" dirty="0"/>
-              <a:t>A.k.a. “</a:t>
+              <a:t>To demonstrate </a:t>
             </a:r>
             <a:r>
               <a:rPr lang="en-US" i="1" dirty="0"/>
-              <a:t>Git ‘</a:t>
-            </a:r>
-            <a:r>
-              <a:rPr lang="en-US" i="1" dirty="0" err="1"/>
-              <a:t>er</a:t>
-            </a:r>
-            <a:r>
-              <a:rPr lang="en-US" i="1" dirty="0"/>
-              <a:t> done</a:t>
-            </a:r>
-            <a:r>
-              <a:rPr lang="en-US" dirty="0"/>
-              <a:t>”</a:t>
-            </a:r>
-          </a:p>
-          <a:p>
-            <a:pPr lvl="1"/>
-            <a:endParaRPr lang="en-US" dirty="0"/>
-          </a:p>
-          <a:p>
-            <a:r>
-              <a:rPr lang="en-US" dirty="0"/>
-              <a:t>Phase 2: Partially testable</a:t>
-            </a:r>
-          </a:p>
-          <a:p>
-            <a:pPr lvl="1"/>
-            <a:r>
-              <a:rPr lang="en-US" dirty="0"/>
-              <a:t>Only the core business logic will be extracted and tested</a:t>
-            </a:r>
-          </a:p>
-          <a:p>
-            <a:pPr lvl="1"/>
-            <a:r>
-              <a:rPr lang="en-US" dirty="0"/>
-              <a:t>A.k.a. “</a:t>
-            </a:r>
-            <a:r>
-              <a:rPr lang="en-US" i="1" dirty="0"/>
-              <a:t>Best bag for the buck</a:t>
-            </a:r>
-            <a:r>
-              <a:rPr lang="en-US" dirty="0"/>
-              <a:t>”</a:t>
-            </a:r>
-          </a:p>
-          <a:p>
-            <a:pPr lvl="1"/>
-            <a:endParaRPr lang="en-US" dirty="0"/>
-          </a:p>
-          <a:p>
-            <a:r>
-              <a:rPr lang="en-US" dirty="0"/>
-              <a:t>Phase 3: Fully testable </a:t>
-            </a:r>
-          </a:p>
-          <a:p>
-            <a:pPr lvl="1"/>
-            <a:r>
-              <a:rPr lang="en-US" dirty="0"/>
-              <a:t>IO Dependencies will be injected</a:t>
-            </a:r>
-          </a:p>
-          <a:p>
-            <a:pPr lvl="1"/>
-            <a:r>
-              <a:rPr lang="en-US" dirty="0"/>
-              <a:t>Should be as testable as the C# implementation</a:t>
-            </a:r>
-          </a:p>
-          <a:p>
-            <a:pPr lvl="1"/>
-            <a:r>
-              <a:rPr lang="en-US" dirty="0"/>
-              <a:t>A.k.a. “</a:t>
-            </a:r>
-            <a:r>
-              <a:rPr lang="en-US" i="1" dirty="0"/>
-              <a:t>Overkill</a:t>
-            </a:r>
-            <a:r>
-              <a:rPr lang="en-US" dirty="0"/>
-              <a:t>” ;)</a:t>
-            </a:r>
-          </a:p>
-          <a:p>
-            <a:pPr lvl="1"/>
+              <a:t>how</a:t>
+            </a:r>
+            <a:r>
+              <a:rPr lang="en-US" dirty="0"/>
+              <a:t> to design the same feature in F#</a:t>
+            </a:r>
+          </a:p>
+          <a:p>
+            <a:r>
+              <a:rPr lang="en-US" dirty="0"/>
+              <a:t>To show a repeatable “recipe” for refactoring an F# feature to be more testable</a:t>
+            </a:r>
+          </a:p>
+          <a:p>
+            <a:r>
+              <a:rPr lang="en-US" dirty="0"/>
+              <a:t>To demonstrate how to architect in F# using functions vs. OOP class based design</a:t>
+            </a:r>
+          </a:p>
+          <a:p>
+            <a:r>
+              <a:rPr lang="en-US" dirty="0"/>
+              <a:t>To show how easy and flexible it is to develop a general purpose app “line-of-business” feature in F#</a:t>
+            </a:r>
+          </a:p>
+          <a:p>
+            <a:pPr marL="0" indent="0">
+              <a:buNone/>
+            </a:pPr>
             <a:endParaRPr lang="en-US" dirty="0"/>
           </a:p>
         </p:txBody>
@@ -7177,7 +7618,7 @@
     </p:spTree>
     <p:extLst>
       <p:ext uri="{BB962C8B-B14F-4D97-AF65-F5344CB8AC3E}">
-        <p14:creationId xmlns:p14="http://schemas.microsoft.com/office/powerpoint/2010/main" val="3023520005"/>
+        <p14:creationId xmlns:p14="http://schemas.microsoft.com/office/powerpoint/2010/main" val="796003201"/>
       </p:ext>
     </p:extLst>
   </p:cSld>
@@ -7209,6 +7650,237 @@
           <p:cNvPr id="2" name="Title 1">
             <a:extLst>
               <a:ext uri="{FF2B5EF4-FFF2-40B4-BE49-F238E27FC236}">
+                <a16:creationId xmlns:a16="http://schemas.microsoft.com/office/drawing/2014/main" id="{40F38B0C-C735-4602-975D-E475130AC818}"/>
+              </a:ext>
+            </a:extLst>
+          </p:cNvPr>
+          <p:cNvSpPr>
+            <a:spLocks noGrp="1"/>
+          </p:cNvSpPr>
+          <p:nvPr>
+            <p:ph type="title"/>
+          </p:nvPr>
+        </p:nvSpPr>
+        <p:spPr/>
+        <p:txBody>
+          <a:bodyPr/>
+          <a:lstStyle/>
+          <a:p>
+            <a:r>
+              <a:rPr lang="en-US" dirty="0"/>
+              <a:t>F# - Progressively Testable Design</a:t>
+            </a:r>
+          </a:p>
+        </p:txBody>
+      </p:sp>
+      <p:sp>
+        <p:nvSpPr>
+          <p:cNvPr id="7" name="Text Placeholder 4">
+            <a:extLst>
+              <a:ext uri="{FF2B5EF4-FFF2-40B4-BE49-F238E27FC236}">
+                <a16:creationId xmlns:a16="http://schemas.microsoft.com/office/drawing/2014/main" id="{57EE15B5-ACB8-4535-BD56-48A7E992624B}"/>
+              </a:ext>
+            </a:extLst>
+          </p:cNvPr>
+          <p:cNvSpPr>
+            <a:spLocks noGrp="1"/>
+          </p:cNvSpPr>
+          <p:nvPr>
+            <p:ph type="body" sz="quarter" idx="3"/>
+          </p:nvPr>
+        </p:nvSpPr>
+        <p:spPr>
+          <a:xfrm>
+            <a:off x="789532" y="1905000"/>
+            <a:ext cx="4396339" cy="576262"/>
+          </a:xfrm>
+        </p:spPr>
+        <p:txBody>
+          <a:bodyPr/>
+          <a:lstStyle/>
+          <a:p>
+            <a:r>
+              <a:rPr lang="en-US" dirty="0"/>
+              <a:t>Phases</a:t>
+            </a:r>
+          </a:p>
+        </p:txBody>
+      </p:sp>
+      <p:sp>
+        <p:nvSpPr>
+          <p:cNvPr id="8" name="Content Placeholder 5">
+            <a:extLst>
+              <a:ext uri="{FF2B5EF4-FFF2-40B4-BE49-F238E27FC236}">
+                <a16:creationId xmlns:a16="http://schemas.microsoft.com/office/drawing/2014/main" id="{2A771907-9820-4A00-92AD-4C7554594CFE}"/>
+              </a:ext>
+            </a:extLst>
+          </p:cNvPr>
+          <p:cNvSpPr>
+            <a:spLocks noGrp="1"/>
+          </p:cNvSpPr>
+          <p:nvPr>
+            <p:ph sz="quarter" idx="4"/>
+          </p:nvPr>
+        </p:nvSpPr>
+        <p:spPr>
+          <a:xfrm>
+            <a:off x="789532" y="2514600"/>
+            <a:ext cx="9153458" cy="3741738"/>
+          </a:xfrm>
+        </p:spPr>
+        <p:txBody>
+          <a:bodyPr vert="horz" lIns="91440" tIns="45720" rIns="91440" bIns="45720" rtlCol="0" anchor="t">
+            <a:normAutofit fontScale="85000" lnSpcReduction="20000"/>
+          </a:bodyPr>
+          <a:lstStyle/>
+          <a:p>
+            <a:r>
+              <a:rPr lang="en-US" dirty="0"/>
+              <a:t>Phase 1: Untestable</a:t>
+            </a:r>
+          </a:p>
+          <a:p>
+            <a:pPr lvl="1"/>
+            <a:r>
+              <a:rPr lang="en-US" dirty="0"/>
+              <a:t>IO Dependencies will be called directly from feature (tightly coupled)</a:t>
+            </a:r>
+          </a:p>
+          <a:p>
+            <a:pPr lvl="1"/>
+            <a:r>
+              <a:rPr lang="en-US" dirty="0"/>
+              <a:t>A.k.a. “</a:t>
+            </a:r>
+            <a:r>
+              <a:rPr lang="en-US" i="1" dirty="0"/>
+              <a:t>Git ‘</a:t>
+            </a:r>
+            <a:r>
+              <a:rPr lang="en-US" i="1" err="1"/>
+              <a:t>er</a:t>
+            </a:r>
+            <a:r>
+              <a:rPr lang="en-US" i="1" dirty="0"/>
+              <a:t> done</a:t>
+            </a:r>
+            <a:r>
+              <a:rPr lang="en-US" dirty="0"/>
+              <a:t>”</a:t>
+            </a:r>
+          </a:p>
+          <a:p>
+            <a:pPr lvl="1"/>
+            <a:endParaRPr lang="en-US" dirty="0"/>
+          </a:p>
+          <a:p>
+            <a:r>
+              <a:rPr lang="en-US" dirty="0"/>
+              <a:t>Phase 2: Partially testable</a:t>
+            </a:r>
+          </a:p>
+          <a:p>
+            <a:pPr lvl="1"/>
+            <a:r>
+              <a:rPr lang="en-US" dirty="0"/>
+              <a:t>Only the core business logic will be extracted and tested</a:t>
+            </a:r>
+          </a:p>
+          <a:p>
+            <a:pPr lvl="1"/>
+            <a:r>
+              <a:rPr lang="en-US" dirty="0"/>
+              <a:t>A.k.a. “</a:t>
+            </a:r>
+            <a:r>
+              <a:rPr lang="en-US" i="1"/>
+              <a:t>Best bang for the buck</a:t>
+            </a:r>
+            <a:r>
+              <a:rPr lang="en-US" dirty="0"/>
+              <a:t>”</a:t>
+            </a:r>
+          </a:p>
+          <a:p>
+            <a:pPr lvl="1"/>
+            <a:endParaRPr lang="en-US" dirty="0"/>
+          </a:p>
+          <a:p>
+            <a:r>
+              <a:rPr lang="en-US" dirty="0"/>
+              <a:t>Phase 3: Fully testable </a:t>
+            </a:r>
+          </a:p>
+          <a:p>
+            <a:pPr lvl="1"/>
+            <a:r>
+              <a:rPr lang="en-US" dirty="0"/>
+              <a:t>IO Dependencies will be injected</a:t>
+            </a:r>
+          </a:p>
+          <a:p>
+            <a:pPr lvl="1"/>
+            <a:r>
+              <a:rPr lang="en-US" dirty="0"/>
+              <a:t>Should be as testable as the C# implementation</a:t>
+            </a:r>
+          </a:p>
+          <a:p>
+            <a:pPr lvl="1"/>
+            <a:r>
+              <a:rPr lang="en-US" dirty="0"/>
+              <a:t>A.k.a. “</a:t>
+            </a:r>
+            <a:r>
+              <a:rPr lang="en-US" i="1" dirty="0"/>
+              <a:t>Overkill</a:t>
+            </a:r>
+            <a:r>
+              <a:rPr lang="en-US" dirty="0"/>
+              <a:t>” ;)</a:t>
+            </a:r>
+          </a:p>
+          <a:p>
+            <a:pPr lvl="1"/>
+            <a:endParaRPr lang="en-US" dirty="0"/>
+          </a:p>
+        </p:txBody>
+      </p:sp>
+    </p:spTree>
+    <p:extLst>
+      <p:ext uri="{BB962C8B-B14F-4D97-AF65-F5344CB8AC3E}">
+        <p14:creationId xmlns:p14="http://schemas.microsoft.com/office/powerpoint/2010/main" val="3023520005"/>
+      </p:ext>
+    </p:extLst>
+  </p:cSld>
+  <p:clrMapOvr>
+    <a:masterClrMapping/>
+  </p:clrMapOvr>
+</p:sld>
+</file>
+
+<file path=ppt/slides/slide14.xml><?xml version="1.0" encoding="utf-8"?>
+<p:sld xmlns:a="http://schemas.openxmlformats.org/drawingml/2006/main" xmlns:r="http://schemas.openxmlformats.org/officeDocument/2006/relationships" xmlns:p="http://schemas.openxmlformats.org/presentationml/2006/main">
+  <p:cSld>
+    <p:spTree>
+      <p:nvGrpSpPr>
+        <p:cNvPr id="1" name=""/>
+        <p:cNvGrpSpPr/>
+        <p:nvPr/>
+      </p:nvGrpSpPr>
+      <p:grpSpPr>
+        <a:xfrm>
+          <a:off x="0" y="0"/>
+          <a:ext cx="0" cy="0"/>
+          <a:chOff x="0" y="0"/>
+          <a:chExt cx="0" cy="0"/>
+        </a:xfrm>
+      </p:grpSpPr>
+      <p:sp>
+        <p:nvSpPr>
+          <p:cNvPr id="2" name="Title 1">
+            <a:extLst>
+              <a:ext uri="{FF2B5EF4-FFF2-40B4-BE49-F238E27FC236}">
                 <a16:creationId xmlns:a16="http://schemas.microsoft.com/office/drawing/2014/main" id="{1BAED11C-88F2-4BFD-B57B-1A002C065474}"/>
               </a:ext>
             </a:extLst>
@@ -7279,23 +7951,46 @@
         <p:spPr>
           <a:xfrm>
             <a:off x="1103312" y="2514599"/>
-            <a:ext cx="9052742" cy="3741739"/>
-          </a:xfrm>
-        </p:spPr>
-        <p:txBody>
-          <a:bodyPr>
+            <a:ext cx="9368693" cy="3741739"/>
+          </a:xfrm>
+        </p:spPr>
+        <p:txBody>
+          <a:bodyPr vert="horz" lIns="91440" tIns="45720" rIns="91440" bIns="45720" rtlCol="0" anchor="t">
             <a:normAutofit/>
           </a:bodyPr>
           <a:lstStyle/>
           <a:p>
             <a:r>
               <a:rPr lang="en-US" b="1" dirty="0"/>
-              <a:t>IO Function</a:t>
-            </a:r>
-            <a:r>
-              <a:rPr lang="en-US" dirty="0"/>
-              <a:t> – A functions that represent external dependencies</a:t>
-            </a:r>
+              <a:t>Feature </a:t>
+            </a:r>
+            <a:r>
+              <a:rPr lang="en-US" dirty="0"/>
+              <a:t>Function </a:t>
+            </a:r>
+            <a:r>
+              <a:rPr lang="en-US" dirty="0">
+                <a:ea typeface="+mj-lt"/>
+                <a:cs typeface="+mj-lt"/>
+              </a:rPr>
+              <a:t>–</a:t>
+            </a:r>
+            <a:r>
+              <a:rPr lang="en-US" dirty="0"/>
+              <a:t> A "transaction script" function that implements the feature.</a:t>
+            </a:r>
+            <a:endParaRPr lang="en-US" b="1" dirty="0"/>
+          </a:p>
+          <a:p>
+            <a:r>
+              <a:rPr lang="en-US" b="1" dirty="0"/>
+              <a:t>IO </a:t>
+            </a:r>
+            <a:r>
+              <a:rPr lang="en-US" dirty="0"/>
+              <a:t>Function – A functions that represent external dependencies</a:t>
+            </a:r>
+            <a:endParaRPr lang="en-US"/>
           </a:p>
           <a:p>
             <a:pPr lvl="1"/>
@@ -7307,11 +8002,11 @@
           <a:p>
             <a:r>
               <a:rPr lang="en-US" b="1" dirty="0"/>
-              <a:t>Pure Function</a:t>
-            </a:r>
-            <a:r>
-              <a:rPr lang="en-US" dirty="0"/>
-              <a:t> – A pure logic function that doesn’t make any IO calls</a:t>
+              <a:t>Pure </a:t>
+            </a:r>
+            <a:r>
+              <a:rPr lang="en-US" dirty="0"/>
+              <a:t>Function – A pure logic function that doesn’t make any IO calls</a:t>
             </a:r>
           </a:p>
           <a:p>
@@ -7354,7 +8049,7 @@
 </p:sld>
 </file>
 
-<file path=ppt/slides/slide14.xml><?xml version="1.0" encoding="utf-8"?>
+<file path=ppt/slides/slide15.xml><?xml version="1.0" encoding="utf-8"?>
 <p:sld xmlns:a="http://schemas.openxmlformats.org/drawingml/2006/main" xmlns:r="http://schemas.openxmlformats.org/officeDocument/2006/relationships" xmlns:p="http://schemas.openxmlformats.org/presentationml/2006/main">
   <p:cSld>
     <p:spTree>
@@ -7698,7 +8393,7 @@
           </a:prstGeom>
         </p:spPr>
         <p:txBody>
-          <a:bodyPr vert="horz" lIns="91440" tIns="45720" rIns="91440" bIns="45720" rtlCol="0">
+          <a:bodyPr vert="horz" lIns="91440" tIns="45720" rIns="91440" bIns="45720" rtlCol="0" anchor="t">
             <a:normAutofit/>
           </a:bodyPr>
           <a:lstStyle>
@@ -7930,8 +8625,12 @@
           </a:lstStyle>
           <a:p>
             <a:r>
-              <a:rPr lang="en-US" dirty="0"/>
-              <a:t>“IO -&gt; pure -&gt; IO”</a:t>
+              <a:rPr lang="en-US"/>
+              <a:t>Feature = “IO -&gt; pure -&gt; IO</a:t>
+            </a:r>
+            <a:r>
+              <a:rPr lang="en-US" dirty="0"/>
+              <a:t>”</a:t>
             </a:r>
           </a:p>
           <a:p>
@@ -7951,7 +8650,7 @@
           <a:p>
             <a:r>
               <a:rPr lang="en-US" dirty="0"/>
-              <a:t>You should always start by identifying which operations in your feature are “IO” and which can be “pure” (calculations / transformations on data).  </a:t>
+              <a:t>You should always start by identifying which operations in your feature are “IO” and which can be “pure” (calculations / transformations on data).  </a:t>
             </a:r>
           </a:p>
           <a:p>
@@ -7972,7 +8671,7 @@
               <a:t>Step 3) Do any final IO (saving to database, file system, messaging, </a:t>
             </a:r>
             <a:r>
-              <a:rPr lang="en-US" dirty="0" err="1"/>
+              <a:rPr lang="en-US" err="1"/>
               <a:t>etc</a:t>
             </a:r>
             <a:r>
@@ -7989,191 +8688,6 @@
     <p:extLst>
       <p:ext uri="{BB962C8B-B14F-4D97-AF65-F5344CB8AC3E}">
         <p14:creationId xmlns:p14="http://schemas.microsoft.com/office/powerpoint/2010/main" val="4058444120"/>
-      </p:ext>
-    </p:extLst>
-  </p:cSld>
-  <p:clrMapOvr>
-    <a:masterClrMapping/>
-  </p:clrMapOvr>
-</p:sld>
-</file>
-
-<file path=ppt/slides/slide15.xml><?xml version="1.0" encoding="utf-8"?>
-<p:sld xmlns:a="http://schemas.openxmlformats.org/drawingml/2006/main" xmlns:r="http://schemas.openxmlformats.org/officeDocument/2006/relationships" xmlns:p="http://schemas.openxmlformats.org/presentationml/2006/main">
-  <p:cSld>
-    <p:spTree>
-      <p:nvGrpSpPr>
-        <p:cNvPr id="1" name=""/>
-        <p:cNvGrpSpPr/>
-        <p:nvPr/>
-      </p:nvGrpSpPr>
-      <p:grpSpPr>
-        <a:xfrm>
-          <a:off x="0" y="0"/>
-          <a:ext cx="0" cy="0"/>
-          <a:chOff x="0" y="0"/>
-          <a:chExt cx="0" cy="0"/>
-        </a:xfrm>
-      </p:grpSpPr>
-      <p:sp>
-        <p:nvSpPr>
-          <p:cNvPr id="2" name="Title 1">
-            <a:extLst>
-              <a:ext uri="{FF2B5EF4-FFF2-40B4-BE49-F238E27FC236}">
-                <a16:creationId xmlns:a16="http://schemas.microsoft.com/office/drawing/2014/main" id="{78148AB8-A5FF-4E7D-9FD1-78D6A09EB912}"/>
-              </a:ext>
-            </a:extLst>
-          </p:cNvPr>
-          <p:cNvSpPr>
-            <a:spLocks noGrp="1"/>
-          </p:cNvSpPr>
-          <p:nvPr>
-            <p:ph type="title"/>
-          </p:nvPr>
-        </p:nvSpPr>
-        <p:spPr/>
-        <p:txBody>
-          <a:bodyPr/>
-          <a:lstStyle/>
-          <a:p>
-            <a:r>
-              <a:rPr lang="en-US" dirty="0"/>
-              <a:t>F# - </a:t>
-            </a:r>
-            <a:r>
-              <a:rPr lang="en-US" dirty="0" err="1"/>
-              <a:t>Program.fs</a:t>
-            </a:r>
-            <a:endParaRPr lang="en-US" dirty="0"/>
-          </a:p>
-        </p:txBody>
-      </p:sp>
-      <p:sp>
-        <p:nvSpPr>
-          <p:cNvPr id="3" name="Text Placeholder 2">
-            <a:extLst>
-              <a:ext uri="{FF2B5EF4-FFF2-40B4-BE49-F238E27FC236}">
-                <a16:creationId xmlns:a16="http://schemas.microsoft.com/office/drawing/2014/main" id="{6B7E8E70-CEC3-4BCB-A92B-006BC7EF1BAD}"/>
-              </a:ext>
-            </a:extLst>
-          </p:cNvPr>
-          <p:cNvSpPr>
-            <a:spLocks noGrp="1"/>
-          </p:cNvSpPr>
-          <p:nvPr>
-            <p:ph type="body" idx="1"/>
-          </p:nvPr>
-        </p:nvSpPr>
-        <p:spPr>
-          <a:xfrm>
-            <a:off x="659432" y="1905000"/>
-            <a:ext cx="4396338" cy="576262"/>
-          </a:xfrm>
-        </p:spPr>
-        <p:txBody>
-          <a:bodyPr/>
-          <a:lstStyle/>
-          <a:p>
-            <a:r>
-              <a:rPr lang="en-US" dirty="0"/>
-              <a:t>Notes</a:t>
-            </a:r>
-          </a:p>
-        </p:txBody>
-      </p:sp>
-      <p:sp>
-        <p:nvSpPr>
-          <p:cNvPr id="4" name="Content Placeholder 3">
-            <a:extLst>
-              <a:ext uri="{FF2B5EF4-FFF2-40B4-BE49-F238E27FC236}">
-                <a16:creationId xmlns:a16="http://schemas.microsoft.com/office/drawing/2014/main" id="{984FCED4-87A7-4684-B126-6B072E21BE29}"/>
-              </a:ext>
-            </a:extLst>
-          </p:cNvPr>
-          <p:cNvSpPr>
-            <a:spLocks noGrp="1"/>
-          </p:cNvSpPr>
-          <p:nvPr>
-            <p:ph sz="half" idx="2"/>
-          </p:nvPr>
-        </p:nvSpPr>
-        <p:spPr>
-          <a:xfrm>
-            <a:off x="646112" y="2514600"/>
-            <a:ext cx="5088864" cy="3741738"/>
-          </a:xfrm>
-        </p:spPr>
-        <p:txBody>
-          <a:bodyPr/>
-          <a:lstStyle/>
-          <a:p>
-            <a:r>
-              <a:rPr lang="en-US" dirty="0"/>
-              <a:t>Pattern match to destructure </a:t>
-            </a:r>
-            <a:r>
-              <a:rPr lang="en-US" dirty="0" err="1"/>
-              <a:t>args</a:t>
-            </a:r>
-            <a:r>
-              <a:rPr lang="en-US" dirty="0"/>
-              <a:t> array</a:t>
-            </a:r>
-          </a:p>
-          <a:p>
-            <a:r>
-              <a:rPr lang="en-US" dirty="0"/>
-              <a:t>Async.RunSynchronously is like C# Task “.Wait()”</a:t>
-            </a:r>
-          </a:p>
-          <a:p>
-            <a:r>
-              <a:rPr lang="en-US" dirty="0"/>
-              <a:t>F# has it’s own built-in async library that can be used with C# TPL Tasks.</a:t>
-            </a:r>
-          </a:p>
-          <a:p>
-            <a:endParaRPr lang="en-US" dirty="0"/>
-          </a:p>
-          <a:p>
-            <a:endParaRPr lang="en-US" dirty="0"/>
-          </a:p>
-        </p:txBody>
-      </p:sp>
-      <p:pic>
-        <p:nvPicPr>
-          <p:cNvPr id="7" name="Picture 6">
-            <a:extLst>
-              <a:ext uri="{FF2B5EF4-FFF2-40B4-BE49-F238E27FC236}">
-                <a16:creationId xmlns:a16="http://schemas.microsoft.com/office/drawing/2014/main" id="{A508E786-82BE-463B-9596-956F494C8399}"/>
-              </a:ext>
-            </a:extLst>
-          </p:cNvPr>
-          <p:cNvPicPr>
-            <a:picLocks noChangeAspect="1"/>
-          </p:cNvPicPr>
-          <p:nvPr/>
-        </p:nvPicPr>
-        <p:blipFill>
-          <a:blip r:embed="rId2"/>
-          <a:stretch>
-            <a:fillRect/>
-          </a:stretch>
-        </p:blipFill>
-        <p:spPr>
-          <a:xfrm>
-            <a:off x="5982575" y="2887538"/>
-            <a:ext cx="5106113" cy="1562318"/>
-          </a:xfrm>
-          <a:prstGeom prst="rect">
-            <a:avLst/>
-          </a:prstGeom>
-        </p:spPr>
-      </p:pic>
-    </p:spTree>
-    <p:extLst>
-      <p:ext uri="{BB962C8B-B14F-4D97-AF65-F5344CB8AC3E}">
-        <p14:creationId xmlns:p14="http://schemas.microsoft.com/office/powerpoint/2010/main" val="3258348731"/>
       </p:ext>
     </p:extLst>
   </p:cSld>
@@ -8205,7 +8719,7 @@
           <p:cNvPr id="2" name="Title 1">
             <a:extLst>
               <a:ext uri="{FF2B5EF4-FFF2-40B4-BE49-F238E27FC236}">
-                <a16:creationId xmlns:a16="http://schemas.microsoft.com/office/drawing/2014/main" id="{3EA012E0-A7C2-4ECD-AB8A-4B8446C2C6FC}"/>
+                <a16:creationId xmlns:a16="http://schemas.microsoft.com/office/drawing/2014/main" id="{7EA0DFB0-B2CE-4F77-8EA4-8B016034E479}"/>
               </a:ext>
             </a:extLst>
           </p:cNvPr>
@@ -8216,25 +8730,15 @@
             <p:ph type="title"/>
           </p:nvPr>
         </p:nvSpPr>
-        <p:spPr>
-          <a:xfrm>
-            <a:off x="646111" y="452718"/>
-            <a:ext cx="9811784" cy="1400530"/>
-          </a:xfrm>
-        </p:spPr>
+        <p:spPr/>
         <p:txBody>
           <a:bodyPr/>
           <a:lstStyle/>
           <a:p>
             <a:r>
-              <a:rPr lang="en-US" dirty="0"/>
-              <a:t>F# - Phase 1: </a:t>
-            </a:r>
-            <a:r>
-              <a:rPr lang="en-US" dirty="0" err="1"/>
-              <a:t>StockThresholdNotifier.fs</a:t>
-            </a:r>
-            <a:endParaRPr lang="en-US" dirty="0"/>
+              <a:rPr lang="en-US"/>
+              <a:t>F# Implementation</a:t>
+            </a:r>
           </a:p>
         </p:txBody>
       </p:sp>
@@ -8243,7 +8747,7 @@
           <p:cNvPr id="3" name="Text Placeholder 2">
             <a:extLst>
               <a:ext uri="{FF2B5EF4-FFF2-40B4-BE49-F238E27FC236}">
-                <a16:creationId xmlns:a16="http://schemas.microsoft.com/office/drawing/2014/main" id="{04836016-E88A-4DD9-89AA-136E8A94AD71}"/>
+                <a16:creationId xmlns:a16="http://schemas.microsoft.com/office/drawing/2014/main" id="{05E91F4C-05BF-4D93-A057-AF0D517D7137}"/>
               </a:ext>
             </a:extLst>
           </p:cNvPr>
@@ -8254,19 +8758,14 @@
             <p:ph type="body" idx="1"/>
           </p:nvPr>
         </p:nvSpPr>
-        <p:spPr>
-          <a:xfrm>
-            <a:off x="646111" y="2102609"/>
-            <a:ext cx="4396338" cy="576262"/>
-          </a:xfrm>
-        </p:spPr>
+        <p:spPr/>
         <p:txBody>
           <a:bodyPr/>
           <a:lstStyle/>
           <a:p>
             <a:r>
-              <a:rPr lang="en-US" dirty="0"/>
-              <a:t>Notes</a:t>
+              <a:rPr lang="en-US"/>
+              <a:t>Solution Layout</a:t>
             </a:r>
           </a:p>
         </p:txBody>
@@ -8276,7 +8775,7 @@
           <p:cNvPr id="4" name="Content Placeholder 3">
             <a:extLst>
               <a:ext uri="{FF2B5EF4-FFF2-40B4-BE49-F238E27FC236}">
-                <a16:creationId xmlns:a16="http://schemas.microsoft.com/office/drawing/2014/main" id="{C50B51DF-A73A-47FE-80E3-EBEA6B09E557}"/>
+                <a16:creationId xmlns:a16="http://schemas.microsoft.com/office/drawing/2014/main" id="{5E7F1E5A-588F-44F7-93EB-CDDFE1716066}"/>
               </a:ext>
             </a:extLst>
           </p:cNvPr>
@@ -8289,89 +8788,70 @@
         </p:nvSpPr>
         <p:spPr>
           <a:xfrm>
-            <a:off x="646111" y="2746546"/>
-            <a:ext cx="4112319" cy="3157104"/>
-          </a:xfrm>
-        </p:spPr>
-        <p:txBody>
-          <a:bodyPr>
-            <a:normAutofit fontScale="85000" lnSpcReduction="20000"/>
+            <a:off x="1103312" y="2514600"/>
+            <a:ext cx="5893444" cy="3741738"/>
+          </a:xfrm>
+        </p:spPr>
+        <p:txBody>
+          <a:bodyPr vert="horz" lIns="91440" tIns="45720" rIns="91440" bIns="45720" rtlCol="0" anchor="t">
+            <a:normAutofit/>
           </a:bodyPr>
           <a:lstStyle/>
           <a:p>
             <a:r>
-              <a:rPr lang="en-US" dirty="0"/>
-              <a:t>“</a:t>
-            </a:r>
-            <a:r>
-              <a:rPr lang="en-US" dirty="0" err="1"/>
-              <a:t>checkStock</a:t>
-            </a:r>
-            <a:r>
-              <a:rPr lang="en-US" dirty="0"/>
-              <a:t>” models the feature as a function.</a:t>
-            </a:r>
-          </a:p>
-          <a:p>
-            <a:r>
-              <a:rPr lang="en-US" dirty="0"/>
-              <a:t>Not unit testable</a:t>
-            </a:r>
+              <a:rPr lang="en-US"/>
+              <a:t>IO dependencies will go in the "IO" folder</a:t>
+            </a:r>
+          </a:p>
+          <a:p>
+            <a:r>
+              <a:rPr lang="en-US"/>
+              <a:t>The "StockThresholdNotifier" module will contain the </a:t>
+            </a:r>
+            <a:r>
+              <a:rPr lang="en-US" b="1"/>
+              <a:t>Feature</a:t>
+            </a:r>
+            <a:r>
+              <a:rPr lang="en-US"/>
+              <a:t> function itself (a transaction script)</a:t>
+            </a:r>
+          </a:p>
+          <a:p>
+            <a:r>
+              <a:rPr lang="en-US"/>
+              <a:t>The entities are all declared within their respective modules</a:t>
+            </a:r>
+            <a:endParaRPr lang="en-US" dirty="0"/>
           </a:p>
           <a:p>
             <a:pPr lvl="1"/>
             <a:r>
-              <a:rPr lang="en-US" dirty="0"/>
-              <a:t>Sometimes that’s okay!</a:t>
-            </a:r>
-          </a:p>
-          <a:p>
-            <a:r>
-              <a:rPr lang="en-US" dirty="0"/>
-              <a:t>Tightly coupled IO dependencies</a:t>
-            </a:r>
-          </a:p>
-          <a:p>
-            <a:r>
-              <a:rPr lang="en-US" dirty="0"/>
-              <a:t>async block (C.E.)</a:t>
-            </a:r>
-          </a:p>
-          <a:p>
-            <a:pPr lvl="1"/>
-            <a:r>
-              <a:rPr lang="en-US" dirty="0"/>
-              <a:t>let! (“let bang”) is like C# “await”</a:t>
-            </a:r>
-          </a:p>
-          <a:p>
-            <a:r>
-              <a:rPr lang="en-US" dirty="0"/>
-              <a:t>Note: Code is factored into </a:t>
-            </a:r>
-            <a:br>
-              <a:rPr lang="en-US" dirty="0"/>
-            </a:br>
-            <a:r>
-              <a:rPr lang="en-US" dirty="0"/>
-              <a:t>“IO -&gt; pure -&gt; IO”</a:t>
-            </a:r>
-          </a:p>
-          <a:p>
-            <a:pPr lvl="1"/>
-            <a:r>
-              <a:rPr lang="en-US" dirty="0"/>
-              <a:t>This will make it easier to “refactor to testability”</a:t>
-            </a:r>
+              <a:rPr lang="en-US"/>
+              <a:t>Alternatively, you could also declare them all together in one file at the top, i.e. "Entities.fs".</a:t>
+            </a:r>
+          </a:p>
+          <a:p>
+            <a:r>
+              <a:rPr lang="en-US"/>
+              <a:t>Program.fs contains the "main" launch function.</a:t>
+            </a:r>
+          </a:p>
+          <a:p>
+            <a:r>
+              <a:rPr lang="en-US"/>
+              <a:t>F# files are order dependent, so Program.fs is always last, despite the fact that "P" comes before "S".</a:t>
+            </a:r>
+            <a:endParaRPr lang="en-US" dirty="0"/>
           </a:p>
         </p:txBody>
       </p:sp>
       <p:pic>
         <p:nvPicPr>
-          <p:cNvPr id="10" name="Picture 9">
+          <p:cNvPr id="8" name="Picture 7" descr="A screenshot of a cell phone&#10;&#10;Description generated with very high confidence">
             <a:extLst>
               <a:ext uri="{FF2B5EF4-FFF2-40B4-BE49-F238E27FC236}">
-                <a16:creationId xmlns:a16="http://schemas.microsoft.com/office/drawing/2014/main" id="{4EA4C0C4-ED6D-44DB-A9C3-A372D6A0C96B}"/>
+                <a16:creationId xmlns:a16="http://schemas.microsoft.com/office/drawing/2014/main" id="{4E313DB1-C7DF-423C-AE54-96E5DBB38BD8}"/>
               </a:ext>
             </a:extLst>
           </p:cNvPr>
@@ -8388,8 +8868,8 @@
         </p:blipFill>
         <p:spPr>
           <a:xfrm>
-            <a:off x="4956089" y="1853248"/>
-            <a:ext cx="6754168" cy="4191585"/>
+            <a:off x="7784007" y="2524050"/>
+            <a:ext cx="2076450" cy="1552575"/>
           </a:xfrm>
           <a:prstGeom prst="rect">
             <a:avLst/>
@@ -8399,7 +8879,7 @@
     </p:spTree>
     <p:extLst>
       <p:ext uri="{BB962C8B-B14F-4D97-AF65-F5344CB8AC3E}">
-        <p14:creationId xmlns:p14="http://schemas.microsoft.com/office/powerpoint/2010/main" val="3991873148"/>
+        <p14:creationId xmlns:p14="http://schemas.microsoft.com/office/powerpoint/2010/main" val="1367584228"/>
       </p:ext>
     </p:extLst>
   </p:cSld>
@@ -8431,7 +8911,7 @@
           <p:cNvPr id="2" name="Title 1">
             <a:extLst>
               <a:ext uri="{FF2B5EF4-FFF2-40B4-BE49-F238E27FC236}">
-                <a16:creationId xmlns:a16="http://schemas.microsoft.com/office/drawing/2014/main" id="{8B56A8F4-1BDB-439A-99F9-DF59F016E36A}"/>
+                <a16:creationId xmlns:a16="http://schemas.microsoft.com/office/drawing/2014/main" id="{78148AB8-A5FF-4E7D-9FD1-78D6A09EB912}"/>
               </a:ext>
             </a:extLst>
           </p:cNvPr>
@@ -8449,11 +8929,11 @@
           <a:p>
             <a:r>
               <a:rPr lang="en-US" dirty="0"/>
-              <a:t>F# - IO: </a:t>
+              <a:t>F# - </a:t>
             </a:r>
             <a:r>
               <a:rPr lang="en-US" dirty="0" err="1"/>
-              <a:t>StockApi.fs</a:t>
+              <a:t>Program.fs</a:t>
             </a:r>
             <a:endParaRPr lang="en-US" dirty="0"/>
           </a:p>
@@ -8464,7 +8944,7 @@
           <p:cNvPr id="3" name="Text Placeholder 2">
             <a:extLst>
               <a:ext uri="{FF2B5EF4-FFF2-40B4-BE49-F238E27FC236}">
-                <a16:creationId xmlns:a16="http://schemas.microsoft.com/office/drawing/2014/main" id="{98E629DB-CF76-4130-98A6-44D09B96F77B}"/>
+                <a16:creationId xmlns:a16="http://schemas.microsoft.com/office/drawing/2014/main" id="{6B7E8E70-CEC3-4BCB-A92B-006BC7EF1BAD}"/>
               </a:ext>
             </a:extLst>
           </p:cNvPr>
@@ -8477,7 +8957,7 @@
         </p:nvSpPr>
         <p:spPr>
           <a:xfrm>
-            <a:off x="437487" y="1922755"/>
+            <a:off x="659432" y="1905000"/>
             <a:ext cx="4396338" cy="576262"/>
           </a:xfrm>
         </p:spPr>
@@ -8497,7 +8977,7 @@
           <p:cNvPr id="4" name="Content Placeholder 3">
             <a:extLst>
               <a:ext uri="{FF2B5EF4-FFF2-40B4-BE49-F238E27FC236}">
-                <a16:creationId xmlns:a16="http://schemas.microsoft.com/office/drawing/2014/main" id="{61D4ECC2-A8BA-47E3-AAED-4CC8A6B04AB6}"/>
+                <a16:creationId xmlns:a16="http://schemas.microsoft.com/office/drawing/2014/main" id="{984FCED4-87A7-4684-B126-6B072E21BE29}"/>
               </a:ext>
             </a:extLst>
           </p:cNvPr>
@@ -8510,8 +8990,8 @@
         </p:nvSpPr>
         <p:spPr>
           <a:xfrm>
-            <a:off x="437487" y="2532355"/>
-            <a:ext cx="4066954" cy="3741738"/>
+            <a:off x="646112" y="2514600"/>
+            <a:ext cx="5088864" cy="3741738"/>
           </a:xfrm>
         </p:spPr>
         <p:txBody>
@@ -8520,78 +9000,33 @@
           <a:p>
             <a:r>
               <a:rPr lang="en-US" dirty="0"/>
-              <a:t>Entities are commonly modeled alongside related functions.</a:t>
-            </a:r>
-          </a:p>
-          <a:p>
-            <a:r>
-              <a:rPr lang="en-US" dirty="0"/>
-              <a:t>Uses </a:t>
+              <a:t>Pattern match to destructure </a:t>
             </a:r>
             <a:r>
               <a:rPr lang="en-US" dirty="0" err="1"/>
-              <a:t>YahooFinanceApi</a:t>
-            </a:r>
+              <a:t>args</a:t>
+            </a:r>
+            <a:r>
+              <a:rPr lang="en-US" dirty="0"/>
+              <a:t> array</a:t>
+            </a:r>
+          </a:p>
+          <a:p>
+            <a:r>
+              <a:rPr lang="en-US" dirty="0"/>
+              <a:t>Async.RunSynchronously is like C# Task “.Wait()”</a:t>
+            </a:r>
+          </a:p>
+          <a:p>
+            <a:r>
+              <a:rPr lang="en-US" dirty="0"/>
+              <a:t>F# has it’s own built-in async library that can be used with C# TPL Tasks.</a:t>
+            </a:r>
+          </a:p>
+          <a:p>
             <a:endParaRPr lang="en-US" dirty="0"/>
           </a:p>
           <a:p>
-            <a:r>
-              <a:rPr lang="en-US" dirty="0"/>
-              <a:t>Returns </a:t>
-            </a:r>
-            <a:r>
-              <a:rPr lang="en-US" b="1" dirty="0"/>
-              <a:t>Some </a:t>
-            </a:r>
-            <a:r>
-              <a:rPr lang="en-US" b="1" dirty="0" err="1"/>
-              <a:t>StockInfo</a:t>
-            </a:r>
-            <a:r>
-              <a:rPr lang="en-US" dirty="0"/>
-              <a:t> or </a:t>
-            </a:r>
-            <a:r>
-              <a:rPr lang="en-US" b="1" dirty="0"/>
-              <a:t>None</a:t>
-            </a:r>
-            <a:endParaRPr lang="en-US" dirty="0"/>
-          </a:p>
-          <a:p>
-            <a:r>
-              <a:rPr lang="en-US" dirty="0"/>
-              <a:t>Uses “async” expression</a:t>
-            </a:r>
-          </a:p>
-          <a:p>
-            <a:pPr lvl="1"/>
-            <a:r>
-              <a:rPr lang="en-US" dirty="0"/>
-              <a:t>Unlike regular functions, Computation Expressions use the “return” keyword.</a:t>
-            </a:r>
-          </a:p>
-          <a:p>
-            <a:pPr lvl="1"/>
-            <a:r>
-              <a:rPr lang="en-US" dirty="0" err="1"/>
-              <a:t>Async.await</a:t>
-            </a:r>
-            <a:r>
-              <a:rPr lang="en-US" dirty="0"/>
-              <a:t> converts TPL Task to F# Async</a:t>
-            </a:r>
-          </a:p>
-          <a:p>
-            <a:pPr lvl="1"/>
-            <a:r>
-              <a:rPr lang="en-US" i="1" dirty="0"/>
-              <a:t>There is also a “task” C.E.</a:t>
-            </a:r>
-          </a:p>
-          <a:p>
-            <a:pPr marL="457200" lvl="1" indent="0">
-              <a:buNone/>
-            </a:pPr>
             <a:endParaRPr lang="en-US" dirty="0"/>
           </a:p>
         </p:txBody>
@@ -8601,7 +9036,7 @@
           <p:cNvPr id="7" name="Picture 6">
             <a:extLst>
               <a:ext uri="{FF2B5EF4-FFF2-40B4-BE49-F238E27FC236}">
-                <a16:creationId xmlns:a16="http://schemas.microsoft.com/office/drawing/2014/main" id="{09D905EE-FC67-4D17-85B7-5177533E1B86}"/>
+                <a16:creationId xmlns:a16="http://schemas.microsoft.com/office/drawing/2014/main" id="{A508E786-82BE-463B-9596-956F494C8399}"/>
               </a:ext>
             </a:extLst>
           </p:cNvPr>
@@ -8618,8 +9053,8 @@
         </p:blipFill>
         <p:spPr>
           <a:xfrm>
-            <a:off x="4504440" y="2176287"/>
-            <a:ext cx="7373379" cy="2505425"/>
+            <a:off x="5982575" y="2887538"/>
+            <a:ext cx="5106113" cy="1562318"/>
           </a:xfrm>
           <a:prstGeom prst="rect">
             <a:avLst/>
@@ -8629,7 +9064,7 @@
     </p:spTree>
     <p:extLst>
       <p:ext uri="{BB962C8B-B14F-4D97-AF65-F5344CB8AC3E}">
-        <p14:creationId xmlns:p14="http://schemas.microsoft.com/office/powerpoint/2010/main" val="163312863"/>
+        <p14:creationId xmlns:p14="http://schemas.microsoft.com/office/powerpoint/2010/main" val="3258348731"/>
       </p:ext>
     </p:extLst>
   </p:cSld>
@@ -8661,7 +9096,7 @@
           <p:cNvPr id="2" name="Title 1">
             <a:extLst>
               <a:ext uri="{FF2B5EF4-FFF2-40B4-BE49-F238E27FC236}">
-                <a16:creationId xmlns:a16="http://schemas.microsoft.com/office/drawing/2014/main" id="{D1A2BCF0-3F05-4DA3-9DB0-527F3967E698}"/>
+                <a16:creationId xmlns:a16="http://schemas.microsoft.com/office/drawing/2014/main" id="{3EA012E0-A7C2-4ECD-AB8A-4B8446C2C6FC}"/>
               </a:ext>
             </a:extLst>
           </p:cNvPr>
@@ -8672,18 +9107,23 @@
             <p:ph type="title"/>
           </p:nvPr>
         </p:nvSpPr>
-        <p:spPr/>
+        <p:spPr>
+          <a:xfrm>
+            <a:off x="646111" y="452718"/>
+            <a:ext cx="9811784" cy="1400530"/>
+          </a:xfrm>
+        </p:spPr>
         <p:txBody>
           <a:bodyPr/>
           <a:lstStyle/>
           <a:p>
             <a:r>
               <a:rPr lang="en-US" dirty="0"/>
-              <a:t>F# - IO: </a:t>
+              <a:t>F# - Phase 1: </a:t>
             </a:r>
             <a:r>
               <a:rPr lang="en-US" dirty="0" err="1"/>
-              <a:t>Database.fs</a:t>
+              <a:t>StockThresholdNotifier.fs</a:t>
             </a:r>
             <a:endParaRPr lang="en-US" dirty="0"/>
           </a:p>
@@ -8694,7 +9134,7 @@
           <p:cNvPr id="3" name="Text Placeholder 2">
             <a:extLst>
               <a:ext uri="{FF2B5EF4-FFF2-40B4-BE49-F238E27FC236}">
-                <a16:creationId xmlns:a16="http://schemas.microsoft.com/office/drawing/2014/main" id="{52B460A0-3593-4E59-9829-1B6978E0EBD6}"/>
+                <a16:creationId xmlns:a16="http://schemas.microsoft.com/office/drawing/2014/main" id="{04836016-E88A-4DD9-89AA-136E8A94AD71}"/>
               </a:ext>
             </a:extLst>
           </p:cNvPr>
@@ -8705,7 +9145,12 @@
             <p:ph type="body" idx="1"/>
           </p:nvPr>
         </p:nvSpPr>
-        <p:spPr/>
+        <p:spPr>
+          <a:xfrm>
+            <a:off x="646111" y="2102609"/>
+            <a:ext cx="4396338" cy="576262"/>
+          </a:xfrm>
+        </p:spPr>
         <p:txBody>
           <a:bodyPr/>
           <a:lstStyle/>
@@ -8722,7 +9167,7 @@
           <p:cNvPr id="4" name="Content Placeholder 3">
             <a:extLst>
               <a:ext uri="{FF2B5EF4-FFF2-40B4-BE49-F238E27FC236}">
-                <a16:creationId xmlns:a16="http://schemas.microsoft.com/office/drawing/2014/main" id="{AE60EEDF-7602-4786-AAB4-7838EA68576B}"/>
+                <a16:creationId xmlns:a16="http://schemas.microsoft.com/office/drawing/2014/main" id="{C50B51DF-A73A-47FE-80E3-EBEA6B09E557}"/>
               </a:ext>
             </a:extLst>
           </p:cNvPr>
@@ -8733,95 +9178,91 @@
             <p:ph sz="half" idx="2"/>
           </p:nvPr>
         </p:nvSpPr>
-        <p:spPr/>
+        <p:spPr>
+          <a:xfrm>
+            <a:off x="646111" y="2746546"/>
+            <a:ext cx="4112319" cy="3157104"/>
+          </a:xfrm>
+        </p:spPr>
         <p:txBody>
           <a:bodyPr>
-            <a:normAutofit fontScale="92500" lnSpcReduction="10000"/>
+            <a:normAutofit fontScale="85000" lnSpcReduction="20000"/>
           </a:bodyPr>
           <a:lstStyle/>
           <a:p>
             <a:r>
+              <a:rPr lang="en-US" dirty="0"/>
+              <a:t>“</a:t>
+            </a:r>
+            <a:r>
               <a:rPr lang="en-US" dirty="0" err="1"/>
-              <a:t>NotificationThresholds</a:t>
-            </a:r>
-            <a:r>
-              <a:rPr lang="en-US" dirty="0"/>
-              <a:t> entity declared in module alongside “</a:t>
-            </a:r>
-            <a:r>
-              <a:rPr lang="en-US" dirty="0" err="1"/>
-              <a:t>getThresholds</a:t>
-            </a:r>
-            <a:r>
-              <a:rPr lang="en-US" dirty="0"/>
-              <a:t>” function</a:t>
-            </a:r>
-          </a:p>
-          <a:p>
-            <a:r>
-              <a:rPr lang="en-US" dirty="0" err="1"/>
-              <a:t>ConnectionString</a:t>
-            </a:r>
-            <a:r>
-              <a:rPr lang="en-US" dirty="0"/>
-              <a:t> is just type “alias” for string</a:t>
-            </a:r>
-          </a:p>
-          <a:p>
-            <a:r>
-              <a:rPr lang="en-US" dirty="0"/>
-              <a:t>“</a:t>
-            </a:r>
-            <a:r>
-              <a:rPr lang="en-US" dirty="0" err="1"/>
-              <a:t>connStr</a:t>
-            </a:r>
-            <a:r>
-              <a:rPr lang="en-US" dirty="0"/>
-              <a:t>” is a dependency this function needs.</a:t>
+              <a:t>checkStock</a:t>
+            </a:r>
+            <a:r>
+              <a:rPr lang="en-US" dirty="0"/>
+              <a:t>” models the feature as a function.</a:t>
+            </a:r>
+          </a:p>
+          <a:p>
+            <a:r>
+              <a:rPr lang="en-US" dirty="0"/>
+              <a:t>Not unit testable</a:t>
             </a:r>
           </a:p>
           <a:p>
             <a:pPr lvl="1"/>
             <a:r>
               <a:rPr lang="en-US" dirty="0"/>
-              <a:t>Dependency args should always be passed in first!  (you’ll see why later).	</a:t>
-            </a:r>
-          </a:p>
-          <a:p>
-            <a:r>
-              <a:rPr lang="en-US" dirty="0"/>
-              <a:t>Returns </a:t>
-            </a:r>
-            <a:r>
-              <a:rPr lang="en-US" b="1" dirty="0"/>
-              <a:t>Some Thresholds</a:t>
-            </a:r>
-            <a:r>
-              <a:rPr lang="en-US" dirty="0"/>
-              <a:t> or </a:t>
-            </a:r>
-            <a:r>
-              <a:rPr lang="en-US" b="1" dirty="0"/>
-              <a:t>None</a:t>
-            </a:r>
-            <a:endParaRPr lang="en-US" dirty="0"/>
+              <a:t>Sometimes that’s okay!</a:t>
+            </a:r>
+          </a:p>
+          <a:p>
+            <a:r>
+              <a:rPr lang="en-US" dirty="0"/>
+              <a:t>Tightly coupled IO dependencies</a:t>
+            </a:r>
+          </a:p>
+          <a:p>
+            <a:r>
+              <a:rPr lang="en-US" dirty="0"/>
+              <a:t>async block (C.E.)</a:t>
+            </a:r>
           </a:p>
           <a:p>
             <a:pPr lvl="1"/>
             <a:r>
               <a:rPr lang="en-US" dirty="0"/>
-              <a:t>This means that compiler will force caller to “unwrap” optional value and handle both cases</a:t>
+              <a:t>let! (“let bang”) is like C# “await”</a:t>
+            </a:r>
+          </a:p>
+          <a:p>
+            <a:r>
+              <a:rPr lang="en-US" dirty="0"/>
+              <a:t>Note: Code is factored into </a:t>
+            </a:r>
+            <a:br>
+              <a:rPr lang="en-US" dirty="0"/>
+            </a:br>
+            <a:r>
+              <a:rPr lang="en-US" dirty="0"/>
+              <a:t>“IO -&gt; pure -&gt; IO”</a:t>
+            </a:r>
+          </a:p>
+          <a:p>
+            <a:pPr lvl="1"/>
+            <a:r>
+              <a:rPr lang="en-US" dirty="0"/>
+              <a:t>This will make it easier to “refactor to testability”</a:t>
             </a:r>
           </a:p>
         </p:txBody>
       </p:sp>
       <p:pic>
         <p:nvPicPr>
-          <p:cNvPr id="7" name="Picture 6">
+          <p:cNvPr id="10" name="Picture 9">
             <a:extLst>
               <a:ext uri="{FF2B5EF4-FFF2-40B4-BE49-F238E27FC236}">
-                <a16:creationId xmlns:a16="http://schemas.microsoft.com/office/drawing/2014/main" id="{777FCDEC-DBE0-46DA-AB0F-0BC081870459}"/>
+                <a16:creationId xmlns:a16="http://schemas.microsoft.com/office/drawing/2014/main" id="{4EA4C0C4-ED6D-44DB-A9C3-A372D6A0C96B}"/>
               </a:ext>
             </a:extLst>
           </p:cNvPr>
@@ -8838,8 +9279,8 @@
         </p:blipFill>
         <p:spPr>
           <a:xfrm>
-            <a:off x="5709801" y="2193131"/>
-            <a:ext cx="6258798" cy="4182059"/>
+            <a:off x="4956089" y="1853248"/>
+            <a:ext cx="6754168" cy="4191585"/>
           </a:xfrm>
           <a:prstGeom prst="rect">
             <a:avLst/>
@@ -8849,7 +9290,7 @@
     </p:spTree>
     <p:extLst>
       <p:ext uri="{BB962C8B-B14F-4D97-AF65-F5344CB8AC3E}">
-        <p14:creationId xmlns:p14="http://schemas.microsoft.com/office/powerpoint/2010/main" val="1110966866"/>
+        <p14:creationId xmlns:p14="http://schemas.microsoft.com/office/powerpoint/2010/main" val="3991873148"/>
       </p:ext>
     </p:extLst>
   </p:cSld>
@@ -8881,7 +9322,7 @@
           <p:cNvPr id="2" name="Title 1">
             <a:extLst>
               <a:ext uri="{FF2B5EF4-FFF2-40B4-BE49-F238E27FC236}">
-                <a16:creationId xmlns:a16="http://schemas.microsoft.com/office/drawing/2014/main" id="{2246AF85-D239-4E74-BD6E-36CD60DB5190}"/>
+                <a16:creationId xmlns:a16="http://schemas.microsoft.com/office/drawing/2014/main" id="{8B56A8F4-1BDB-439A-99F9-DF59F016E36A}"/>
               </a:ext>
             </a:extLst>
           </p:cNvPr>
@@ -8899,8 +9340,13 @@
           <a:p>
             <a:r>
               <a:rPr lang="en-US" dirty="0"/>
-              <a:t>F# - Phase 2</a:t>
-            </a:r>
+              <a:t>F# - IO: </a:t>
+            </a:r>
+            <a:r>
+              <a:rPr lang="en-US" dirty="0" err="1"/>
+              <a:t>StockApi.fs</a:t>
+            </a:r>
+            <a:endParaRPr lang="en-US" dirty="0"/>
           </a:p>
         </p:txBody>
       </p:sp>
@@ -8909,7 +9355,7 @@
           <p:cNvPr id="3" name="Text Placeholder 2">
             <a:extLst>
               <a:ext uri="{FF2B5EF4-FFF2-40B4-BE49-F238E27FC236}">
-                <a16:creationId xmlns:a16="http://schemas.microsoft.com/office/drawing/2014/main" id="{BB93582B-22EB-48CF-8478-0D17D2219BE0}"/>
+                <a16:creationId xmlns:a16="http://schemas.microsoft.com/office/drawing/2014/main" id="{98E629DB-CF76-4130-98A6-44D09B96F77B}"/>
               </a:ext>
             </a:extLst>
           </p:cNvPr>
@@ -8922,8 +9368,8 @@
         </p:nvSpPr>
         <p:spPr>
           <a:xfrm>
-            <a:off x="446366" y="1496627"/>
-            <a:ext cx="4306421" cy="576262"/>
+            <a:off x="437487" y="1922755"/>
+            <a:ext cx="4396338" cy="576262"/>
           </a:xfrm>
         </p:spPr>
         <p:txBody>
@@ -8942,7 +9388,7 @@
           <p:cNvPr id="4" name="Content Placeholder 3">
             <a:extLst>
               <a:ext uri="{FF2B5EF4-FFF2-40B4-BE49-F238E27FC236}">
-                <a16:creationId xmlns:a16="http://schemas.microsoft.com/office/drawing/2014/main" id="{CBDB2E2B-47AE-4142-B103-9719B2231899}"/>
+                <a16:creationId xmlns:a16="http://schemas.microsoft.com/office/drawing/2014/main" id="{61D4ECC2-A8BA-47E3-AAED-4CC8A6B04AB6}"/>
               </a:ext>
             </a:extLst>
           </p:cNvPr>
@@ -8955,106 +9401,98 @@
         </p:nvSpPr>
         <p:spPr>
           <a:xfrm>
-            <a:off x="446365" y="2106226"/>
-            <a:ext cx="5102179" cy="4072631"/>
-          </a:xfrm>
-        </p:spPr>
-        <p:txBody>
-          <a:bodyPr>
-            <a:normAutofit fontScale="92500" lnSpcReduction="20000"/>
-          </a:bodyPr>
-          <a:lstStyle/>
-          <a:p>
-            <a:r>
-              <a:rPr lang="en-US" dirty="0"/>
-              <a:t>Refactor to testability:</a:t>
-            </a:r>
-            <a:br>
-              <a:rPr lang="en-US" dirty="0"/>
-            </a:br>
-            <a:r>
-              <a:rPr lang="en-US" dirty="0"/>
-              <a:t>Extract processing logic into a “pure” (testable) function.</a:t>
-            </a:r>
-          </a:p>
-          <a:p>
-            <a:r>
-              <a:rPr lang="en-US" dirty="0"/>
-              <a:t>IO functions are still tightly coupled, but </a:t>
-            </a:r>
+            <a:off x="437487" y="2532355"/>
+            <a:ext cx="4066954" cy="3741738"/>
+          </a:xfrm>
+        </p:spPr>
+        <p:txBody>
+          <a:bodyPr/>
+          <a:lstStyle/>
+          <a:p>
+            <a:r>
+              <a:rPr lang="en-US" dirty="0"/>
+              <a:t>Entities are commonly modeled alongside related functions.</a:t>
+            </a:r>
+          </a:p>
+          <a:p>
+            <a:r>
+              <a:rPr lang="en-US" dirty="0"/>
+              <a:t>Uses </a:t>
+            </a:r>
+            <a:r>
+              <a:rPr lang="en-US" dirty="0" err="1"/>
+              <a:t>YahooFinanceApi</a:t>
+            </a:r>
+            <a:endParaRPr lang="en-US" dirty="0"/>
+          </a:p>
+          <a:p>
+            <a:r>
+              <a:rPr lang="en-US" dirty="0"/>
+              <a:t>Returns </a:t>
+            </a:r>
+            <a:r>
+              <a:rPr lang="en-US" b="1" dirty="0"/>
+              <a:t>Some </a:t>
+            </a:r>
+            <a:r>
+              <a:rPr lang="en-US" b="1" dirty="0" err="1"/>
+              <a:t>StockInfo</a:t>
+            </a:r>
+            <a:r>
+              <a:rPr lang="en-US" dirty="0"/>
+              <a:t> or </a:t>
+            </a:r>
+            <a:r>
+              <a:rPr lang="en-US" b="1" dirty="0"/>
+              <a:t>None</a:t>
+            </a:r>
+            <a:endParaRPr lang="en-US" dirty="0"/>
+          </a:p>
+          <a:p>
+            <a:r>
+              <a:rPr lang="en-US" dirty="0"/>
+              <a:t>Uses “async” expression</a:t>
+            </a:r>
+          </a:p>
+          <a:p>
+            <a:pPr lvl="1"/>
+            <a:r>
+              <a:rPr lang="en-US" dirty="0"/>
+              <a:t>Unlike regular functions, Computation Expressions use the “return” keyword.</a:t>
+            </a:r>
+          </a:p>
+          <a:p>
+            <a:pPr lvl="1"/>
+            <a:r>
+              <a:rPr lang="en-US" dirty="0" err="1"/>
+              <a:t>Async.await</a:t>
+            </a:r>
+            <a:r>
+              <a:rPr lang="en-US" dirty="0"/>
+              <a:t> converts TPL Task to F# Async</a:t>
+            </a:r>
+          </a:p>
+          <a:p>
+            <a:pPr lvl="1"/>
             <a:r>
               <a:rPr lang="en-US" i="1" dirty="0"/>
-              <a:t>do we really need to test those</a:t>
-            </a:r>
-            <a:r>
-              <a:rPr lang="en-US" dirty="0"/>
-              <a:t>?</a:t>
-            </a:r>
-          </a:p>
-          <a:p>
-            <a:pPr lvl="1"/>
-            <a:r>
-              <a:rPr lang="en-US" dirty="0"/>
-              <a:t>I say </a:t>
-            </a:r>
-            <a:r>
-              <a:rPr lang="en-US" b="1" dirty="0"/>
-              <a:t>no</a:t>
-            </a:r>
-            <a:r>
-              <a:rPr lang="en-US" dirty="0"/>
-              <a:t>, because there is no branching logic around the IO (low “cyclomatic complexity”).</a:t>
-            </a:r>
-          </a:p>
-          <a:p>
-            <a:r>
-              <a:rPr lang="en-US" dirty="0"/>
-              <a:t>Benefit:  </a:t>
-            </a:r>
-          </a:p>
-          <a:p>
-            <a:pPr lvl="1"/>
-            <a:r>
-              <a:rPr lang="en-US" dirty="0"/>
-              <a:t>Business logic is easily tested</a:t>
-            </a:r>
-          </a:p>
-          <a:p>
-            <a:pPr lvl="1"/>
-            <a:r>
-              <a:rPr lang="en-US" dirty="0"/>
-              <a:t>Code remains simple</a:t>
-            </a:r>
-          </a:p>
-          <a:p>
-            <a:pPr lvl="1"/>
-            <a:r>
-              <a:rPr lang="en-US" i="1" dirty="0"/>
-              <a:t>No interfaces or mocking required</a:t>
-            </a:r>
-          </a:p>
-          <a:p>
-            <a:pPr lvl="1"/>
-            <a:r>
-              <a:rPr lang="en-US" dirty="0"/>
-              <a:t>IO -&gt; pure -&gt; IO makes for easy testing of pure logic</a:t>
-            </a:r>
-          </a:p>
-          <a:p>
-            <a:pPr lvl="1"/>
-            <a:r>
-              <a:rPr lang="en-US" dirty="0"/>
-              <a:t>“Best bang for the buck”</a:t>
-            </a:r>
+              <a:t>There is also a “task” C.E.</a:t>
+            </a:r>
+          </a:p>
+          <a:p>
+            <a:pPr marL="457200" lvl="1" indent="0">
+              <a:buNone/>
+            </a:pPr>
+            <a:endParaRPr lang="en-US" dirty="0"/>
           </a:p>
         </p:txBody>
       </p:sp>
       <p:pic>
         <p:nvPicPr>
-          <p:cNvPr id="9" name="Picture 8">
+          <p:cNvPr id="7" name="Picture 6">
             <a:extLst>
               <a:ext uri="{FF2B5EF4-FFF2-40B4-BE49-F238E27FC236}">
-                <a16:creationId xmlns:a16="http://schemas.microsoft.com/office/drawing/2014/main" id="{DF8AE437-DF53-4BBA-AC98-5BAB029C6C93}"/>
+                <a16:creationId xmlns:a16="http://schemas.microsoft.com/office/drawing/2014/main" id="{09D905EE-FC67-4D17-85B7-5177533E1B86}"/>
               </a:ext>
             </a:extLst>
           </p:cNvPr>
@@ -9071,8 +9509,8 @@
         </p:blipFill>
         <p:spPr>
           <a:xfrm>
-            <a:off x="5724994" y="1664647"/>
-            <a:ext cx="6020640" cy="4591691"/>
+            <a:off x="4504440" y="2176287"/>
+            <a:ext cx="7373379" cy="2505425"/>
           </a:xfrm>
           <a:prstGeom prst="rect">
             <a:avLst/>
@@ -9082,7 +9520,7 @@
     </p:spTree>
     <p:extLst>
       <p:ext uri="{BB962C8B-B14F-4D97-AF65-F5344CB8AC3E}">
-        <p14:creationId xmlns:p14="http://schemas.microsoft.com/office/powerpoint/2010/main" val="765967526"/>
+        <p14:creationId xmlns:p14="http://schemas.microsoft.com/office/powerpoint/2010/main" val="163312863"/>
       </p:ext>
     </p:extLst>
   </p:cSld>
@@ -9265,7 +9703,7 @@
           <p:cNvPr id="2" name="Title 1">
             <a:extLst>
               <a:ext uri="{FF2B5EF4-FFF2-40B4-BE49-F238E27FC236}">
-                <a16:creationId xmlns:a16="http://schemas.microsoft.com/office/drawing/2014/main" id="{B3F9C51D-F33C-4BDB-9739-55F880D66F2F}"/>
+                <a16:creationId xmlns:a16="http://schemas.microsoft.com/office/drawing/2014/main" id="{D1A2BCF0-3F05-4DA3-9DB0-527F3967E698}"/>
               </a:ext>
             </a:extLst>
           </p:cNvPr>
@@ -9276,20 +9714,20 @@
             <p:ph type="title"/>
           </p:nvPr>
         </p:nvSpPr>
-        <p:spPr>
-          <a:xfrm>
-            <a:off x="646111" y="452718"/>
-            <a:ext cx="9678619" cy="1400530"/>
-          </a:xfrm>
-        </p:spPr>
+        <p:spPr/>
         <p:txBody>
           <a:bodyPr/>
           <a:lstStyle/>
           <a:p>
             <a:r>
               <a:rPr lang="en-US" dirty="0"/>
-              <a:t>F# - Phase 2: Testing a Pure Function</a:t>
-            </a:r>
+              <a:t>F# - IO: </a:t>
+            </a:r>
+            <a:r>
+              <a:rPr lang="en-US" dirty="0" err="1"/>
+              <a:t>Database.fs</a:t>
+            </a:r>
+            <a:endParaRPr lang="en-US" dirty="0"/>
           </a:p>
         </p:txBody>
       </p:sp>
@@ -9298,7 +9736,7 @@
           <p:cNvPr id="3" name="Text Placeholder 2">
             <a:extLst>
               <a:ext uri="{FF2B5EF4-FFF2-40B4-BE49-F238E27FC236}">
-                <a16:creationId xmlns:a16="http://schemas.microsoft.com/office/drawing/2014/main" id="{0F1DE98F-17F4-4523-980E-68B6943794AE}"/>
+                <a16:creationId xmlns:a16="http://schemas.microsoft.com/office/drawing/2014/main" id="{52B460A0-3593-4E59-9829-1B6978E0EBD6}"/>
               </a:ext>
             </a:extLst>
           </p:cNvPr>
@@ -9309,12 +9747,7 @@
             <p:ph type="body" idx="1"/>
           </p:nvPr>
         </p:nvSpPr>
-        <p:spPr>
-          <a:xfrm>
-            <a:off x="439322" y="1905000"/>
-            <a:ext cx="4114923" cy="576262"/>
-          </a:xfrm>
-        </p:spPr>
+        <p:spPr/>
         <p:txBody>
           <a:bodyPr/>
           <a:lstStyle/>
@@ -9331,7 +9764,7 @@
           <p:cNvPr id="4" name="Content Placeholder 3">
             <a:extLst>
               <a:ext uri="{FF2B5EF4-FFF2-40B4-BE49-F238E27FC236}">
-                <a16:creationId xmlns:a16="http://schemas.microsoft.com/office/drawing/2014/main" id="{35C1A2CA-8A91-4C27-AE3E-CE49059D91D7}"/>
+                <a16:creationId xmlns:a16="http://schemas.microsoft.com/office/drawing/2014/main" id="{AE60EEDF-7602-4786-AAB4-7838EA68576B}"/>
               </a:ext>
             </a:extLst>
           </p:cNvPr>
@@ -9342,41 +9775,95 @@
             <p:ph sz="half" idx="2"/>
           </p:nvPr>
         </p:nvSpPr>
-        <p:spPr>
-          <a:xfrm>
-            <a:off x="439322" y="2514600"/>
-            <a:ext cx="4114924" cy="3741738"/>
-          </a:xfrm>
-        </p:spPr>
-        <p:txBody>
-          <a:bodyPr/>
-          <a:lstStyle/>
-          <a:p>
-            <a:r>
-              <a:rPr lang="en-US" dirty="0"/>
-              <a:t>Double ticks make for nice test names</a:t>
-            </a:r>
-          </a:p>
-          <a:p>
-            <a:r>
-              <a:rPr lang="en-US" dirty="0"/>
-              <a:t>No mocking/stubbing required because pure functions are passed the data they need.</a:t>
-            </a:r>
-          </a:p>
-          <a:p>
-            <a:pPr marL="0" indent="0">
-              <a:buNone/>
-            </a:pPr>
+        <p:spPr/>
+        <p:txBody>
+          <a:bodyPr>
+            <a:normAutofit fontScale="92500" lnSpcReduction="10000"/>
+          </a:bodyPr>
+          <a:lstStyle/>
+          <a:p>
+            <a:r>
+              <a:rPr lang="en-US" dirty="0" err="1"/>
+              <a:t>NotificationThresholds</a:t>
+            </a:r>
+            <a:r>
+              <a:rPr lang="en-US" dirty="0"/>
+              <a:t> entity declared in module alongside “</a:t>
+            </a:r>
+            <a:r>
+              <a:rPr lang="en-US" dirty="0" err="1"/>
+              <a:t>getThresholds</a:t>
+            </a:r>
+            <a:r>
+              <a:rPr lang="en-US" dirty="0"/>
+              <a:t>” function</a:t>
+            </a:r>
+          </a:p>
+          <a:p>
+            <a:r>
+              <a:rPr lang="en-US" dirty="0" err="1"/>
+              <a:t>ConnectionString</a:t>
+            </a:r>
+            <a:r>
+              <a:rPr lang="en-US" dirty="0"/>
+              <a:t> is just type “alias” for string</a:t>
+            </a:r>
+          </a:p>
+          <a:p>
+            <a:r>
+              <a:rPr lang="en-US" dirty="0"/>
+              <a:t>“</a:t>
+            </a:r>
+            <a:r>
+              <a:rPr lang="en-US" dirty="0" err="1"/>
+              <a:t>connStr</a:t>
+            </a:r>
+            <a:r>
+              <a:rPr lang="en-US" dirty="0"/>
+              <a:t>” is a dependency this function needs.</a:t>
+            </a:r>
+          </a:p>
+          <a:p>
+            <a:pPr lvl="1"/>
+            <a:r>
+              <a:rPr lang="en-US" dirty="0"/>
+              <a:t>Dependency args should always be passed in first!  (you’ll see why later).	</a:t>
+            </a:r>
+          </a:p>
+          <a:p>
+            <a:r>
+              <a:rPr lang="en-US" dirty="0"/>
+              <a:t>Returns </a:t>
+            </a:r>
+            <a:r>
+              <a:rPr lang="en-US" b="1" dirty="0"/>
+              <a:t>Some Thresholds</a:t>
+            </a:r>
+            <a:r>
+              <a:rPr lang="en-US" dirty="0"/>
+              <a:t> or </a:t>
+            </a:r>
+            <a:r>
+              <a:rPr lang="en-US" b="1" dirty="0"/>
+              <a:t>None</a:t>
+            </a:r>
             <a:endParaRPr lang="en-US" dirty="0"/>
+          </a:p>
+          <a:p>
+            <a:pPr lvl="1"/>
+            <a:r>
+              <a:rPr lang="en-US" dirty="0"/>
+              <a:t>This means that compiler will force caller to “unwrap” optional value and handle both cases</a:t>
+            </a:r>
           </a:p>
         </p:txBody>
       </p:sp>
       <p:pic>
         <p:nvPicPr>
-          <p:cNvPr id="5" name="Picture 4">
+          <p:cNvPr id="7" name="Picture 6">
             <a:extLst>
               <a:ext uri="{FF2B5EF4-FFF2-40B4-BE49-F238E27FC236}">
-                <a16:creationId xmlns:a16="http://schemas.microsoft.com/office/drawing/2014/main" id="{EB823251-392A-4D82-BC12-ECBAEA991544}"/>
+                <a16:creationId xmlns:a16="http://schemas.microsoft.com/office/drawing/2014/main" id="{777FCDEC-DBE0-46DA-AB0F-0BC081870459}"/>
               </a:ext>
             </a:extLst>
           </p:cNvPr>
@@ -9393,8 +9880,8 @@
         </p:blipFill>
         <p:spPr>
           <a:xfrm>
-            <a:off x="4476713" y="1905000"/>
-            <a:ext cx="7144747" cy="3162741"/>
+            <a:off x="5709801" y="2193131"/>
+            <a:ext cx="6258798" cy="4182059"/>
           </a:xfrm>
           <a:prstGeom prst="rect">
             <a:avLst/>
@@ -9404,7 +9891,7 @@
     </p:spTree>
     <p:extLst>
       <p:ext uri="{BB962C8B-B14F-4D97-AF65-F5344CB8AC3E}">
-        <p14:creationId xmlns:p14="http://schemas.microsoft.com/office/powerpoint/2010/main" val="727217493"/>
+        <p14:creationId xmlns:p14="http://schemas.microsoft.com/office/powerpoint/2010/main" val="1110966866"/>
       </p:ext>
     </p:extLst>
   </p:cSld>
@@ -9436,7 +9923,7 @@
           <p:cNvPr id="2" name="Title 1">
             <a:extLst>
               <a:ext uri="{FF2B5EF4-FFF2-40B4-BE49-F238E27FC236}">
-                <a16:creationId xmlns:a16="http://schemas.microsoft.com/office/drawing/2014/main" id="{169EB7D1-2F0C-4C33-9B68-39874BE6CDC2}"/>
+                <a16:creationId xmlns:a16="http://schemas.microsoft.com/office/drawing/2014/main" id="{2246AF85-D239-4E74-BD6E-36CD60DB5190}"/>
               </a:ext>
             </a:extLst>
           </p:cNvPr>
@@ -9447,29 +9934,24 @@
             <p:ph type="title"/>
           </p:nvPr>
         </p:nvSpPr>
-        <p:spPr>
-          <a:xfrm>
-            <a:off x="646111" y="124236"/>
-            <a:ext cx="9404723" cy="1023895"/>
-          </a:xfrm>
-        </p:spPr>
+        <p:spPr/>
         <p:txBody>
           <a:bodyPr/>
           <a:lstStyle/>
           <a:p>
             <a:r>
               <a:rPr lang="en-US" dirty="0"/>
-              <a:t>F# - Phase 2 –&gt; Phase 3 Refactor</a:t>
-            </a:r>
-          </a:p>
-        </p:txBody>
-      </p:sp>
-      <p:sp>
-        <p:nvSpPr>
-          <p:cNvPr id="20" name="Text Placeholder 19">
+              <a:t>F# - Phase 2</a:t>
+            </a:r>
+          </a:p>
+        </p:txBody>
+      </p:sp>
+      <p:sp>
+        <p:nvSpPr>
+          <p:cNvPr id="3" name="Text Placeholder 2">
             <a:extLst>
               <a:ext uri="{FF2B5EF4-FFF2-40B4-BE49-F238E27FC236}">
-                <a16:creationId xmlns:a16="http://schemas.microsoft.com/office/drawing/2014/main" id="{C845D57F-B65A-429F-93BA-B3A20359FC47}"/>
+                <a16:creationId xmlns:a16="http://schemas.microsoft.com/office/drawing/2014/main" id="{BB93582B-22EB-48CF-8478-0D17D2219BE0}"/>
               </a:ext>
             </a:extLst>
           </p:cNvPr>
@@ -9482,8 +9964,8 @@
         </p:nvSpPr>
         <p:spPr>
           <a:xfrm>
-            <a:off x="0" y="2162462"/>
-            <a:ext cx="4396338" cy="576262"/>
+            <a:off x="446366" y="1496627"/>
+            <a:ext cx="4306421" cy="576262"/>
           </a:xfrm>
         </p:spPr>
         <p:txBody>
@@ -9492,17 +9974,17 @@
           <a:p>
             <a:r>
               <a:rPr lang="en-US" dirty="0"/>
-              <a:t>Phase 2</a:t>
-            </a:r>
-          </a:p>
-        </p:txBody>
-      </p:sp>
-      <p:sp>
-        <p:nvSpPr>
-          <p:cNvPr id="22" name="Text Placeholder 21">
+              <a:t>Notes</a:t>
+            </a:r>
+          </a:p>
+        </p:txBody>
+      </p:sp>
+      <p:sp>
+        <p:nvSpPr>
+          <p:cNvPr id="4" name="Content Placeholder 3">
             <a:extLst>
               <a:ext uri="{FF2B5EF4-FFF2-40B4-BE49-F238E27FC236}">
-                <a16:creationId xmlns:a16="http://schemas.microsoft.com/office/drawing/2014/main" id="{C26965E4-4241-4831-8BF0-6C604CA4C2A1}"/>
+                <a16:creationId xmlns:a16="http://schemas.microsoft.com/office/drawing/2014/main" id="{CBDB2E2B-47AE-4142-B103-9719B2231899}"/>
               </a:ext>
             </a:extLst>
           </p:cNvPr>
@@ -9510,32 +9992,111 @@
             <a:spLocks noGrp="1"/>
           </p:cNvSpPr>
           <p:nvPr>
-            <p:ph type="body" sz="quarter" idx="3"/>
-          </p:nvPr>
-        </p:nvSpPr>
-        <p:spPr>
-          <a:xfrm>
-            <a:off x="6033854" y="2162462"/>
-            <a:ext cx="5444973" cy="576262"/>
-          </a:xfrm>
-        </p:spPr>
-        <p:txBody>
-          <a:bodyPr/>
-          <a:lstStyle/>
-          <a:p>
-            <a:r>
-              <a:rPr lang="en-US" dirty="0"/>
-              <a:t>Phase 3 (Extract to Template)</a:t>
+            <p:ph sz="half" idx="2"/>
+          </p:nvPr>
+        </p:nvSpPr>
+        <p:spPr>
+          <a:xfrm>
+            <a:off x="446365" y="2106226"/>
+            <a:ext cx="5102179" cy="4072631"/>
+          </a:xfrm>
+        </p:spPr>
+        <p:txBody>
+          <a:bodyPr>
+            <a:normAutofit fontScale="92500" lnSpcReduction="20000"/>
+          </a:bodyPr>
+          <a:lstStyle/>
+          <a:p>
+            <a:r>
+              <a:rPr lang="en-US" dirty="0"/>
+              <a:t>Refactor to testability:</a:t>
+            </a:r>
+            <a:br>
+              <a:rPr lang="en-US" dirty="0"/>
+            </a:br>
+            <a:r>
+              <a:rPr lang="en-US" dirty="0"/>
+              <a:t>Extract processing logic into a “pure” (testable) function.</a:t>
+            </a:r>
+          </a:p>
+          <a:p>
+            <a:r>
+              <a:rPr lang="en-US" dirty="0"/>
+              <a:t>IO functions are still tightly coupled, but </a:t>
+            </a:r>
+            <a:r>
+              <a:rPr lang="en-US" i="1" dirty="0"/>
+              <a:t>do we really need to test those</a:t>
+            </a:r>
+            <a:r>
+              <a:rPr lang="en-US" dirty="0"/>
+              <a:t>?</a:t>
+            </a:r>
+          </a:p>
+          <a:p>
+            <a:pPr lvl="1"/>
+            <a:r>
+              <a:rPr lang="en-US" dirty="0"/>
+              <a:t>I say </a:t>
+            </a:r>
+            <a:r>
+              <a:rPr lang="en-US" b="1" dirty="0"/>
+              <a:t>no</a:t>
+            </a:r>
+            <a:r>
+              <a:rPr lang="en-US" dirty="0"/>
+              <a:t>, because there is no branching logic around the IO (low “cyclomatic complexity”).</a:t>
+            </a:r>
+          </a:p>
+          <a:p>
+            <a:r>
+              <a:rPr lang="en-US" dirty="0"/>
+              <a:t>Benefit:  </a:t>
+            </a:r>
+          </a:p>
+          <a:p>
+            <a:pPr lvl="1"/>
+            <a:r>
+              <a:rPr lang="en-US" dirty="0"/>
+              <a:t>Business logic is easily tested</a:t>
+            </a:r>
+          </a:p>
+          <a:p>
+            <a:pPr lvl="1"/>
+            <a:r>
+              <a:rPr lang="en-US" dirty="0"/>
+              <a:t>Code remains simple</a:t>
+            </a:r>
+          </a:p>
+          <a:p>
+            <a:pPr lvl="1"/>
+            <a:r>
+              <a:rPr lang="en-US" i="1" dirty="0"/>
+              <a:t>No interfaces or mocking required</a:t>
+            </a:r>
+          </a:p>
+          <a:p>
+            <a:pPr lvl="1"/>
+            <a:r>
+              <a:rPr lang="en-US" dirty="0"/>
+              <a:t>IO -&gt; pure -&gt; IO makes for easy testing of pure logic</a:t>
+            </a:r>
+          </a:p>
+          <a:p>
+            <a:pPr lvl="1"/>
+            <a:r>
+              <a:rPr lang="en-US" dirty="0"/>
+              <a:t>“Best bang for the buck”</a:t>
             </a:r>
           </a:p>
         </p:txBody>
       </p:sp>
       <p:pic>
         <p:nvPicPr>
-          <p:cNvPr id="26" name="Picture 25">
+          <p:cNvPr id="9" name="Picture 8">
             <a:extLst>
               <a:ext uri="{FF2B5EF4-FFF2-40B4-BE49-F238E27FC236}">
-                <a16:creationId xmlns:a16="http://schemas.microsoft.com/office/drawing/2014/main" id="{8636F7D2-6B9C-4358-B6D7-B416316C0DC6}"/>
+                <a16:creationId xmlns:a16="http://schemas.microsoft.com/office/drawing/2014/main" id="{DF8AE437-DF53-4BBA-AC98-5BAB029C6C93}"/>
               </a:ext>
             </a:extLst>
           </p:cNvPr>
@@ -9552,133 +10113,18 @@
         </p:blipFill>
         <p:spPr>
           <a:xfrm>
-            <a:off x="97006" y="2790476"/>
-            <a:ext cx="5963482" cy="2848373"/>
+            <a:off x="5724994" y="1664647"/>
+            <a:ext cx="6020640" cy="4591691"/>
           </a:xfrm>
           <a:prstGeom prst="rect">
             <a:avLst/>
           </a:prstGeom>
         </p:spPr>
       </p:pic>
-      <p:pic>
-        <p:nvPicPr>
-          <p:cNvPr id="27" name="Picture 26">
-            <a:extLst>
-              <a:ext uri="{FF2B5EF4-FFF2-40B4-BE49-F238E27FC236}">
-                <a16:creationId xmlns:a16="http://schemas.microsoft.com/office/drawing/2014/main" id="{58E3662E-2D24-4AEF-A5FE-124A18702784}"/>
-              </a:ext>
-            </a:extLst>
-          </p:cNvPr>
-          <p:cNvPicPr>
-            <a:picLocks noChangeAspect="1"/>
-          </p:cNvPicPr>
-          <p:nvPr/>
-        </p:nvPicPr>
-        <p:blipFill>
-          <a:blip r:embed="rId3"/>
-          <a:stretch>
-            <a:fillRect/>
-          </a:stretch>
-        </p:blipFill>
-        <p:spPr>
-          <a:xfrm>
-            <a:off x="6111858" y="2790476"/>
-            <a:ext cx="5982535" cy="3962953"/>
-          </a:xfrm>
-          <a:prstGeom prst="rect">
-            <a:avLst/>
-          </a:prstGeom>
-        </p:spPr>
-      </p:pic>
-      <p:sp>
-        <p:nvSpPr>
-          <p:cNvPr id="8" name="Content Placeholder 3">
-            <a:extLst>
-              <a:ext uri="{FF2B5EF4-FFF2-40B4-BE49-F238E27FC236}">
-                <a16:creationId xmlns:a16="http://schemas.microsoft.com/office/drawing/2014/main" id="{D6706BA8-9841-4A62-80AC-E45AACEFB50C}"/>
-              </a:ext>
-            </a:extLst>
-          </p:cNvPr>
-          <p:cNvSpPr>
-            <a:spLocks noGrp="1"/>
-          </p:cNvSpPr>
-          <p:nvPr>
-            <p:ph sz="half" idx="2"/>
-          </p:nvPr>
-        </p:nvSpPr>
-        <p:spPr>
-          <a:xfrm>
-            <a:off x="1280867" y="949912"/>
-            <a:ext cx="9061617" cy="1358282"/>
-          </a:xfrm>
-        </p:spPr>
-        <p:txBody>
-          <a:bodyPr>
-            <a:normAutofit fontScale="92500" lnSpcReduction="20000"/>
-          </a:bodyPr>
-          <a:lstStyle/>
-          <a:p>
-            <a:r>
-              <a:rPr lang="en-US" dirty="0"/>
-              <a:t>1) Create a </a:t>
-            </a:r>
-            <a:r>
-              <a:rPr lang="en-US" i="1" dirty="0"/>
-              <a:t>Template</a:t>
-            </a:r>
-            <a:r>
-              <a:rPr lang="en-US" dirty="0"/>
-              <a:t> “higher order function”</a:t>
-            </a:r>
-          </a:p>
-          <a:p>
-            <a:r>
-              <a:rPr lang="en-US" dirty="0"/>
-              <a:t>2) Pass in IO functions as dependencies (using F# Type Inference)</a:t>
-            </a:r>
-          </a:p>
-          <a:p>
-            <a:r>
-              <a:rPr lang="en-US" dirty="0"/>
-              <a:t>3) Replace </a:t>
-            </a:r>
-            <a:r>
-              <a:rPr lang="en-US" i="1" dirty="0"/>
-              <a:t>tightly coupled</a:t>
-            </a:r>
-            <a:r>
-              <a:rPr lang="en-US" dirty="0"/>
-              <a:t> IO calls with </a:t>
-            </a:r>
-            <a:r>
-              <a:rPr lang="en-US" i="1" dirty="0"/>
-              <a:t>loosely coupled</a:t>
-            </a:r>
-            <a:r>
-              <a:rPr lang="en-US" dirty="0"/>
-              <a:t> injected functions</a:t>
-            </a:r>
-          </a:p>
-          <a:p>
-            <a:r>
-              <a:rPr lang="en-US" dirty="0"/>
-              <a:t>4) Recreate the feature function as a </a:t>
-            </a:r>
-            <a:r>
-              <a:rPr lang="en-US" b="1" dirty="0"/>
-              <a:t>partially applied</a:t>
-            </a:r>
-            <a:r>
-              <a:rPr lang="en-US" dirty="0"/>
-              <a:t> version of the template</a:t>
-            </a:r>
-          </a:p>
-        </p:txBody>
-      </p:sp>
     </p:spTree>
     <p:extLst>
       <p:ext uri="{BB962C8B-B14F-4D97-AF65-F5344CB8AC3E}">
-        <p14:creationId xmlns:p14="http://schemas.microsoft.com/office/powerpoint/2010/main" val="3181213068"/>
+        <p14:creationId xmlns:p14="http://schemas.microsoft.com/office/powerpoint/2010/main" val="765967526"/>
       </p:ext>
     </p:extLst>
   </p:cSld>
@@ -9710,7 +10156,7 @@
           <p:cNvPr id="2" name="Title 1">
             <a:extLst>
               <a:ext uri="{FF2B5EF4-FFF2-40B4-BE49-F238E27FC236}">
-                <a16:creationId xmlns:a16="http://schemas.microsoft.com/office/drawing/2014/main" id="{986625FC-F365-4AD8-B964-3D1B1E3101D7}"/>
+                <a16:creationId xmlns:a16="http://schemas.microsoft.com/office/drawing/2014/main" id="{B3F9C51D-F33C-4BDB-9739-55F880D66F2F}"/>
               </a:ext>
             </a:extLst>
           </p:cNvPr>
@@ -9721,14 +10167,19 @@
             <p:ph type="title"/>
           </p:nvPr>
         </p:nvSpPr>
-        <p:spPr/>
+        <p:spPr>
+          <a:xfrm>
+            <a:off x="646111" y="452718"/>
+            <a:ext cx="9678619" cy="1400530"/>
+          </a:xfrm>
+        </p:spPr>
         <p:txBody>
           <a:bodyPr/>
           <a:lstStyle/>
           <a:p>
             <a:r>
               <a:rPr lang="en-US" dirty="0"/>
-              <a:t>F# - Phase 3</a:t>
+              <a:t>F# - Phase 2: Testing a Pure Function</a:t>
             </a:r>
           </a:p>
         </p:txBody>
@@ -9738,7 +10189,7 @@
           <p:cNvPr id="3" name="Text Placeholder 2">
             <a:extLst>
               <a:ext uri="{FF2B5EF4-FFF2-40B4-BE49-F238E27FC236}">
-                <a16:creationId xmlns:a16="http://schemas.microsoft.com/office/drawing/2014/main" id="{60D87FB1-C327-4CF9-A7DC-043CB8FAED22}"/>
+                <a16:creationId xmlns:a16="http://schemas.microsoft.com/office/drawing/2014/main" id="{0F1DE98F-17F4-4523-980E-68B6943794AE}"/>
               </a:ext>
             </a:extLst>
           </p:cNvPr>
@@ -9751,8 +10202,8 @@
         </p:nvSpPr>
         <p:spPr>
           <a:xfrm>
-            <a:off x="739327" y="1514378"/>
-            <a:ext cx="4933503" cy="576262"/>
+            <a:off x="439322" y="1905000"/>
+            <a:ext cx="4114923" cy="576262"/>
           </a:xfrm>
         </p:spPr>
         <p:txBody>
@@ -9771,7 +10222,7 @@
           <p:cNvPr id="4" name="Content Placeholder 3">
             <a:extLst>
               <a:ext uri="{FF2B5EF4-FFF2-40B4-BE49-F238E27FC236}">
-                <a16:creationId xmlns:a16="http://schemas.microsoft.com/office/drawing/2014/main" id="{F3218215-3139-4576-839D-4A3E1498B9D3}"/>
+                <a16:creationId xmlns:a16="http://schemas.microsoft.com/office/drawing/2014/main" id="{35C1A2CA-8A91-4C27-AE3E-CE49059D91D7}"/>
               </a:ext>
             </a:extLst>
           </p:cNvPr>
@@ -9784,127 +10235,39 @@
         </p:nvSpPr>
         <p:spPr>
           <a:xfrm>
-            <a:off x="739327" y="2123978"/>
-            <a:ext cx="4933504" cy="4125902"/>
-          </a:xfrm>
-        </p:spPr>
-        <p:txBody>
-          <a:bodyPr>
-            <a:normAutofit fontScale="77500" lnSpcReduction="20000"/>
-          </a:bodyPr>
-          <a:lstStyle/>
-          <a:p>
-            <a:r>
-              <a:rPr lang="en-US" dirty="0"/>
-              <a:t>I call it a template because it’s like the </a:t>
-            </a:r>
-            <a:r>
-              <a:rPr lang="en-US" dirty="0" err="1"/>
-              <a:t>GoF</a:t>
-            </a:r>
-            <a:r>
-              <a:rPr lang="en-US" dirty="0"/>
-              <a:t> “Template” pattern.</a:t>
-            </a:r>
-          </a:p>
-          <a:p>
-            <a:pPr lvl="1"/>
-            <a:r>
-              <a:rPr lang="en-US" dirty="0"/>
-              <a:t>Abstract class with a series of steps as abstract methods that are chained together in an implementation method.</a:t>
-            </a:r>
-          </a:p>
-          <a:p>
-            <a:pPr lvl="1"/>
-            <a:r>
-              <a:rPr lang="en-US" dirty="0"/>
-              <a:t>Concrete classes simply implement the steps.</a:t>
-            </a:r>
-          </a:p>
-          <a:p>
-            <a:r>
-              <a:rPr lang="en-US" b="1" dirty="0" err="1"/>
-              <a:t>checkStockTemplate</a:t>
-            </a:r>
-            <a:r>
-              <a:rPr lang="en-US" dirty="0"/>
-              <a:t> is a “higher order function” that takes IO dependency functions as </a:t>
-            </a:r>
-            <a:r>
-              <a:rPr lang="en-US" dirty="0" err="1"/>
-              <a:t>args</a:t>
-            </a:r>
-            <a:r>
-              <a:rPr lang="en-US" dirty="0"/>
-              <a:t> (along with the original </a:t>
-            </a:r>
-            <a:r>
-              <a:rPr lang="en-US" dirty="0" err="1"/>
-              <a:t>args</a:t>
-            </a:r>
-            <a:r>
-              <a:rPr lang="en-US" dirty="0"/>
-              <a:t>).  </a:t>
-            </a:r>
-          </a:p>
-          <a:p>
-            <a:pPr lvl="1"/>
-            <a:r>
-              <a:rPr lang="en-US" i="1" dirty="0"/>
-              <a:t>Dependency arguments (i.e. things that would be c’tor injected in C#) should always be modeled first.</a:t>
-            </a:r>
-          </a:p>
-          <a:p>
-            <a:r>
-              <a:rPr lang="en-US" dirty="0"/>
-              <a:t>The new </a:t>
-            </a:r>
-            <a:r>
-              <a:rPr lang="en-US" b="1" dirty="0" err="1"/>
-              <a:t>checkStock</a:t>
-            </a:r>
-            <a:r>
-              <a:rPr lang="en-US" dirty="0"/>
-              <a:t> function “builds up” the template function by </a:t>
-            </a:r>
-            <a:r>
-              <a:rPr lang="en-US" i="1" dirty="0"/>
-              <a:t>partially </a:t>
-            </a:r>
-            <a:r>
-              <a:rPr lang="en-US" dirty="0"/>
-              <a:t>applying the IO dependencies.</a:t>
-            </a:r>
-          </a:p>
-          <a:p>
-            <a:r>
-              <a:rPr lang="en-US" dirty="0"/>
-              <a:t>IO Dependencies in the template can be substituted in unit tests.</a:t>
-            </a:r>
-          </a:p>
-          <a:p>
-            <a:r>
-              <a:rPr lang="en-US" dirty="0"/>
-              <a:t>Fully Testable! (equivalent to C# sample)</a:t>
-            </a:r>
-          </a:p>
-          <a:p>
-            <a:endParaRPr lang="en-US" dirty="0"/>
-          </a:p>
-          <a:p>
-            <a:endParaRPr lang="en-US" i="1" dirty="0"/>
-          </a:p>
-          <a:p>
+            <a:off x="439322" y="2514600"/>
+            <a:ext cx="4114924" cy="3741738"/>
+          </a:xfrm>
+        </p:spPr>
+        <p:txBody>
+          <a:bodyPr/>
+          <a:lstStyle/>
+          <a:p>
+            <a:r>
+              <a:rPr lang="en-US" dirty="0"/>
+              <a:t>Double ticks make for nice test names</a:t>
+            </a:r>
+          </a:p>
+          <a:p>
+            <a:r>
+              <a:rPr lang="en-US" dirty="0"/>
+              <a:t>No mocking/stubbing required because pure functions are passed the data they need.</a:t>
+            </a:r>
+          </a:p>
+          <a:p>
+            <a:pPr marL="0" indent="0">
+              <a:buNone/>
+            </a:pPr>
             <a:endParaRPr lang="en-US" dirty="0"/>
           </a:p>
         </p:txBody>
       </p:sp>
       <p:pic>
         <p:nvPicPr>
-          <p:cNvPr id="7" name="Picture 6">
+          <p:cNvPr id="5" name="Picture 4">
             <a:extLst>
               <a:ext uri="{FF2B5EF4-FFF2-40B4-BE49-F238E27FC236}">
-                <a16:creationId xmlns:a16="http://schemas.microsoft.com/office/drawing/2014/main" id="{5E70B00D-D464-4B9C-AE34-ADD2ED913986}"/>
+                <a16:creationId xmlns:a16="http://schemas.microsoft.com/office/drawing/2014/main" id="{EB823251-392A-4D82-BC12-ECBAEA991544}"/>
               </a:ext>
             </a:extLst>
           </p:cNvPr>
@@ -9921,8 +10284,8 @@
         </p:blipFill>
         <p:spPr>
           <a:xfrm>
-            <a:off x="5936060" y="880299"/>
-            <a:ext cx="6001588" cy="5630061"/>
+            <a:off x="4476713" y="1905000"/>
+            <a:ext cx="7144747" cy="3162741"/>
           </a:xfrm>
           <a:prstGeom prst="rect">
             <a:avLst/>
@@ -9932,7 +10295,7 @@
     </p:spTree>
     <p:extLst>
       <p:ext uri="{BB962C8B-B14F-4D97-AF65-F5344CB8AC3E}">
-        <p14:creationId xmlns:p14="http://schemas.microsoft.com/office/powerpoint/2010/main" val="3569841036"/>
+        <p14:creationId xmlns:p14="http://schemas.microsoft.com/office/powerpoint/2010/main" val="727217493"/>
       </p:ext>
     </p:extLst>
   </p:cSld>
@@ -9964,7 +10327,7 @@
           <p:cNvPr id="2" name="Title 1">
             <a:extLst>
               <a:ext uri="{FF2B5EF4-FFF2-40B4-BE49-F238E27FC236}">
-                <a16:creationId xmlns:a16="http://schemas.microsoft.com/office/drawing/2014/main" id="{04330AE9-6454-4E85-99AC-30B789471F1E}"/>
+                <a16:creationId xmlns:a16="http://schemas.microsoft.com/office/drawing/2014/main" id="{1341C0BC-6303-44FB-B827-F5398384D143}"/>
               </a:ext>
             </a:extLst>
           </p:cNvPr>
@@ -9982,7 +10345,7 @@
           <a:p>
             <a:r>
               <a:rPr lang="en-US" dirty="0"/>
-              <a:t>F# - Phase 3 – Full Unit Testing</a:t>
+              <a:t>F# - Phase 3</a:t>
             </a:r>
           </a:p>
         </p:txBody>
@@ -9992,7 +10355,7 @@
           <p:cNvPr id="3" name="Text Placeholder 2">
             <a:extLst>
               <a:ext uri="{FF2B5EF4-FFF2-40B4-BE49-F238E27FC236}">
-                <a16:creationId xmlns:a16="http://schemas.microsoft.com/office/drawing/2014/main" id="{C7ABE8D2-E818-4A24-8C11-D4FD030038EA}"/>
+                <a16:creationId xmlns:a16="http://schemas.microsoft.com/office/drawing/2014/main" id="{EC2095B8-07ED-498E-9C7D-7EB3DB8DA399}"/>
               </a:ext>
             </a:extLst>
           </p:cNvPr>
@@ -10003,19 +10366,14 @@
             <p:ph type="body" idx="1"/>
           </p:nvPr>
         </p:nvSpPr>
-        <p:spPr>
-          <a:xfrm>
-            <a:off x="496734" y="1905000"/>
-            <a:ext cx="4172920" cy="576262"/>
-          </a:xfrm>
-        </p:spPr>
+        <p:spPr/>
         <p:txBody>
           <a:bodyPr/>
           <a:lstStyle/>
           <a:p>
             <a:r>
               <a:rPr lang="en-US" dirty="0"/>
-              <a:t>Notes</a:t>
+              <a:t>Make it fully testable!</a:t>
             </a:r>
           </a:p>
         </p:txBody>
@@ -10025,7 +10383,7 @@
           <p:cNvPr id="4" name="Content Placeholder 3">
             <a:extLst>
               <a:ext uri="{FF2B5EF4-FFF2-40B4-BE49-F238E27FC236}">
-                <a16:creationId xmlns:a16="http://schemas.microsoft.com/office/drawing/2014/main" id="{88607060-BC3F-48AE-89AE-007F726C9E02}"/>
+                <a16:creationId xmlns:a16="http://schemas.microsoft.com/office/drawing/2014/main" id="{BADB988E-89EC-48D1-B38F-840C95B29FA4}"/>
               </a:ext>
             </a:extLst>
           </p:cNvPr>
@@ -10038,71 +10396,40 @@
         </p:nvSpPr>
         <p:spPr>
           <a:xfrm>
-            <a:off x="496733" y="2514600"/>
-            <a:ext cx="4172921" cy="3741738"/>
-          </a:xfrm>
-        </p:spPr>
-        <p:txBody>
-          <a:bodyPr/>
-          <a:lstStyle/>
-          <a:p>
-            <a:r>
-              <a:rPr lang="en-US" dirty="0"/>
-              <a:t>IO dependency functions can easily be modeled as functions</a:t>
+            <a:off x="1103312" y="2514600"/>
+            <a:ext cx="8113412" cy="3741738"/>
+          </a:xfrm>
+        </p:spPr>
+        <p:txBody>
+          <a:bodyPr vert="horz" lIns="91440" tIns="45720" rIns="91440" bIns="45720" rtlCol="0" anchor="t">
+            <a:normAutofit/>
+          </a:bodyPr>
+          <a:lstStyle/>
+          <a:p>
+            <a:r>
+              <a:rPr lang="en-US" dirty="0"/>
+              <a:t>In Phase 2, we extracted only the business logic to make it testable.</a:t>
+            </a:r>
+          </a:p>
+          <a:p>
+            <a:r>
+              <a:rPr lang="en-US" dirty="0"/>
+              <a:t>In Phase 3, we want our feature function to no longer be "tightly coupled" to the IO implementations.  </a:t>
             </a:r>
           </a:p>
           <a:p>
             <a:pPr lvl="1"/>
             <a:r>
               <a:rPr lang="en-US" dirty="0"/>
-              <a:t>no mocking framework required</a:t>
-            </a:r>
-          </a:p>
-          <a:p>
-            <a:r>
-              <a:rPr lang="en-US" dirty="0"/>
-              <a:t>Testing the input args of dependencies is also very straight forward</a:t>
-            </a:r>
-          </a:p>
-          <a:p>
-            <a:endParaRPr lang="en-US" dirty="0"/>
-          </a:p>
-        </p:txBody>
-      </p:sp>
-      <p:pic>
-        <p:nvPicPr>
-          <p:cNvPr id="7" name="Picture 6">
-            <a:extLst>
-              <a:ext uri="{FF2B5EF4-FFF2-40B4-BE49-F238E27FC236}">
-                <a16:creationId xmlns:a16="http://schemas.microsoft.com/office/drawing/2014/main" id="{2E94A00E-3549-4D94-BA70-A8DE03CB951D}"/>
-              </a:ext>
-            </a:extLst>
-          </p:cNvPr>
-          <p:cNvPicPr>
-            <a:picLocks noChangeAspect="1"/>
-          </p:cNvPicPr>
-          <p:nvPr/>
-        </p:nvPicPr>
-        <p:blipFill>
-          <a:blip r:embed="rId2"/>
-          <a:stretch>
-            <a:fillRect/>
-          </a:stretch>
-        </p:blipFill>
-        <p:spPr>
-          <a:xfrm>
-            <a:off x="4743693" y="1615569"/>
-            <a:ext cx="7125694" cy="4372585"/>
-          </a:xfrm>
-          <a:prstGeom prst="rect">
-            <a:avLst/>
-          </a:prstGeom>
-        </p:spPr>
-      </p:pic>
+              <a:t>Instead, we want to inject the IO functions to allow us to pass in mocked implementations, like the fully testable C# example.</a:t>
+            </a:r>
+          </a:p>
+        </p:txBody>
+      </p:sp>
     </p:spTree>
     <p:extLst>
       <p:ext uri="{BB962C8B-B14F-4D97-AF65-F5344CB8AC3E}">
-        <p14:creationId xmlns:p14="http://schemas.microsoft.com/office/powerpoint/2010/main" val="229387714"/>
+        <p14:creationId xmlns:p14="http://schemas.microsoft.com/office/powerpoint/2010/main" val="1276997424"/>
       </p:ext>
     </p:extLst>
   </p:cSld>
@@ -10134,7 +10461,7 @@
           <p:cNvPr id="2" name="Title 1">
             <a:extLst>
               <a:ext uri="{FF2B5EF4-FFF2-40B4-BE49-F238E27FC236}">
-                <a16:creationId xmlns:a16="http://schemas.microsoft.com/office/drawing/2014/main" id="{FE1307B6-8205-4DBE-8AE8-3FDD4E40AE0D}"/>
+                <a16:creationId xmlns:a16="http://schemas.microsoft.com/office/drawing/2014/main" id="{169EB7D1-2F0C-4C33-9B68-39874BE6CDC2}"/>
               </a:ext>
             </a:extLst>
           </p:cNvPr>
@@ -10147,8 +10474,8 @@
         </p:nvSpPr>
         <p:spPr>
           <a:xfrm>
-            <a:off x="646111" y="452718"/>
-            <a:ext cx="9404723" cy="1400530"/>
+            <a:off x="646111" y="124236"/>
+            <a:ext cx="9404723" cy="1023895"/>
           </a:xfrm>
         </p:spPr>
         <p:txBody>
@@ -10157,17 +10484,17 @@
           <a:p>
             <a:r>
               <a:rPr lang="en-US" dirty="0"/>
-              <a:t>Side-by-side: Solution Layout</a:t>
-            </a:r>
-          </a:p>
-        </p:txBody>
-      </p:sp>
-      <p:sp>
-        <p:nvSpPr>
-          <p:cNvPr id="5" name="Text Placeholder 4">
+              <a:t>F# - Phase 2 –&gt; Phase 3 Refactor</a:t>
+            </a:r>
+          </a:p>
+        </p:txBody>
+      </p:sp>
+      <p:sp>
+        <p:nvSpPr>
+          <p:cNvPr id="20" name="Text Placeholder 19">
             <a:extLst>
               <a:ext uri="{FF2B5EF4-FFF2-40B4-BE49-F238E27FC236}">
-                <a16:creationId xmlns:a16="http://schemas.microsoft.com/office/drawing/2014/main" id="{293B56AD-0C12-4060-8B01-B61E934F12DB}"/>
+                <a16:creationId xmlns:a16="http://schemas.microsoft.com/office/drawing/2014/main" id="{C845D57F-B65A-429F-93BA-B3A20359FC47}"/>
               </a:ext>
             </a:extLst>
           </p:cNvPr>
@@ -10175,13 +10502,13 @@
             <a:spLocks noGrp="1"/>
           </p:cNvSpPr>
           <p:nvPr>
-            <p:ph type="body" sz="quarter" idx="3"/>
-          </p:nvPr>
-        </p:nvSpPr>
-        <p:spPr>
-          <a:xfrm>
-            <a:off x="726860" y="1905000"/>
-            <a:ext cx="4396339" cy="576262"/>
+            <p:ph type="body" idx="1"/>
+          </p:nvPr>
+        </p:nvSpPr>
+        <p:spPr>
+          <a:xfrm>
+            <a:off x="0" y="2162462"/>
+            <a:ext cx="4396338" cy="576262"/>
           </a:xfrm>
         </p:spPr>
         <p:txBody>
@@ -10190,17 +10517,17 @@
           <a:p>
             <a:r>
               <a:rPr lang="en-US" dirty="0"/>
-              <a:t>C#</a:t>
-            </a:r>
-          </a:p>
-        </p:txBody>
-      </p:sp>
-      <p:sp>
-        <p:nvSpPr>
-          <p:cNvPr id="6" name="Content Placeholder 5">
+              <a:t>Phase 2</a:t>
+            </a:r>
+          </a:p>
+        </p:txBody>
+      </p:sp>
+      <p:sp>
+        <p:nvSpPr>
+          <p:cNvPr id="22" name="Text Placeholder 21">
             <a:extLst>
               <a:ext uri="{FF2B5EF4-FFF2-40B4-BE49-F238E27FC236}">
-                <a16:creationId xmlns:a16="http://schemas.microsoft.com/office/drawing/2014/main" id="{7D772B96-99A3-4578-AA39-BD1EBF82A7A9}"/>
+                <a16:creationId xmlns:a16="http://schemas.microsoft.com/office/drawing/2014/main" id="{C26965E4-4241-4831-8BF0-6C604CA4C2A1}"/>
               </a:ext>
             </a:extLst>
           </p:cNvPr>
@@ -10208,56 +10535,117 @@
             <a:spLocks noGrp="1"/>
           </p:cNvSpPr>
           <p:nvPr>
-            <p:ph sz="quarter" idx="4"/>
-          </p:nvPr>
-        </p:nvSpPr>
-        <p:spPr>
-          <a:xfrm>
-            <a:off x="726861" y="2514600"/>
-            <a:ext cx="2788168" cy="3741738"/>
+            <p:ph type="body" sz="quarter" idx="3"/>
+          </p:nvPr>
+        </p:nvSpPr>
+        <p:spPr>
+          <a:xfrm>
+            <a:off x="6033854" y="2162462"/>
+            <a:ext cx="5444973" cy="576262"/>
+          </a:xfrm>
+        </p:spPr>
+        <p:txBody>
+          <a:bodyPr/>
+          <a:lstStyle/>
+          <a:p>
+            <a:r>
+              <a:rPr lang="en-US" dirty="0"/>
+              <a:t>Phase 3 (Extract to Template)</a:t>
+            </a:r>
+          </a:p>
+        </p:txBody>
+      </p:sp>
+      <p:sp>
+        <p:nvSpPr>
+          <p:cNvPr id="8" name="Content Placeholder 3">
+            <a:extLst>
+              <a:ext uri="{FF2B5EF4-FFF2-40B4-BE49-F238E27FC236}">
+                <a16:creationId xmlns:a16="http://schemas.microsoft.com/office/drawing/2014/main" id="{D6706BA8-9841-4A62-80AC-E45AACEFB50C}"/>
+              </a:ext>
+            </a:extLst>
+          </p:cNvPr>
+          <p:cNvSpPr>
+            <a:spLocks noGrp="1"/>
+          </p:cNvSpPr>
+          <p:nvPr>
+            <p:ph sz="half" idx="2"/>
+          </p:nvPr>
+        </p:nvSpPr>
+        <p:spPr>
+          <a:xfrm>
+            <a:off x="1280867" y="949912"/>
+            <a:ext cx="9061617" cy="1358282"/>
           </a:xfrm>
         </p:spPr>
         <p:txBody>
           <a:bodyPr>
-            <a:normAutofit lnSpcReduction="10000"/>
+            <a:normAutofit fontScale="92500" lnSpcReduction="20000"/>
           </a:bodyPr>
           <a:lstStyle/>
           <a:p>
             <a:r>
               <a:rPr lang="en-US" dirty="0"/>
-              <a:t>Entities are often </a:t>
-            </a:r>
-            <a:br>
-              <a:rPr lang="en-US" dirty="0"/>
-            </a:br>
-            <a:r>
-              <a:rPr lang="en-US" dirty="0"/>
-              <a:t>1-file-per-class</a:t>
-            </a:r>
-          </a:p>
-          <a:p>
-            <a:endParaRPr lang="en-US" dirty="0"/>
-          </a:p>
-          <a:p>
-            <a:r>
-              <a:rPr lang="en-US" dirty="0"/>
-              <a:t>Interfaces are necessary for testability; and they are often used even if no tests are written to adhere to best practices (loose coupling).</a:t>
-            </a:r>
-          </a:p>
-          <a:p>
-            <a:r>
-              <a:rPr lang="en-US" dirty="0"/>
-              <a:t>Files listed in ABC order</a:t>
+              <a:t>1) Create a </a:t>
+            </a:r>
+            <a:r>
+              <a:rPr lang="en-US" i="1" dirty="0"/>
+              <a:t>Template</a:t>
+            </a:r>
+            <a:r>
+              <a:rPr lang="en-US" dirty="0"/>
+              <a:t> “higher order function”</a:t>
+            </a:r>
+          </a:p>
+          <a:p>
+            <a:r>
+              <a:rPr lang="en-US" dirty="0"/>
+              <a:t>2) Pass in IO functions as dependencies (using F# Type Inference)</a:t>
+            </a:r>
+          </a:p>
+          <a:p>
+            <a:r>
+              <a:rPr lang="en-US" dirty="0"/>
+              <a:t>3) Replace </a:t>
+            </a:r>
+            <a:r>
+              <a:rPr lang="en-US" i="1" dirty="0"/>
+              <a:t>tightly coupled</a:t>
+            </a:r>
+            <a:r>
+              <a:rPr lang="en-US" dirty="0"/>
+              <a:t> IO calls with </a:t>
+            </a:r>
+            <a:r>
+              <a:rPr lang="en-US" i="1" dirty="0"/>
+              <a:t>loosely coupled</a:t>
+            </a:r>
+            <a:r>
+              <a:rPr lang="en-US" dirty="0"/>
+              <a:t> injected functions</a:t>
+            </a:r>
+          </a:p>
+          <a:p>
+            <a:r>
+              <a:rPr lang="en-US" dirty="0"/>
+              <a:t>4) Recreate the feature function as a </a:t>
+            </a:r>
+            <a:r>
+              <a:rPr lang="en-US" b="1" dirty="0"/>
+              <a:t>partially applied</a:t>
+            </a:r>
+            <a:r>
+              <a:rPr lang="en-US" dirty="0"/>
+              <a:t> version of the template</a:t>
             </a:r>
           </a:p>
         </p:txBody>
       </p:sp>
       <p:pic>
         <p:nvPicPr>
-          <p:cNvPr id="10" name="Picture 9">
+          <p:cNvPr id="24" name="Picture 24" descr="A screenshot of a computer screen&#10;&#10;Description generated with very high confidence">
             <a:extLst>
               <a:ext uri="{FF2B5EF4-FFF2-40B4-BE49-F238E27FC236}">
-                <a16:creationId xmlns:a16="http://schemas.microsoft.com/office/drawing/2014/main" id="{64DC9CC8-69FC-4E1E-8091-9CDC9BA54535}"/>
+                <a16:creationId xmlns:a16="http://schemas.microsoft.com/office/drawing/2014/main" id="{EE1F86E9-AACB-41D8-975F-2DA1A812F914}"/>
               </a:ext>
             </a:extLst>
           </p:cNvPr>
@@ -10274,109 +10662,20 @@
         </p:blipFill>
         <p:spPr>
           <a:xfrm>
-            <a:off x="3646058" y="2533014"/>
-            <a:ext cx="2343150" cy="3248025"/>
+            <a:off x="44824" y="2789487"/>
+            <a:ext cx="5997388" cy="2847849"/>
           </a:xfrm>
           <a:prstGeom prst="rect">
             <a:avLst/>
           </a:prstGeom>
         </p:spPr>
       </p:pic>
-      <p:sp>
-        <p:nvSpPr>
-          <p:cNvPr id="13" name="Text Placeholder 2">
+      <p:pic>
+        <p:nvPicPr>
+          <p:cNvPr id="28" name="Picture 28" descr="A screenshot of a cell phone&#10;&#10;Description generated with very high confidence">
             <a:extLst>
               <a:ext uri="{FF2B5EF4-FFF2-40B4-BE49-F238E27FC236}">
-                <a16:creationId xmlns:a16="http://schemas.microsoft.com/office/drawing/2014/main" id="{B8ED4B78-3338-49B5-85CD-F88DDB456EDF}"/>
-              </a:ext>
-            </a:extLst>
-          </p:cNvPr>
-          <p:cNvSpPr>
-            <a:spLocks noGrp="1"/>
-          </p:cNvSpPr>
-          <p:nvPr>
-            <p:ph type="body" idx="1"/>
-          </p:nvPr>
-        </p:nvSpPr>
-        <p:spPr>
-          <a:xfrm>
-            <a:off x="6660410" y="1905000"/>
-            <a:ext cx="4396338" cy="576262"/>
-          </a:xfrm>
-        </p:spPr>
-        <p:txBody>
-          <a:bodyPr/>
-          <a:lstStyle/>
-          <a:p>
-            <a:r>
-              <a:rPr lang="en-US" dirty="0"/>
-              <a:t>F#</a:t>
-            </a:r>
-          </a:p>
-        </p:txBody>
-      </p:sp>
-      <p:sp>
-        <p:nvSpPr>
-          <p:cNvPr id="14" name="Content Placeholder 3">
-            <a:extLst>
-              <a:ext uri="{FF2B5EF4-FFF2-40B4-BE49-F238E27FC236}">
-                <a16:creationId xmlns:a16="http://schemas.microsoft.com/office/drawing/2014/main" id="{96D479C2-1C64-445C-AE99-5B6A15381E3E}"/>
-              </a:ext>
-            </a:extLst>
-          </p:cNvPr>
-          <p:cNvSpPr>
-            <a:spLocks noGrp="1"/>
-          </p:cNvSpPr>
-          <p:nvPr>
-            <p:ph sz="half" idx="2"/>
-          </p:nvPr>
-        </p:nvSpPr>
-        <p:spPr>
-          <a:xfrm>
-            <a:off x="6600521" y="2514600"/>
-            <a:ext cx="2788168" cy="3741738"/>
-          </a:xfrm>
-        </p:spPr>
-        <p:txBody>
-          <a:bodyPr>
-            <a:normAutofit lnSpcReduction="10000"/>
-          </a:bodyPr>
-          <a:lstStyle/>
-          <a:p>
-            <a:r>
-              <a:rPr lang="en-US" dirty="0"/>
-              <a:t>Entities often live in modules alongside functions</a:t>
-            </a:r>
-          </a:p>
-          <a:p>
-            <a:r>
-              <a:rPr lang="en-US" dirty="0"/>
-              <a:t>Interfaces are never needed for testability or loose coupling.</a:t>
-            </a:r>
-          </a:p>
-          <a:p>
-            <a:endParaRPr lang="en-US" dirty="0"/>
-          </a:p>
-          <a:p>
-            <a:endParaRPr lang="en-US" dirty="0"/>
-          </a:p>
-          <a:p>
-            <a:endParaRPr lang="en-US" dirty="0"/>
-          </a:p>
-          <a:p>
-            <a:r>
-              <a:rPr lang="en-US" dirty="0"/>
-              <a:t>Files are order dependent</a:t>
-            </a:r>
-          </a:p>
-        </p:txBody>
-      </p:sp>
-      <p:pic>
-        <p:nvPicPr>
-          <p:cNvPr id="15" name="Picture 14">
-            <a:extLst>
-              <a:ext uri="{FF2B5EF4-FFF2-40B4-BE49-F238E27FC236}">
-                <a16:creationId xmlns:a16="http://schemas.microsoft.com/office/drawing/2014/main" id="{1624C5AE-FFA2-4D75-84AE-ABAB4E2783AC}"/>
+                <a16:creationId xmlns:a16="http://schemas.microsoft.com/office/drawing/2014/main" id="{3AA3DC1C-CA9F-45CA-8110-379204D108F6}"/>
               </a:ext>
             </a:extLst>
           </p:cNvPr>
@@ -10393,8 +10692,38 @@
         </p:blipFill>
         <p:spPr>
           <a:xfrm>
-            <a:off x="9388689" y="2533014"/>
-            <a:ext cx="2076450" cy="1552575"/>
+            <a:off x="6069106" y="2791552"/>
+            <a:ext cx="5997388" cy="2843720"/>
+          </a:xfrm>
+          <a:prstGeom prst="rect">
+            <a:avLst/>
+          </a:prstGeom>
+        </p:spPr>
+      </p:pic>
+      <p:pic>
+        <p:nvPicPr>
+          <p:cNvPr id="30" name="Picture 30" descr="A screenshot of a cell phone&#10;&#10;Description generated with high confidence">
+            <a:extLst>
+              <a:ext uri="{FF2B5EF4-FFF2-40B4-BE49-F238E27FC236}">
+                <a16:creationId xmlns:a16="http://schemas.microsoft.com/office/drawing/2014/main" id="{DD4FA5E7-840C-43DB-A9A8-D8660CB69971}"/>
+              </a:ext>
+            </a:extLst>
+          </p:cNvPr>
+          <p:cNvPicPr>
+            <a:picLocks noChangeAspect="1"/>
+          </p:cNvPicPr>
+          <p:nvPr/>
+        </p:nvPicPr>
+        <p:blipFill>
+          <a:blip r:embed="rId4"/>
+          <a:stretch>
+            <a:fillRect/>
+          </a:stretch>
+        </p:blipFill>
+        <p:spPr>
+          <a:xfrm>
+            <a:off x="6069106" y="5633697"/>
+            <a:ext cx="5997388" cy="987359"/>
           </a:xfrm>
           <a:prstGeom prst="rect">
             <a:avLst/>
@@ -10404,13 +10733,88 @@
     </p:spTree>
     <p:extLst>
       <p:ext uri="{BB962C8B-B14F-4D97-AF65-F5344CB8AC3E}">
-        <p14:creationId xmlns:p14="http://schemas.microsoft.com/office/powerpoint/2010/main" val="45220065"/>
+        <p14:creationId xmlns:p14="http://schemas.microsoft.com/office/powerpoint/2010/main" val="3181213068"/>
       </p:ext>
     </p:extLst>
   </p:cSld>
   <p:clrMapOvr>
     <a:masterClrMapping/>
   </p:clrMapOvr>
+  <p:timing>
+    <p:tnLst>
+      <p:par>
+        <p:cTn id="1" dur="indefinite" restart="never" nodeType="tmRoot">
+          <p:childTnLst>
+            <p:seq concurrent="1" nextAc="seek">
+              <p:cTn id="2" dur="indefinite" nodeType="mainSeq">
+                <p:childTnLst>
+                  <p:par>
+                    <p:cTn id="3" fill="hold">
+                      <p:stCondLst>
+                        <p:cond delay="indefinite"/>
+                      </p:stCondLst>
+                      <p:childTnLst>
+                        <p:par>
+                          <p:cTn id="4" fill="hold">
+                            <p:stCondLst>
+                              <p:cond delay="0"/>
+                            </p:stCondLst>
+                            <p:childTnLst>
+                              <p:par>
+                                <p:cTn id="5" presetID="1" presetClass="entr" presetSubtype="0" fill="hold" nodeType="clickEffect">
+                                  <p:stCondLst>
+                                    <p:cond delay="0"/>
+                                  </p:stCondLst>
+                                  <p:childTnLst>
+                                    <p:set>
+                                      <p:cBhvr>
+                                        <p:cTn id="6" dur="1" fill="hold">
+                                          <p:stCondLst>
+                                            <p:cond delay="0"/>
+                                          </p:stCondLst>
+                                        </p:cTn>
+                                        <p:tgtEl>
+                                          <p:spTgt spid="30"/>
+                                        </p:tgtEl>
+                                        <p:attrNameLst>
+                                          <p:attrName>style.visibility</p:attrName>
+                                        </p:attrNameLst>
+                                      </p:cBhvr>
+                                      <p:to>
+                                        <p:strVal val="visible"/>
+                                      </p:to>
+                                    </p:set>
+                                  </p:childTnLst>
+                                </p:cTn>
+                              </p:par>
+                            </p:childTnLst>
+                          </p:cTn>
+                        </p:par>
+                      </p:childTnLst>
+                    </p:cTn>
+                  </p:par>
+                </p:childTnLst>
+              </p:cTn>
+              <p:prevCondLst>
+                <p:cond evt="onPrev" delay="0">
+                  <p:tgtEl>
+                    <p:sldTgt/>
+                  </p:tgtEl>
+                </p:cond>
+              </p:prevCondLst>
+              <p:nextCondLst>
+                <p:cond evt="onNext" delay="0">
+                  <p:tgtEl>
+                    <p:sldTgt/>
+                  </p:tgtEl>
+                </p:cond>
+              </p:nextCondLst>
+            </p:seq>
+          </p:childTnLst>
+        </p:cTn>
+      </p:par>
+    </p:tnLst>
+  </p:timing>
 </p:sld>
 </file>
 
@@ -10436,7 +10840,7 @@
           <p:cNvPr id="2" name="Title 1">
             <a:extLst>
               <a:ext uri="{FF2B5EF4-FFF2-40B4-BE49-F238E27FC236}">
-                <a16:creationId xmlns:a16="http://schemas.microsoft.com/office/drawing/2014/main" id="{92FC65F2-A61F-4170-8ED9-19A12762CC2D}"/>
+                <a16:creationId xmlns:a16="http://schemas.microsoft.com/office/drawing/2014/main" id="{986625FC-F365-4AD8-B964-3D1B1E3101D7}"/>
               </a:ext>
             </a:extLst>
           </p:cNvPr>
@@ -10454,7 +10858,7 @@
           <a:p>
             <a:r>
               <a:rPr lang="en-US" dirty="0"/>
-              <a:t>Side-by-side: Database</a:t>
+              <a:t>F# - Phase 3</a:t>
             </a:r>
           </a:p>
         </p:txBody>
@@ -10464,7 +10868,7 @@
           <p:cNvPr id="3" name="Text Placeholder 2">
             <a:extLst>
               <a:ext uri="{FF2B5EF4-FFF2-40B4-BE49-F238E27FC236}">
-                <a16:creationId xmlns:a16="http://schemas.microsoft.com/office/drawing/2014/main" id="{10EA2A3A-A1E2-4520-943D-95094FFD30B2}"/>
+                <a16:creationId xmlns:a16="http://schemas.microsoft.com/office/drawing/2014/main" id="{60D87FB1-C327-4CF9-A7DC-043CB8FAED22}"/>
               </a:ext>
             </a:extLst>
           </p:cNvPr>
@@ -10477,8 +10881,8 @@
         </p:nvSpPr>
         <p:spPr>
           <a:xfrm>
-            <a:off x="319597" y="997447"/>
-            <a:ext cx="4396338" cy="576262"/>
+            <a:off x="739327" y="1514378"/>
+            <a:ext cx="4933503" cy="576262"/>
           </a:xfrm>
         </p:spPr>
         <p:txBody>
@@ -10487,22 +10891,17 @@
           <a:p>
             <a:r>
               <a:rPr lang="en-US" dirty="0"/>
-              <a:t>C# - </a:t>
-            </a:r>
-            <a:r>
-              <a:rPr lang="en-US" dirty="0" err="1"/>
-              <a:t>Database.cs</a:t>
-            </a:r>
-            <a:endParaRPr lang="en-US" dirty="0"/>
-          </a:p>
-        </p:txBody>
-      </p:sp>
-      <p:sp>
-        <p:nvSpPr>
-          <p:cNvPr id="5" name="Text Placeholder 4">
+              <a:t>Notes</a:t>
+            </a:r>
+          </a:p>
+        </p:txBody>
+      </p:sp>
+      <p:sp>
+        <p:nvSpPr>
+          <p:cNvPr id="4" name="Content Placeholder 3">
             <a:extLst>
               <a:ext uri="{FF2B5EF4-FFF2-40B4-BE49-F238E27FC236}">
-                <a16:creationId xmlns:a16="http://schemas.microsoft.com/office/drawing/2014/main" id="{05A6D049-CA1A-4163-884F-B24572F5FD12}"/>
+                <a16:creationId xmlns:a16="http://schemas.microsoft.com/office/drawing/2014/main" id="{F3218215-3139-4576-839D-4A3E1498B9D3}"/>
               </a:ext>
             </a:extLst>
           </p:cNvPr>
@@ -10510,27 +10909,122 @@
             <a:spLocks noGrp="1"/>
           </p:cNvSpPr>
           <p:nvPr>
-            <p:ph type="body" sz="quarter" idx="3"/>
-          </p:nvPr>
-        </p:nvSpPr>
-        <p:spPr>
-          <a:xfrm>
-            <a:off x="6085063" y="997447"/>
-            <a:ext cx="4396339" cy="576262"/>
-          </a:xfrm>
-        </p:spPr>
-        <p:txBody>
-          <a:bodyPr/>
-          <a:lstStyle/>
-          <a:p>
-            <a:r>
-              <a:rPr lang="en-US" dirty="0"/>
-              <a:t>F# - </a:t>
+            <p:ph sz="half" idx="2"/>
+          </p:nvPr>
+        </p:nvSpPr>
+        <p:spPr>
+          <a:xfrm>
+            <a:off x="739327" y="2123978"/>
+            <a:ext cx="4933504" cy="4125902"/>
+          </a:xfrm>
+        </p:spPr>
+        <p:txBody>
+          <a:bodyPr>
+            <a:normAutofit fontScale="77500" lnSpcReduction="20000"/>
+          </a:bodyPr>
+          <a:lstStyle/>
+          <a:p>
+            <a:r>
+              <a:rPr lang="en-US" dirty="0"/>
+              <a:t>I call it a template because it’s like the </a:t>
             </a:r>
             <a:r>
               <a:rPr lang="en-US" dirty="0" err="1"/>
-              <a:t>Database.fs</a:t>
-            </a:r>
+              <a:t>GoF</a:t>
+            </a:r>
+            <a:r>
+              <a:rPr lang="en-US" dirty="0"/>
+              <a:t> “Template” pattern.</a:t>
+            </a:r>
+          </a:p>
+          <a:p>
+            <a:pPr lvl="1"/>
+            <a:r>
+              <a:rPr lang="en-US" dirty="0"/>
+              <a:t>Abstract class with a series of steps as abstract methods that are chained together in an implementation method.</a:t>
+            </a:r>
+          </a:p>
+          <a:p>
+            <a:pPr lvl="1"/>
+            <a:r>
+              <a:rPr lang="en-US" dirty="0"/>
+              <a:t>Concrete classes simply implement the steps.</a:t>
+            </a:r>
+          </a:p>
+          <a:p>
+            <a:r>
+              <a:rPr lang="en-US" b="1" dirty="0" err="1"/>
+              <a:t>checkStockTemplate</a:t>
+            </a:r>
+            <a:r>
+              <a:rPr lang="en-US" dirty="0"/>
+              <a:t> is a “higher order function” that takes IO dependency functions as </a:t>
+            </a:r>
+            <a:r>
+              <a:rPr lang="en-US" dirty="0" err="1"/>
+              <a:t>args</a:t>
+            </a:r>
+            <a:r>
+              <a:rPr lang="en-US" dirty="0"/>
+              <a:t> (along with the original </a:t>
+            </a:r>
+            <a:r>
+              <a:rPr lang="en-US" dirty="0" err="1"/>
+              <a:t>args</a:t>
+            </a:r>
+            <a:r>
+              <a:rPr lang="en-US" dirty="0"/>
+              <a:t>).  </a:t>
+            </a:r>
+          </a:p>
+          <a:p>
+            <a:pPr lvl="1"/>
+            <a:r>
+              <a:rPr lang="en-US" i="1" dirty="0"/>
+              <a:t>Dependency arguments (i.e. things that would be c’tor injected in C#) should always be modeled first.</a:t>
+            </a:r>
+          </a:p>
+          <a:p>
+            <a:r>
+              <a:rPr lang="en-US" dirty="0"/>
+              <a:t>The new </a:t>
+            </a:r>
+            <a:r>
+              <a:rPr lang="en-US" b="1" dirty="0" err="1"/>
+              <a:t>checkStock</a:t>
+            </a:r>
+            <a:r>
+              <a:rPr lang="en-US" dirty="0"/>
+              <a:t> function “builds up” the template function by </a:t>
+            </a:r>
+            <a:r>
+              <a:rPr lang="en-US" i="1" dirty="0"/>
+              <a:t>partially </a:t>
+            </a:r>
+            <a:r>
+              <a:rPr lang="en-US" dirty="0"/>
+              <a:t>applying the IO dependencies.</a:t>
+            </a:r>
+          </a:p>
+          <a:p>
+            <a:r>
+              <a:rPr lang="en-US" dirty="0"/>
+              <a:t>IO Dependencies in the template can be substituted in unit tests.</a:t>
+            </a:r>
+          </a:p>
+          <a:p>
+            <a:r>
+              <a:rPr lang="en-US" dirty="0"/>
+              <a:t>Fully Testable! (equivalent to C# sample)</a:t>
+            </a:r>
+          </a:p>
+          <a:p>
+            <a:endParaRPr lang="en-US" dirty="0"/>
+          </a:p>
+          <a:p>
+            <a:endParaRPr lang="en-US" i="1" dirty="0"/>
+          </a:p>
+          <a:p>
             <a:endParaRPr lang="en-US" dirty="0"/>
           </a:p>
         </p:txBody>
@@ -10540,7 +11034,7 @@
           <p:cNvPr id="7" name="Picture 6">
             <a:extLst>
               <a:ext uri="{FF2B5EF4-FFF2-40B4-BE49-F238E27FC236}">
-                <a16:creationId xmlns:a16="http://schemas.microsoft.com/office/drawing/2014/main" id="{0EC10273-42A0-448A-BA4D-D85A7518FB2B}"/>
+                <a16:creationId xmlns:a16="http://schemas.microsoft.com/office/drawing/2014/main" id="{5E70B00D-D464-4B9C-AE34-ADD2ED913986}"/>
               </a:ext>
             </a:extLst>
           </p:cNvPr>
@@ -10557,38 +11051,8 @@
         </p:blipFill>
         <p:spPr>
           <a:xfrm>
-            <a:off x="319597" y="1604092"/>
-            <a:ext cx="5776403" cy="5182838"/>
-          </a:xfrm>
-          <a:prstGeom prst="rect">
-            <a:avLst/>
-          </a:prstGeom>
-        </p:spPr>
-      </p:pic>
-      <p:pic>
-        <p:nvPicPr>
-          <p:cNvPr id="9" name="Picture 8">
-            <a:extLst>
-              <a:ext uri="{FF2B5EF4-FFF2-40B4-BE49-F238E27FC236}">
-                <a16:creationId xmlns:a16="http://schemas.microsoft.com/office/drawing/2014/main" id="{61E13E98-2B92-4D4E-BD2E-103A82F028E9}"/>
-              </a:ext>
-            </a:extLst>
-          </p:cNvPr>
-          <p:cNvPicPr>
-            <a:picLocks noChangeAspect="1"/>
-          </p:cNvPicPr>
-          <p:nvPr/>
-        </p:nvPicPr>
-        <p:blipFill>
-          <a:blip r:embed="rId3"/>
-          <a:stretch>
-            <a:fillRect/>
-          </a:stretch>
-        </p:blipFill>
-        <p:spPr>
-          <a:xfrm>
-            <a:off x="6200728" y="1604092"/>
-            <a:ext cx="5791877" cy="3926696"/>
+            <a:off x="5936060" y="880299"/>
+            <a:ext cx="6001588" cy="5630061"/>
           </a:xfrm>
           <a:prstGeom prst="rect">
             <a:avLst/>
@@ -10598,7 +11062,7 @@
     </p:spTree>
     <p:extLst>
       <p:ext uri="{BB962C8B-B14F-4D97-AF65-F5344CB8AC3E}">
-        <p14:creationId xmlns:p14="http://schemas.microsoft.com/office/powerpoint/2010/main" val="912934630"/>
+        <p14:creationId xmlns:p14="http://schemas.microsoft.com/office/powerpoint/2010/main" val="3569841036"/>
       </p:ext>
     </p:extLst>
   </p:cSld>
@@ -10630,7 +11094,7 @@
           <p:cNvPr id="2" name="Title 1">
             <a:extLst>
               <a:ext uri="{FF2B5EF4-FFF2-40B4-BE49-F238E27FC236}">
-                <a16:creationId xmlns:a16="http://schemas.microsoft.com/office/drawing/2014/main" id="{CD9999A5-805A-4B1A-85AA-B4D5D4FEA64C}"/>
+                <a16:creationId xmlns:a16="http://schemas.microsoft.com/office/drawing/2014/main" id="{04330AE9-6454-4E85-99AC-30B789471F1E}"/>
               </a:ext>
             </a:extLst>
           </p:cNvPr>
@@ -10648,13 +11112,8 @@
           <a:p>
             <a:r>
               <a:rPr lang="en-US" dirty="0"/>
-              <a:t>Side-by-side: </a:t>
-            </a:r>
-            <a:r>
-              <a:rPr lang="en-US" dirty="0" err="1"/>
-              <a:t>StockApi</a:t>
-            </a:r>
-            <a:endParaRPr lang="en-US" dirty="0"/>
+              <a:t>F# - Phase 3 – Full Unit Testing</a:t>
+            </a:r>
           </a:p>
         </p:txBody>
       </p:sp>
@@ -10663,7 +11122,7 @@
           <p:cNvPr id="3" name="Text Placeholder 2">
             <a:extLst>
               <a:ext uri="{FF2B5EF4-FFF2-40B4-BE49-F238E27FC236}">
-                <a16:creationId xmlns:a16="http://schemas.microsoft.com/office/drawing/2014/main" id="{FFFE4E01-A40C-451F-B06D-97B01E5447E3}"/>
+                <a16:creationId xmlns:a16="http://schemas.microsoft.com/office/drawing/2014/main" id="{C7ABE8D2-E818-4A24-8C11-D4FD030038EA}"/>
               </a:ext>
             </a:extLst>
           </p:cNvPr>
@@ -10676,8 +11135,8 @@
         </p:nvSpPr>
         <p:spPr>
           <a:xfrm>
-            <a:off x="75113" y="1541015"/>
-            <a:ext cx="4396338" cy="576262"/>
+            <a:off x="496734" y="1905000"/>
+            <a:ext cx="4172920" cy="576262"/>
           </a:xfrm>
         </p:spPr>
         <p:txBody>
@@ -10686,22 +11145,17 @@
           <a:p>
             <a:r>
               <a:rPr lang="en-US" dirty="0"/>
-              <a:t>C#: </a:t>
-            </a:r>
-            <a:r>
-              <a:rPr lang="en-US" dirty="0" err="1"/>
-              <a:t>StockApi.cs</a:t>
-            </a:r>
-            <a:endParaRPr lang="en-US" dirty="0"/>
-          </a:p>
-        </p:txBody>
-      </p:sp>
-      <p:sp>
-        <p:nvSpPr>
-          <p:cNvPr id="5" name="Text Placeholder 4">
+              <a:t>Notes</a:t>
+            </a:r>
+          </a:p>
+        </p:txBody>
+      </p:sp>
+      <p:sp>
+        <p:nvSpPr>
+          <p:cNvPr id="4" name="Content Placeholder 3">
             <a:extLst>
               <a:ext uri="{FF2B5EF4-FFF2-40B4-BE49-F238E27FC236}">
-                <a16:creationId xmlns:a16="http://schemas.microsoft.com/office/drawing/2014/main" id="{06B0338F-E234-4316-8F81-E862FA31808E}"/>
+                <a16:creationId xmlns:a16="http://schemas.microsoft.com/office/drawing/2014/main" id="{88607060-BC3F-48AE-89AE-007F726C9E02}"/>
               </a:ext>
             </a:extLst>
           </p:cNvPr>
@@ -10709,13 +11163,13 @@
             <a:spLocks noGrp="1"/>
           </p:cNvSpPr>
           <p:nvPr>
-            <p:ph type="body" sz="quarter" idx="3"/>
-          </p:nvPr>
-        </p:nvSpPr>
-        <p:spPr>
-          <a:xfrm>
-            <a:off x="7128187" y="1541015"/>
-            <a:ext cx="4396339" cy="576262"/>
+            <p:ph sz="half" idx="2"/>
+          </p:nvPr>
+        </p:nvSpPr>
+        <p:spPr>
+          <a:xfrm>
+            <a:off x="496733" y="2514600"/>
+            <a:ext cx="4172921" cy="3741738"/>
           </a:xfrm>
         </p:spPr>
         <p:txBody>
@@ -10724,12 +11178,23 @@
           <a:p>
             <a:r>
               <a:rPr lang="en-US" dirty="0"/>
-              <a:t>F#: </a:t>
-            </a:r>
-            <a:r>
-              <a:rPr lang="en-US" dirty="0" err="1"/>
-              <a:t>StockApi.fs</a:t>
-            </a:r>
+              <a:t>IO dependency functions can easily be modeled as functions</a:t>
+            </a:r>
+          </a:p>
+          <a:p>
+            <a:pPr lvl="1"/>
+            <a:r>
+              <a:rPr lang="en-US" dirty="0"/>
+              <a:t>no mocking framework required</a:t>
+            </a:r>
+          </a:p>
+          <a:p>
+            <a:r>
+              <a:rPr lang="en-US" dirty="0"/>
+              <a:t>Testing the input args of dependencies is also very straight forward</a:t>
+            </a:r>
+          </a:p>
+          <a:p>
             <a:endParaRPr lang="en-US" dirty="0"/>
           </a:p>
         </p:txBody>
@@ -10739,7 +11204,7 @@
           <p:cNvPr id="7" name="Picture 6">
             <a:extLst>
               <a:ext uri="{FF2B5EF4-FFF2-40B4-BE49-F238E27FC236}">
-                <a16:creationId xmlns:a16="http://schemas.microsoft.com/office/drawing/2014/main" id="{392AEB5C-7356-4665-9492-F61A0BBB727C}"/>
+                <a16:creationId xmlns:a16="http://schemas.microsoft.com/office/drawing/2014/main" id="{2E94A00E-3549-4D94-BA70-A8DE03CB951D}"/>
               </a:ext>
             </a:extLst>
           </p:cNvPr>
@@ -10756,38 +11221,8 @@
         </p:blipFill>
         <p:spPr>
           <a:xfrm>
-            <a:off x="75113" y="2117277"/>
-            <a:ext cx="6963747" cy="4201111"/>
-          </a:xfrm>
-          <a:prstGeom prst="rect">
-            <a:avLst/>
-          </a:prstGeom>
-        </p:spPr>
-      </p:pic>
-      <p:pic>
-        <p:nvPicPr>
-          <p:cNvPr id="10" name="Picture 9">
-            <a:extLst>
-              <a:ext uri="{FF2B5EF4-FFF2-40B4-BE49-F238E27FC236}">
-                <a16:creationId xmlns:a16="http://schemas.microsoft.com/office/drawing/2014/main" id="{C77C6D71-77C1-48EA-AEC3-8D71A5F441AB}"/>
-              </a:ext>
-            </a:extLst>
-          </p:cNvPr>
-          <p:cNvPicPr>
-            <a:picLocks noChangeAspect="1"/>
-          </p:cNvPicPr>
-          <p:nvPr/>
-        </p:nvPicPr>
-        <p:blipFill>
-          <a:blip r:embed="rId3"/>
-          <a:stretch>
-            <a:fillRect/>
-          </a:stretch>
-        </p:blipFill>
-        <p:spPr>
-          <a:xfrm>
-            <a:off x="7190333" y="2117277"/>
-            <a:ext cx="4848902" cy="2905530"/>
+            <a:off x="4743693" y="1615569"/>
+            <a:ext cx="7125694" cy="4372585"/>
           </a:xfrm>
           <a:prstGeom prst="rect">
             <a:avLst/>
@@ -10797,7 +11232,7 @@
     </p:spTree>
     <p:extLst>
       <p:ext uri="{BB962C8B-B14F-4D97-AF65-F5344CB8AC3E}">
-        <p14:creationId xmlns:p14="http://schemas.microsoft.com/office/powerpoint/2010/main" val="1329166653"/>
+        <p14:creationId xmlns:p14="http://schemas.microsoft.com/office/powerpoint/2010/main" val="229387714"/>
       </p:ext>
     </p:extLst>
   </p:cSld>
@@ -10829,7 +11264,7 @@
           <p:cNvPr id="2" name="Title 1">
             <a:extLst>
               <a:ext uri="{FF2B5EF4-FFF2-40B4-BE49-F238E27FC236}">
-                <a16:creationId xmlns:a16="http://schemas.microsoft.com/office/drawing/2014/main" id="{36C21FA3-B9ED-4185-9FB9-EC4E9832AF60}"/>
+                <a16:creationId xmlns:a16="http://schemas.microsoft.com/office/drawing/2014/main" id="{FE1307B6-8205-4DBE-8AE8-3FDD4E40AE0D}"/>
               </a:ext>
             </a:extLst>
           </p:cNvPr>
@@ -10840,24 +11275,29 @@
             <p:ph type="title"/>
           </p:nvPr>
         </p:nvSpPr>
-        <p:spPr/>
+        <p:spPr>
+          <a:xfrm>
+            <a:off x="646111" y="452718"/>
+            <a:ext cx="9404723" cy="1400530"/>
+          </a:xfrm>
+        </p:spPr>
         <p:txBody>
           <a:bodyPr/>
           <a:lstStyle/>
           <a:p>
             <a:r>
               <a:rPr lang="en-US" dirty="0"/>
-              <a:t>BONUS: Domain Driven Design</a:t>
-            </a:r>
-          </a:p>
-        </p:txBody>
-      </p:sp>
-      <p:sp>
-        <p:nvSpPr>
-          <p:cNvPr id="3" name="Text Placeholder 2">
+              <a:t>Side-by-side: Solution Layout</a:t>
+            </a:r>
+          </a:p>
+        </p:txBody>
+      </p:sp>
+      <p:sp>
+        <p:nvSpPr>
+          <p:cNvPr id="5" name="Text Placeholder 4">
             <a:extLst>
               <a:ext uri="{FF2B5EF4-FFF2-40B4-BE49-F238E27FC236}">
-                <a16:creationId xmlns:a16="http://schemas.microsoft.com/office/drawing/2014/main" id="{AE90A1F2-E109-4FE6-BCB8-58E1EC25A393}"/>
+                <a16:creationId xmlns:a16="http://schemas.microsoft.com/office/drawing/2014/main" id="{293B56AD-0C12-4060-8B01-B61E934F12DB}"/>
               </a:ext>
             </a:extLst>
           </p:cNvPr>
@@ -10865,13 +11305,13 @@
             <a:spLocks noGrp="1"/>
           </p:cNvSpPr>
           <p:nvPr>
-            <p:ph type="body" idx="1"/>
-          </p:nvPr>
-        </p:nvSpPr>
-        <p:spPr>
-          <a:xfrm>
-            <a:off x="646112" y="1309225"/>
-            <a:ext cx="4396338" cy="576262"/>
+            <p:ph type="body" sz="quarter" idx="3"/>
+          </p:nvPr>
+        </p:nvSpPr>
+        <p:spPr>
+          <a:xfrm>
+            <a:off x="726860" y="1905000"/>
+            <a:ext cx="4396339" cy="576262"/>
           </a:xfrm>
         </p:spPr>
         <p:txBody>
@@ -10880,17 +11320,17 @@
           <a:p>
             <a:r>
               <a:rPr lang="en-US" dirty="0"/>
-              <a:t>Skip to Phase 3 (a.k.a. DDD)</a:t>
-            </a:r>
-          </a:p>
-        </p:txBody>
-      </p:sp>
-      <p:sp>
-        <p:nvSpPr>
-          <p:cNvPr id="4" name="Content Placeholder 3">
+              <a:t>C#</a:t>
+            </a:r>
+          </a:p>
+        </p:txBody>
+      </p:sp>
+      <p:sp>
+        <p:nvSpPr>
+          <p:cNvPr id="6" name="Content Placeholder 5">
             <a:extLst>
               <a:ext uri="{FF2B5EF4-FFF2-40B4-BE49-F238E27FC236}">
-                <a16:creationId xmlns:a16="http://schemas.microsoft.com/office/drawing/2014/main" id="{C682850D-0EE4-4C1A-9AA7-802CE5591ADA}"/>
+                <a16:creationId xmlns:a16="http://schemas.microsoft.com/office/drawing/2014/main" id="{7D772B96-99A3-4578-AA39-BD1EBF82A7A9}"/>
               </a:ext>
             </a:extLst>
           </p:cNvPr>
@@ -10898,73 +11338,56 @@
             <a:spLocks noGrp="1"/>
           </p:cNvSpPr>
           <p:nvPr>
-            <p:ph sz="half" idx="2"/>
-          </p:nvPr>
-        </p:nvSpPr>
-        <p:spPr>
-          <a:xfrm>
-            <a:off x="646111" y="1853248"/>
-            <a:ext cx="4396339" cy="4760616"/>
+            <p:ph sz="quarter" idx="4"/>
+          </p:nvPr>
+        </p:nvSpPr>
+        <p:spPr>
+          <a:xfrm>
+            <a:off x="726861" y="2514600"/>
+            <a:ext cx="2788168" cy="3741738"/>
           </a:xfrm>
         </p:spPr>
         <p:txBody>
           <a:bodyPr>
-            <a:normAutofit fontScale="85000" lnSpcReduction="10000"/>
+            <a:normAutofit lnSpcReduction="10000"/>
           </a:bodyPr>
           <a:lstStyle/>
           <a:p>
             <a:r>
               <a:rPr lang="en-US" dirty="0"/>
-              <a:t>Domain Driven Design / TDD</a:t>
-            </a:r>
-          </a:p>
-          <a:p>
-            <a:pPr lvl="1"/>
-            <a:r>
-              <a:rPr lang="en-US" dirty="0"/>
-              <a:t>Develop domain entities and business logic first without worrying about implementation details</a:t>
-            </a:r>
-          </a:p>
-          <a:p>
-            <a:r>
-              <a:rPr lang="en-US" dirty="0"/>
-              <a:t>“Exploratory Coding” – Great for when you just got off a call discussing a new project, and you want to flesh out the core logic.</a:t>
-            </a:r>
-          </a:p>
-          <a:p>
-            <a:r>
-              <a:rPr lang="en-US" dirty="0"/>
-              <a:t>I like to annotate simple args (items and couponCode), and only use type inference for function signatures.  </a:t>
-            </a:r>
-          </a:p>
-          <a:p>
-            <a:r>
-              <a:rPr lang="en-US" dirty="0"/>
-              <a:t>Type inferred args are kind of like “putty” in that they conform to whatever is pressed up against them on either side!</a:t>
-            </a:r>
-          </a:p>
-          <a:p>
-            <a:r>
-              <a:rPr lang="en-US" dirty="0"/>
-              <a:t>When IO is implemented, you can create a “checkout” function that builds up the “</a:t>
-            </a:r>
-            <a:r>
-              <a:rPr lang="en-US" dirty="0" err="1"/>
-              <a:t>checkoutTemplate</a:t>
-            </a:r>
-            <a:r>
-              <a:rPr lang="en-US" dirty="0"/>
-              <a:t>” using partial application.</a:t>
+              <a:t>Entities are often </a:t>
+            </a:r>
+            <a:br>
+              <a:rPr lang="en-US" dirty="0"/>
+            </a:br>
+            <a:r>
+              <a:rPr lang="en-US" dirty="0"/>
+              <a:t>1-file-per-class</a:t>
+            </a:r>
+          </a:p>
+          <a:p>
+            <a:endParaRPr lang="en-US" dirty="0"/>
+          </a:p>
+          <a:p>
+            <a:r>
+              <a:rPr lang="en-US" dirty="0"/>
+              <a:t>Interfaces are necessary for testability; and they are often used even if no tests are written to adhere to best practices (loose coupling).</a:t>
+            </a:r>
+          </a:p>
+          <a:p>
+            <a:r>
+              <a:rPr lang="en-US" dirty="0"/>
+              <a:t>Files listed in ABC order</a:t>
             </a:r>
           </a:p>
         </p:txBody>
       </p:sp>
       <p:pic>
         <p:nvPicPr>
-          <p:cNvPr id="7" name="Picture 6">
+          <p:cNvPr id="10" name="Picture 9">
             <a:extLst>
               <a:ext uri="{FF2B5EF4-FFF2-40B4-BE49-F238E27FC236}">
-                <a16:creationId xmlns:a16="http://schemas.microsoft.com/office/drawing/2014/main" id="{6171942B-B0AC-4293-AB7C-985745F63CCD}"/>
+                <a16:creationId xmlns:a16="http://schemas.microsoft.com/office/drawing/2014/main" id="{64DC9CC8-69FC-4E1E-8091-9CDC9BA54535}"/>
               </a:ext>
             </a:extLst>
           </p:cNvPr>
@@ -10981,8 +11404,127 @@
         </p:blipFill>
         <p:spPr>
           <a:xfrm>
-            <a:off x="5707391" y="1248825"/>
-            <a:ext cx="5677692" cy="5496692"/>
+            <a:off x="3646058" y="2533014"/>
+            <a:ext cx="2343150" cy="3248025"/>
+          </a:xfrm>
+          <a:prstGeom prst="rect">
+            <a:avLst/>
+          </a:prstGeom>
+        </p:spPr>
+      </p:pic>
+      <p:sp>
+        <p:nvSpPr>
+          <p:cNvPr id="13" name="Text Placeholder 2">
+            <a:extLst>
+              <a:ext uri="{FF2B5EF4-FFF2-40B4-BE49-F238E27FC236}">
+                <a16:creationId xmlns:a16="http://schemas.microsoft.com/office/drawing/2014/main" id="{B8ED4B78-3338-49B5-85CD-F88DDB456EDF}"/>
+              </a:ext>
+            </a:extLst>
+          </p:cNvPr>
+          <p:cNvSpPr>
+            <a:spLocks noGrp="1"/>
+          </p:cNvSpPr>
+          <p:nvPr>
+            <p:ph type="body" idx="1"/>
+          </p:nvPr>
+        </p:nvSpPr>
+        <p:spPr>
+          <a:xfrm>
+            <a:off x="6660410" y="1905000"/>
+            <a:ext cx="4396338" cy="576262"/>
+          </a:xfrm>
+        </p:spPr>
+        <p:txBody>
+          <a:bodyPr/>
+          <a:lstStyle/>
+          <a:p>
+            <a:r>
+              <a:rPr lang="en-US" dirty="0"/>
+              <a:t>F#</a:t>
+            </a:r>
+          </a:p>
+        </p:txBody>
+      </p:sp>
+      <p:sp>
+        <p:nvSpPr>
+          <p:cNvPr id="14" name="Content Placeholder 3">
+            <a:extLst>
+              <a:ext uri="{FF2B5EF4-FFF2-40B4-BE49-F238E27FC236}">
+                <a16:creationId xmlns:a16="http://schemas.microsoft.com/office/drawing/2014/main" id="{96D479C2-1C64-445C-AE99-5B6A15381E3E}"/>
+              </a:ext>
+            </a:extLst>
+          </p:cNvPr>
+          <p:cNvSpPr>
+            <a:spLocks noGrp="1"/>
+          </p:cNvSpPr>
+          <p:nvPr>
+            <p:ph sz="half" idx="2"/>
+          </p:nvPr>
+        </p:nvSpPr>
+        <p:spPr>
+          <a:xfrm>
+            <a:off x="6600521" y="2514600"/>
+            <a:ext cx="2788168" cy="3741738"/>
+          </a:xfrm>
+        </p:spPr>
+        <p:txBody>
+          <a:bodyPr>
+            <a:normAutofit lnSpcReduction="10000"/>
+          </a:bodyPr>
+          <a:lstStyle/>
+          <a:p>
+            <a:r>
+              <a:rPr lang="en-US" dirty="0"/>
+              <a:t>Entities often live in modules alongside functions</a:t>
+            </a:r>
+          </a:p>
+          <a:p>
+            <a:r>
+              <a:rPr lang="en-US" dirty="0"/>
+              <a:t>Interfaces are never needed for testability or loose coupling.</a:t>
+            </a:r>
+          </a:p>
+          <a:p>
+            <a:endParaRPr lang="en-US" dirty="0"/>
+          </a:p>
+          <a:p>
+            <a:endParaRPr lang="en-US" dirty="0"/>
+          </a:p>
+          <a:p>
+            <a:endParaRPr lang="en-US" dirty="0"/>
+          </a:p>
+          <a:p>
+            <a:r>
+              <a:rPr lang="en-US" dirty="0"/>
+              <a:t>Files are order dependent</a:t>
+            </a:r>
+          </a:p>
+        </p:txBody>
+      </p:sp>
+      <p:pic>
+        <p:nvPicPr>
+          <p:cNvPr id="15" name="Picture 14">
+            <a:extLst>
+              <a:ext uri="{FF2B5EF4-FFF2-40B4-BE49-F238E27FC236}">
+                <a16:creationId xmlns:a16="http://schemas.microsoft.com/office/drawing/2014/main" id="{1624C5AE-FFA2-4D75-84AE-ABAB4E2783AC}"/>
+              </a:ext>
+            </a:extLst>
+          </p:cNvPr>
+          <p:cNvPicPr>
+            <a:picLocks noChangeAspect="1"/>
+          </p:cNvPicPr>
+          <p:nvPr/>
+        </p:nvPicPr>
+        <p:blipFill>
+          <a:blip r:embed="rId3"/>
+          <a:stretch>
+            <a:fillRect/>
+          </a:stretch>
+        </p:blipFill>
+        <p:spPr>
+          <a:xfrm>
+            <a:off x="9388689" y="2533014"/>
+            <a:ext cx="2076450" cy="1552575"/>
           </a:xfrm>
           <a:prstGeom prst="rect">
             <a:avLst/>
@@ -10992,7 +11534,7 @@
     </p:spTree>
     <p:extLst>
       <p:ext uri="{BB962C8B-B14F-4D97-AF65-F5344CB8AC3E}">
-        <p14:creationId xmlns:p14="http://schemas.microsoft.com/office/powerpoint/2010/main" val="3385578703"/>
+        <p14:creationId xmlns:p14="http://schemas.microsoft.com/office/powerpoint/2010/main" val="45220065"/>
       </p:ext>
     </p:extLst>
   </p:cSld>
@@ -11024,7 +11566,7 @@
           <p:cNvPr id="2" name="Title 1">
             <a:extLst>
               <a:ext uri="{FF2B5EF4-FFF2-40B4-BE49-F238E27FC236}">
-                <a16:creationId xmlns:a16="http://schemas.microsoft.com/office/drawing/2014/main" id="{DE0F745F-FF52-458A-AE61-2C83A6720BAA}"/>
+                <a16:creationId xmlns:a16="http://schemas.microsoft.com/office/drawing/2014/main" id="{92FC65F2-A61F-4170-8ED9-19A12762CC2D}"/>
               </a:ext>
             </a:extLst>
           </p:cNvPr>
@@ -11035,27 +11577,357 @@
             <p:ph type="title"/>
           </p:nvPr>
         </p:nvSpPr>
-        <p:spPr>
-          <a:xfrm>
-            <a:off x="5166803" y="2922973"/>
-            <a:ext cx="1331651" cy="736846"/>
-          </a:xfrm>
-        </p:spPr>
+        <p:spPr/>
         <p:txBody>
           <a:bodyPr/>
           <a:lstStyle/>
           <a:p>
             <a:r>
               <a:rPr lang="en-US" dirty="0"/>
-              <a:t>&lt;/&gt;</a:t>
-            </a:r>
-          </a:p>
-        </p:txBody>
-      </p:sp>
+              <a:t>Side-by-side: Database</a:t>
+            </a:r>
+          </a:p>
+        </p:txBody>
+      </p:sp>
+      <p:sp>
+        <p:nvSpPr>
+          <p:cNvPr id="3" name="Text Placeholder 2">
+            <a:extLst>
+              <a:ext uri="{FF2B5EF4-FFF2-40B4-BE49-F238E27FC236}">
+                <a16:creationId xmlns:a16="http://schemas.microsoft.com/office/drawing/2014/main" id="{10EA2A3A-A1E2-4520-943D-95094FFD30B2}"/>
+              </a:ext>
+            </a:extLst>
+          </p:cNvPr>
+          <p:cNvSpPr>
+            <a:spLocks noGrp="1"/>
+          </p:cNvSpPr>
+          <p:nvPr>
+            <p:ph type="body" idx="1"/>
+          </p:nvPr>
+        </p:nvSpPr>
+        <p:spPr>
+          <a:xfrm>
+            <a:off x="319597" y="997447"/>
+            <a:ext cx="4396338" cy="576262"/>
+          </a:xfrm>
+        </p:spPr>
+        <p:txBody>
+          <a:bodyPr/>
+          <a:lstStyle/>
+          <a:p>
+            <a:r>
+              <a:rPr lang="en-US" dirty="0"/>
+              <a:t>C# - </a:t>
+            </a:r>
+            <a:r>
+              <a:rPr lang="en-US" dirty="0" err="1"/>
+              <a:t>Database.cs</a:t>
+            </a:r>
+            <a:endParaRPr lang="en-US" dirty="0"/>
+          </a:p>
+        </p:txBody>
+      </p:sp>
+      <p:sp>
+        <p:nvSpPr>
+          <p:cNvPr id="5" name="Text Placeholder 4">
+            <a:extLst>
+              <a:ext uri="{FF2B5EF4-FFF2-40B4-BE49-F238E27FC236}">
+                <a16:creationId xmlns:a16="http://schemas.microsoft.com/office/drawing/2014/main" id="{05A6D049-CA1A-4163-884F-B24572F5FD12}"/>
+              </a:ext>
+            </a:extLst>
+          </p:cNvPr>
+          <p:cNvSpPr>
+            <a:spLocks noGrp="1"/>
+          </p:cNvSpPr>
+          <p:nvPr>
+            <p:ph type="body" sz="quarter" idx="3"/>
+          </p:nvPr>
+        </p:nvSpPr>
+        <p:spPr>
+          <a:xfrm>
+            <a:off x="6085063" y="997447"/>
+            <a:ext cx="4396339" cy="576262"/>
+          </a:xfrm>
+        </p:spPr>
+        <p:txBody>
+          <a:bodyPr/>
+          <a:lstStyle/>
+          <a:p>
+            <a:r>
+              <a:rPr lang="en-US" dirty="0"/>
+              <a:t>F# - </a:t>
+            </a:r>
+            <a:r>
+              <a:rPr lang="en-US" dirty="0" err="1"/>
+              <a:t>Database.fs</a:t>
+            </a:r>
+            <a:endParaRPr lang="en-US" dirty="0"/>
+          </a:p>
+        </p:txBody>
+      </p:sp>
+      <p:pic>
+        <p:nvPicPr>
+          <p:cNvPr id="7" name="Picture 6">
+            <a:extLst>
+              <a:ext uri="{FF2B5EF4-FFF2-40B4-BE49-F238E27FC236}">
+                <a16:creationId xmlns:a16="http://schemas.microsoft.com/office/drawing/2014/main" id="{0EC10273-42A0-448A-BA4D-D85A7518FB2B}"/>
+              </a:ext>
+            </a:extLst>
+          </p:cNvPr>
+          <p:cNvPicPr>
+            <a:picLocks noChangeAspect="1"/>
+          </p:cNvPicPr>
+          <p:nvPr/>
+        </p:nvPicPr>
+        <p:blipFill>
+          <a:blip r:embed="rId2"/>
+          <a:stretch>
+            <a:fillRect/>
+          </a:stretch>
+        </p:blipFill>
+        <p:spPr>
+          <a:xfrm>
+            <a:off x="319597" y="1604092"/>
+            <a:ext cx="5776403" cy="5182838"/>
+          </a:xfrm>
+          <a:prstGeom prst="rect">
+            <a:avLst/>
+          </a:prstGeom>
+        </p:spPr>
+      </p:pic>
+      <p:pic>
+        <p:nvPicPr>
+          <p:cNvPr id="9" name="Picture 8">
+            <a:extLst>
+              <a:ext uri="{FF2B5EF4-FFF2-40B4-BE49-F238E27FC236}">
+                <a16:creationId xmlns:a16="http://schemas.microsoft.com/office/drawing/2014/main" id="{61E13E98-2B92-4D4E-BD2E-103A82F028E9}"/>
+              </a:ext>
+            </a:extLst>
+          </p:cNvPr>
+          <p:cNvPicPr>
+            <a:picLocks noChangeAspect="1"/>
+          </p:cNvPicPr>
+          <p:nvPr/>
+        </p:nvPicPr>
+        <p:blipFill>
+          <a:blip r:embed="rId3"/>
+          <a:stretch>
+            <a:fillRect/>
+          </a:stretch>
+        </p:blipFill>
+        <p:spPr>
+          <a:xfrm>
+            <a:off x="6200728" y="1604092"/>
+            <a:ext cx="5791877" cy="3926696"/>
+          </a:xfrm>
+          <a:prstGeom prst="rect">
+            <a:avLst/>
+          </a:prstGeom>
+        </p:spPr>
+      </p:pic>
     </p:spTree>
     <p:extLst>
       <p:ext uri="{BB962C8B-B14F-4D97-AF65-F5344CB8AC3E}">
-        <p14:creationId xmlns:p14="http://schemas.microsoft.com/office/powerpoint/2010/main" val="3915240009"/>
+        <p14:creationId xmlns:p14="http://schemas.microsoft.com/office/powerpoint/2010/main" val="912934630"/>
+      </p:ext>
+    </p:extLst>
+  </p:cSld>
+  <p:clrMapOvr>
+    <a:masterClrMapping/>
+  </p:clrMapOvr>
+</p:sld>
+</file>
+
+<file path=ppt/slides/slide29.xml><?xml version="1.0" encoding="utf-8"?>
+<p:sld xmlns:a="http://schemas.openxmlformats.org/drawingml/2006/main" xmlns:r="http://schemas.openxmlformats.org/officeDocument/2006/relationships" xmlns:p="http://schemas.openxmlformats.org/presentationml/2006/main">
+  <p:cSld>
+    <p:spTree>
+      <p:nvGrpSpPr>
+        <p:cNvPr id="1" name=""/>
+        <p:cNvGrpSpPr/>
+        <p:nvPr/>
+      </p:nvGrpSpPr>
+      <p:grpSpPr>
+        <a:xfrm>
+          <a:off x="0" y="0"/>
+          <a:ext cx="0" cy="0"/>
+          <a:chOff x="0" y="0"/>
+          <a:chExt cx="0" cy="0"/>
+        </a:xfrm>
+      </p:grpSpPr>
+      <p:sp>
+        <p:nvSpPr>
+          <p:cNvPr id="2" name="Title 1">
+            <a:extLst>
+              <a:ext uri="{FF2B5EF4-FFF2-40B4-BE49-F238E27FC236}">
+                <a16:creationId xmlns:a16="http://schemas.microsoft.com/office/drawing/2014/main" id="{CD9999A5-805A-4B1A-85AA-B4D5D4FEA64C}"/>
+              </a:ext>
+            </a:extLst>
+          </p:cNvPr>
+          <p:cNvSpPr>
+            <a:spLocks noGrp="1"/>
+          </p:cNvSpPr>
+          <p:nvPr>
+            <p:ph type="title"/>
+          </p:nvPr>
+        </p:nvSpPr>
+        <p:spPr/>
+        <p:txBody>
+          <a:bodyPr/>
+          <a:lstStyle/>
+          <a:p>
+            <a:r>
+              <a:rPr lang="en-US" dirty="0"/>
+              <a:t>Side-by-side: </a:t>
+            </a:r>
+            <a:r>
+              <a:rPr lang="en-US" dirty="0" err="1"/>
+              <a:t>StockApi</a:t>
+            </a:r>
+            <a:endParaRPr lang="en-US" dirty="0"/>
+          </a:p>
+        </p:txBody>
+      </p:sp>
+      <p:sp>
+        <p:nvSpPr>
+          <p:cNvPr id="3" name="Text Placeholder 2">
+            <a:extLst>
+              <a:ext uri="{FF2B5EF4-FFF2-40B4-BE49-F238E27FC236}">
+                <a16:creationId xmlns:a16="http://schemas.microsoft.com/office/drawing/2014/main" id="{FFFE4E01-A40C-451F-B06D-97B01E5447E3}"/>
+              </a:ext>
+            </a:extLst>
+          </p:cNvPr>
+          <p:cNvSpPr>
+            <a:spLocks noGrp="1"/>
+          </p:cNvSpPr>
+          <p:nvPr>
+            <p:ph type="body" idx="1"/>
+          </p:nvPr>
+        </p:nvSpPr>
+        <p:spPr>
+          <a:xfrm>
+            <a:off x="75113" y="1541015"/>
+            <a:ext cx="4396338" cy="576262"/>
+          </a:xfrm>
+        </p:spPr>
+        <p:txBody>
+          <a:bodyPr/>
+          <a:lstStyle/>
+          <a:p>
+            <a:r>
+              <a:rPr lang="en-US" dirty="0"/>
+              <a:t>C#: </a:t>
+            </a:r>
+            <a:r>
+              <a:rPr lang="en-US" dirty="0" err="1"/>
+              <a:t>StockApi.cs</a:t>
+            </a:r>
+            <a:endParaRPr lang="en-US" dirty="0"/>
+          </a:p>
+        </p:txBody>
+      </p:sp>
+      <p:sp>
+        <p:nvSpPr>
+          <p:cNvPr id="5" name="Text Placeholder 4">
+            <a:extLst>
+              <a:ext uri="{FF2B5EF4-FFF2-40B4-BE49-F238E27FC236}">
+                <a16:creationId xmlns:a16="http://schemas.microsoft.com/office/drawing/2014/main" id="{06B0338F-E234-4316-8F81-E862FA31808E}"/>
+              </a:ext>
+            </a:extLst>
+          </p:cNvPr>
+          <p:cNvSpPr>
+            <a:spLocks noGrp="1"/>
+          </p:cNvSpPr>
+          <p:nvPr>
+            <p:ph type="body" sz="quarter" idx="3"/>
+          </p:nvPr>
+        </p:nvSpPr>
+        <p:spPr>
+          <a:xfrm>
+            <a:off x="7128187" y="1541015"/>
+            <a:ext cx="4396339" cy="576262"/>
+          </a:xfrm>
+        </p:spPr>
+        <p:txBody>
+          <a:bodyPr/>
+          <a:lstStyle/>
+          <a:p>
+            <a:r>
+              <a:rPr lang="en-US" dirty="0"/>
+              <a:t>F#: </a:t>
+            </a:r>
+            <a:r>
+              <a:rPr lang="en-US" dirty="0" err="1"/>
+              <a:t>StockApi.fs</a:t>
+            </a:r>
+            <a:endParaRPr lang="en-US" dirty="0"/>
+          </a:p>
+        </p:txBody>
+      </p:sp>
+      <p:pic>
+        <p:nvPicPr>
+          <p:cNvPr id="7" name="Picture 6">
+            <a:extLst>
+              <a:ext uri="{FF2B5EF4-FFF2-40B4-BE49-F238E27FC236}">
+                <a16:creationId xmlns:a16="http://schemas.microsoft.com/office/drawing/2014/main" id="{392AEB5C-7356-4665-9492-F61A0BBB727C}"/>
+              </a:ext>
+            </a:extLst>
+          </p:cNvPr>
+          <p:cNvPicPr>
+            <a:picLocks noChangeAspect="1"/>
+          </p:cNvPicPr>
+          <p:nvPr/>
+        </p:nvPicPr>
+        <p:blipFill>
+          <a:blip r:embed="rId2"/>
+          <a:stretch>
+            <a:fillRect/>
+          </a:stretch>
+        </p:blipFill>
+        <p:spPr>
+          <a:xfrm>
+            <a:off x="75113" y="2117277"/>
+            <a:ext cx="6963747" cy="4201111"/>
+          </a:xfrm>
+          <a:prstGeom prst="rect">
+            <a:avLst/>
+          </a:prstGeom>
+        </p:spPr>
+      </p:pic>
+      <p:pic>
+        <p:nvPicPr>
+          <p:cNvPr id="10" name="Picture 9">
+            <a:extLst>
+              <a:ext uri="{FF2B5EF4-FFF2-40B4-BE49-F238E27FC236}">
+                <a16:creationId xmlns:a16="http://schemas.microsoft.com/office/drawing/2014/main" id="{C77C6D71-77C1-48EA-AEC3-8D71A5F441AB}"/>
+              </a:ext>
+            </a:extLst>
+          </p:cNvPr>
+          <p:cNvPicPr>
+            <a:picLocks noChangeAspect="1"/>
+          </p:cNvPicPr>
+          <p:nvPr/>
+        </p:nvPicPr>
+        <p:blipFill>
+          <a:blip r:embed="rId3"/>
+          <a:stretch>
+            <a:fillRect/>
+          </a:stretch>
+        </p:blipFill>
+        <p:spPr>
+          <a:xfrm>
+            <a:off x="7190333" y="2117277"/>
+            <a:ext cx="4848902" cy="2905530"/>
+          </a:xfrm>
+          <a:prstGeom prst="rect">
+            <a:avLst/>
+          </a:prstGeom>
+        </p:spPr>
+      </p:pic>
+    </p:spTree>
+    <p:extLst>
+      <p:ext uri="{BB962C8B-B14F-4D97-AF65-F5344CB8AC3E}">
+        <p14:creationId xmlns:p14="http://schemas.microsoft.com/office/powerpoint/2010/main" val="1329166653"/>
       </p:ext>
     </p:extLst>
   </p:cSld>
@@ -11163,6 +12035,256 @@
     <p:extLst>
       <p:ext uri="{BB962C8B-B14F-4D97-AF65-F5344CB8AC3E}">
         <p14:creationId xmlns:p14="http://schemas.microsoft.com/office/powerpoint/2010/main" val="1744501645"/>
+      </p:ext>
+    </p:extLst>
+  </p:cSld>
+  <p:clrMapOvr>
+    <a:masterClrMapping/>
+  </p:clrMapOvr>
+</p:sld>
+</file>
+
+<file path=ppt/slides/slide30.xml><?xml version="1.0" encoding="utf-8"?>
+<p:sld xmlns:a="http://schemas.openxmlformats.org/drawingml/2006/main" xmlns:r="http://schemas.openxmlformats.org/officeDocument/2006/relationships" xmlns:p="http://schemas.openxmlformats.org/presentationml/2006/main">
+  <p:cSld>
+    <p:spTree>
+      <p:nvGrpSpPr>
+        <p:cNvPr id="1" name=""/>
+        <p:cNvGrpSpPr/>
+        <p:nvPr/>
+      </p:nvGrpSpPr>
+      <p:grpSpPr>
+        <a:xfrm>
+          <a:off x="0" y="0"/>
+          <a:ext cx="0" cy="0"/>
+          <a:chOff x="0" y="0"/>
+          <a:chExt cx="0" cy="0"/>
+        </a:xfrm>
+      </p:grpSpPr>
+      <p:sp>
+        <p:nvSpPr>
+          <p:cNvPr id="2" name="Title 1">
+            <a:extLst>
+              <a:ext uri="{FF2B5EF4-FFF2-40B4-BE49-F238E27FC236}">
+                <a16:creationId xmlns:a16="http://schemas.microsoft.com/office/drawing/2014/main" id="{36C21FA3-B9ED-4185-9FB9-EC4E9832AF60}"/>
+              </a:ext>
+            </a:extLst>
+          </p:cNvPr>
+          <p:cNvSpPr>
+            <a:spLocks noGrp="1"/>
+          </p:cNvSpPr>
+          <p:nvPr>
+            <p:ph type="title"/>
+          </p:nvPr>
+        </p:nvSpPr>
+        <p:spPr/>
+        <p:txBody>
+          <a:bodyPr/>
+          <a:lstStyle/>
+          <a:p>
+            <a:r>
+              <a:rPr lang="en-US" dirty="0"/>
+              <a:t>BONUS: Domain Driven Design</a:t>
+            </a:r>
+          </a:p>
+        </p:txBody>
+      </p:sp>
+      <p:sp>
+        <p:nvSpPr>
+          <p:cNvPr id="3" name="Text Placeholder 2">
+            <a:extLst>
+              <a:ext uri="{FF2B5EF4-FFF2-40B4-BE49-F238E27FC236}">
+                <a16:creationId xmlns:a16="http://schemas.microsoft.com/office/drawing/2014/main" id="{AE90A1F2-E109-4FE6-BCB8-58E1EC25A393}"/>
+              </a:ext>
+            </a:extLst>
+          </p:cNvPr>
+          <p:cNvSpPr>
+            <a:spLocks noGrp="1"/>
+          </p:cNvSpPr>
+          <p:nvPr>
+            <p:ph type="body" idx="1"/>
+          </p:nvPr>
+        </p:nvSpPr>
+        <p:spPr>
+          <a:xfrm>
+            <a:off x="646112" y="1309225"/>
+            <a:ext cx="4396338" cy="576262"/>
+          </a:xfrm>
+        </p:spPr>
+        <p:txBody>
+          <a:bodyPr/>
+          <a:lstStyle/>
+          <a:p>
+            <a:r>
+              <a:rPr lang="en-US" dirty="0"/>
+              <a:t>Skip to Phase 3 (a.k.a. DDD)</a:t>
+            </a:r>
+          </a:p>
+        </p:txBody>
+      </p:sp>
+      <p:sp>
+        <p:nvSpPr>
+          <p:cNvPr id="4" name="Content Placeholder 3">
+            <a:extLst>
+              <a:ext uri="{FF2B5EF4-FFF2-40B4-BE49-F238E27FC236}">
+                <a16:creationId xmlns:a16="http://schemas.microsoft.com/office/drawing/2014/main" id="{C682850D-0EE4-4C1A-9AA7-802CE5591ADA}"/>
+              </a:ext>
+            </a:extLst>
+          </p:cNvPr>
+          <p:cNvSpPr>
+            <a:spLocks noGrp="1"/>
+          </p:cNvSpPr>
+          <p:nvPr>
+            <p:ph sz="half" idx="2"/>
+          </p:nvPr>
+        </p:nvSpPr>
+        <p:spPr>
+          <a:xfrm>
+            <a:off x="646111" y="1853248"/>
+            <a:ext cx="4396339" cy="4760616"/>
+          </a:xfrm>
+        </p:spPr>
+        <p:txBody>
+          <a:bodyPr vert="horz" lIns="91440" tIns="45720" rIns="91440" bIns="45720" rtlCol="0" anchor="t">
+            <a:normAutofit fontScale="85000" lnSpcReduction="10000"/>
+          </a:bodyPr>
+          <a:lstStyle/>
+          <a:p>
+            <a:r>
+              <a:rPr lang="en-US" dirty="0"/>
+              <a:t>Domain Driven Design / TDD</a:t>
+            </a:r>
+          </a:p>
+          <a:p>
+            <a:pPr lvl="1"/>
+            <a:r>
+              <a:rPr lang="en-US" dirty="0"/>
+              <a:t>Develop domain entities and business logic first without worrying about implementation details</a:t>
+            </a:r>
+          </a:p>
+          <a:p>
+            <a:r>
+              <a:rPr lang="en-US" dirty="0"/>
+              <a:t>“Exploratory Coding” – Great for when you just got off a call discussing a new project, and you want to flesh out the core logic.</a:t>
+            </a:r>
+          </a:p>
+          <a:p>
+            <a:r>
+              <a:rPr lang="en-US" dirty="0"/>
+              <a:t>I like to annotate simple args (items and couponCode), and only use type inference for function signatures.  </a:t>
+            </a:r>
+          </a:p>
+          <a:p>
+            <a:r>
+              <a:rPr lang="en-US" dirty="0"/>
+              <a:t>Type inferred args are kind of like “putty” in that they conform to whatever is pressed up against them on either side!</a:t>
+            </a:r>
+          </a:p>
+          <a:p>
+            <a:r>
+              <a:rPr lang="en-US" dirty="0"/>
+              <a:t>When IO is implemented, you can create a “checkout” function that builds up the “checkoutTemplate” using partial application.</a:t>
+            </a:r>
+          </a:p>
+        </p:txBody>
+      </p:sp>
+      <p:pic>
+        <p:nvPicPr>
+          <p:cNvPr id="6" name="Picture 7" descr="A screenshot of a cell phone&#10;&#10;Description generated with very high confidence">
+            <a:extLst>
+              <a:ext uri="{FF2B5EF4-FFF2-40B4-BE49-F238E27FC236}">
+                <a16:creationId xmlns:a16="http://schemas.microsoft.com/office/drawing/2014/main" id="{4FD77B5F-50B6-4510-A0F9-A7E02AA7B08C}"/>
+              </a:ext>
+            </a:extLst>
+          </p:cNvPr>
+          <p:cNvPicPr>
+            <a:picLocks noChangeAspect="1"/>
+          </p:cNvPicPr>
+          <p:nvPr/>
+        </p:nvPicPr>
+        <p:blipFill>
+          <a:blip r:embed="rId2"/>
+          <a:stretch>
+            <a:fillRect/>
+          </a:stretch>
+        </p:blipFill>
+        <p:spPr>
+          <a:xfrm>
+            <a:off x="5467815" y="1167596"/>
+            <a:ext cx="5651809" cy="5665805"/>
+          </a:xfrm>
+          <a:prstGeom prst="rect">
+            <a:avLst/>
+          </a:prstGeom>
+        </p:spPr>
+      </p:pic>
+    </p:spTree>
+    <p:extLst>
+      <p:ext uri="{BB962C8B-B14F-4D97-AF65-F5344CB8AC3E}">
+        <p14:creationId xmlns:p14="http://schemas.microsoft.com/office/powerpoint/2010/main" val="3385578703"/>
+      </p:ext>
+    </p:extLst>
+  </p:cSld>
+  <p:clrMapOvr>
+    <a:masterClrMapping/>
+  </p:clrMapOvr>
+</p:sld>
+</file>
+
+<file path=ppt/slides/slide31.xml><?xml version="1.0" encoding="utf-8"?>
+<p:sld xmlns:a="http://schemas.openxmlformats.org/drawingml/2006/main" xmlns:r="http://schemas.openxmlformats.org/officeDocument/2006/relationships" xmlns:p="http://schemas.openxmlformats.org/presentationml/2006/main">
+  <p:cSld>
+    <p:spTree>
+      <p:nvGrpSpPr>
+        <p:cNvPr id="1" name=""/>
+        <p:cNvGrpSpPr/>
+        <p:nvPr/>
+      </p:nvGrpSpPr>
+      <p:grpSpPr>
+        <a:xfrm>
+          <a:off x="0" y="0"/>
+          <a:ext cx="0" cy="0"/>
+          <a:chOff x="0" y="0"/>
+          <a:chExt cx="0" cy="0"/>
+        </a:xfrm>
+      </p:grpSpPr>
+      <p:sp>
+        <p:nvSpPr>
+          <p:cNvPr id="2" name="Title 1">
+            <a:extLst>
+              <a:ext uri="{FF2B5EF4-FFF2-40B4-BE49-F238E27FC236}">
+                <a16:creationId xmlns:a16="http://schemas.microsoft.com/office/drawing/2014/main" id="{DE0F745F-FF52-458A-AE61-2C83A6720BAA}"/>
+              </a:ext>
+            </a:extLst>
+          </p:cNvPr>
+          <p:cNvSpPr>
+            <a:spLocks noGrp="1"/>
+          </p:cNvSpPr>
+          <p:nvPr>
+            <p:ph type="title"/>
+          </p:nvPr>
+        </p:nvSpPr>
+        <p:spPr>
+          <a:xfrm>
+            <a:off x="5166803" y="2922973"/>
+            <a:ext cx="1331651" cy="736846"/>
+          </a:xfrm>
+        </p:spPr>
+        <p:txBody>
+          <a:bodyPr/>
+          <a:lstStyle/>
+          <a:p>
+            <a:r>
+              <a:rPr lang="en-US" dirty="0"/>
+              <a:t>&lt;/&gt;</a:t>
+            </a:r>
+          </a:p>
+        </p:txBody>
+      </p:sp>
+    </p:spTree>
+    <p:extLst>
+      <p:ext uri="{BB962C8B-B14F-4D97-AF65-F5344CB8AC3E}">
+        <p14:creationId xmlns:p14="http://schemas.microsoft.com/office/powerpoint/2010/main" val="3915240009"/>
       </p:ext>
     </p:extLst>
   </p:cSld>
@@ -11484,16 +12606,18 @@
         <p:spPr>
           <a:xfrm>
             <a:off x="1103312" y="2514600"/>
-            <a:ext cx="3646241" cy="3741738"/>
-          </a:xfrm>
-        </p:spPr>
-        <p:txBody>
-          <a:bodyPr/>
-          <a:lstStyle/>
-          <a:p>
-            <a:r>
-              <a:rPr lang="en-US" dirty="0"/>
-              <a:t>This is the “application root”</a:t>
+            <a:ext cx="3915182" cy="3741738"/>
+          </a:xfrm>
+        </p:spPr>
+        <p:txBody>
+          <a:bodyPr vert="horz" lIns="91440" tIns="45720" rIns="91440" bIns="45720" rtlCol="0" anchor="t">
+            <a:normAutofit/>
+          </a:bodyPr>
+          <a:lstStyle/>
+          <a:p>
+            <a:r>
+              <a:rPr lang="en-US" dirty="0"/>
+              <a:t>This is the “composition root”</a:t>
             </a:r>
           </a:p>
           <a:p>
@@ -12053,7 +13177,7 @@
           <p:cNvPr id="2" name="Title 1">
             <a:extLst>
               <a:ext uri="{FF2B5EF4-FFF2-40B4-BE49-F238E27FC236}">
-                <a16:creationId xmlns:a16="http://schemas.microsoft.com/office/drawing/2014/main" id="{F199C5C7-E7B8-4DBD-928A-AF37E434949A}"/>
+                <a16:creationId xmlns:a16="http://schemas.microsoft.com/office/drawing/2014/main" id="{007663B0-E33A-4165-A28E-8ADFDDAE1D8A}"/>
               </a:ext>
             </a:extLst>
           </p:cNvPr>
@@ -12064,19 +13188,14 @@
             <p:ph type="title"/>
           </p:nvPr>
         </p:nvSpPr>
-        <p:spPr>
-          <a:xfrm>
-            <a:off x="429407" y="452718"/>
-            <a:ext cx="9404723" cy="1400530"/>
-          </a:xfrm>
-        </p:spPr>
+        <p:spPr/>
         <p:txBody>
           <a:bodyPr/>
           <a:lstStyle/>
           <a:p>
             <a:r>
               <a:rPr lang="en-US" dirty="0"/>
-              <a:t>C# - Database</a:t>
+              <a:t>C# - Interfaces</a:t>
             </a:r>
           </a:p>
         </p:txBody>
@@ -12086,7 +13205,7 @@
           <p:cNvPr id="3" name="Text Placeholder 2">
             <a:extLst>
               <a:ext uri="{FF2B5EF4-FFF2-40B4-BE49-F238E27FC236}">
-                <a16:creationId xmlns:a16="http://schemas.microsoft.com/office/drawing/2014/main" id="{4DCF5594-AE39-42C4-B7F8-8E7CD9B08E64}"/>
+                <a16:creationId xmlns:a16="http://schemas.microsoft.com/office/drawing/2014/main" id="{802E11CB-9EAC-4177-83E9-4681F2238FBA}"/>
               </a:ext>
             </a:extLst>
           </p:cNvPr>
@@ -12097,12 +13216,7 @@
             <p:ph type="body" idx="1"/>
           </p:nvPr>
         </p:nvSpPr>
-        <p:spPr>
-          <a:xfrm>
-            <a:off x="429408" y="1853248"/>
-            <a:ext cx="4396338" cy="576262"/>
-          </a:xfrm>
-        </p:spPr>
+        <p:spPr/>
         <p:txBody>
           <a:bodyPr/>
           <a:lstStyle/>
@@ -12119,7 +13233,7 @@
           <p:cNvPr id="4" name="Content Placeholder 3">
             <a:extLst>
               <a:ext uri="{FF2B5EF4-FFF2-40B4-BE49-F238E27FC236}">
-                <a16:creationId xmlns:a16="http://schemas.microsoft.com/office/drawing/2014/main" id="{6007BDA2-11F7-4DEC-AB5B-EC1D68264D91}"/>
+                <a16:creationId xmlns:a16="http://schemas.microsoft.com/office/drawing/2014/main" id="{539DEA77-1DF4-4AD7-BEA5-798981574571}"/>
               </a:ext>
             </a:extLst>
           </p:cNvPr>
@@ -12130,60 +13244,32 @@
             <p:ph sz="half" idx="2"/>
           </p:nvPr>
         </p:nvSpPr>
-        <p:spPr>
-          <a:xfrm>
-            <a:off x="429407" y="2462848"/>
-            <a:ext cx="4036061" cy="3741738"/>
-          </a:xfrm>
-        </p:spPr>
-        <p:txBody>
-          <a:bodyPr/>
-          <a:lstStyle/>
-          <a:p>
-            <a:r>
-              <a:rPr lang="en-US" dirty="0"/>
-              <a:t>Connection string info is constructor injected</a:t>
-            </a:r>
-          </a:p>
-          <a:p>
-            <a:r>
-              <a:rPr lang="en-US" dirty="0"/>
-              <a:t>Basic ADO.NET query</a:t>
-            </a:r>
-          </a:p>
-          <a:p>
-            <a:r>
-              <a:rPr lang="en-US" dirty="0"/>
-              <a:t>Either returns </a:t>
-            </a:r>
-            <a:r>
-              <a:rPr lang="en-US" b="1" dirty="0" err="1"/>
-              <a:t>NotificationThresholds</a:t>
-            </a:r>
-            <a:r>
-              <a:rPr lang="en-US" dirty="0"/>
-              <a:t> or </a:t>
-            </a:r>
-            <a:r>
-              <a:rPr lang="en-US" b="1" dirty="0"/>
-              <a:t>null</a:t>
-            </a:r>
-          </a:p>
-          <a:p>
-            <a:pPr lvl="1"/>
-            <a:r>
-              <a:rPr lang="en-US" dirty="0"/>
-              <a:t>(The seasoned dev should know to check for nulls!)</a:t>
+        <p:spPr/>
+        <p:txBody>
+          <a:bodyPr vert="horz" lIns="91440" tIns="45720" rIns="91440" bIns="45720" rtlCol="0" anchor="t">
+            <a:normAutofit/>
+          </a:bodyPr>
+          <a:lstStyle/>
+          <a:p>
+            <a:r>
+              <a:rPr lang="en-US" dirty="0"/>
+              <a:t>Interfaces allow us to create "loosely coupled" services.</a:t>
+            </a:r>
+          </a:p>
+          <a:p>
+            <a:r>
+              <a:rPr lang="en-US" dirty="0"/>
+              <a:t>A.k.a. "design by contract" </a:t>
             </a:r>
           </a:p>
         </p:txBody>
       </p:sp>
       <p:pic>
         <p:nvPicPr>
-          <p:cNvPr id="8" name="Picture 7">
+          <p:cNvPr id="10" name="Picture 10" descr="A screen shot of a computer&#10;&#10;Description generated with very high confidence">
             <a:extLst>
               <a:ext uri="{FF2B5EF4-FFF2-40B4-BE49-F238E27FC236}">
-                <a16:creationId xmlns:a16="http://schemas.microsoft.com/office/drawing/2014/main" id="{2F34ED46-7C6D-457F-BD11-913F36476ECF}"/>
+                <a16:creationId xmlns:a16="http://schemas.microsoft.com/office/drawing/2014/main" id="{A2387499-477E-4782-8CD9-EC34769E23DA}"/>
               </a:ext>
             </a:extLst>
           </p:cNvPr>
@@ -12200,8 +13286,98 @@
         </p:blipFill>
         <p:spPr>
           <a:xfrm>
-            <a:off x="4609042" y="32863"/>
-            <a:ext cx="7582958" cy="6792273"/>
+            <a:off x="8526733" y="4238393"/>
+            <a:ext cx="2609850" cy="1447800"/>
+          </a:xfrm>
+          <a:prstGeom prst="rect">
+            <a:avLst/>
+          </a:prstGeom>
+        </p:spPr>
+      </p:pic>
+      <p:pic>
+        <p:nvPicPr>
+          <p:cNvPr id="11" name="Picture 11" descr="A screenshot of a cell phone&#10;&#10;Description generated with very high confidence">
+            <a:extLst>
+              <a:ext uri="{FF2B5EF4-FFF2-40B4-BE49-F238E27FC236}">
+                <a16:creationId xmlns:a16="http://schemas.microsoft.com/office/drawing/2014/main" id="{4BCCF35E-A2D7-4383-9BFA-288C69455A6D}"/>
+              </a:ext>
+            </a:extLst>
+          </p:cNvPr>
+          <p:cNvPicPr>
+            <a:picLocks noChangeAspect="1"/>
+          </p:cNvPicPr>
+          <p:nvPr/>
+        </p:nvPicPr>
+        <p:blipFill>
+          <a:blip r:embed="rId3"/>
+          <a:stretch>
+            <a:fillRect/>
+          </a:stretch>
+        </p:blipFill>
+        <p:spPr>
+          <a:xfrm>
+            <a:off x="2791523" y="4242508"/>
+            <a:ext cx="5586760" cy="1625423"/>
+          </a:xfrm>
+          <a:prstGeom prst="rect">
+            <a:avLst/>
+          </a:prstGeom>
+        </p:spPr>
+      </p:pic>
+      <p:pic>
+        <p:nvPicPr>
+          <p:cNvPr id="12" name="Picture 12" descr="A screen shot of a computer&#10;&#10;Description generated with very high confidence">
+            <a:extLst>
+              <a:ext uri="{FF2B5EF4-FFF2-40B4-BE49-F238E27FC236}">
+                <a16:creationId xmlns:a16="http://schemas.microsoft.com/office/drawing/2014/main" id="{F1425342-6880-41E6-8930-FC0648ABCE57}"/>
+              </a:ext>
+            </a:extLst>
+          </p:cNvPr>
+          <p:cNvPicPr>
+            <a:picLocks noChangeAspect="1"/>
+          </p:cNvPicPr>
+          <p:nvPr/>
+        </p:nvPicPr>
+        <p:blipFill>
+          <a:blip r:embed="rId4"/>
+          <a:stretch>
+            <a:fillRect/>
+          </a:stretch>
+        </p:blipFill>
+        <p:spPr>
+          <a:xfrm>
+            <a:off x="8525107" y="2477339"/>
+            <a:ext cx="3375103" cy="1578077"/>
+          </a:xfrm>
+          <a:prstGeom prst="rect">
+            <a:avLst/>
+          </a:prstGeom>
+        </p:spPr>
+      </p:pic>
+      <p:pic>
+        <p:nvPicPr>
+          <p:cNvPr id="13" name="Picture 13" descr="A screen shot of a computer&#10;&#10;Description generated with very high confidence">
+            <a:extLst>
+              <a:ext uri="{FF2B5EF4-FFF2-40B4-BE49-F238E27FC236}">
+                <a16:creationId xmlns:a16="http://schemas.microsoft.com/office/drawing/2014/main" id="{BEF4F3F1-072D-4ADE-8832-F6992B22D485}"/>
+              </a:ext>
+            </a:extLst>
+          </p:cNvPr>
+          <p:cNvPicPr>
+            <a:picLocks noChangeAspect="1"/>
+          </p:cNvPicPr>
+          <p:nvPr/>
+        </p:nvPicPr>
+        <p:blipFill>
+          <a:blip r:embed="rId5"/>
+          <a:stretch>
+            <a:fillRect/>
+          </a:stretch>
+        </p:blipFill>
+        <p:spPr>
+          <a:xfrm>
+            <a:off x="4808034" y="2478008"/>
+            <a:ext cx="3570248" cy="1576737"/>
           </a:xfrm>
           <a:prstGeom prst="rect">
             <a:avLst/>
@@ -12211,7 +13387,7 @@
     </p:spTree>
     <p:extLst>
       <p:ext uri="{BB962C8B-B14F-4D97-AF65-F5344CB8AC3E}">
-        <p14:creationId xmlns:p14="http://schemas.microsoft.com/office/powerpoint/2010/main" val="2185185561"/>
+        <p14:creationId xmlns:p14="http://schemas.microsoft.com/office/powerpoint/2010/main" val="4062489197"/>
       </p:ext>
     </p:extLst>
   </p:cSld>
@@ -12243,7 +13419,7 @@
           <p:cNvPr id="2" name="Title 1">
             <a:extLst>
               <a:ext uri="{FF2B5EF4-FFF2-40B4-BE49-F238E27FC236}">
-                <a16:creationId xmlns:a16="http://schemas.microsoft.com/office/drawing/2014/main" id="{0F0822A7-11E3-4794-B7A3-CCDCC40137F5}"/>
+                <a16:creationId xmlns:a16="http://schemas.microsoft.com/office/drawing/2014/main" id="{F199C5C7-E7B8-4DBD-928A-AF37E434949A}"/>
               </a:ext>
             </a:extLst>
           </p:cNvPr>
@@ -12254,20 +13430,20 @@
             <p:ph type="title"/>
           </p:nvPr>
         </p:nvSpPr>
-        <p:spPr/>
+        <p:spPr>
+          <a:xfrm>
+            <a:off x="429407" y="452718"/>
+            <a:ext cx="9404723" cy="1400530"/>
+          </a:xfrm>
+        </p:spPr>
         <p:txBody>
           <a:bodyPr/>
           <a:lstStyle/>
           <a:p>
             <a:r>
               <a:rPr lang="en-US" dirty="0"/>
-              <a:t>C# - </a:t>
-            </a:r>
-            <a:r>
-              <a:rPr lang="en-US" dirty="0" err="1"/>
-              <a:t>StockApi</a:t>
-            </a:r>
-            <a:endParaRPr lang="en-US" dirty="0"/>
+              <a:t>C# - Database</a:t>
+            </a:r>
           </a:p>
         </p:txBody>
       </p:sp>
@@ -12276,7 +13452,7 @@
           <p:cNvPr id="3" name="Text Placeholder 2">
             <a:extLst>
               <a:ext uri="{FF2B5EF4-FFF2-40B4-BE49-F238E27FC236}">
-                <a16:creationId xmlns:a16="http://schemas.microsoft.com/office/drawing/2014/main" id="{A2BE40B2-F449-4F82-945B-F4F92DAA20BA}"/>
+                <a16:creationId xmlns:a16="http://schemas.microsoft.com/office/drawing/2014/main" id="{4DCF5594-AE39-42C4-B7F8-8E7CD9B08E64}"/>
               </a:ext>
             </a:extLst>
           </p:cNvPr>
@@ -12287,7 +13463,12 @@
             <p:ph type="body" idx="1"/>
           </p:nvPr>
         </p:nvSpPr>
-        <p:spPr/>
+        <p:spPr>
+          <a:xfrm>
+            <a:off x="429408" y="1853248"/>
+            <a:ext cx="4396338" cy="576262"/>
+          </a:xfrm>
+        </p:spPr>
         <p:txBody>
           <a:bodyPr/>
           <a:lstStyle/>
@@ -12304,7 +13485,7 @@
           <p:cNvPr id="4" name="Content Placeholder 3">
             <a:extLst>
               <a:ext uri="{FF2B5EF4-FFF2-40B4-BE49-F238E27FC236}">
-                <a16:creationId xmlns:a16="http://schemas.microsoft.com/office/drawing/2014/main" id="{2C94510A-3776-40B7-BC92-1CF95BC8CBBC}"/>
+                <a16:creationId xmlns:a16="http://schemas.microsoft.com/office/drawing/2014/main" id="{6007BDA2-11F7-4DEC-AB5B-EC1D68264D91}"/>
               </a:ext>
             </a:extLst>
           </p:cNvPr>
@@ -12317,8 +13498,8 @@
         </p:nvSpPr>
         <p:spPr>
           <a:xfrm>
-            <a:off x="1103312" y="2514600"/>
-            <a:ext cx="3504199" cy="3741738"/>
+            <a:off x="429407" y="2462848"/>
+            <a:ext cx="4036061" cy="3741738"/>
           </a:xfrm>
         </p:spPr>
         <p:txBody>
@@ -12327,25 +13508,23 @@
           <a:p>
             <a:r>
               <a:rPr lang="en-US" dirty="0"/>
-              <a:t>Uses </a:t>
-            </a:r>
-            <a:r>
-              <a:rPr lang="en-US" dirty="0" err="1"/>
-              <a:t>YahooFinanceApi</a:t>
-            </a:r>
-            <a:r>
-              <a:rPr lang="en-US" dirty="0"/>
-              <a:t> to check stock price</a:t>
-            </a:r>
-          </a:p>
-          <a:p>
-            <a:r>
-              <a:rPr lang="en-US" dirty="0"/>
-              <a:t>Returns </a:t>
+              <a:t>Connection string info is constructor injected</a:t>
+            </a:r>
+          </a:p>
+          <a:p>
+            <a:r>
+              <a:rPr lang="en-US" dirty="0"/>
+              <a:t>Basic ADO.NET query</a:t>
+            </a:r>
+          </a:p>
+          <a:p>
+            <a:r>
+              <a:rPr lang="en-US" dirty="0"/>
+              <a:t>Either returns </a:t>
             </a:r>
             <a:r>
               <a:rPr lang="en-US" b="1" dirty="0" err="1"/>
-              <a:t>StockInfo</a:t>
+              <a:t>NotificationThresholds</a:t>
             </a:r>
             <a:r>
               <a:rPr lang="en-US" dirty="0"/>
@@ -12357,22 +13536,20 @@
             </a:r>
           </a:p>
           <a:p>
-            <a:endParaRPr lang="en-US" b="1" dirty="0"/>
-          </a:p>
-          <a:p>
-            <a:pPr marL="0" indent="0">
-              <a:buNone/>
-            </a:pPr>
-            <a:endParaRPr lang="en-US" b="1" dirty="0"/>
+            <a:pPr lvl="1"/>
+            <a:r>
+              <a:rPr lang="en-US" dirty="0"/>
+              <a:t>(The seasoned dev should know to check for nulls!)</a:t>
+            </a:r>
           </a:p>
         </p:txBody>
       </p:sp>
       <p:pic>
         <p:nvPicPr>
-          <p:cNvPr id="7" name="Picture 6">
+          <p:cNvPr id="8" name="Picture 7">
             <a:extLst>
               <a:ext uri="{FF2B5EF4-FFF2-40B4-BE49-F238E27FC236}">
-                <a16:creationId xmlns:a16="http://schemas.microsoft.com/office/drawing/2014/main" id="{9DC2E760-64FF-4FD2-BF61-37F31F63E908}"/>
+                <a16:creationId xmlns:a16="http://schemas.microsoft.com/office/drawing/2014/main" id="{2F34ED46-7C6D-457F-BD11-913F36476ECF}"/>
               </a:ext>
             </a:extLst>
           </p:cNvPr>
@@ -12389,8 +13566,8 @@
         </p:blipFill>
         <p:spPr>
           <a:xfrm>
-            <a:off x="4858230" y="1532631"/>
-            <a:ext cx="7020905" cy="4201111"/>
+            <a:off x="4609042" y="32863"/>
+            <a:ext cx="7582958" cy="6792273"/>
           </a:xfrm>
           <a:prstGeom prst="rect">
             <a:avLst/>
@@ -12400,7 +13577,7 @@
     </p:spTree>
     <p:extLst>
       <p:ext uri="{BB962C8B-B14F-4D97-AF65-F5344CB8AC3E}">
-        <p14:creationId xmlns:p14="http://schemas.microsoft.com/office/powerpoint/2010/main" val="1711907776"/>
+        <p14:creationId xmlns:p14="http://schemas.microsoft.com/office/powerpoint/2010/main" val="2185185561"/>
       </p:ext>
     </p:extLst>
   </p:cSld>
